--- a/OPAR/INTREP VIS OPAR-001 - Syrian ground combat tactics.pptx
+++ b/OPAR/INTREP VIS OPAR-001 - Syrian ground combat tactics.pptx
@@ -5,17 +5,19 @@
     <p:sldMasterId id="2147483648" r:id="rId1"/>
   </p:sldMasterIdLst>
   <p:notesMasterIdLst>
-    <p:notesMasterId r:id="rId10"/>
+    <p:notesMasterId r:id="rId12"/>
   </p:notesMasterIdLst>
   <p:sldIdLst>
     <p:sldId id="257" r:id="rId2"/>
     <p:sldId id="366" r:id="rId3"/>
-    <p:sldId id="364" r:id="rId4"/>
+    <p:sldId id="370" r:id="rId4"/>
     <p:sldId id="362" r:id="rId5"/>
-    <p:sldId id="369" r:id="rId6"/>
-    <p:sldId id="368" r:id="rId7"/>
-    <p:sldId id="367" r:id="rId8"/>
-    <p:sldId id="365" r:id="rId9"/>
+    <p:sldId id="371" r:id="rId6"/>
+    <p:sldId id="372" r:id="rId7"/>
+    <p:sldId id="369" r:id="rId8"/>
+    <p:sldId id="368" r:id="rId9"/>
+    <p:sldId id="367" r:id="rId10"/>
+    <p:sldId id="365" r:id="rId11"/>
   </p:sldIdLst>
   <p:sldSz cx="9144000" cy="5143500" type="screen16x9"/>
   <p:notesSz cx="6858000" cy="9144000"/>
@@ -369,6 +371,11 @@
         </p:txBody>
       </p:sp>
     </p:spTree>
+    <p:extLst>
+      <p:ext uri="{BB962C8B-B14F-4D97-AF65-F5344CB8AC3E}">
+        <p14:creationId xmlns:p14="http://schemas.microsoft.com/office/powerpoint/2010/main" val="2256331300"/>
+      </p:ext>
+    </p:extLst>
   </p:cSld>
   <p:clrMap bg1="lt1" tx1="dk1" bg2="lt2" tx2="dk2" accent1="accent1" accent2="accent2" accent3="accent3" accent4="accent4" accent5="accent5" accent6="accent6" hlink="hlink" folHlink="folHlink"/>
   <p:notesStyle>
@@ -4213,6 +4220,851 @@
 </p:sld>
 </file>
 
+<file path=ppt/slides/slide10.xml><?xml version="1.0" encoding="utf-8"?>
+<p:sld xmlns:a="http://schemas.openxmlformats.org/drawingml/2006/main" xmlns:r="http://schemas.openxmlformats.org/officeDocument/2006/relationships" xmlns:p="http://schemas.openxmlformats.org/presentationml/2006/main">
+  <p:cSld>
+    <p:spTree>
+      <p:nvGrpSpPr>
+        <p:cNvPr id="1" name=""/>
+        <p:cNvGrpSpPr/>
+        <p:nvPr/>
+      </p:nvGrpSpPr>
+      <p:grpSpPr>
+        <a:xfrm>
+          <a:off x="0" y="0"/>
+          <a:ext cx="0" cy="0"/>
+          <a:chOff x="0" y="0"/>
+          <a:chExt cx="0" cy="0"/>
+        </a:xfrm>
+      </p:grpSpPr>
+      <p:sp>
+        <p:nvSpPr>
+          <p:cNvPr id="2" name="Tittel 1"/>
+          <p:cNvSpPr>
+            <a:spLocks noGrp="1"/>
+          </p:cNvSpPr>
+          <p:nvPr>
+            <p:ph type="title"/>
+          </p:nvPr>
+        </p:nvSpPr>
+        <p:spPr/>
+        <p:txBody>
+          <a:bodyPr/>
+          <a:lstStyle/>
+          <a:p>
+            <a:r>
+              <a:rPr lang="en-US" dirty="0" smtClean="0"/>
+              <a:t>INTELLIGENCE GAPS</a:t>
+            </a:r>
+            <a:endParaRPr lang="en-US" dirty="0"/>
+          </a:p>
+        </p:txBody>
+      </p:sp>
+      <p:sp>
+        <p:nvSpPr>
+          <p:cNvPr id="5" name="Rektangel 4"/>
+          <p:cNvSpPr/>
+          <p:nvPr/>
+        </p:nvSpPr>
+        <p:spPr>
+          <a:xfrm>
+            <a:off x="3428960" y="642924"/>
+            <a:ext cx="5715040" cy="4286280"/>
+          </a:xfrm>
+          <a:prstGeom prst="rect">
+            <a:avLst/>
+          </a:prstGeom>
+          <a:solidFill>
+            <a:schemeClr val="tx2">
+              <a:lumMod val="20000"/>
+              <a:lumOff val="80000"/>
+            </a:schemeClr>
+          </a:solidFill>
+          <a:ln>
+            <a:solidFill>
+              <a:schemeClr val="tx1"/>
+            </a:solidFill>
+          </a:ln>
+        </p:spPr>
+        <p:style>
+          <a:lnRef idx="2">
+            <a:schemeClr val="accent1">
+              <a:shade val="50000"/>
+            </a:schemeClr>
+          </a:lnRef>
+          <a:fillRef idx="1">
+            <a:schemeClr val="accent1"/>
+          </a:fillRef>
+          <a:effectRef idx="0">
+            <a:schemeClr val="accent1"/>
+          </a:effectRef>
+          <a:fontRef idx="minor">
+            <a:schemeClr val="lt1"/>
+          </a:fontRef>
+        </p:style>
+        <p:txBody>
+          <a:bodyPr rtlCol="0" anchor="ctr"/>
+          <a:lstStyle/>
+          <a:p>
+            <a:pPr algn="ctr"/>
+            <a:r>
+              <a:rPr lang="nb-NO" dirty="0" smtClean="0"/>
+              <a:t>INSERT MAP HERE</a:t>
+            </a:r>
+            <a:endParaRPr lang="nb-NO" dirty="0"/>
+          </a:p>
+        </p:txBody>
+      </p:sp>
+      <p:sp>
+        <p:nvSpPr>
+          <p:cNvPr id="6" name="TekstSylinder 5"/>
+          <p:cNvSpPr txBox="1"/>
+          <p:nvPr/>
+        </p:nvSpPr>
+        <p:spPr>
+          <a:xfrm>
+            <a:off x="0" y="642924"/>
+            <a:ext cx="3428992" cy="4286280"/>
+          </a:xfrm>
+          <a:prstGeom prst="rect">
+            <a:avLst/>
+          </a:prstGeom>
+          <a:noFill/>
+          <a:ln>
+            <a:solidFill>
+              <a:schemeClr val="tx1"/>
+            </a:solidFill>
+          </a:ln>
+        </p:spPr>
+        <p:txBody>
+          <a:bodyPr wrap="square" rtlCol="0">
+            <a:normAutofit/>
+          </a:bodyPr>
+          <a:lstStyle/>
+          <a:p>
+            <a:pPr>
+              <a:buFontTx/>
+              <a:buChar char="-"/>
+            </a:pPr>
+            <a:r>
+              <a:rPr lang="nb-NO" sz="1200" dirty="0" err="1" smtClean="0"/>
+              <a:t>Provide</a:t>
+            </a:r>
+            <a:r>
+              <a:rPr lang="nb-NO" sz="1200" dirty="0" smtClean="0"/>
+              <a:t> a list </a:t>
+            </a:r>
+            <a:r>
+              <a:rPr lang="nb-NO" sz="1200" dirty="0" err="1" smtClean="0"/>
+              <a:t>of</a:t>
+            </a:r>
+            <a:r>
+              <a:rPr lang="nb-NO" sz="1200" dirty="0" smtClean="0"/>
+              <a:t> </a:t>
+            </a:r>
+            <a:r>
+              <a:rPr lang="nb-NO" sz="1200" dirty="0" err="1" smtClean="0"/>
+              <a:t>questions</a:t>
+            </a:r>
+            <a:r>
+              <a:rPr lang="nb-NO" sz="1200" dirty="0" smtClean="0"/>
+              <a:t> or gaps in </a:t>
+            </a:r>
+            <a:r>
+              <a:rPr lang="nb-NO" sz="1200" dirty="0" err="1" smtClean="0"/>
+              <a:t>intelligence</a:t>
+            </a:r>
+            <a:r>
+              <a:rPr lang="nb-NO" sz="1200" dirty="0" smtClean="0"/>
+              <a:t>, </a:t>
+            </a:r>
+            <a:r>
+              <a:rPr lang="nb-NO" sz="1200" dirty="0" err="1" smtClean="0"/>
+              <a:t>where</a:t>
+            </a:r>
+            <a:r>
+              <a:rPr lang="nb-NO" sz="1200" dirty="0" smtClean="0"/>
+              <a:t> </a:t>
+            </a:r>
+            <a:r>
+              <a:rPr lang="nb-NO" sz="1200" dirty="0" err="1" smtClean="0"/>
+              <a:t>taskings</a:t>
+            </a:r>
+            <a:r>
+              <a:rPr lang="nb-NO" sz="1200" dirty="0" smtClean="0"/>
+              <a:t> </a:t>
+            </a:r>
+            <a:r>
+              <a:rPr lang="nb-NO" sz="1200" dirty="0" err="1" smtClean="0"/>
+              <a:t>can</a:t>
+            </a:r>
+            <a:r>
+              <a:rPr lang="nb-NO" sz="1200" dirty="0" smtClean="0"/>
+              <a:t> be </a:t>
+            </a:r>
+            <a:r>
+              <a:rPr lang="nb-NO" sz="1200" dirty="0" err="1" smtClean="0"/>
+              <a:t>generated</a:t>
+            </a:r>
+            <a:r>
+              <a:rPr lang="nb-NO" sz="1200" dirty="0" smtClean="0"/>
+              <a:t> to </a:t>
+            </a:r>
+            <a:r>
+              <a:rPr lang="nb-NO" sz="1200" dirty="0" err="1" smtClean="0"/>
+              <a:t>collect</a:t>
+            </a:r>
+            <a:r>
+              <a:rPr lang="nb-NO" sz="1200" dirty="0" smtClean="0"/>
+              <a:t> </a:t>
+            </a:r>
+            <a:r>
+              <a:rPr lang="nb-NO" sz="1200" dirty="0" err="1" smtClean="0"/>
+              <a:t>information</a:t>
+            </a:r>
+            <a:endParaRPr lang="nb-NO" sz="1200" dirty="0"/>
+          </a:p>
+        </p:txBody>
+      </p:sp>
+      <p:sp>
+        <p:nvSpPr>
+          <p:cNvPr id="7" name="Ellipse 6"/>
+          <p:cNvSpPr/>
+          <p:nvPr/>
+        </p:nvSpPr>
+        <p:spPr>
+          <a:xfrm>
+            <a:off x="-928726" y="1000114"/>
+            <a:ext cx="214314" cy="214314"/>
+          </a:xfrm>
+          <a:prstGeom prst="ellipse">
+            <a:avLst/>
+          </a:prstGeom>
+          <a:solidFill>
+            <a:srgbClr val="C00000"/>
+          </a:solidFill>
+          <a:ln>
+            <a:solidFill>
+              <a:schemeClr val="tx1"/>
+            </a:solidFill>
+          </a:ln>
+        </p:spPr>
+        <p:style>
+          <a:lnRef idx="2">
+            <a:schemeClr val="accent1">
+              <a:shade val="50000"/>
+            </a:schemeClr>
+          </a:lnRef>
+          <a:fillRef idx="1">
+            <a:schemeClr val="accent1"/>
+          </a:fillRef>
+          <a:effectRef idx="0">
+            <a:schemeClr val="accent1"/>
+          </a:effectRef>
+          <a:fontRef idx="minor">
+            <a:schemeClr val="lt1"/>
+          </a:fontRef>
+        </p:style>
+        <p:txBody>
+          <a:bodyPr lIns="0" tIns="0" rIns="0" bIns="0" rtlCol="0" anchor="ctr"/>
+          <a:lstStyle/>
+          <a:p>
+            <a:pPr algn="ctr"/>
+            <a:r>
+              <a:rPr lang="nb-NO" sz="1200" dirty="0" smtClean="0"/>
+              <a:t>A</a:t>
+            </a:r>
+            <a:endParaRPr lang="nb-NO" sz="1200" dirty="0"/>
+          </a:p>
+        </p:txBody>
+      </p:sp>
+      <p:sp>
+        <p:nvSpPr>
+          <p:cNvPr id="8" name="Ellipse 7"/>
+          <p:cNvSpPr/>
+          <p:nvPr/>
+        </p:nvSpPr>
+        <p:spPr>
+          <a:xfrm>
+            <a:off x="-642974" y="1000114"/>
+            <a:ext cx="214314" cy="214314"/>
+          </a:xfrm>
+          <a:prstGeom prst="ellipse">
+            <a:avLst/>
+          </a:prstGeom>
+          <a:solidFill>
+            <a:srgbClr val="C00000"/>
+          </a:solidFill>
+          <a:ln>
+            <a:solidFill>
+              <a:schemeClr val="tx1"/>
+            </a:solidFill>
+          </a:ln>
+        </p:spPr>
+        <p:style>
+          <a:lnRef idx="2">
+            <a:schemeClr val="accent1">
+              <a:shade val="50000"/>
+            </a:schemeClr>
+          </a:lnRef>
+          <a:fillRef idx="1">
+            <a:schemeClr val="accent1"/>
+          </a:fillRef>
+          <a:effectRef idx="0">
+            <a:schemeClr val="accent1"/>
+          </a:effectRef>
+          <a:fontRef idx="minor">
+            <a:schemeClr val="lt1"/>
+          </a:fontRef>
+        </p:style>
+        <p:txBody>
+          <a:bodyPr lIns="0" tIns="0" rIns="0" bIns="0" rtlCol="0" anchor="ctr"/>
+          <a:lstStyle/>
+          <a:p>
+            <a:pPr algn="ctr"/>
+            <a:r>
+              <a:rPr lang="nb-NO" sz="1200" dirty="0" smtClean="0"/>
+              <a:t>A</a:t>
+            </a:r>
+            <a:endParaRPr lang="nb-NO" sz="1200" dirty="0"/>
+          </a:p>
+        </p:txBody>
+      </p:sp>
+      <p:sp>
+        <p:nvSpPr>
+          <p:cNvPr id="9" name="Ellipse 8"/>
+          <p:cNvSpPr/>
+          <p:nvPr/>
+        </p:nvSpPr>
+        <p:spPr>
+          <a:xfrm>
+            <a:off x="-928726" y="1285866"/>
+            <a:ext cx="214314" cy="214314"/>
+          </a:xfrm>
+          <a:prstGeom prst="ellipse">
+            <a:avLst/>
+          </a:prstGeom>
+          <a:solidFill>
+            <a:srgbClr val="C00000"/>
+          </a:solidFill>
+          <a:ln>
+            <a:solidFill>
+              <a:schemeClr val="tx1"/>
+            </a:solidFill>
+          </a:ln>
+        </p:spPr>
+        <p:style>
+          <a:lnRef idx="2">
+            <a:schemeClr val="accent1">
+              <a:shade val="50000"/>
+            </a:schemeClr>
+          </a:lnRef>
+          <a:fillRef idx="1">
+            <a:schemeClr val="accent1"/>
+          </a:fillRef>
+          <a:effectRef idx="0">
+            <a:schemeClr val="accent1"/>
+          </a:effectRef>
+          <a:fontRef idx="minor">
+            <a:schemeClr val="lt1"/>
+          </a:fontRef>
+        </p:style>
+        <p:txBody>
+          <a:bodyPr lIns="0" tIns="0" rIns="0" bIns="0" rtlCol="0" anchor="ctr"/>
+          <a:lstStyle/>
+          <a:p>
+            <a:pPr algn="ctr"/>
+            <a:r>
+              <a:rPr lang="nb-NO" sz="1200" dirty="0" smtClean="0"/>
+              <a:t>B</a:t>
+            </a:r>
+            <a:endParaRPr lang="nb-NO" sz="1200" dirty="0"/>
+          </a:p>
+        </p:txBody>
+      </p:sp>
+      <p:sp>
+        <p:nvSpPr>
+          <p:cNvPr id="10" name="Ellipse 9"/>
+          <p:cNvSpPr/>
+          <p:nvPr/>
+        </p:nvSpPr>
+        <p:spPr>
+          <a:xfrm>
+            <a:off x="-642974" y="1285866"/>
+            <a:ext cx="214314" cy="214314"/>
+          </a:xfrm>
+          <a:prstGeom prst="ellipse">
+            <a:avLst/>
+          </a:prstGeom>
+          <a:solidFill>
+            <a:srgbClr val="C00000"/>
+          </a:solidFill>
+          <a:ln>
+            <a:solidFill>
+              <a:schemeClr val="tx1"/>
+            </a:solidFill>
+          </a:ln>
+        </p:spPr>
+        <p:style>
+          <a:lnRef idx="2">
+            <a:schemeClr val="accent1">
+              <a:shade val="50000"/>
+            </a:schemeClr>
+          </a:lnRef>
+          <a:fillRef idx="1">
+            <a:schemeClr val="accent1"/>
+          </a:fillRef>
+          <a:effectRef idx="0">
+            <a:schemeClr val="accent1"/>
+          </a:effectRef>
+          <a:fontRef idx="minor">
+            <a:schemeClr val="lt1"/>
+          </a:fontRef>
+        </p:style>
+        <p:txBody>
+          <a:bodyPr lIns="0" tIns="0" rIns="0" bIns="0" rtlCol="0" anchor="ctr"/>
+          <a:lstStyle/>
+          <a:p>
+            <a:pPr algn="ctr"/>
+            <a:r>
+              <a:rPr lang="nb-NO" sz="1200" dirty="0" smtClean="0"/>
+              <a:t>B</a:t>
+            </a:r>
+            <a:endParaRPr lang="nb-NO" sz="1200" dirty="0"/>
+          </a:p>
+        </p:txBody>
+      </p:sp>
+      <p:sp>
+        <p:nvSpPr>
+          <p:cNvPr id="11" name="Ellipse 10"/>
+          <p:cNvSpPr/>
+          <p:nvPr/>
+        </p:nvSpPr>
+        <p:spPr>
+          <a:xfrm>
+            <a:off x="-928726" y="1571618"/>
+            <a:ext cx="214314" cy="214314"/>
+          </a:xfrm>
+          <a:prstGeom prst="ellipse">
+            <a:avLst/>
+          </a:prstGeom>
+          <a:solidFill>
+            <a:srgbClr val="C00000"/>
+          </a:solidFill>
+          <a:ln>
+            <a:solidFill>
+              <a:schemeClr val="tx1"/>
+            </a:solidFill>
+          </a:ln>
+        </p:spPr>
+        <p:style>
+          <a:lnRef idx="2">
+            <a:schemeClr val="accent1">
+              <a:shade val="50000"/>
+            </a:schemeClr>
+          </a:lnRef>
+          <a:fillRef idx="1">
+            <a:schemeClr val="accent1"/>
+          </a:fillRef>
+          <a:effectRef idx="0">
+            <a:schemeClr val="accent1"/>
+          </a:effectRef>
+          <a:fontRef idx="minor">
+            <a:schemeClr val="lt1"/>
+          </a:fontRef>
+        </p:style>
+        <p:txBody>
+          <a:bodyPr lIns="0" tIns="0" rIns="0" bIns="0" rtlCol="0" anchor="ctr"/>
+          <a:lstStyle/>
+          <a:p>
+            <a:pPr algn="ctr"/>
+            <a:r>
+              <a:rPr lang="nb-NO" sz="1200" dirty="0" smtClean="0"/>
+              <a:t>C</a:t>
+            </a:r>
+            <a:endParaRPr lang="nb-NO" sz="1200" dirty="0"/>
+          </a:p>
+        </p:txBody>
+      </p:sp>
+      <p:sp>
+        <p:nvSpPr>
+          <p:cNvPr id="12" name="Ellipse 11"/>
+          <p:cNvSpPr/>
+          <p:nvPr/>
+        </p:nvSpPr>
+        <p:spPr>
+          <a:xfrm>
+            <a:off x="-642974" y="1571618"/>
+            <a:ext cx="214314" cy="214314"/>
+          </a:xfrm>
+          <a:prstGeom prst="ellipse">
+            <a:avLst/>
+          </a:prstGeom>
+          <a:solidFill>
+            <a:srgbClr val="C00000"/>
+          </a:solidFill>
+          <a:ln>
+            <a:solidFill>
+              <a:schemeClr val="tx1"/>
+            </a:solidFill>
+          </a:ln>
+        </p:spPr>
+        <p:style>
+          <a:lnRef idx="2">
+            <a:schemeClr val="accent1">
+              <a:shade val="50000"/>
+            </a:schemeClr>
+          </a:lnRef>
+          <a:fillRef idx="1">
+            <a:schemeClr val="accent1"/>
+          </a:fillRef>
+          <a:effectRef idx="0">
+            <a:schemeClr val="accent1"/>
+          </a:effectRef>
+          <a:fontRef idx="minor">
+            <a:schemeClr val="lt1"/>
+          </a:fontRef>
+        </p:style>
+        <p:txBody>
+          <a:bodyPr lIns="0" tIns="0" rIns="0" bIns="0" rtlCol="0" anchor="ctr"/>
+          <a:lstStyle/>
+          <a:p>
+            <a:pPr algn="ctr"/>
+            <a:r>
+              <a:rPr lang="nb-NO" sz="1200" dirty="0" smtClean="0"/>
+              <a:t>C</a:t>
+            </a:r>
+            <a:endParaRPr lang="nb-NO" sz="1200" dirty="0"/>
+          </a:p>
+        </p:txBody>
+      </p:sp>
+      <p:sp>
+        <p:nvSpPr>
+          <p:cNvPr id="13" name="Ellipse 12"/>
+          <p:cNvSpPr/>
+          <p:nvPr/>
+        </p:nvSpPr>
+        <p:spPr>
+          <a:xfrm>
+            <a:off x="-928726" y="1857370"/>
+            <a:ext cx="214314" cy="214314"/>
+          </a:xfrm>
+          <a:prstGeom prst="ellipse">
+            <a:avLst/>
+          </a:prstGeom>
+          <a:solidFill>
+            <a:srgbClr val="C00000"/>
+          </a:solidFill>
+          <a:ln>
+            <a:solidFill>
+              <a:schemeClr val="tx1"/>
+            </a:solidFill>
+          </a:ln>
+        </p:spPr>
+        <p:style>
+          <a:lnRef idx="2">
+            <a:schemeClr val="accent1">
+              <a:shade val="50000"/>
+            </a:schemeClr>
+          </a:lnRef>
+          <a:fillRef idx="1">
+            <a:schemeClr val="accent1"/>
+          </a:fillRef>
+          <a:effectRef idx="0">
+            <a:schemeClr val="accent1"/>
+          </a:effectRef>
+          <a:fontRef idx="minor">
+            <a:schemeClr val="lt1"/>
+          </a:fontRef>
+        </p:style>
+        <p:txBody>
+          <a:bodyPr lIns="0" tIns="0" rIns="0" bIns="0" rtlCol="0" anchor="ctr"/>
+          <a:lstStyle/>
+          <a:p>
+            <a:pPr algn="ctr"/>
+            <a:r>
+              <a:rPr lang="nb-NO" sz="1200" dirty="0" smtClean="0"/>
+              <a:t>D</a:t>
+            </a:r>
+            <a:endParaRPr lang="nb-NO" sz="1200" dirty="0"/>
+          </a:p>
+        </p:txBody>
+      </p:sp>
+      <p:sp>
+        <p:nvSpPr>
+          <p:cNvPr id="14" name="Ellipse 13"/>
+          <p:cNvSpPr/>
+          <p:nvPr/>
+        </p:nvSpPr>
+        <p:spPr>
+          <a:xfrm>
+            <a:off x="-642974" y="1857370"/>
+            <a:ext cx="214314" cy="214314"/>
+          </a:xfrm>
+          <a:prstGeom prst="ellipse">
+            <a:avLst/>
+          </a:prstGeom>
+          <a:solidFill>
+            <a:srgbClr val="C00000"/>
+          </a:solidFill>
+          <a:ln>
+            <a:solidFill>
+              <a:schemeClr val="tx1"/>
+            </a:solidFill>
+          </a:ln>
+        </p:spPr>
+        <p:style>
+          <a:lnRef idx="2">
+            <a:schemeClr val="accent1">
+              <a:shade val="50000"/>
+            </a:schemeClr>
+          </a:lnRef>
+          <a:fillRef idx="1">
+            <a:schemeClr val="accent1"/>
+          </a:fillRef>
+          <a:effectRef idx="0">
+            <a:schemeClr val="accent1"/>
+          </a:effectRef>
+          <a:fontRef idx="minor">
+            <a:schemeClr val="lt1"/>
+          </a:fontRef>
+        </p:style>
+        <p:txBody>
+          <a:bodyPr lIns="0" tIns="0" rIns="0" bIns="0" rtlCol="0" anchor="ctr"/>
+          <a:lstStyle/>
+          <a:p>
+            <a:pPr algn="ctr"/>
+            <a:r>
+              <a:rPr lang="nb-NO" sz="1200" dirty="0" smtClean="0"/>
+              <a:t>D</a:t>
+            </a:r>
+            <a:endParaRPr lang="nb-NO" sz="1200" dirty="0"/>
+          </a:p>
+        </p:txBody>
+      </p:sp>
+      <p:sp>
+        <p:nvSpPr>
+          <p:cNvPr id="15" name="Ellipse 14"/>
+          <p:cNvSpPr/>
+          <p:nvPr/>
+        </p:nvSpPr>
+        <p:spPr>
+          <a:xfrm>
+            <a:off x="-928726" y="2143122"/>
+            <a:ext cx="214314" cy="214314"/>
+          </a:xfrm>
+          <a:prstGeom prst="ellipse">
+            <a:avLst/>
+          </a:prstGeom>
+          <a:solidFill>
+            <a:srgbClr val="C00000"/>
+          </a:solidFill>
+          <a:ln>
+            <a:solidFill>
+              <a:schemeClr val="tx1"/>
+            </a:solidFill>
+          </a:ln>
+        </p:spPr>
+        <p:style>
+          <a:lnRef idx="2">
+            <a:schemeClr val="accent1">
+              <a:shade val="50000"/>
+            </a:schemeClr>
+          </a:lnRef>
+          <a:fillRef idx="1">
+            <a:schemeClr val="accent1"/>
+          </a:fillRef>
+          <a:effectRef idx="0">
+            <a:schemeClr val="accent1"/>
+          </a:effectRef>
+          <a:fontRef idx="minor">
+            <a:schemeClr val="lt1"/>
+          </a:fontRef>
+        </p:style>
+        <p:txBody>
+          <a:bodyPr lIns="0" tIns="0" rIns="0" bIns="0" rtlCol="0" anchor="ctr"/>
+          <a:lstStyle/>
+          <a:p>
+            <a:pPr algn="ctr"/>
+            <a:r>
+              <a:rPr lang="nb-NO" sz="1200" dirty="0" smtClean="0"/>
+              <a:t>E</a:t>
+            </a:r>
+            <a:endParaRPr lang="nb-NO" sz="1200" dirty="0"/>
+          </a:p>
+        </p:txBody>
+      </p:sp>
+      <p:sp>
+        <p:nvSpPr>
+          <p:cNvPr id="16" name="Ellipse 15"/>
+          <p:cNvSpPr/>
+          <p:nvPr/>
+        </p:nvSpPr>
+        <p:spPr>
+          <a:xfrm>
+            <a:off x="-642974" y="2143122"/>
+            <a:ext cx="214314" cy="214314"/>
+          </a:xfrm>
+          <a:prstGeom prst="ellipse">
+            <a:avLst/>
+          </a:prstGeom>
+          <a:solidFill>
+            <a:srgbClr val="C00000"/>
+          </a:solidFill>
+          <a:ln>
+            <a:solidFill>
+              <a:schemeClr val="tx1"/>
+            </a:solidFill>
+          </a:ln>
+        </p:spPr>
+        <p:style>
+          <a:lnRef idx="2">
+            <a:schemeClr val="accent1">
+              <a:shade val="50000"/>
+            </a:schemeClr>
+          </a:lnRef>
+          <a:fillRef idx="1">
+            <a:schemeClr val="accent1"/>
+          </a:fillRef>
+          <a:effectRef idx="0">
+            <a:schemeClr val="accent1"/>
+          </a:effectRef>
+          <a:fontRef idx="minor">
+            <a:schemeClr val="lt1"/>
+          </a:fontRef>
+        </p:style>
+        <p:txBody>
+          <a:bodyPr lIns="0" tIns="0" rIns="0" bIns="0" rtlCol="0" anchor="ctr"/>
+          <a:lstStyle/>
+          <a:p>
+            <a:pPr algn="ctr"/>
+            <a:r>
+              <a:rPr lang="nb-NO" sz="1200" dirty="0" smtClean="0"/>
+              <a:t>E</a:t>
+            </a:r>
+            <a:endParaRPr lang="nb-NO" sz="1200" dirty="0"/>
+          </a:p>
+        </p:txBody>
+      </p:sp>
+      <p:sp>
+        <p:nvSpPr>
+          <p:cNvPr id="17" name="Ellipse 16"/>
+          <p:cNvSpPr/>
+          <p:nvPr/>
+        </p:nvSpPr>
+        <p:spPr>
+          <a:xfrm>
+            <a:off x="-928726" y="2428874"/>
+            <a:ext cx="214314" cy="214314"/>
+          </a:xfrm>
+          <a:prstGeom prst="ellipse">
+            <a:avLst/>
+          </a:prstGeom>
+          <a:solidFill>
+            <a:srgbClr val="C00000"/>
+          </a:solidFill>
+          <a:ln>
+            <a:solidFill>
+              <a:schemeClr val="tx1"/>
+            </a:solidFill>
+          </a:ln>
+        </p:spPr>
+        <p:style>
+          <a:lnRef idx="2">
+            <a:schemeClr val="accent1">
+              <a:shade val="50000"/>
+            </a:schemeClr>
+          </a:lnRef>
+          <a:fillRef idx="1">
+            <a:schemeClr val="accent1"/>
+          </a:fillRef>
+          <a:effectRef idx="0">
+            <a:schemeClr val="accent1"/>
+          </a:effectRef>
+          <a:fontRef idx="minor">
+            <a:schemeClr val="lt1"/>
+          </a:fontRef>
+        </p:style>
+        <p:txBody>
+          <a:bodyPr lIns="0" tIns="0" rIns="0" bIns="0" rtlCol="0" anchor="ctr"/>
+          <a:lstStyle/>
+          <a:p>
+            <a:pPr algn="ctr"/>
+            <a:r>
+              <a:rPr lang="nb-NO" sz="1200" dirty="0" smtClean="0"/>
+              <a:t>F</a:t>
+            </a:r>
+            <a:endParaRPr lang="nb-NO" sz="1200" dirty="0"/>
+          </a:p>
+        </p:txBody>
+      </p:sp>
+      <p:sp>
+        <p:nvSpPr>
+          <p:cNvPr id="18" name="Ellipse 17"/>
+          <p:cNvSpPr/>
+          <p:nvPr/>
+        </p:nvSpPr>
+        <p:spPr>
+          <a:xfrm>
+            <a:off x="-642974" y="2428874"/>
+            <a:ext cx="214314" cy="214314"/>
+          </a:xfrm>
+          <a:prstGeom prst="ellipse">
+            <a:avLst/>
+          </a:prstGeom>
+          <a:solidFill>
+            <a:srgbClr val="C00000"/>
+          </a:solidFill>
+          <a:ln>
+            <a:solidFill>
+              <a:schemeClr val="tx1"/>
+            </a:solidFill>
+          </a:ln>
+        </p:spPr>
+        <p:style>
+          <a:lnRef idx="2">
+            <a:schemeClr val="accent1">
+              <a:shade val="50000"/>
+            </a:schemeClr>
+          </a:lnRef>
+          <a:fillRef idx="1">
+            <a:schemeClr val="accent1"/>
+          </a:fillRef>
+          <a:effectRef idx="0">
+            <a:schemeClr val="accent1"/>
+          </a:effectRef>
+          <a:fontRef idx="minor">
+            <a:schemeClr val="lt1"/>
+          </a:fontRef>
+        </p:style>
+        <p:txBody>
+          <a:bodyPr lIns="0" tIns="0" rIns="0" bIns="0" rtlCol="0" anchor="ctr"/>
+          <a:lstStyle/>
+          <a:p>
+            <a:pPr algn="ctr"/>
+            <a:r>
+              <a:rPr lang="nb-NO" sz="1200" dirty="0" smtClean="0"/>
+              <a:t>F</a:t>
+            </a:r>
+            <a:endParaRPr lang="nb-NO" sz="1200" dirty="0"/>
+          </a:p>
+        </p:txBody>
+      </p:sp>
+    </p:spTree>
+  </p:cSld>
+  <p:clrMapOvr>
+    <a:masterClrMapping/>
+  </p:clrMapOvr>
+  <p:timing>
+    <p:tnLst>
+      <p:par>
+        <p:cTn id="1" dur="indefinite" restart="never" nodeType="tmRoot"/>
+      </p:par>
+    </p:tnLst>
+  </p:timing>
+</p:sld>
+</file>
+
 <file path=ppt/slides/slide2.xml><?xml version="1.0" encoding="utf-8"?>
 <p:sld xmlns:a="http://schemas.openxmlformats.org/drawingml/2006/main" xmlns:r="http://schemas.openxmlformats.org/officeDocument/2006/relationships" xmlns:p="http://schemas.openxmlformats.org/presentationml/2006/main">
   <p:cSld>
@@ -4923,130 +5775,11 @@
               <a:t>This </a:t>
             </a:r>
             <a:r>
-              <a:rPr lang="nb-NO" sz="1400" dirty="0" err="1" smtClean="0">
-                <a:latin typeface="Arial" pitchFamily="34" charset="0"/>
-                <a:cs typeface="Arial" pitchFamily="34" charset="0"/>
-              </a:rPr>
-              <a:t>report</a:t>
-            </a:r>
-            <a:r>
               <a:rPr lang="nb-NO" sz="1400" dirty="0" smtClean="0">
                 <a:latin typeface="Arial" pitchFamily="34" charset="0"/>
                 <a:cs typeface="Arial" pitchFamily="34" charset="0"/>
               </a:rPr>
-              <a:t> </a:t>
-            </a:r>
-            <a:r>
-              <a:rPr lang="nb-NO" sz="1400" dirty="0" err="1" smtClean="0">
-                <a:latin typeface="Arial" pitchFamily="34" charset="0"/>
-                <a:cs typeface="Arial" pitchFamily="34" charset="0"/>
-              </a:rPr>
-              <a:t>intends</a:t>
-            </a:r>
-            <a:r>
-              <a:rPr lang="nb-NO" sz="1400" dirty="0" smtClean="0">
-                <a:latin typeface="Arial" pitchFamily="34" charset="0"/>
-                <a:cs typeface="Arial" pitchFamily="34" charset="0"/>
-              </a:rPr>
-              <a:t> to present </a:t>
-            </a:r>
-            <a:r>
-              <a:rPr lang="nb-NO" sz="1400" dirty="0" err="1" smtClean="0">
-                <a:latin typeface="Arial" pitchFamily="34" charset="0"/>
-                <a:cs typeface="Arial" pitchFamily="34" charset="0"/>
-              </a:rPr>
-              <a:t>information</a:t>
-            </a:r>
-            <a:r>
-              <a:rPr lang="nb-NO" sz="1400" dirty="0" smtClean="0">
-                <a:latin typeface="Arial" pitchFamily="34" charset="0"/>
-                <a:cs typeface="Arial" pitchFamily="34" charset="0"/>
-              </a:rPr>
-              <a:t> </a:t>
-            </a:r>
-            <a:r>
-              <a:rPr lang="nb-NO" sz="1400" dirty="0" err="1" smtClean="0">
-                <a:latin typeface="Arial" pitchFamily="34" charset="0"/>
-                <a:cs typeface="Arial" pitchFamily="34" charset="0"/>
-              </a:rPr>
-              <a:t>on</a:t>
-            </a:r>
-            <a:r>
-              <a:rPr lang="nb-NO" sz="1400" dirty="0" smtClean="0">
-                <a:latin typeface="Arial" pitchFamily="34" charset="0"/>
-                <a:cs typeface="Arial" pitchFamily="34" charset="0"/>
-              </a:rPr>
-              <a:t> </a:t>
-            </a:r>
-            <a:r>
-              <a:rPr lang="nb-NO" sz="1400" dirty="0" err="1" smtClean="0">
-                <a:latin typeface="Arial" pitchFamily="34" charset="0"/>
-                <a:cs typeface="Arial" pitchFamily="34" charset="0"/>
-              </a:rPr>
-              <a:t>how</a:t>
-            </a:r>
-            <a:r>
-              <a:rPr lang="nb-NO" sz="1400" dirty="0" smtClean="0">
-                <a:latin typeface="Arial" pitchFamily="34" charset="0"/>
-                <a:cs typeface="Arial" pitchFamily="34" charset="0"/>
-              </a:rPr>
-              <a:t> </a:t>
-            </a:r>
-            <a:r>
-              <a:rPr lang="nb-NO" sz="1400" dirty="0" err="1" smtClean="0">
-                <a:latin typeface="Arial" pitchFamily="34" charset="0"/>
-                <a:cs typeface="Arial" pitchFamily="34" charset="0"/>
-              </a:rPr>
-              <a:t>Syrian</a:t>
-            </a:r>
-            <a:r>
-              <a:rPr lang="nb-NO" sz="1400" dirty="0" smtClean="0">
-                <a:latin typeface="Arial" pitchFamily="34" charset="0"/>
-                <a:cs typeface="Arial" pitchFamily="34" charset="0"/>
-              </a:rPr>
-              <a:t> </a:t>
-            </a:r>
-            <a:r>
-              <a:rPr lang="nb-NO" sz="1400" dirty="0" err="1" smtClean="0">
-                <a:latin typeface="Arial" pitchFamily="34" charset="0"/>
-                <a:cs typeface="Arial" pitchFamily="34" charset="0"/>
-              </a:rPr>
-              <a:t>ground</a:t>
-            </a:r>
-            <a:r>
-              <a:rPr lang="nb-NO" sz="1400" dirty="0" smtClean="0">
-                <a:latin typeface="Arial" pitchFamily="34" charset="0"/>
-                <a:cs typeface="Arial" pitchFamily="34" charset="0"/>
-              </a:rPr>
-              <a:t> </a:t>
-            </a:r>
-            <a:r>
-              <a:rPr lang="nb-NO" sz="1400" dirty="0" err="1" smtClean="0">
-                <a:latin typeface="Arial" pitchFamily="34" charset="0"/>
-                <a:cs typeface="Arial" pitchFamily="34" charset="0"/>
-              </a:rPr>
-              <a:t>forces</a:t>
-            </a:r>
-            <a:r>
-              <a:rPr lang="nb-NO" sz="1400" dirty="0" smtClean="0">
-                <a:latin typeface="Arial" pitchFamily="34" charset="0"/>
-                <a:cs typeface="Arial" pitchFamily="34" charset="0"/>
-              </a:rPr>
-              <a:t> </a:t>
-            </a:r>
-            <a:r>
-              <a:rPr lang="nb-NO" sz="1400" dirty="0" err="1" smtClean="0">
-                <a:latin typeface="Arial" pitchFamily="34" charset="0"/>
-                <a:cs typeface="Arial" pitchFamily="34" charset="0"/>
-              </a:rPr>
-              <a:t>operate</a:t>
-            </a:r>
-            <a:r>
-              <a:rPr lang="nb-NO" sz="1400" dirty="0" smtClean="0">
-                <a:latin typeface="Arial" pitchFamily="34" charset="0"/>
-                <a:cs typeface="Arial" pitchFamily="34" charset="0"/>
-              </a:rPr>
-              <a:t>.</a:t>
+              <a:t>document describes how Syrian ground forces operate</a:t>
             </a:r>
             <a:endParaRPr lang="nb-NO" sz="1400" dirty="0" smtClean="0">
               <a:latin typeface="Arial" pitchFamily="34" charset="0"/>
@@ -5074,10 +5807,6 @@
               </a:rPr>
               <a:t>: </a:t>
             </a:r>
-            <a:endParaRPr lang="nb-NO" sz="1400" b="1" u="sng" dirty="0" smtClean="0">
-              <a:latin typeface="Arial" pitchFamily="34" charset="0"/>
-              <a:cs typeface="Arial" pitchFamily="34" charset="0"/>
-            </a:endParaRPr>
           </a:p>
           <a:p>
             <a:r>
@@ -5085,14 +5814,7 @@
                 <a:latin typeface="Arial" pitchFamily="34" charset="0"/>
                 <a:cs typeface="Arial" pitchFamily="34" charset="0"/>
               </a:rPr>
-              <a:t>INTREP </a:t>
-            </a:r>
-            <a:r>
-              <a:rPr lang="en-US" sz="1400" dirty="0" smtClean="0">
-                <a:latin typeface="Arial" pitchFamily="34" charset="0"/>
-                <a:cs typeface="Arial" pitchFamily="34" charset="0"/>
-              </a:rPr>
-              <a:t>VIS B-001 Generic Ground Force Structure v1.0</a:t>
+              <a:t>INTREP VIS B-001 Generic Ground Force Structure v1.0</a:t>
             </a:r>
             <a:endParaRPr lang="nb-NO" sz="1400" dirty="0">
               <a:latin typeface="Arial" pitchFamily="34" charset="0"/>
@@ -5257,1466 +5979,14 @@
       </p:sp>
       <p:sp>
         <p:nvSpPr>
-          <p:cNvPr id="19" name="TekstSylinder 18"/>
-          <p:cNvSpPr txBox="1"/>
-          <p:nvPr/>
-        </p:nvSpPr>
-        <p:spPr>
-          <a:xfrm>
-            <a:off x="5929322" y="500048"/>
-            <a:ext cx="3214678" cy="4500594"/>
-          </a:xfrm>
-          <a:prstGeom prst="rect">
-            <a:avLst/>
-          </a:prstGeom>
-          <a:solidFill>
-            <a:schemeClr val="accent1">
-              <a:lumMod val="20000"/>
-              <a:lumOff val="80000"/>
-            </a:schemeClr>
-          </a:solidFill>
-          <a:ln>
-            <a:solidFill>
-              <a:schemeClr val="tx1"/>
-            </a:solidFill>
-          </a:ln>
-        </p:spPr>
-        <p:txBody>
-          <a:bodyPr wrap="square" rtlCol="0">
-            <a:normAutofit fontScale="92500" lnSpcReduction="20000"/>
-          </a:bodyPr>
-          <a:lstStyle/>
-          <a:p>
-            <a:r>
-              <a:rPr lang="nb-NO" sz="1200" dirty="0" smtClean="0">
-                <a:latin typeface="Arial" pitchFamily="34" charset="0"/>
-                <a:cs typeface="Arial" pitchFamily="34" charset="0"/>
-              </a:rPr>
-              <a:t>The </a:t>
-            </a:r>
-            <a:r>
-              <a:rPr lang="nb-NO" sz="1200" dirty="0" err="1" smtClean="0">
-                <a:latin typeface="Arial" pitchFamily="34" charset="0"/>
-                <a:cs typeface="Arial" pitchFamily="34" charset="0"/>
-              </a:rPr>
-              <a:t>basic</a:t>
-            </a:r>
-            <a:r>
-              <a:rPr lang="nb-NO" sz="1200" dirty="0" smtClean="0">
-                <a:latin typeface="Arial" pitchFamily="34" charset="0"/>
-                <a:cs typeface="Arial" pitchFamily="34" charset="0"/>
-              </a:rPr>
-              <a:t> fighting </a:t>
-            </a:r>
-            <a:r>
-              <a:rPr lang="nb-NO" sz="1200" dirty="0" err="1" smtClean="0">
-                <a:latin typeface="Arial" pitchFamily="34" charset="0"/>
-                <a:cs typeface="Arial" pitchFamily="34" charset="0"/>
-              </a:rPr>
-              <a:t>formation</a:t>
-            </a:r>
-            <a:r>
-              <a:rPr lang="nb-NO" sz="1200" dirty="0" smtClean="0">
-                <a:latin typeface="Arial" pitchFamily="34" charset="0"/>
-                <a:cs typeface="Arial" pitchFamily="34" charset="0"/>
-              </a:rPr>
-              <a:t> in the </a:t>
-            </a:r>
-            <a:r>
-              <a:rPr lang="nb-NO" sz="1200" dirty="0" err="1" smtClean="0">
-                <a:latin typeface="Arial" pitchFamily="34" charset="0"/>
-                <a:cs typeface="Arial" pitchFamily="34" charset="0"/>
-              </a:rPr>
-              <a:t>Syrian</a:t>
-            </a:r>
-            <a:r>
-              <a:rPr lang="nb-NO" sz="1200" dirty="0" smtClean="0">
-                <a:latin typeface="Arial" pitchFamily="34" charset="0"/>
-                <a:cs typeface="Arial" pitchFamily="34" charset="0"/>
-              </a:rPr>
-              <a:t> </a:t>
-            </a:r>
-            <a:r>
-              <a:rPr lang="nb-NO" sz="1200" dirty="0" err="1" smtClean="0">
-                <a:latin typeface="Arial" pitchFamily="34" charset="0"/>
-                <a:cs typeface="Arial" pitchFamily="34" charset="0"/>
-              </a:rPr>
-              <a:t>army</a:t>
-            </a:r>
-            <a:r>
-              <a:rPr lang="nb-NO" sz="1200" dirty="0" smtClean="0">
-                <a:latin typeface="Arial" pitchFamily="34" charset="0"/>
-                <a:cs typeface="Arial" pitchFamily="34" charset="0"/>
-              </a:rPr>
-              <a:t> </a:t>
-            </a:r>
-            <a:r>
-              <a:rPr lang="nb-NO" sz="1200" dirty="0" err="1" smtClean="0">
-                <a:latin typeface="Arial" pitchFamily="34" charset="0"/>
-                <a:cs typeface="Arial" pitchFamily="34" charset="0"/>
-              </a:rPr>
-              <a:t>are</a:t>
-            </a:r>
-            <a:r>
-              <a:rPr lang="nb-NO" sz="1200" dirty="0" smtClean="0">
-                <a:latin typeface="Arial" pitchFamily="34" charset="0"/>
-                <a:cs typeface="Arial" pitchFamily="34" charset="0"/>
-              </a:rPr>
-              <a:t> the Division. To the left is a </a:t>
-            </a:r>
-            <a:r>
-              <a:rPr lang="nb-NO" sz="1200" dirty="0" err="1" smtClean="0">
-                <a:latin typeface="Arial" pitchFamily="34" charset="0"/>
-                <a:cs typeface="Arial" pitchFamily="34" charset="0"/>
-              </a:rPr>
-              <a:t>presentation</a:t>
-            </a:r>
-            <a:r>
-              <a:rPr lang="nb-NO" sz="1200" dirty="0" smtClean="0">
-                <a:latin typeface="Arial" pitchFamily="34" charset="0"/>
-                <a:cs typeface="Arial" pitchFamily="34" charset="0"/>
-              </a:rPr>
-              <a:t> </a:t>
-            </a:r>
-            <a:r>
-              <a:rPr lang="nb-NO" sz="1200" dirty="0" err="1" smtClean="0">
-                <a:latin typeface="Arial" pitchFamily="34" charset="0"/>
-                <a:cs typeface="Arial" pitchFamily="34" charset="0"/>
-              </a:rPr>
-              <a:t>of</a:t>
-            </a:r>
-            <a:r>
-              <a:rPr lang="nb-NO" sz="1200" dirty="0" smtClean="0">
-                <a:latin typeface="Arial" pitchFamily="34" charset="0"/>
-                <a:cs typeface="Arial" pitchFamily="34" charset="0"/>
-              </a:rPr>
-              <a:t> a </a:t>
-            </a:r>
-            <a:r>
-              <a:rPr lang="nb-NO" sz="1200" dirty="0" err="1" smtClean="0">
-                <a:latin typeface="Arial" pitchFamily="34" charset="0"/>
-                <a:cs typeface="Arial" pitchFamily="34" charset="0"/>
-              </a:rPr>
-              <a:t>Syrian</a:t>
-            </a:r>
-            <a:r>
-              <a:rPr lang="nb-NO" sz="1200" dirty="0" smtClean="0">
-                <a:latin typeface="Arial" pitchFamily="34" charset="0"/>
-                <a:cs typeface="Arial" pitchFamily="34" charset="0"/>
-              </a:rPr>
-              <a:t> Division </a:t>
-            </a:r>
-            <a:r>
-              <a:rPr lang="nb-NO" sz="1200" dirty="0" err="1" smtClean="0">
-                <a:latin typeface="Arial" pitchFamily="34" charset="0"/>
-                <a:cs typeface="Arial" pitchFamily="34" charset="0"/>
-              </a:rPr>
-              <a:t>on</a:t>
-            </a:r>
-            <a:r>
-              <a:rPr lang="nb-NO" sz="1200" dirty="0" smtClean="0">
-                <a:latin typeface="Arial" pitchFamily="34" charset="0"/>
-                <a:cs typeface="Arial" pitchFamily="34" charset="0"/>
-              </a:rPr>
-              <a:t> the offensive.</a:t>
-            </a:r>
-          </a:p>
-          <a:p>
-            <a:endParaRPr lang="nb-NO" sz="1200" dirty="0" smtClean="0">
-              <a:latin typeface="Arial" pitchFamily="34" charset="0"/>
-              <a:cs typeface="Arial" pitchFamily="34" charset="0"/>
-            </a:endParaRPr>
-          </a:p>
-          <a:p>
-            <a:r>
-              <a:rPr lang="nb-NO" sz="1200" dirty="0" err="1" smtClean="0">
-                <a:latin typeface="Arial" pitchFamily="34" charset="0"/>
-                <a:cs typeface="Arial" pitchFamily="34" charset="0"/>
-              </a:rPr>
-              <a:t>Closest</a:t>
-            </a:r>
-            <a:r>
-              <a:rPr lang="nb-NO" sz="1200" dirty="0" smtClean="0">
-                <a:latin typeface="Arial" pitchFamily="34" charset="0"/>
-                <a:cs typeface="Arial" pitchFamily="34" charset="0"/>
-              </a:rPr>
-              <a:t> to the FLOT </a:t>
-            </a:r>
-            <a:r>
-              <a:rPr lang="nb-NO" sz="1200" dirty="0" err="1" smtClean="0">
-                <a:latin typeface="Arial" pitchFamily="34" charset="0"/>
-                <a:cs typeface="Arial" pitchFamily="34" charset="0"/>
-              </a:rPr>
-              <a:t>there</a:t>
-            </a:r>
-            <a:r>
-              <a:rPr lang="nb-NO" sz="1200" dirty="0" smtClean="0">
-                <a:latin typeface="Arial" pitchFamily="34" charset="0"/>
-                <a:cs typeface="Arial" pitchFamily="34" charset="0"/>
-              </a:rPr>
-              <a:t> </a:t>
-            </a:r>
-            <a:r>
-              <a:rPr lang="nb-NO" sz="1200" dirty="0" err="1" smtClean="0">
-                <a:latin typeface="Arial" pitchFamily="34" charset="0"/>
-                <a:cs typeface="Arial" pitchFamily="34" charset="0"/>
-              </a:rPr>
-              <a:t>are</a:t>
-            </a:r>
-            <a:r>
-              <a:rPr lang="nb-NO" sz="1200" dirty="0" smtClean="0">
-                <a:latin typeface="Arial" pitchFamily="34" charset="0"/>
-                <a:cs typeface="Arial" pitchFamily="34" charset="0"/>
-              </a:rPr>
-              <a:t> </a:t>
-            </a:r>
-            <a:r>
-              <a:rPr lang="nb-NO" sz="1200" dirty="0" err="1" smtClean="0">
-                <a:latin typeface="Arial" pitchFamily="34" charset="0"/>
-                <a:cs typeface="Arial" pitchFamily="34" charset="0"/>
-              </a:rPr>
-              <a:t>two</a:t>
-            </a:r>
-            <a:r>
-              <a:rPr lang="nb-NO" sz="1200" dirty="0" smtClean="0">
-                <a:latin typeface="Arial" pitchFamily="34" charset="0"/>
-                <a:cs typeface="Arial" pitchFamily="34" charset="0"/>
-              </a:rPr>
-              <a:t> brigades, </a:t>
-            </a:r>
-            <a:r>
-              <a:rPr lang="nb-NO" sz="1200" dirty="0" err="1" smtClean="0">
-                <a:latin typeface="Arial" pitchFamily="34" charset="0"/>
-                <a:cs typeface="Arial" pitchFamily="34" charset="0"/>
-              </a:rPr>
-              <a:t>grouped</a:t>
-            </a:r>
-            <a:r>
-              <a:rPr lang="nb-NO" sz="1200" dirty="0" smtClean="0">
-                <a:latin typeface="Arial" pitchFamily="34" charset="0"/>
-                <a:cs typeface="Arial" pitchFamily="34" charset="0"/>
-              </a:rPr>
-              <a:t> in </a:t>
-            </a:r>
-            <a:r>
-              <a:rPr lang="nb-NO" sz="1200" dirty="0" err="1" smtClean="0">
-                <a:latin typeface="Arial" pitchFamily="34" charset="0"/>
-                <a:cs typeface="Arial" pitchFamily="34" charset="0"/>
-              </a:rPr>
-              <a:t>combat</a:t>
-            </a:r>
-            <a:r>
-              <a:rPr lang="nb-NO" sz="1200" dirty="0" smtClean="0">
-                <a:latin typeface="Arial" pitchFamily="34" charset="0"/>
-                <a:cs typeface="Arial" pitchFamily="34" charset="0"/>
-              </a:rPr>
-              <a:t> </a:t>
-            </a:r>
-            <a:r>
-              <a:rPr lang="nb-NO" sz="1200" dirty="0" err="1" smtClean="0">
-                <a:latin typeface="Arial" pitchFamily="34" charset="0"/>
-                <a:cs typeface="Arial" pitchFamily="34" charset="0"/>
-              </a:rPr>
-              <a:t>formations</a:t>
-            </a:r>
-            <a:r>
-              <a:rPr lang="nb-NO" sz="1200" dirty="0" smtClean="0">
-                <a:latin typeface="Arial" pitchFamily="34" charset="0"/>
-                <a:cs typeface="Arial" pitchFamily="34" charset="0"/>
-              </a:rPr>
-              <a:t>. The </a:t>
-            </a:r>
-            <a:r>
-              <a:rPr lang="nb-NO" sz="1200" dirty="0" err="1" smtClean="0">
-                <a:latin typeface="Arial" pitchFamily="34" charset="0"/>
-                <a:cs typeface="Arial" pitchFamily="34" charset="0"/>
-              </a:rPr>
-              <a:t>third</a:t>
-            </a:r>
-            <a:r>
-              <a:rPr lang="nb-NO" sz="1200" dirty="0" smtClean="0">
-                <a:latin typeface="Arial" pitchFamily="34" charset="0"/>
-                <a:cs typeface="Arial" pitchFamily="34" charset="0"/>
-              </a:rPr>
-              <a:t> brigade is </a:t>
-            </a:r>
-            <a:r>
-              <a:rPr lang="nb-NO" sz="1200" dirty="0" err="1" smtClean="0">
-                <a:latin typeface="Arial" pitchFamily="34" charset="0"/>
-                <a:cs typeface="Arial" pitchFamily="34" charset="0"/>
-              </a:rPr>
-              <a:t>further</a:t>
-            </a:r>
-            <a:r>
-              <a:rPr lang="nb-NO" sz="1200" dirty="0" smtClean="0">
-                <a:latin typeface="Arial" pitchFamily="34" charset="0"/>
-                <a:cs typeface="Arial" pitchFamily="34" charset="0"/>
-              </a:rPr>
-              <a:t> back as a reserve, </a:t>
-            </a:r>
-            <a:r>
-              <a:rPr lang="nb-NO" sz="1200" dirty="0" err="1" smtClean="0">
-                <a:latin typeface="Arial" pitchFamily="34" charset="0"/>
-                <a:cs typeface="Arial" pitchFamily="34" charset="0"/>
-              </a:rPr>
-              <a:t>ready</a:t>
-            </a:r>
-            <a:r>
-              <a:rPr lang="nb-NO" sz="1200" dirty="0" smtClean="0">
-                <a:latin typeface="Arial" pitchFamily="34" charset="0"/>
-                <a:cs typeface="Arial" pitchFamily="34" charset="0"/>
-              </a:rPr>
-              <a:t> to </a:t>
-            </a:r>
-            <a:r>
-              <a:rPr lang="nb-NO" sz="1200" dirty="0" err="1" smtClean="0">
-                <a:latin typeface="Arial" pitchFamily="34" charset="0"/>
-                <a:cs typeface="Arial" pitchFamily="34" charset="0"/>
-              </a:rPr>
-              <a:t>exploit</a:t>
-            </a:r>
-            <a:r>
-              <a:rPr lang="nb-NO" sz="1200" dirty="0" smtClean="0">
-                <a:latin typeface="Arial" pitchFamily="34" charset="0"/>
-                <a:cs typeface="Arial" pitchFamily="34" charset="0"/>
-              </a:rPr>
-              <a:t> </a:t>
-            </a:r>
-            <a:r>
-              <a:rPr lang="nb-NO" sz="1200" dirty="0" err="1" smtClean="0">
-                <a:latin typeface="Arial" pitchFamily="34" charset="0"/>
-                <a:cs typeface="Arial" pitchFamily="34" charset="0"/>
-              </a:rPr>
-              <a:t>any</a:t>
-            </a:r>
-            <a:r>
-              <a:rPr lang="nb-NO" sz="1200" dirty="0" smtClean="0">
-                <a:latin typeface="Arial" pitchFamily="34" charset="0"/>
-                <a:cs typeface="Arial" pitchFamily="34" charset="0"/>
-              </a:rPr>
-              <a:t> </a:t>
-            </a:r>
-            <a:r>
-              <a:rPr lang="nb-NO" sz="1200" dirty="0" err="1" smtClean="0">
-                <a:latin typeface="Arial" pitchFamily="34" charset="0"/>
-                <a:cs typeface="Arial" pitchFamily="34" charset="0"/>
-              </a:rPr>
-              <a:t>breakthrough</a:t>
-            </a:r>
-            <a:r>
-              <a:rPr lang="nb-NO" sz="1200" dirty="0" smtClean="0">
-                <a:latin typeface="Arial" pitchFamily="34" charset="0"/>
-                <a:cs typeface="Arial" pitchFamily="34" charset="0"/>
-              </a:rPr>
-              <a:t>.</a:t>
-            </a:r>
-          </a:p>
-          <a:p>
-            <a:r>
-              <a:rPr lang="nb-NO" sz="1200" dirty="0" err="1" smtClean="0">
-                <a:latin typeface="Arial" pitchFamily="34" charset="0"/>
-                <a:cs typeface="Arial" pitchFamily="34" charset="0"/>
-              </a:rPr>
-              <a:t>Within</a:t>
-            </a:r>
-            <a:r>
-              <a:rPr lang="nb-NO" sz="1200" dirty="0" smtClean="0">
-                <a:latin typeface="Arial" pitchFamily="34" charset="0"/>
-                <a:cs typeface="Arial" pitchFamily="34" charset="0"/>
-              </a:rPr>
-              <a:t> the brigades the </a:t>
-            </a:r>
-            <a:r>
-              <a:rPr lang="nb-NO" sz="1200" dirty="0" err="1" smtClean="0">
-                <a:latin typeface="Arial" pitchFamily="34" charset="0"/>
-                <a:cs typeface="Arial" pitchFamily="34" charset="0"/>
-              </a:rPr>
-              <a:t>battalions</a:t>
-            </a:r>
-            <a:r>
-              <a:rPr lang="nb-NO" sz="1200" dirty="0" smtClean="0">
-                <a:latin typeface="Arial" pitchFamily="34" charset="0"/>
-                <a:cs typeface="Arial" pitchFamily="34" charset="0"/>
-              </a:rPr>
-              <a:t> is </a:t>
-            </a:r>
-            <a:r>
-              <a:rPr lang="nb-NO" sz="1200" dirty="0" err="1" smtClean="0">
-                <a:latin typeface="Arial" pitchFamily="34" charset="0"/>
-                <a:cs typeface="Arial" pitchFamily="34" charset="0"/>
-              </a:rPr>
-              <a:t>also</a:t>
-            </a:r>
-            <a:r>
-              <a:rPr lang="nb-NO" sz="1200" dirty="0" smtClean="0">
-                <a:latin typeface="Arial" pitchFamily="34" charset="0"/>
-                <a:cs typeface="Arial" pitchFamily="34" charset="0"/>
-              </a:rPr>
-              <a:t> </a:t>
-            </a:r>
-            <a:r>
-              <a:rPr lang="nb-NO" sz="1200" dirty="0" err="1" smtClean="0">
-                <a:latin typeface="Arial" pitchFamily="34" charset="0"/>
-                <a:cs typeface="Arial" pitchFamily="34" charset="0"/>
-              </a:rPr>
-              <a:t>grouped</a:t>
-            </a:r>
-            <a:r>
-              <a:rPr lang="nb-NO" sz="1200" dirty="0" smtClean="0">
-                <a:latin typeface="Arial" pitchFamily="34" charset="0"/>
-                <a:cs typeface="Arial" pitchFamily="34" charset="0"/>
-              </a:rPr>
-              <a:t> the same </a:t>
-            </a:r>
-            <a:r>
-              <a:rPr lang="nb-NO" sz="1200" dirty="0" err="1" smtClean="0">
-                <a:latin typeface="Arial" pitchFamily="34" charset="0"/>
-                <a:cs typeface="Arial" pitchFamily="34" charset="0"/>
-              </a:rPr>
-              <a:t>way</a:t>
-            </a:r>
-            <a:r>
-              <a:rPr lang="nb-NO" sz="1200" dirty="0" smtClean="0">
-                <a:latin typeface="Arial" pitchFamily="34" charset="0"/>
-                <a:cs typeface="Arial" pitchFamily="34" charset="0"/>
-              </a:rPr>
-              <a:t> (2 up, 1 </a:t>
-            </a:r>
-            <a:r>
-              <a:rPr lang="nb-NO" sz="1200" dirty="0" err="1" smtClean="0">
-                <a:latin typeface="Arial" pitchFamily="34" charset="0"/>
-                <a:cs typeface="Arial" pitchFamily="34" charset="0"/>
-              </a:rPr>
-              <a:t>rear</a:t>
-            </a:r>
-            <a:r>
-              <a:rPr lang="nb-NO" sz="1200" dirty="0" smtClean="0">
-                <a:latin typeface="Arial" pitchFamily="34" charset="0"/>
-                <a:cs typeface="Arial" pitchFamily="34" charset="0"/>
-              </a:rPr>
-              <a:t>). The </a:t>
-            </a:r>
-            <a:r>
-              <a:rPr lang="nb-NO" sz="1200" dirty="0" err="1" smtClean="0">
-                <a:latin typeface="Arial" pitchFamily="34" charset="0"/>
-                <a:cs typeface="Arial" pitchFamily="34" charset="0"/>
-              </a:rPr>
-              <a:t>artillery</a:t>
-            </a:r>
-            <a:r>
-              <a:rPr lang="nb-NO" sz="1200" dirty="0" smtClean="0">
-                <a:latin typeface="Arial" pitchFamily="34" charset="0"/>
-                <a:cs typeface="Arial" pitchFamily="34" charset="0"/>
-              </a:rPr>
-              <a:t> </a:t>
-            </a:r>
-            <a:r>
-              <a:rPr lang="nb-NO" sz="1200" dirty="0" err="1" smtClean="0">
-                <a:latin typeface="Arial" pitchFamily="34" charset="0"/>
-                <a:cs typeface="Arial" pitchFamily="34" charset="0"/>
-              </a:rPr>
-              <a:t>battalion</a:t>
-            </a:r>
-            <a:r>
-              <a:rPr lang="nb-NO" sz="1200" dirty="0" smtClean="0">
-                <a:latin typeface="Arial" pitchFamily="34" charset="0"/>
-                <a:cs typeface="Arial" pitchFamily="34" charset="0"/>
-              </a:rPr>
-              <a:t> in the </a:t>
-            </a:r>
-            <a:r>
-              <a:rPr lang="nb-NO" sz="1200" dirty="0" err="1" smtClean="0">
-                <a:latin typeface="Arial" pitchFamily="34" charset="0"/>
-                <a:cs typeface="Arial" pitchFamily="34" charset="0"/>
-              </a:rPr>
-              <a:t>division</a:t>
-            </a:r>
-            <a:r>
-              <a:rPr lang="nb-NO" sz="1200" dirty="0" smtClean="0">
-                <a:latin typeface="Arial" pitchFamily="34" charset="0"/>
-                <a:cs typeface="Arial" pitchFamily="34" charset="0"/>
-              </a:rPr>
-              <a:t> is </a:t>
-            </a:r>
-            <a:r>
-              <a:rPr lang="nb-NO" sz="1200" dirty="0" err="1" smtClean="0">
-                <a:latin typeface="Arial" pitchFamily="34" charset="0"/>
-                <a:cs typeface="Arial" pitchFamily="34" charset="0"/>
-              </a:rPr>
-              <a:t>situated</a:t>
-            </a:r>
-            <a:r>
-              <a:rPr lang="nb-NO" sz="1200" dirty="0" smtClean="0">
-                <a:latin typeface="Arial" pitchFamily="34" charset="0"/>
-                <a:cs typeface="Arial" pitchFamily="34" charset="0"/>
-              </a:rPr>
-              <a:t> so he </a:t>
-            </a:r>
-            <a:r>
-              <a:rPr lang="nb-NO" sz="1200" dirty="0" err="1" smtClean="0">
-                <a:latin typeface="Arial" pitchFamily="34" charset="0"/>
-                <a:cs typeface="Arial" pitchFamily="34" charset="0"/>
-              </a:rPr>
-              <a:t>can</a:t>
-            </a:r>
-            <a:r>
-              <a:rPr lang="nb-NO" sz="1200" dirty="0" smtClean="0">
-                <a:latin typeface="Arial" pitchFamily="34" charset="0"/>
-                <a:cs typeface="Arial" pitchFamily="34" charset="0"/>
-              </a:rPr>
-              <a:t> </a:t>
-            </a:r>
-            <a:r>
-              <a:rPr lang="nb-NO" sz="1200" dirty="0" err="1" smtClean="0">
-                <a:latin typeface="Arial" pitchFamily="34" charset="0"/>
-                <a:cs typeface="Arial" pitchFamily="34" charset="0"/>
-              </a:rPr>
-              <a:t>can</a:t>
-            </a:r>
-            <a:r>
-              <a:rPr lang="nb-NO" sz="1200" dirty="0" smtClean="0">
-                <a:latin typeface="Arial" pitchFamily="34" charset="0"/>
-                <a:cs typeface="Arial" pitchFamily="34" charset="0"/>
-              </a:rPr>
-              <a:t> support </a:t>
-            </a:r>
-            <a:r>
-              <a:rPr lang="nb-NO" sz="1200" dirty="0" err="1" smtClean="0">
-                <a:latin typeface="Arial" pitchFamily="34" charset="0"/>
-                <a:cs typeface="Arial" pitchFamily="34" charset="0"/>
-              </a:rPr>
-              <a:t>both</a:t>
-            </a:r>
-            <a:r>
-              <a:rPr lang="nb-NO" sz="1200" dirty="0" smtClean="0">
-                <a:latin typeface="Arial" pitchFamily="34" charset="0"/>
-                <a:cs typeface="Arial" pitchFamily="34" charset="0"/>
-              </a:rPr>
-              <a:t> brigades.</a:t>
-            </a:r>
-          </a:p>
-          <a:p>
-            <a:endParaRPr lang="nb-NO" sz="1200" dirty="0" smtClean="0">
-              <a:latin typeface="Arial" pitchFamily="34" charset="0"/>
-              <a:cs typeface="Arial" pitchFamily="34" charset="0"/>
-            </a:endParaRPr>
-          </a:p>
-          <a:p>
-            <a:r>
-              <a:rPr lang="nb-NO" sz="1200" dirty="0" smtClean="0">
-                <a:latin typeface="Arial" pitchFamily="34" charset="0"/>
-                <a:cs typeface="Arial" pitchFamily="34" charset="0"/>
-              </a:rPr>
-              <a:t>One </a:t>
-            </a:r>
-            <a:r>
-              <a:rPr lang="nb-NO" sz="1200" dirty="0" err="1" smtClean="0">
-                <a:latin typeface="Arial" pitchFamily="34" charset="0"/>
-                <a:cs typeface="Arial" pitchFamily="34" charset="0"/>
-              </a:rPr>
-              <a:t>of</a:t>
-            </a:r>
-            <a:r>
-              <a:rPr lang="nb-NO" sz="1200" dirty="0" smtClean="0">
-                <a:latin typeface="Arial" pitchFamily="34" charset="0"/>
-                <a:cs typeface="Arial" pitchFamily="34" charset="0"/>
-              </a:rPr>
-              <a:t> the </a:t>
-            </a:r>
-            <a:r>
-              <a:rPr lang="nb-NO" sz="1200" dirty="0" err="1" smtClean="0">
-                <a:latin typeface="Arial" pitchFamily="34" charset="0"/>
-                <a:cs typeface="Arial" pitchFamily="34" charset="0"/>
-              </a:rPr>
-              <a:t>two</a:t>
-            </a:r>
-            <a:r>
-              <a:rPr lang="nb-NO" sz="1200" dirty="0" smtClean="0">
-                <a:latin typeface="Arial" pitchFamily="34" charset="0"/>
-                <a:cs typeface="Arial" pitchFamily="34" charset="0"/>
-              </a:rPr>
-              <a:t> brigades </a:t>
-            </a:r>
-            <a:r>
-              <a:rPr lang="nb-NO" sz="1200" dirty="0" err="1" smtClean="0">
-                <a:latin typeface="Arial" pitchFamily="34" charset="0"/>
-                <a:cs typeface="Arial" pitchFamily="34" charset="0"/>
-              </a:rPr>
-              <a:t>will</a:t>
-            </a:r>
-            <a:r>
-              <a:rPr lang="nb-NO" sz="1200" dirty="0" smtClean="0">
-                <a:latin typeface="Arial" pitchFamily="34" charset="0"/>
-                <a:cs typeface="Arial" pitchFamily="34" charset="0"/>
-              </a:rPr>
-              <a:t> be </a:t>
-            </a:r>
-            <a:r>
-              <a:rPr lang="nb-NO" sz="1200" dirty="0" err="1" smtClean="0">
-                <a:latin typeface="Arial" pitchFamily="34" charset="0"/>
-                <a:cs typeface="Arial" pitchFamily="34" charset="0"/>
-              </a:rPr>
-              <a:t>designated</a:t>
-            </a:r>
-            <a:r>
-              <a:rPr lang="nb-NO" sz="1200" dirty="0" smtClean="0">
-                <a:latin typeface="Arial" pitchFamily="34" charset="0"/>
-                <a:cs typeface="Arial" pitchFamily="34" charset="0"/>
-              </a:rPr>
-              <a:t> as the Main </a:t>
-            </a:r>
-            <a:r>
-              <a:rPr lang="nb-NO" sz="1200" dirty="0" err="1" smtClean="0">
-                <a:latin typeface="Arial" pitchFamily="34" charset="0"/>
-                <a:cs typeface="Arial" pitchFamily="34" charset="0"/>
-              </a:rPr>
-              <a:t>Effort</a:t>
-            </a:r>
-            <a:r>
-              <a:rPr lang="nb-NO" sz="1200" dirty="0" smtClean="0">
-                <a:latin typeface="Arial" pitchFamily="34" charset="0"/>
-                <a:cs typeface="Arial" pitchFamily="34" charset="0"/>
-              </a:rPr>
-              <a:t> (ME), and </a:t>
-            </a:r>
-            <a:r>
-              <a:rPr lang="nb-NO" sz="1200" dirty="0" err="1" smtClean="0">
-                <a:latin typeface="Arial" pitchFamily="34" charset="0"/>
-                <a:cs typeface="Arial" pitchFamily="34" charset="0"/>
-              </a:rPr>
-              <a:t>this</a:t>
-            </a:r>
-            <a:r>
-              <a:rPr lang="nb-NO" sz="1200" dirty="0" smtClean="0">
-                <a:latin typeface="Arial" pitchFamily="34" charset="0"/>
-                <a:cs typeface="Arial" pitchFamily="34" charset="0"/>
-              </a:rPr>
-              <a:t> brigade </a:t>
-            </a:r>
-            <a:r>
-              <a:rPr lang="nb-NO" sz="1200" dirty="0" err="1" smtClean="0">
-                <a:latin typeface="Arial" pitchFamily="34" charset="0"/>
-                <a:cs typeface="Arial" pitchFamily="34" charset="0"/>
-              </a:rPr>
-              <a:t>will</a:t>
-            </a:r>
-            <a:r>
-              <a:rPr lang="nb-NO" sz="1200" dirty="0" smtClean="0">
-                <a:latin typeface="Arial" pitchFamily="34" charset="0"/>
-                <a:cs typeface="Arial" pitchFamily="34" charset="0"/>
-              </a:rPr>
-              <a:t> have </a:t>
-            </a:r>
-            <a:r>
-              <a:rPr lang="nb-NO" sz="1200" dirty="0" err="1" smtClean="0">
-                <a:latin typeface="Arial" pitchFamily="34" charset="0"/>
-                <a:cs typeface="Arial" pitchFamily="34" charset="0"/>
-              </a:rPr>
-              <a:t>priority</a:t>
-            </a:r>
-            <a:r>
-              <a:rPr lang="nb-NO" sz="1200" dirty="0" smtClean="0">
-                <a:latin typeface="Arial" pitchFamily="34" charset="0"/>
-                <a:cs typeface="Arial" pitchFamily="34" charset="0"/>
-              </a:rPr>
-              <a:t> </a:t>
-            </a:r>
-            <a:r>
-              <a:rPr lang="nb-NO" sz="1200" dirty="0" err="1" smtClean="0">
-                <a:latin typeface="Arial" pitchFamily="34" charset="0"/>
-                <a:cs typeface="Arial" pitchFamily="34" charset="0"/>
-              </a:rPr>
-              <a:t>on</a:t>
-            </a:r>
-            <a:r>
-              <a:rPr lang="nb-NO" sz="1200" dirty="0" smtClean="0">
-                <a:latin typeface="Arial" pitchFamily="34" charset="0"/>
-                <a:cs typeface="Arial" pitchFamily="34" charset="0"/>
-              </a:rPr>
-              <a:t> the </a:t>
-            </a:r>
-            <a:r>
-              <a:rPr lang="nb-NO" sz="1200" dirty="0" err="1" smtClean="0">
-                <a:latin typeface="Arial" pitchFamily="34" charset="0"/>
-                <a:cs typeface="Arial" pitchFamily="34" charset="0"/>
-              </a:rPr>
-              <a:t>supporting</a:t>
-            </a:r>
-            <a:r>
-              <a:rPr lang="nb-NO" sz="1200" dirty="0" smtClean="0">
-                <a:latin typeface="Arial" pitchFamily="34" charset="0"/>
-                <a:cs typeface="Arial" pitchFamily="34" charset="0"/>
-              </a:rPr>
-              <a:t> fires. As show in </a:t>
-            </a:r>
-            <a:r>
-              <a:rPr lang="nb-NO" sz="1200" dirty="0" err="1" smtClean="0">
-                <a:latin typeface="Arial" pitchFamily="34" charset="0"/>
-                <a:cs typeface="Arial" pitchFamily="34" charset="0"/>
-              </a:rPr>
-              <a:t>this</a:t>
-            </a:r>
-            <a:r>
-              <a:rPr lang="nb-NO" sz="1200" dirty="0" smtClean="0">
-                <a:latin typeface="Arial" pitchFamily="34" charset="0"/>
-                <a:cs typeface="Arial" pitchFamily="34" charset="0"/>
-              </a:rPr>
-              <a:t> </a:t>
-            </a:r>
-            <a:r>
-              <a:rPr lang="nb-NO" sz="1200" dirty="0" err="1" smtClean="0">
-                <a:latin typeface="Arial" pitchFamily="34" charset="0"/>
-                <a:cs typeface="Arial" pitchFamily="34" charset="0"/>
-              </a:rPr>
-              <a:t>example,the</a:t>
-            </a:r>
-            <a:r>
-              <a:rPr lang="nb-NO" sz="1200" dirty="0" smtClean="0">
-                <a:latin typeface="Arial" pitchFamily="34" charset="0"/>
-                <a:cs typeface="Arial" pitchFamily="34" charset="0"/>
-              </a:rPr>
-              <a:t> </a:t>
-            </a:r>
-            <a:r>
-              <a:rPr lang="nb-NO" sz="1200" dirty="0" err="1" smtClean="0">
-                <a:latin typeface="Arial" pitchFamily="34" charset="0"/>
-                <a:cs typeface="Arial" pitchFamily="34" charset="0"/>
-              </a:rPr>
-              <a:t>rockery</a:t>
-            </a:r>
-            <a:r>
-              <a:rPr lang="nb-NO" sz="1200" dirty="0" smtClean="0">
-                <a:latin typeface="Arial" pitchFamily="34" charset="0"/>
-                <a:cs typeface="Arial" pitchFamily="34" charset="0"/>
-              </a:rPr>
-              <a:t> </a:t>
-            </a:r>
-            <a:r>
-              <a:rPr lang="nb-NO" sz="1200" dirty="0" err="1" smtClean="0">
-                <a:latin typeface="Arial" pitchFamily="34" charset="0"/>
-                <a:cs typeface="Arial" pitchFamily="34" charset="0"/>
-              </a:rPr>
-              <a:t>artillery</a:t>
-            </a:r>
-            <a:r>
-              <a:rPr lang="nb-NO" sz="1200" dirty="0" smtClean="0">
-                <a:latin typeface="Arial" pitchFamily="34" charset="0"/>
-                <a:cs typeface="Arial" pitchFamily="34" charset="0"/>
-              </a:rPr>
-              <a:t> </a:t>
-            </a:r>
-            <a:r>
-              <a:rPr lang="nb-NO" sz="1200" dirty="0" err="1" smtClean="0">
-                <a:latin typeface="Arial" pitchFamily="34" charset="0"/>
-                <a:cs typeface="Arial" pitchFamily="34" charset="0"/>
-              </a:rPr>
-              <a:t>battalion</a:t>
-            </a:r>
-            <a:r>
-              <a:rPr lang="nb-NO" sz="1200" dirty="0" smtClean="0">
-                <a:latin typeface="Arial" pitchFamily="34" charset="0"/>
-                <a:cs typeface="Arial" pitchFamily="34" charset="0"/>
-              </a:rPr>
-              <a:t> </a:t>
-            </a:r>
-            <a:r>
-              <a:rPr lang="nb-NO" sz="1200" dirty="0" err="1" smtClean="0">
-                <a:latin typeface="Arial" pitchFamily="34" charset="0"/>
-                <a:cs typeface="Arial" pitchFamily="34" charset="0"/>
-              </a:rPr>
-              <a:t>will</a:t>
-            </a:r>
-            <a:r>
-              <a:rPr lang="nb-NO" sz="1200" dirty="0" smtClean="0">
-                <a:latin typeface="Arial" pitchFamily="34" charset="0"/>
-                <a:cs typeface="Arial" pitchFamily="34" charset="0"/>
-              </a:rPr>
-              <a:t> support the </a:t>
-            </a:r>
-            <a:r>
-              <a:rPr lang="nb-NO" sz="1200" dirty="0" err="1" smtClean="0">
-                <a:latin typeface="Arial" pitchFamily="34" charset="0"/>
-                <a:cs typeface="Arial" pitchFamily="34" charset="0"/>
-              </a:rPr>
-              <a:t>northern</a:t>
-            </a:r>
-            <a:r>
-              <a:rPr lang="nb-NO" sz="1200" dirty="0" smtClean="0">
-                <a:latin typeface="Arial" pitchFamily="34" charset="0"/>
-                <a:cs typeface="Arial" pitchFamily="34" charset="0"/>
-              </a:rPr>
-              <a:t>  brigade. </a:t>
-            </a:r>
-          </a:p>
-          <a:p>
-            <a:endParaRPr lang="nb-NO" sz="1200" dirty="0" smtClean="0">
-              <a:latin typeface="Arial" pitchFamily="34" charset="0"/>
-              <a:cs typeface="Arial" pitchFamily="34" charset="0"/>
-            </a:endParaRPr>
-          </a:p>
-          <a:p>
-            <a:r>
-              <a:rPr lang="nb-NO" sz="1200" dirty="0" smtClean="0">
-                <a:latin typeface="Arial" pitchFamily="34" charset="0"/>
-                <a:cs typeface="Arial" pitchFamily="34" charset="0"/>
-              </a:rPr>
-              <a:t>The Division </a:t>
-            </a:r>
-            <a:r>
-              <a:rPr lang="nb-NO" sz="1200" dirty="0" err="1" smtClean="0">
-                <a:latin typeface="Arial" pitchFamily="34" charset="0"/>
-                <a:cs typeface="Arial" pitchFamily="34" charset="0"/>
-              </a:rPr>
-              <a:t>may</a:t>
-            </a:r>
-            <a:r>
-              <a:rPr lang="nb-NO" sz="1200" dirty="0" smtClean="0">
-                <a:latin typeface="Arial" pitchFamily="34" charset="0"/>
-                <a:cs typeface="Arial" pitchFamily="34" charset="0"/>
-              </a:rPr>
-              <a:t> </a:t>
-            </a:r>
-            <a:r>
-              <a:rPr lang="nb-NO" sz="1200" dirty="0" err="1" smtClean="0">
-                <a:latin typeface="Arial" pitchFamily="34" charset="0"/>
-                <a:cs typeface="Arial" pitchFamily="34" charset="0"/>
-              </a:rPr>
-              <a:t>also</a:t>
-            </a:r>
-            <a:r>
-              <a:rPr lang="nb-NO" sz="1200" dirty="0" smtClean="0">
-                <a:latin typeface="Arial" pitchFamily="34" charset="0"/>
-                <a:cs typeface="Arial" pitchFamily="34" charset="0"/>
-              </a:rPr>
-              <a:t> be </a:t>
-            </a:r>
-            <a:r>
-              <a:rPr lang="nb-NO" sz="1200" dirty="0" err="1" smtClean="0">
-                <a:latin typeface="Arial" pitchFamily="34" charset="0"/>
-                <a:cs typeface="Arial" pitchFamily="34" charset="0"/>
-              </a:rPr>
-              <a:t>supported</a:t>
-            </a:r>
-            <a:r>
-              <a:rPr lang="nb-NO" sz="1200" dirty="0" smtClean="0">
-                <a:latin typeface="Arial" pitchFamily="34" charset="0"/>
-                <a:cs typeface="Arial" pitchFamily="34" charset="0"/>
-              </a:rPr>
-              <a:t> by </a:t>
-            </a:r>
-            <a:r>
-              <a:rPr lang="nb-NO" sz="1200" dirty="0" err="1" smtClean="0">
-                <a:latin typeface="Arial" pitchFamily="34" charset="0"/>
-                <a:cs typeface="Arial" pitchFamily="34" charset="0"/>
-              </a:rPr>
-              <a:t>Corps</a:t>
-            </a:r>
-            <a:r>
-              <a:rPr lang="nb-NO" sz="1200" dirty="0" smtClean="0">
-                <a:latin typeface="Arial" pitchFamily="34" charset="0"/>
-                <a:cs typeface="Arial" pitchFamily="34" charset="0"/>
-              </a:rPr>
-              <a:t> </a:t>
-            </a:r>
-            <a:r>
-              <a:rPr lang="nb-NO" sz="1200" dirty="0" err="1" smtClean="0">
-                <a:latin typeface="Arial" pitchFamily="34" charset="0"/>
-                <a:cs typeface="Arial" pitchFamily="34" charset="0"/>
-              </a:rPr>
-              <a:t>assets</a:t>
-            </a:r>
-            <a:r>
-              <a:rPr lang="nb-NO" sz="1200" dirty="0" smtClean="0">
-                <a:latin typeface="Arial" pitchFamily="34" charset="0"/>
-                <a:cs typeface="Arial" pitchFamily="34" charset="0"/>
-              </a:rPr>
-              <a:t> (RW, MLRS, </a:t>
-            </a:r>
-            <a:r>
-              <a:rPr lang="nb-NO" sz="1200" dirty="0" err="1" smtClean="0">
-                <a:latin typeface="Arial" pitchFamily="34" charset="0"/>
-                <a:cs typeface="Arial" pitchFamily="34" charset="0"/>
-              </a:rPr>
-              <a:t>Recon</a:t>
-            </a:r>
-            <a:r>
-              <a:rPr lang="nb-NO" sz="1200" dirty="0" smtClean="0">
-                <a:latin typeface="Arial" pitchFamily="34" charset="0"/>
-                <a:cs typeface="Arial" pitchFamily="34" charset="0"/>
-              </a:rPr>
-              <a:t>, EW). This </a:t>
-            </a:r>
-            <a:r>
-              <a:rPr lang="nb-NO" sz="1200" dirty="0" err="1" smtClean="0">
-                <a:latin typeface="Arial" pitchFamily="34" charset="0"/>
-                <a:cs typeface="Arial" pitchFamily="34" charset="0"/>
-              </a:rPr>
-              <a:t>will</a:t>
-            </a:r>
-            <a:r>
-              <a:rPr lang="nb-NO" sz="1200" dirty="0" smtClean="0">
-                <a:latin typeface="Arial" pitchFamily="34" charset="0"/>
-                <a:cs typeface="Arial" pitchFamily="34" charset="0"/>
-              </a:rPr>
-              <a:t> </a:t>
-            </a:r>
-            <a:r>
-              <a:rPr lang="nb-NO" sz="1200" dirty="0" err="1" smtClean="0">
-                <a:latin typeface="Arial" pitchFamily="34" charset="0"/>
-                <a:cs typeface="Arial" pitchFamily="34" charset="0"/>
-              </a:rPr>
-              <a:t>then</a:t>
-            </a:r>
-            <a:r>
-              <a:rPr lang="nb-NO" sz="1200" dirty="0" smtClean="0">
-                <a:latin typeface="Arial" pitchFamily="34" charset="0"/>
-                <a:cs typeface="Arial" pitchFamily="34" charset="0"/>
-              </a:rPr>
-              <a:t> </a:t>
-            </a:r>
-            <a:r>
-              <a:rPr lang="nb-NO" sz="1200" dirty="0" err="1" smtClean="0">
-                <a:latin typeface="Arial" pitchFamily="34" charset="0"/>
-                <a:cs typeface="Arial" pitchFamily="34" charset="0"/>
-              </a:rPr>
-              <a:t>normally</a:t>
-            </a:r>
-            <a:r>
-              <a:rPr lang="nb-NO" sz="1200" dirty="0" smtClean="0">
-                <a:latin typeface="Arial" pitchFamily="34" charset="0"/>
-                <a:cs typeface="Arial" pitchFamily="34" charset="0"/>
-              </a:rPr>
-              <a:t> be </a:t>
-            </a:r>
-            <a:r>
-              <a:rPr lang="nb-NO" sz="1200" dirty="0" err="1" smtClean="0">
-                <a:latin typeface="Arial" pitchFamily="34" charset="0"/>
-                <a:cs typeface="Arial" pitchFamily="34" charset="0"/>
-              </a:rPr>
-              <a:t>assigned</a:t>
-            </a:r>
-            <a:r>
-              <a:rPr lang="nb-NO" sz="1200" dirty="0" smtClean="0">
-                <a:latin typeface="Arial" pitchFamily="34" charset="0"/>
-                <a:cs typeface="Arial" pitchFamily="34" charset="0"/>
-              </a:rPr>
-              <a:t> to the ME brigade.</a:t>
-            </a:r>
-          </a:p>
-          <a:p>
-            <a:endParaRPr lang="nb-NO" sz="1200" dirty="0" smtClean="0">
-              <a:latin typeface="Arial" pitchFamily="34" charset="0"/>
-              <a:cs typeface="Arial" pitchFamily="34" charset="0"/>
-            </a:endParaRPr>
-          </a:p>
-          <a:p>
-            <a:r>
-              <a:rPr lang="nb-NO" sz="1200" dirty="0" smtClean="0">
-                <a:latin typeface="Arial" pitchFamily="34" charset="0"/>
-                <a:cs typeface="Arial" pitchFamily="34" charset="0"/>
-              </a:rPr>
-              <a:t>In the </a:t>
-            </a:r>
-            <a:r>
-              <a:rPr lang="nb-NO" sz="1200" dirty="0" err="1" smtClean="0">
-                <a:latin typeface="Arial" pitchFamily="34" charset="0"/>
-                <a:cs typeface="Arial" pitchFamily="34" charset="0"/>
-              </a:rPr>
-              <a:t>rear</a:t>
-            </a:r>
-            <a:r>
-              <a:rPr lang="nb-NO" sz="1200" dirty="0" smtClean="0">
-                <a:latin typeface="Arial" pitchFamily="34" charset="0"/>
-                <a:cs typeface="Arial" pitchFamily="34" charset="0"/>
-              </a:rPr>
-              <a:t>, the Division HQ is </a:t>
-            </a:r>
-            <a:r>
-              <a:rPr lang="nb-NO" sz="1200" dirty="0" err="1" smtClean="0">
-                <a:latin typeface="Arial" pitchFamily="34" charset="0"/>
-                <a:cs typeface="Arial" pitchFamily="34" charset="0"/>
-              </a:rPr>
-              <a:t>located</a:t>
-            </a:r>
-            <a:r>
-              <a:rPr lang="nb-NO" sz="1200" dirty="0" smtClean="0">
-                <a:latin typeface="Arial" pitchFamily="34" charset="0"/>
-                <a:cs typeface="Arial" pitchFamily="34" charset="0"/>
-              </a:rPr>
-              <a:t>, </a:t>
-            </a:r>
-            <a:r>
-              <a:rPr lang="nb-NO" sz="1200" dirty="0" err="1" smtClean="0">
-                <a:latin typeface="Arial" pitchFamily="34" charset="0"/>
-                <a:cs typeface="Arial" pitchFamily="34" charset="0"/>
-              </a:rPr>
-              <a:t>there</a:t>
-            </a:r>
-            <a:r>
-              <a:rPr lang="nb-NO" sz="1200" dirty="0" smtClean="0">
-                <a:latin typeface="Arial" pitchFamily="34" charset="0"/>
-                <a:cs typeface="Arial" pitchFamily="34" charset="0"/>
-              </a:rPr>
-              <a:t> </a:t>
-            </a:r>
-            <a:r>
-              <a:rPr lang="nb-NO" sz="1200" dirty="0" err="1" smtClean="0">
-                <a:latin typeface="Arial" pitchFamily="34" charset="0"/>
-                <a:cs typeface="Arial" pitchFamily="34" charset="0"/>
-              </a:rPr>
-              <a:t>one</a:t>
-            </a:r>
-            <a:r>
-              <a:rPr lang="nb-NO" sz="1200" dirty="0" smtClean="0">
-                <a:latin typeface="Arial" pitchFamily="34" charset="0"/>
-                <a:cs typeface="Arial" pitchFamily="34" charset="0"/>
-              </a:rPr>
-              <a:t> </a:t>
-            </a:r>
-            <a:r>
-              <a:rPr lang="nb-NO" sz="1200" dirty="0" err="1" smtClean="0">
-                <a:latin typeface="Arial" pitchFamily="34" charset="0"/>
-                <a:cs typeface="Arial" pitchFamily="34" charset="0"/>
-              </a:rPr>
-              <a:t>can</a:t>
-            </a:r>
-            <a:r>
-              <a:rPr lang="nb-NO" sz="1200" dirty="0" smtClean="0">
-                <a:latin typeface="Arial" pitchFamily="34" charset="0"/>
-                <a:cs typeface="Arial" pitchFamily="34" charset="0"/>
-              </a:rPr>
-              <a:t> </a:t>
-            </a:r>
-            <a:r>
-              <a:rPr lang="nb-NO" sz="1200" dirty="0" err="1" smtClean="0">
-                <a:latin typeface="Arial" pitchFamily="34" charset="0"/>
-                <a:cs typeface="Arial" pitchFamily="34" charset="0"/>
-              </a:rPr>
-              <a:t>also</a:t>
-            </a:r>
-            <a:r>
-              <a:rPr lang="nb-NO" sz="1200" dirty="0" smtClean="0">
-                <a:latin typeface="Arial" pitchFamily="34" charset="0"/>
-                <a:cs typeface="Arial" pitchFamily="34" charset="0"/>
-              </a:rPr>
-              <a:t> </a:t>
-            </a:r>
-            <a:r>
-              <a:rPr lang="nb-NO" sz="1200" dirty="0" err="1" smtClean="0">
-                <a:latin typeface="Arial" pitchFamily="34" charset="0"/>
-                <a:cs typeface="Arial" pitchFamily="34" charset="0"/>
-              </a:rPr>
-              <a:t>find</a:t>
-            </a:r>
-            <a:r>
-              <a:rPr lang="nb-NO" sz="1200" dirty="0" smtClean="0">
-                <a:latin typeface="Arial" pitchFamily="34" charset="0"/>
-                <a:cs typeface="Arial" pitchFamily="34" charset="0"/>
-              </a:rPr>
-              <a:t> the </a:t>
-            </a:r>
-            <a:r>
-              <a:rPr lang="nb-NO" sz="1200" dirty="0" err="1" smtClean="0">
-                <a:latin typeface="Arial" pitchFamily="34" charset="0"/>
-                <a:cs typeface="Arial" pitchFamily="34" charset="0"/>
-              </a:rPr>
-              <a:t>logistic</a:t>
-            </a:r>
-            <a:r>
-              <a:rPr lang="nb-NO" sz="1200" dirty="0" smtClean="0">
-                <a:latin typeface="Arial" pitchFamily="34" charset="0"/>
-                <a:cs typeface="Arial" pitchFamily="34" charset="0"/>
-              </a:rPr>
-              <a:t> BN. The Air </a:t>
-            </a:r>
-            <a:r>
-              <a:rPr lang="nb-NO" sz="1200" dirty="0" err="1" smtClean="0">
-                <a:latin typeface="Arial" pitchFamily="34" charset="0"/>
-                <a:cs typeface="Arial" pitchFamily="34" charset="0"/>
-              </a:rPr>
-              <a:t>Defence</a:t>
-            </a:r>
-            <a:r>
-              <a:rPr lang="nb-NO" sz="1200" dirty="0" smtClean="0">
-                <a:latin typeface="Arial" pitchFamily="34" charset="0"/>
-                <a:cs typeface="Arial" pitchFamily="34" charset="0"/>
-              </a:rPr>
-              <a:t> Regiment </a:t>
-            </a:r>
-            <a:r>
-              <a:rPr lang="nb-NO" sz="1200" dirty="0" err="1" smtClean="0">
-                <a:latin typeface="Arial" pitchFamily="34" charset="0"/>
-                <a:cs typeface="Arial" pitchFamily="34" charset="0"/>
-              </a:rPr>
-              <a:t>protects</a:t>
-            </a:r>
-            <a:r>
-              <a:rPr lang="nb-NO" sz="1200" dirty="0" smtClean="0">
-                <a:latin typeface="Arial" pitchFamily="34" charset="0"/>
-                <a:cs typeface="Arial" pitchFamily="34" charset="0"/>
-              </a:rPr>
-              <a:t> the </a:t>
-            </a:r>
-            <a:r>
-              <a:rPr lang="nb-NO" sz="1200" dirty="0" err="1" smtClean="0">
-                <a:latin typeface="Arial" pitchFamily="34" charset="0"/>
-                <a:cs typeface="Arial" pitchFamily="34" charset="0"/>
-              </a:rPr>
-              <a:t>various</a:t>
-            </a:r>
-            <a:r>
-              <a:rPr lang="nb-NO" sz="1200" dirty="0" smtClean="0">
-                <a:latin typeface="Arial" pitchFamily="34" charset="0"/>
-                <a:cs typeface="Arial" pitchFamily="34" charset="0"/>
-              </a:rPr>
-              <a:t> </a:t>
-            </a:r>
-            <a:r>
-              <a:rPr lang="nb-NO" sz="1200" dirty="0" err="1" smtClean="0">
-                <a:latin typeface="Arial" pitchFamily="34" charset="0"/>
-                <a:cs typeface="Arial" pitchFamily="34" charset="0"/>
-              </a:rPr>
-              <a:t>subunits</a:t>
-            </a:r>
-            <a:r>
-              <a:rPr lang="nb-NO" sz="1200" dirty="0" smtClean="0">
-                <a:latin typeface="Arial" pitchFamily="34" charset="0"/>
-                <a:cs typeface="Arial" pitchFamily="34" charset="0"/>
-              </a:rPr>
-              <a:t> </a:t>
-            </a:r>
-            <a:r>
-              <a:rPr lang="nb-NO" sz="1200" dirty="0" err="1" smtClean="0">
-                <a:latin typeface="Arial" pitchFamily="34" charset="0"/>
-                <a:cs typeface="Arial" pitchFamily="34" charset="0"/>
-              </a:rPr>
-              <a:t>based</a:t>
-            </a:r>
-            <a:r>
-              <a:rPr lang="nb-NO" sz="1200" dirty="0" smtClean="0">
-                <a:latin typeface="Arial" pitchFamily="34" charset="0"/>
-                <a:cs typeface="Arial" pitchFamily="34" charset="0"/>
-              </a:rPr>
-              <a:t> </a:t>
-            </a:r>
-            <a:r>
-              <a:rPr lang="nb-NO" sz="1200" dirty="0" err="1" smtClean="0">
-                <a:latin typeface="Arial" pitchFamily="34" charset="0"/>
-                <a:cs typeface="Arial" pitchFamily="34" charset="0"/>
-              </a:rPr>
-              <a:t>no</a:t>
-            </a:r>
-            <a:r>
-              <a:rPr lang="nb-NO" sz="1200" dirty="0" smtClean="0">
-                <a:latin typeface="Arial" pitchFamily="34" charset="0"/>
-                <a:cs typeface="Arial" pitchFamily="34" charset="0"/>
-              </a:rPr>
-              <a:t> the </a:t>
-            </a:r>
-            <a:r>
-              <a:rPr lang="nb-NO" sz="1200" dirty="0" err="1" smtClean="0">
-                <a:latin typeface="Arial" pitchFamily="34" charset="0"/>
-                <a:cs typeface="Arial" pitchFamily="34" charset="0"/>
-              </a:rPr>
-              <a:t>terrain</a:t>
-            </a:r>
-            <a:r>
-              <a:rPr lang="nb-NO" sz="1200" dirty="0" smtClean="0">
-                <a:latin typeface="Arial" pitchFamily="34" charset="0"/>
-                <a:cs typeface="Arial" pitchFamily="34" charset="0"/>
-              </a:rPr>
-              <a:t>, </a:t>
-            </a:r>
-            <a:r>
-              <a:rPr lang="nb-NO" sz="1200" dirty="0" err="1" smtClean="0">
-                <a:latin typeface="Arial" pitchFamily="34" charset="0"/>
-                <a:cs typeface="Arial" pitchFamily="34" charset="0"/>
-              </a:rPr>
-              <a:t>but</a:t>
-            </a:r>
-            <a:r>
-              <a:rPr lang="nb-NO" sz="1200" dirty="0" smtClean="0">
-                <a:latin typeface="Arial" pitchFamily="34" charset="0"/>
-                <a:cs typeface="Arial" pitchFamily="34" charset="0"/>
-              </a:rPr>
-              <a:t> </a:t>
-            </a:r>
-            <a:r>
-              <a:rPr lang="nb-NO" sz="1200" dirty="0" err="1" smtClean="0">
-                <a:latin typeface="Arial" pitchFamily="34" charset="0"/>
-                <a:cs typeface="Arial" pitchFamily="34" charset="0"/>
-              </a:rPr>
-              <a:t>normally</a:t>
-            </a:r>
-            <a:r>
-              <a:rPr lang="nb-NO" sz="1200" dirty="0" smtClean="0">
-                <a:latin typeface="Arial" pitchFamily="34" charset="0"/>
-                <a:cs typeface="Arial" pitchFamily="34" charset="0"/>
-              </a:rPr>
-              <a:t> </a:t>
-            </a:r>
-            <a:r>
-              <a:rPr lang="nb-NO" sz="1200" dirty="0" err="1" smtClean="0">
-                <a:latin typeface="Arial" pitchFamily="34" charset="0"/>
-                <a:cs typeface="Arial" pitchFamily="34" charset="0"/>
-              </a:rPr>
-              <a:t>you</a:t>
-            </a:r>
-            <a:r>
-              <a:rPr lang="nb-NO" sz="1200" dirty="0" smtClean="0">
-                <a:latin typeface="Arial" pitchFamily="34" charset="0"/>
-                <a:cs typeface="Arial" pitchFamily="34" charset="0"/>
-              </a:rPr>
-              <a:t> </a:t>
-            </a:r>
-            <a:r>
-              <a:rPr lang="nb-NO" sz="1200" dirty="0" err="1" smtClean="0">
-                <a:latin typeface="Arial" pitchFamily="34" charset="0"/>
-                <a:cs typeface="Arial" pitchFamily="34" charset="0"/>
-              </a:rPr>
-              <a:t>will</a:t>
-            </a:r>
-            <a:r>
-              <a:rPr lang="nb-NO" sz="1200" dirty="0" smtClean="0">
-                <a:latin typeface="Arial" pitchFamily="34" charset="0"/>
-                <a:cs typeface="Arial" pitchFamily="34" charset="0"/>
-              </a:rPr>
-              <a:t> </a:t>
-            </a:r>
-            <a:r>
-              <a:rPr lang="nb-NO" sz="1200" dirty="0" err="1" smtClean="0">
-                <a:latin typeface="Arial" pitchFamily="34" charset="0"/>
-                <a:cs typeface="Arial" pitchFamily="34" charset="0"/>
-              </a:rPr>
-              <a:t>find</a:t>
-            </a:r>
-            <a:r>
-              <a:rPr lang="nb-NO" sz="1200" dirty="0" smtClean="0">
-                <a:latin typeface="Arial" pitchFamily="34" charset="0"/>
-                <a:cs typeface="Arial" pitchFamily="34" charset="0"/>
-              </a:rPr>
-              <a:t> the SA-15 BN in the </a:t>
-            </a:r>
-            <a:r>
-              <a:rPr lang="nb-NO" sz="1200" dirty="0" err="1" smtClean="0">
-                <a:latin typeface="Arial" pitchFamily="34" charset="0"/>
-                <a:cs typeface="Arial" pitchFamily="34" charset="0"/>
-              </a:rPr>
-              <a:t>rear</a:t>
-            </a:r>
-            <a:r>
-              <a:rPr lang="nb-NO" sz="1200" dirty="0" smtClean="0">
-                <a:latin typeface="Arial" pitchFamily="34" charset="0"/>
-                <a:cs typeface="Arial" pitchFamily="34" charset="0"/>
-              </a:rPr>
-              <a:t> </a:t>
-            </a:r>
-            <a:r>
-              <a:rPr lang="nb-NO" sz="1200" dirty="0" err="1" smtClean="0">
-                <a:latin typeface="Arial" pitchFamily="34" charset="0"/>
-                <a:cs typeface="Arial" pitchFamily="34" charset="0"/>
-              </a:rPr>
-              <a:t>protecting</a:t>
-            </a:r>
-            <a:r>
-              <a:rPr lang="nb-NO" sz="1200" dirty="0" smtClean="0">
-                <a:latin typeface="Arial" pitchFamily="34" charset="0"/>
-                <a:cs typeface="Arial" pitchFamily="34" charset="0"/>
-              </a:rPr>
-              <a:t> </a:t>
-            </a:r>
-            <a:r>
-              <a:rPr lang="nb-NO" sz="1200" dirty="0" err="1" smtClean="0">
-                <a:latin typeface="Arial" pitchFamily="34" charset="0"/>
-                <a:cs typeface="Arial" pitchFamily="34" charset="0"/>
-              </a:rPr>
-              <a:t>logistics</a:t>
-            </a:r>
-            <a:r>
-              <a:rPr lang="nb-NO" sz="1200" dirty="0" smtClean="0">
-                <a:latin typeface="Arial" pitchFamily="34" charset="0"/>
-                <a:cs typeface="Arial" pitchFamily="34" charset="0"/>
-              </a:rPr>
-              <a:t> and Division HQ. The SA-8 BN </a:t>
-            </a:r>
-            <a:r>
-              <a:rPr lang="nb-NO" sz="1200" dirty="0" err="1" smtClean="0">
-                <a:latin typeface="Arial" pitchFamily="34" charset="0"/>
-                <a:cs typeface="Arial" pitchFamily="34" charset="0"/>
-              </a:rPr>
-              <a:t>normally</a:t>
-            </a:r>
-            <a:r>
-              <a:rPr lang="nb-NO" sz="1200" dirty="0" smtClean="0">
-                <a:latin typeface="Arial" pitchFamily="34" charset="0"/>
-                <a:cs typeface="Arial" pitchFamily="34" charset="0"/>
-              </a:rPr>
-              <a:t> </a:t>
-            </a:r>
-            <a:r>
-              <a:rPr lang="nb-NO" sz="1200" dirty="0" err="1" smtClean="0">
-                <a:latin typeface="Arial" pitchFamily="34" charset="0"/>
-                <a:cs typeface="Arial" pitchFamily="34" charset="0"/>
-              </a:rPr>
-              <a:t>positions</a:t>
-            </a:r>
-            <a:r>
-              <a:rPr lang="nb-NO" sz="1200" dirty="0" smtClean="0">
-                <a:latin typeface="Arial" pitchFamily="34" charset="0"/>
-                <a:cs typeface="Arial" pitchFamily="34" charset="0"/>
-              </a:rPr>
-              <a:t> </a:t>
-            </a:r>
-            <a:r>
-              <a:rPr lang="nb-NO" sz="1200" dirty="0" err="1" smtClean="0">
-                <a:latin typeface="Arial" pitchFamily="34" charset="0"/>
-                <a:cs typeface="Arial" pitchFamily="34" charset="0"/>
-              </a:rPr>
-              <a:t>itselt</a:t>
-            </a:r>
-            <a:r>
-              <a:rPr lang="nb-NO" sz="1200" dirty="0" smtClean="0">
-                <a:latin typeface="Arial" pitchFamily="34" charset="0"/>
-                <a:cs typeface="Arial" pitchFamily="34" charset="0"/>
-              </a:rPr>
-              <a:t> to </a:t>
-            </a:r>
-            <a:r>
-              <a:rPr lang="nb-NO" sz="1200" dirty="0" err="1" smtClean="0">
-                <a:latin typeface="Arial" pitchFamily="34" charset="0"/>
-                <a:cs typeface="Arial" pitchFamily="34" charset="0"/>
-              </a:rPr>
-              <a:t>protect</a:t>
-            </a:r>
-            <a:r>
-              <a:rPr lang="nb-NO" sz="1200" dirty="0" smtClean="0">
-                <a:latin typeface="Arial" pitchFamily="34" charset="0"/>
-                <a:cs typeface="Arial" pitchFamily="34" charset="0"/>
-              </a:rPr>
-              <a:t> </a:t>
-            </a:r>
-            <a:r>
-              <a:rPr lang="nb-NO" sz="1200" dirty="0" err="1" smtClean="0">
-                <a:latin typeface="Arial" pitchFamily="34" charset="0"/>
-                <a:cs typeface="Arial" pitchFamily="34" charset="0"/>
-              </a:rPr>
-              <a:t>artillery</a:t>
-            </a:r>
-            <a:r>
-              <a:rPr lang="nb-NO" sz="1200" dirty="0" smtClean="0">
-                <a:latin typeface="Arial" pitchFamily="34" charset="0"/>
-                <a:cs typeface="Arial" pitchFamily="34" charset="0"/>
-              </a:rPr>
-              <a:t>, </a:t>
-            </a:r>
-            <a:r>
-              <a:rPr lang="nb-NO" sz="1200" dirty="0" err="1" smtClean="0">
-                <a:latin typeface="Arial" pitchFamily="34" charset="0"/>
-                <a:cs typeface="Arial" pitchFamily="34" charset="0"/>
-              </a:rPr>
-              <a:t>especially</a:t>
-            </a:r>
-            <a:r>
-              <a:rPr lang="nb-NO" sz="1200" dirty="0" smtClean="0">
-                <a:latin typeface="Arial" pitchFamily="34" charset="0"/>
-                <a:cs typeface="Arial" pitchFamily="34" charset="0"/>
-              </a:rPr>
-              <a:t> the Rocket </a:t>
-            </a:r>
-            <a:r>
-              <a:rPr lang="nb-NO" sz="1200" dirty="0" err="1" smtClean="0">
-                <a:latin typeface="Arial" pitchFamily="34" charset="0"/>
-                <a:cs typeface="Arial" pitchFamily="34" charset="0"/>
-              </a:rPr>
-              <a:t>artillery</a:t>
-            </a:r>
-            <a:r>
-              <a:rPr lang="nb-NO" sz="1200" dirty="0" smtClean="0">
-                <a:latin typeface="Arial" pitchFamily="34" charset="0"/>
-                <a:cs typeface="Arial" pitchFamily="34" charset="0"/>
-              </a:rPr>
-              <a:t> BN. The Air </a:t>
-            </a:r>
-            <a:r>
-              <a:rPr lang="nb-NO" sz="1200" dirty="0" err="1" smtClean="0">
-                <a:latin typeface="Arial" pitchFamily="34" charset="0"/>
-                <a:cs typeface="Arial" pitchFamily="34" charset="0"/>
-              </a:rPr>
-              <a:t>Defense</a:t>
-            </a:r>
-            <a:r>
-              <a:rPr lang="nb-NO" sz="1200" dirty="0" smtClean="0">
-                <a:latin typeface="Arial" pitchFamily="34" charset="0"/>
-                <a:cs typeface="Arial" pitchFamily="34" charset="0"/>
-              </a:rPr>
-              <a:t> </a:t>
-            </a:r>
-            <a:r>
-              <a:rPr lang="nb-NO" sz="1200" dirty="0" err="1" smtClean="0">
-                <a:latin typeface="Arial" pitchFamily="34" charset="0"/>
-                <a:cs typeface="Arial" pitchFamily="34" charset="0"/>
-              </a:rPr>
-              <a:t>BNs</a:t>
-            </a:r>
-            <a:r>
-              <a:rPr lang="nb-NO" sz="1200" dirty="0" smtClean="0">
-                <a:latin typeface="Arial" pitchFamily="34" charset="0"/>
-                <a:cs typeface="Arial" pitchFamily="34" charset="0"/>
-              </a:rPr>
-              <a:t> </a:t>
-            </a:r>
-            <a:r>
-              <a:rPr lang="nb-NO" sz="1200" dirty="0" err="1" smtClean="0">
-                <a:latin typeface="Arial" pitchFamily="34" charset="0"/>
-                <a:cs typeface="Arial" pitchFamily="34" charset="0"/>
-              </a:rPr>
-              <a:t>will</a:t>
-            </a:r>
-            <a:r>
-              <a:rPr lang="nb-NO" sz="1200" dirty="0" smtClean="0">
-                <a:latin typeface="Arial" pitchFamily="34" charset="0"/>
-                <a:cs typeface="Arial" pitchFamily="34" charset="0"/>
-              </a:rPr>
-              <a:t> support the  </a:t>
-            </a:r>
-            <a:r>
-              <a:rPr lang="nb-NO" sz="1200" dirty="0" err="1" smtClean="0">
-                <a:latin typeface="Arial" pitchFamily="34" charset="0"/>
-                <a:cs typeface="Arial" pitchFamily="34" charset="0"/>
-              </a:rPr>
-              <a:t>different</a:t>
-            </a:r>
-            <a:r>
-              <a:rPr lang="nb-NO" sz="1200" dirty="0" smtClean="0">
-                <a:latin typeface="Arial" pitchFamily="34" charset="0"/>
-                <a:cs typeface="Arial" pitchFamily="34" charset="0"/>
-              </a:rPr>
-              <a:t> </a:t>
-            </a:r>
-            <a:r>
-              <a:rPr lang="nb-NO" sz="1200" dirty="0" err="1" smtClean="0">
-                <a:latin typeface="Arial" pitchFamily="34" charset="0"/>
-                <a:cs typeface="Arial" pitchFamily="34" charset="0"/>
-              </a:rPr>
-              <a:t>brigades-</a:t>
-            </a:r>
-            <a:endParaRPr lang="nb-NO" sz="1200" dirty="0" smtClean="0">
-              <a:latin typeface="Arial" pitchFamily="34" charset="0"/>
-              <a:cs typeface="Arial" pitchFamily="34" charset="0"/>
-            </a:endParaRPr>
-          </a:p>
-        </p:txBody>
-      </p:sp>
-      <p:sp>
-        <p:nvSpPr>
           <p:cNvPr id="20" name="Avrundet rektangel 19"/>
           <p:cNvSpPr/>
           <p:nvPr/>
         </p:nvSpPr>
         <p:spPr>
           <a:xfrm>
-            <a:off x="247620" y="2857502"/>
-            <a:ext cx="857256" cy="428628"/>
+            <a:off x="4077925" y="2836943"/>
+            <a:ext cx="693210" cy="286506"/>
           </a:xfrm>
           <a:prstGeom prst="roundRect">
             <a:avLst/>
@@ -6773,7 +6043,7 @@
         </p:nvCxnSpPr>
         <p:spPr>
           <a:xfrm>
-            <a:off x="604810" y="1285866"/>
+            <a:off x="441299" y="1272752"/>
             <a:ext cx="5143536" cy="1588"/>
           </a:xfrm>
           <a:prstGeom prst="line">
@@ -6835,62 +6105,26 @@
           </a:fontRef>
         </p:style>
       </p:cxnSp>
-      <p:cxnSp>
-        <p:nvCxnSpPr>
-          <p:cNvPr id="29" name="Rett linje 28"/>
-          <p:cNvCxnSpPr/>
-          <p:nvPr/>
-        </p:nvCxnSpPr>
-        <p:spPr>
-          <a:xfrm>
-            <a:off x="676248" y="2928940"/>
-            <a:ext cx="5143536" cy="1588"/>
-          </a:xfrm>
-          <a:prstGeom prst="line">
-            <a:avLst/>
-          </a:prstGeom>
-          <a:ln w="25400">
+      <p:sp>
+        <p:nvSpPr>
+          <p:cNvPr id="44" name="Ellipse 43"/>
+          <p:cNvSpPr/>
+          <p:nvPr/>
+        </p:nvSpPr>
+        <p:spPr>
+          <a:xfrm>
+            <a:off x="586624" y="1274340"/>
+            <a:ext cx="1609112" cy="1613982"/>
+          </a:xfrm>
+          <a:prstGeom prst="ellipse">
+            <a:avLst/>
+          </a:prstGeom>
+          <a:noFill/>
+          <a:ln>
             <a:solidFill>
               <a:schemeClr val="tx1"/>
             </a:solidFill>
-          </a:ln>
-        </p:spPr>
-        <p:style>
-          <a:lnRef idx="1">
-            <a:schemeClr val="accent1"/>
-          </a:lnRef>
-          <a:fillRef idx="0">
-            <a:schemeClr val="accent1"/>
-          </a:fillRef>
-          <a:effectRef idx="0">
-            <a:schemeClr val="accent1"/>
-          </a:effectRef>
-          <a:fontRef idx="minor">
-            <a:schemeClr val="tx1"/>
-          </a:fontRef>
-        </p:style>
-      </p:cxnSp>
-      <p:sp>
-        <p:nvSpPr>
-          <p:cNvPr id="32" name="Avrundet rektangel 31"/>
-          <p:cNvSpPr/>
-          <p:nvPr/>
-        </p:nvSpPr>
-        <p:spPr>
-          <a:xfrm>
-            <a:off x="4105272" y="1500180"/>
-            <a:ext cx="857256" cy="428628"/>
-          </a:xfrm>
-          <a:prstGeom prst="roundRect">
-            <a:avLst/>
-          </a:prstGeom>
-          <a:solidFill>
-            <a:schemeClr val="accent2"/>
-          </a:solidFill>
-          <a:ln w="12700">
-            <a:solidFill>
-              <a:schemeClr val="tx1"/>
-            </a:solidFill>
+            <a:prstDash val="dash"/>
           </a:ln>
         </p:spPr>
         <p:style>
@@ -6914,14 +6148,7 @@
           <a:lstStyle/>
           <a:p>
             <a:pPr algn="ctr"/>
-            <a:r>
-              <a:rPr lang="nb-NO" sz="1050" dirty="0" smtClean="0">
-                <a:latin typeface="Arial" pitchFamily="34" charset="0"/>
-                <a:cs typeface="Arial" pitchFamily="34" charset="0"/>
-              </a:rPr>
-              <a:t>BN</a:t>
-            </a:r>
-            <a:endParaRPr lang="nb-NO" sz="1050" dirty="0">
+            <a:endParaRPr lang="nb-NO">
               <a:latin typeface="Arial" pitchFamily="34" charset="0"/>
               <a:cs typeface="Arial" pitchFamily="34" charset="0"/>
             </a:endParaRPr>
@@ -6930,14 +6157,14 @@
       </p:sp>
       <p:sp>
         <p:nvSpPr>
-          <p:cNvPr id="33" name="Avrundet rektangel 32"/>
+          <p:cNvPr id="47" name="Avrundet rektangel 46"/>
           <p:cNvSpPr/>
           <p:nvPr/>
         </p:nvSpPr>
         <p:spPr>
           <a:xfrm>
-            <a:off x="4105272" y="2285998"/>
-            <a:ext cx="857256" cy="428628"/>
+            <a:off x="1763141" y="2737484"/>
+            <a:ext cx="749764" cy="410330"/>
           </a:xfrm>
           <a:prstGeom prst="roundRect">
             <a:avLst/>
@@ -6977,7 +6204,7 @@
                 <a:latin typeface="Arial" pitchFamily="34" charset="0"/>
                 <a:cs typeface="Arial" pitchFamily="34" charset="0"/>
               </a:rPr>
-              <a:t>BN</a:t>
+              <a:t>ARTY BN</a:t>
             </a:r>
             <a:endParaRPr lang="nb-NO" sz="1050" dirty="0">
               <a:latin typeface="Arial" pitchFamily="34" charset="0"/>
@@ -6988,13 +6215,13 @@
       </p:sp>
       <p:sp>
         <p:nvSpPr>
-          <p:cNvPr id="34" name="Avrundet rektangel 33"/>
+          <p:cNvPr id="48" name="Avrundet rektangel 47"/>
           <p:cNvSpPr/>
           <p:nvPr/>
         </p:nvSpPr>
         <p:spPr>
           <a:xfrm>
-            <a:off x="3248016" y="1900233"/>
+            <a:off x="2292394" y="1595810"/>
             <a:ext cx="857256" cy="428628"/>
           </a:xfrm>
           <a:prstGeom prst="roundRect">
@@ -7035,7 +6262,7 @@
                 <a:latin typeface="Arial" pitchFamily="34" charset="0"/>
                 <a:cs typeface="Arial" pitchFamily="34" charset="0"/>
               </a:rPr>
-              <a:t>BN</a:t>
+              <a:t>ROCKETARTY BN</a:t>
             </a:r>
             <a:endParaRPr lang="nb-NO" sz="1050" dirty="0">
               <a:latin typeface="Arial" pitchFamily="34" charset="0"/>
@@ -7046,14 +6273,14 @@
       </p:sp>
       <p:sp>
         <p:nvSpPr>
-          <p:cNvPr id="35" name="Avrundet rektangel 34"/>
+          <p:cNvPr id="49" name="Avrundet rektangel 48"/>
           <p:cNvSpPr/>
           <p:nvPr/>
         </p:nvSpPr>
         <p:spPr>
           <a:xfrm>
-            <a:off x="4105272" y="3143254"/>
-            <a:ext cx="857256" cy="428628"/>
+            <a:off x="4211960" y="2465485"/>
+            <a:ext cx="1080120" cy="253765"/>
           </a:xfrm>
           <a:prstGeom prst="roundRect">
             <a:avLst/>
@@ -7093,7 +6320,7 @@
                 <a:latin typeface="Arial" pitchFamily="34" charset="0"/>
                 <a:cs typeface="Arial" pitchFamily="34" charset="0"/>
               </a:rPr>
-              <a:t>BN</a:t>
+              <a:t>LOGISTIC BN</a:t>
             </a:r>
             <a:endParaRPr lang="nb-NO" sz="1050" dirty="0">
               <a:latin typeface="Arial" pitchFamily="34" charset="0"/>
@@ -7104,14 +6331,14 @@
       </p:sp>
       <p:sp>
         <p:nvSpPr>
-          <p:cNvPr id="36" name="Avrundet rektangel 35"/>
+          <p:cNvPr id="50" name="Avrundet rektangel 49"/>
           <p:cNvSpPr/>
           <p:nvPr/>
         </p:nvSpPr>
         <p:spPr>
           <a:xfrm>
-            <a:off x="4105272" y="4000510"/>
-            <a:ext cx="857256" cy="428628"/>
+            <a:off x="2292394" y="1315195"/>
+            <a:ext cx="857256" cy="250032"/>
           </a:xfrm>
           <a:prstGeom prst="roundRect">
             <a:avLst/>
@@ -7151,7 +6378,7 @@
                 <a:latin typeface="Arial" pitchFamily="34" charset="0"/>
                 <a:cs typeface="Arial" pitchFamily="34" charset="0"/>
               </a:rPr>
-              <a:t>BN</a:t>
+              <a:t>SA-8 BN</a:t>
             </a:r>
             <a:endParaRPr lang="nb-NO" sz="1050" dirty="0">
               <a:latin typeface="Arial" pitchFamily="34" charset="0"/>
@@ -7162,14 +6389,14 @@
       </p:sp>
       <p:sp>
         <p:nvSpPr>
-          <p:cNvPr id="37" name="Avrundet rektangel 36"/>
+          <p:cNvPr id="51" name="Avrundet rektangel 50"/>
           <p:cNvSpPr/>
           <p:nvPr/>
         </p:nvSpPr>
         <p:spPr>
           <a:xfrm>
-            <a:off x="3248016" y="3571882"/>
-            <a:ext cx="857256" cy="428628"/>
+            <a:off x="4303346" y="3197829"/>
+            <a:ext cx="857256" cy="214314"/>
           </a:xfrm>
           <a:prstGeom prst="roundRect">
             <a:avLst/>
@@ -7209,7 +6436,7 @@
                 <a:latin typeface="Arial" pitchFamily="34" charset="0"/>
                 <a:cs typeface="Arial" pitchFamily="34" charset="0"/>
               </a:rPr>
-              <a:t>BN</a:t>
+              <a:t>SA-15 BN</a:t>
             </a:r>
             <a:endParaRPr lang="nb-NO" sz="1050" dirty="0">
               <a:latin typeface="Arial" pitchFamily="34" charset="0"/>
@@ -7218,583 +6445,16 @@
           </a:p>
         </p:txBody>
       </p:sp>
-      <p:sp>
-        <p:nvSpPr>
-          <p:cNvPr id="38" name="Avrundet rektangel 37"/>
-          <p:cNvSpPr/>
-          <p:nvPr/>
-        </p:nvSpPr>
-        <p:spPr>
-          <a:xfrm>
-            <a:off x="1604942" y="2285998"/>
-            <a:ext cx="857256" cy="428628"/>
-          </a:xfrm>
-          <a:prstGeom prst="roundRect">
-            <a:avLst/>
-          </a:prstGeom>
-          <a:solidFill>
-            <a:schemeClr val="accent2"/>
-          </a:solidFill>
-          <a:ln w="12700">
-            <a:solidFill>
-              <a:schemeClr val="tx1"/>
-            </a:solidFill>
-          </a:ln>
-        </p:spPr>
-        <p:style>
-          <a:lnRef idx="2">
-            <a:schemeClr val="accent1">
-              <a:shade val="50000"/>
-            </a:schemeClr>
-          </a:lnRef>
-          <a:fillRef idx="1">
-            <a:schemeClr val="accent1"/>
-          </a:fillRef>
-          <a:effectRef idx="0">
-            <a:schemeClr val="accent1"/>
-          </a:effectRef>
-          <a:fontRef idx="minor">
-            <a:schemeClr val="lt1"/>
-          </a:fontRef>
-        </p:style>
-        <p:txBody>
-          <a:bodyPr rtlCol="0" anchor="ctr"/>
-          <a:lstStyle/>
-          <a:p>
-            <a:pPr algn="ctr"/>
-            <a:r>
-              <a:rPr lang="nb-NO" sz="1050" dirty="0" smtClean="0">
-                <a:latin typeface="Arial" pitchFamily="34" charset="0"/>
-                <a:cs typeface="Arial" pitchFamily="34" charset="0"/>
-              </a:rPr>
-              <a:t>BN</a:t>
-            </a:r>
-            <a:endParaRPr lang="nb-NO" sz="1050" dirty="0">
-              <a:latin typeface="Arial" pitchFamily="34" charset="0"/>
-              <a:cs typeface="Arial" pitchFamily="34" charset="0"/>
-            </a:endParaRPr>
-          </a:p>
-        </p:txBody>
-      </p:sp>
-      <p:sp>
-        <p:nvSpPr>
-          <p:cNvPr id="39" name="Avrundet rektangel 38"/>
-          <p:cNvSpPr/>
-          <p:nvPr/>
-        </p:nvSpPr>
-        <p:spPr>
-          <a:xfrm>
-            <a:off x="1604942" y="3214692"/>
-            <a:ext cx="857256" cy="428628"/>
-          </a:xfrm>
-          <a:prstGeom prst="roundRect">
-            <a:avLst/>
-          </a:prstGeom>
-          <a:solidFill>
-            <a:schemeClr val="accent2"/>
-          </a:solidFill>
-          <a:ln w="12700">
-            <a:solidFill>
-              <a:schemeClr val="tx1"/>
-            </a:solidFill>
-          </a:ln>
-        </p:spPr>
-        <p:style>
-          <a:lnRef idx="2">
-            <a:schemeClr val="accent1">
-              <a:shade val="50000"/>
-            </a:schemeClr>
-          </a:lnRef>
-          <a:fillRef idx="1">
-            <a:schemeClr val="accent1"/>
-          </a:fillRef>
-          <a:effectRef idx="0">
-            <a:schemeClr val="accent1"/>
-          </a:effectRef>
-          <a:fontRef idx="minor">
-            <a:schemeClr val="lt1"/>
-          </a:fontRef>
-        </p:style>
-        <p:txBody>
-          <a:bodyPr rtlCol="0" anchor="ctr"/>
-          <a:lstStyle/>
-          <a:p>
-            <a:pPr algn="ctr"/>
-            <a:r>
-              <a:rPr lang="nb-NO" sz="1050" dirty="0" smtClean="0">
-                <a:latin typeface="Arial" pitchFamily="34" charset="0"/>
-                <a:cs typeface="Arial" pitchFamily="34" charset="0"/>
-              </a:rPr>
-              <a:t>BN</a:t>
-            </a:r>
-            <a:endParaRPr lang="nb-NO" sz="1050" dirty="0">
-              <a:latin typeface="Arial" pitchFamily="34" charset="0"/>
-              <a:cs typeface="Arial" pitchFamily="34" charset="0"/>
-            </a:endParaRPr>
-          </a:p>
-        </p:txBody>
-      </p:sp>
-      <p:sp>
-        <p:nvSpPr>
-          <p:cNvPr id="40" name="Avrundet rektangel 39"/>
-          <p:cNvSpPr/>
-          <p:nvPr/>
-        </p:nvSpPr>
-        <p:spPr>
-          <a:xfrm>
-            <a:off x="1204889" y="2752726"/>
-            <a:ext cx="857256" cy="428628"/>
-          </a:xfrm>
-          <a:prstGeom prst="roundRect">
-            <a:avLst/>
-          </a:prstGeom>
-          <a:solidFill>
-            <a:schemeClr val="accent2"/>
-          </a:solidFill>
-          <a:ln w="12700">
-            <a:solidFill>
-              <a:schemeClr val="tx1"/>
-            </a:solidFill>
-          </a:ln>
-        </p:spPr>
-        <p:style>
-          <a:lnRef idx="2">
-            <a:schemeClr val="accent1">
-              <a:shade val="50000"/>
-            </a:schemeClr>
-          </a:lnRef>
-          <a:fillRef idx="1">
-            <a:schemeClr val="accent1"/>
-          </a:fillRef>
-          <a:effectRef idx="0">
-            <a:schemeClr val="accent1"/>
-          </a:effectRef>
-          <a:fontRef idx="minor">
-            <a:schemeClr val="lt1"/>
-          </a:fontRef>
-        </p:style>
-        <p:txBody>
-          <a:bodyPr rtlCol="0" anchor="ctr"/>
-          <a:lstStyle/>
-          <a:p>
-            <a:pPr algn="ctr"/>
-            <a:r>
-              <a:rPr lang="nb-NO" sz="1050" dirty="0" smtClean="0">
-                <a:latin typeface="Arial" pitchFamily="34" charset="0"/>
-                <a:cs typeface="Arial" pitchFamily="34" charset="0"/>
-              </a:rPr>
-              <a:t>BN</a:t>
-            </a:r>
-            <a:endParaRPr lang="nb-NO" sz="1050" dirty="0">
-              <a:latin typeface="Arial" pitchFamily="34" charset="0"/>
-              <a:cs typeface="Arial" pitchFamily="34" charset="0"/>
-            </a:endParaRPr>
-          </a:p>
-        </p:txBody>
-      </p:sp>
-      <p:sp>
-        <p:nvSpPr>
-          <p:cNvPr id="44" name="Ellipse 43"/>
-          <p:cNvSpPr/>
-          <p:nvPr/>
-        </p:nvSpPr>
-        <p:spPr>
-          <a:xfrm>
-            <a:off x="3176578" y="1142990"/>
-            <a:ext cx="2143140" cy="1785950"/>
-          </a:xfrm>
-          <a:prstGeom prst="ellipse">
-            <a:avLst/>
-          </a:prstGeom>
-          <a:noFill/>
-          <a:ln>
-            <a:solidFill>
-              <a:schemeClr val="tx1"/>
-            </a:solidFill>
-            <a:prstDash val="dash"/>
-          </a:ln>
-        </p:spPr>
-        <p:style>
-          <a:lnRef idx="2">
-            <a:schemeClr val="accent1">
-              <a:shade val="50000"/>
-            </a:schemeClr>
-          </a:lnRef>
-          <a:fillRef idx="1">
-            <a:schemeClr val="accent1"/>
-          </a:fillRef>
-          <a:effectRef idx="0">
-            <a:schemeClr val="accent1"/>
-          </a:effectRef>
-          <a:fontRef idx="minor">
-            <a:schemeClr val="lt1"/>
-          </a:fontRef>
-        </p:style>
-        <p:txBody>
-          <a:bodyPr rtlCol="0" anchor="ctr"/>
-          <a:lstStyle/>
-          <a:p>
-            <a:pPr algn="ctr"/>
-            <a:endParaRPr lang="nb-NO">
-              <a:latin typeface="Arial" pitchFamily="34" charset="0"/>
-              <a:cs typeface="Arial" pitchFamily="34" charset="0"/>
-            </a:endParaRPr>
-          </a:p>
-        </p:txBody>
-      </p:sp>
-      <p:sp>
-        <p:nvSpPr>
-          <p:cNvPr id="46" name="Ellipse 45"/>
-          <p:cNvSpPr/>
-          <p:nvPr/>
-        </p:nvSpPr>
-        <p:spPr>
-          <a:xfrm>
-            <a:off x="1033438" y="2143122"/>
-            <a:ext cx="1785950" cy="1643074"/>
-          </a:xfrm>
-          <a:prstGeom prst="ellipse">
-            <a:avLst/>
-          </a:prstGeom>
-          <a:noFill/>
-          <a:ln>
-            <a:solidFill>
-              <a:schemeClr val="tx1"/>
-            </a:solidFill>
-            <a:prstDash val="dash"/>
-          </a:ln>
-        </p:spPr>
-        <p:style>
-          <a:lnRef idx="2">
-            <a:schemeClr val="accent1">
-              <a:shade val="50000"/>
-            </a:schemeClr>
-          </a:lnRef>
-          <a:fillRef idx="1">
-            <a:schemeClr val="accent1"/>
-          </a:fillRef>
-          <a:effectRef idx="0">
-            <a:schemeClr val="accent1"/>
-          </a:effectRef>
-          <a:fontRef idx="minor">
-            <a:schemeClr val="lt1"/>
-          </a:fontRef>
-        </p:style>
-        <p:txBody>
-          <a:bodyPr rtlCol="0" anchor="ctr"/>
-          <a:lstStyle/>
-          <a:p>
-            <a:pPr algn="ctr"/>
-            <a:endParaRPr lang="nb-NO">
-              <a:latin typeface="Arial" pitchFamily="34" charset="0"/>
-              <a:cs typeface="Arial" pitchFamily="34" charset="0"/>
-            </a:endParaRPr>
-          </a:p>
-        </p:txBody>
-      </p:sp>
-      <p:sp>
-        <p:nvSpPr>
-          <p:cNvPr id="47" name="Avrundet rektangel 46"/>
-          <p:cNvSpPr/>
-          <p:nvPr/>
-        </p:nvSpPr>
-        <p:spPr>
-          <a:xfrm>
-            <a:off x="2676512" y="2786064"/>
-            <a:ext cx="857256" cy="428628"/>
-          </a:xfrm>
-          <a:prstGeom prst="roundRect">
-            <a:avLst/>
-          </a:prstGeom>
-          <a:solidFill>
-            <a:schemeClr val="accent2"/>
-          </a:solidFill>
-          <a:ln w="12700">
-            <a:solidFill>
-              <a:schemeClr val="tx1"/>
-            </a:solidFill>
-          </a:ln>
-        </p:spPr>
-        <p:style>
-          <a:lnRef idx="2">
-            <a:schemeClr val="accent1">
-              <a:shade val="50000"/>
-            </a:schemeClr>
-          </a:lnRef>
-          <a:fillRef idx="1">
-            <a:schemeClr val="accent1"/>
-          </a:fillRef>
-          <a:effectRef idx="0">
-            <a:schemeClr val="accent1"/>
-          </a:effectRef>
-          <a:fontRef idx="minor">
-            <a:schemeClr val="lt1"/>
-          </a:fontRef>
-        </p:style>
-        <p:txBody>
-          <a:bodyPr rtlCol="0" anchor="ctr"/>
-          <a:lstStyle/>
-          <a:p>
-            <a:pPr algn="ctr"/>
-            <a:r>
-              <a:rPr lang="nb-NO" sz="1050" dirty="0" smtClean="0">
-                <a:latin typeface="Arial" pitchFamily="34" charset="0"/>
-                <a:cs typeface="Arial" pitchFamily="34" charset="0"/>
-              </a:rPr>
-              <a:t>ARTY BN</a:t>
-            </a:r>
-            <a:endParaRPr lang="nb-NO" sz="1050" dirty="0">
-              <a:latin typeface="Arial" pitchFamily="34" charset="0"/>
-              <a:cs typeface="Arial" pitchFamily="34" charset="0"/>
-            </a:endParaRPr>
-          </a:p>
-        </p:txBody>
-      </p:sp>
-      <p:sp>
-        <p:nvSpPr>
-          <p:cNvPr id="48" name="Avrundet rektangel 47"/>
-          <p:cNvSpPr/>
-          <p:nvPr/>
-        </p:nvSpPr>
-        <p:spPr>
-          <a:xfrm>
-            <a:off x="1676380" y="1643056"/>
-            <a:ext cx="857256" cy="428628"/>
-          </a:xfrm>
-          <a:prstGeom prst="roundRect">
-            <a:avLst/>
-          </a:prstGeom>
-          <a:solidFill>
-            <a:schemeClr val="accent2"/>
-          </a:solidFill>
-          <a:ln w="12700">
-            <a:solidFill>
-              <a:schemeClr val="tx1"/>
-            </a:solidFill>
-          </a:ln>
-        </p:spPr>
-        <p:style>
-          <a:lnRef idx="2">
-            <a:schemeClr val="accent1">
-              <a:shade val="50000"/>
-            </a:schemeClr>
-          </a:lnRef>
-          <a:fillRef idx="1">
-            <a:schemeClr val="accent1"/>
-          </a:fillRef>
-          <a:effectRef idx="0">
-            <a:schemeClr val="accent1"/>
-          </a:effectRef>
-          <a:fontRef idx="minor">
-            <a:schemeClr val="lt1"/>
-          </a:fontRef>
-        </p:style>
-        <p:txBody>
-          <a:bodyPr rtlCol="0" anchor="ctr"/>
-          <a:lstStyle/>
-          <a:p>
-            <a:pPr algn="ctr"/>
-            <a:r>
-              <a:rPr lang="nb-NO" sz="1050" dirty="0" smtClean="0">
-                <a:latin typeface="Arial" pitchFamily="34" charset="0"/>
-                <a:cs typeface="Arial" pitchFamily="34" charset="0"/>
-              </a:rPr>
-              <a:t>ROCKETARTY BN</a:t>
-            </a:r>
-            <a:endParaRPr lang="nb-NO" sz="1050" dirty="0">
-              <a:latin typeface="Arial" pitchFamily="34" charset="0"/>
-              <a:cs typeface="Arial" pitchFamily="34" charset="0"/>
-            </a:endParaRPr>
-          </a:p>
-        </p:txBody>
-      </p:sp>
-      <p:sp>
-        <p:nvSpPr>
-          <p:cNvPr id="49" name="Avrundet rektangel 48"/>
-          <p:cNvSpPr/>
-          <p:nvPr/>
-        </p:nvSpPr>
-        <p:spPr>
-          <a:xfrm>
-            <a:off x="33306" y="2357436"/>
-            <a:ext cx="857256" cy="428628"/>
-          </a:xfrm>
-          <a:prstGeom prst="roundRect">
-            <a:avLst/>
-          </a:prstGeom>
-          <a:solidFill>
-            <a:schemeClr val="accent2"/>
-          </a:solidFill>
-          <a:ln w="12700">
-            <a:solidFill>
-              <a:schemeClr val="tx1"/>
-            </a:solidFill>
-          </a:ln>
-        </p:spPr>
-        <p:style>
-          <a:lnRef idx="2">
-            <a:schemeClr val="accent1">
-              <a:shade val="50000"/>
-            </a:schemeClr>
-          </a:lnRef>
-          <a:fillRef idx="1">
-            <a:schemeClr val="accent1"/>
-          </a:fillRef>
-          <a:effectRef idx="0">
-            <a:schemeClr val="accent1"/>
-          </a:effectRef>
-          <a:fontRef idx="minor">
-            <a:schemeClr val="lt1"/>
-          </a:fontRef>
-        </p:style>
-        <p:txBody>
-          <a:bodyPr rtlCol="0" anchor="ctr"/>
-          <a:lstStyle/>
-          <a:p>
-            <a:pPr algn="ctr"/>
-            <a:r>
-              <a:rPr lang="nb-NO" sz="1050" dirty="0" smtClean="0">
-                <a:latin typeface="Arial" pitchFamily="34" charset="0"/>
-                <a:cs typeface="Arial" pitchFamily="34" charset="0"/>
-              </a:rPr>
-              <a:t>LOGISTICBN</a:t>
-            </a:r>
-            <a:endParaRPr lang="nb-NO" sz="1050" dirty="0">
-              <a:latin typeface="Arial" pitchFamily="34" charset="0"/>
-              <a:cs typeface="Arial" pitchFamily="34" charset="0"/>
-            </a:endParaRPr>
-          </a:p>
-        </p:txBody>
-      </p:sp>
-      <p:sp>
-        <p:nvSpPr>
-          <p:cNvPr id="50" name="Avrundet rektangel 49"/>
-          <p:cNvSpPr/>
-          <p:nvPr/>
-        </p:nvSpPr>
-        <p:spPr>
-          <a:xfrm>
-            <a:off x="819124" y="1643056"/>
-            <a:ext cx="857256" cy="428628"/>
-          </a:xfrm>
-          <a:prstGeom prst="roundRect">
-            <a:avLst/>
-          </a:prstGeom>
-          <a:solidFill>
-            <a:schemeClr val="accent2"/>
-          </a:solidFill>
-          <a:ln w="12700">
-            <a:solidFill>
-              <a:schemeClr val="tx1"/>
-            </a:solidFill>
-          </a:ln>
-        </p:spPr>
-        <p:style>
-          <a:lnRef idx="2">
-            <a:schemeClr val="accent1">
-              <a:shade val="50000"/>
-            </a:schemeClr>
-          </a:lnRef>
-          <a:fillRef idx="1">
-            <a:schemeClr val="accent1"/>
-          </a:fillRef>
-          <a:effectRef idx="0">
-            <a:schemeClr val="accent1"/>
-          </a:effectRef>
-          <a:fontRef idx="minor">
-            <a:schemeClr val="lt1"/>
-          </a:fontRef>
-        </p:style>
-        <p:txBody>
-          <a:bodyPr rtlCol="0" anchor="ctr"/>
-          <a:lstStyle/>
-          <a:p>
-            <a:pPr algn="ctr"/>
-            <a:r>
-              <a:rPr lang="nb-NO" sz="1050" dirty="0" smtClean="0">
-                <a:latin typeface="Arial" pitchFamily="34" charset="0"/>
-                <a:cs typeface="Arial" pitchFamily="34" charset="0"/>
-              </a:rPr>
-              <a:t>SA-8 BN</a:t>
-            </a:r>
-            <a:endParaRPr lang="nb-NO" sz="1050" dirty="0">
-              <a:latin typeface="Arial" pitchFamily="34" charset="0"/>
-              <a:cs typeface="Arial" pitchFamily="34" charset="0"/>
-            </a:endParaRPr>
-          </a:p>
-        </p:txBody>
-      </p:sp>
-      <p:sp>
-        <p:nvSpPr>
-          <p:cNvPr id="51" name="Avrundet rektangel 50"/>
-          <p:cNvSpPr/>
-          <p:nvPr/>
-        </p:nvSpPr>
-        <p:spPr>
-          <a:xfrm>
-            <a:off x="104744" y="3357568"/>
-            <a:ext cx="857256" cy="428628"/>
-          </a:xfrm>
-          <a:prstGeom prst="roundRect">
-            <a:avLst/>
-          </a:prstGeom>
-          <a:solidFill>
-            <a:schemeClr val="accent2"/>
-          </a:solidFill>
-          <a:ln w="12700">
-            <a:solidFill>
-              <a:schemeClr val="tx1"/>
-            </a:solidFill>
-          </a:ln>
-        </p:spPr>
-        <p:style>
-          <a:lnRef idx="2">
-            <a:schemeClr val="accent1">
-              <a:shade val="50000"/>
-            </a:schemeClr>
-          </a:lnRef>
-          <a:fillRef idx="1">
-            <a:schemeClr val="accent1"/>
-          </a:fillRef>
-          <a:effectRef idx="0">
-            <a:schemeClr val="accent1"/>
-          </a:effectRef>
-          <a:fontRef idx="minor">
-            <a:schemeClr val="lt1"/>
-          </a:fontRef>
-        </p:style>
-        <p:txBody>
-          <a:bodyPr rtlCol="0" anchor="ctr"/>
-          <a:lstStyle/>
-          <a:p>
-            <a:pPr algn="ctr"/>
-            <a:r>
-              <a:rPr lang="nb-NO" sz="1050" dirty="0" smtClean="0">
-                <a:latin typeface="Arial" pitchFamily="34" charset="0"/>
-                <a:cs typeface="Arial" pitchFamily="34" charset="0"/>
-              </a:rPr>
-              <a:t>SA-15 BN</a:t>
-            </a:r>
-            <a:endParaRPr lang="nb-NO" sz="1050" dirty="0">
-              <a:latin typeface="Arial" pitchFamily="34" charset="0"/>
-              <a:cs typeface="Arial" pitchFamily="34" charset="0"/>
-            </a:endParaRPr>
-          </a:p>
-        </p:txBody>
-      </p:sp>
       <p:cxnSp>
         <p:nvCxnSpPr>
           <p:cNvPr id="53" name="Rett linje 52"/>
-          <p:cNvCxnSpPr>
-            <a:stCxn id="72" idx="0"/>
-            <a:endCxn id="56" idx="2"/>
-          </p:cNvCxnSpPr>
+          <p:cNvCxnSpPr/>
           <p:nvPr/>
         </p:nvCxnSpPr>
         <p:spPr>
-          <a:xfrm rot="5400000" flipH="1" flipV="1">
-            <a:off x="3154074" y="2901673"/>
-            <a:ext cx="3635958" cy="1588"/>
+          <a:xfrm flipV="1">
+            <a:off x="899592" y="417084"/>
+            <a:ext cx="0" cy="4289217"/>
           </a:xfrm>
           <a:prstGeom prst="line">
             <a:avLst/>
@@ -7826,13 +6486,98 @@
       </p:cxnSp>
       <p:sp>
         <p:nvSpPr>
-          <p:cNvPr id="56" name="TekstSylinder 55"/>
+          <p:cNvPr id="59" name="TekstSylinder 58"/>
           <p:cNvSpPr txBox="1"/>
           <p:nvPr/>
         </p:nvSpPr>
         <p:spPr>
           <a:xfrm>
-            <a:off x="4543425" y="714362"/>
+            <a:off x="1771074" y="558830"/>
+            <a:ext cx="849323" cy="430887"/>
+          </a:xfrm>
+          <a:prstGeom prst="rect">
+            <a:avLst/>
+          </a:prstGeom>
+          <a:solidFill>
+            <a:schemeClr val="bg1">
+              <a:alpha val="48000"/>
+            </a:schemeClr>
+          </a:solidFill>
+          <a:ln>
+            <a:solidFill>
+              <a:schemeClr val="tx1"/>
+            </a:solidFill>
+          </a:ln>
+        </p:spPr>
+        <p:txBody>
+          <a:bodyPr wrap="square" rtlCol="0">
+            <a:spAutoFit/>
+          </a:bodyPr>
+          <a:lstStyle/>
+          <a:p>
+            <a:pPr algn="ctr"/>
+            <a:r>
+              <a:rPr lang="nb-NO" sz="1100" dirty="0" smtClean="0">
+                <a:latin typeface="Arial" pitchFamily="34" charset="0"/>
+                <a:cs typeface="Arial" pitchFamily="34" charset="0"/>
+              </a:rPr>
+              <a:t>Front brigade #1</a:t>
+            </a:r>
+            <a:endParaRPr lang="nb-NO" sz="1100" dirty="0">
+              <a:latin typeface="Arial" pitchFamily="34" charset="0"/>
+              <a:cs typeface="Arial" pitchFamily="34" charset="0"/>
+            </a:endParaRPr>
+          </a:p>
+        </p:txBody>
+      </p:sp>
+      <p:cxnSp>
+        <p:nvCxnSpPr>
+          <p:cNvPr id="63" name="Rett pil 62"/>
+          <p:cNvCxnSpPr>
+            <a:stCxn id="59" idx="2"/>
+            <a:endCxn id="44" idx="7"/>
+          </p:cNvCxnSpPr>
+          <p:nvPr/>
+        </p:nvCxnSpPr>
+        <p:spPr>
+          <a:xfrm flipH="1">
+            <a:off x="1960087" y="989717"/>
+            <a:ext cx="235649" cy="520985"/>
+          </a:xfrm>
+          <a:prstGeom prst="straightConnector1">
+            <a:avLst/>
+          </a:prstGeom>
+          <a:ln w="12700">
+            <a:solidFill>
+              <a:schemeClr val="tx1"/>
+            </a:solidFill>
+            <a:tailEnd type="arrow"/>
+          </a:ln>
+        </p:spPr>
+        <p:style>
+          <a:lnRef idx="1">
+            <a:schemeClr val="accent1"/>
+          </a:lnRef>
+          <a:fillRef idx="0">
+            <a:schemeClr val="accent1"/>
+          </a:fillRef>
+          <a:effectRef idx="0">
+            <a:schemeClr val="accent1"/>
+          </a:effectRef>
+          <a:fontRef idx="minor">
+            <a:schemeClr val="tx1"/>
+          </a:fontRef>
+        </p:style>
+      </p:cxnSp>
+      <p:sp>
+        <p:nvSpPr>
+          <p:cNvPr id="72" name="TekstSylinder 71"/>
+          <p:cNvSpPr txBox="1"/>
+          <p:nvPr/>
+        </p:nvSpPr>
+        <p:spPr>
+          <a:xfrm rot="16200000">
+            <a:off x="247999" y="588478"/>
             <a:ext cx="857256" cy="369332"/>
           </a:xfrm>
           <a:prstGeom prst="rect">
@@ -7862,14 +6607,188 @@
       </p:sp>
       <p:sp>
         <p:nvSpPr>
-          <p:cNvPr id="58" name="Ellipse 57"/>
+          <p:cNvPr id="41" name="Avrundet rektangel 31"/>
           <p:cNvSpPr/>
           <p:nvPr/>
         </p:nvSpPr>
         <p:spPr>
           <a:xfrm>
-            <a:off x="3176578" y="3000378"/>
-            <a:ext cx="2143140" cy="1785950"/>
+            <a:off x="889051" y="1517604"/>
+            <a:ext cx="504056" cy="375049"/>
+          </a:xfrm>
+          <a:prstGeom prst="roundRect">
+            <a:avLst/>
+          </a:prstGeom>
+          <a:solidFill>
+            <a:schemeClr val="accent2"/>
+          </a:solidFill>
+          <a:ln w="12700">
+            <a:solidFill>
+              <a:schemeClr val="tx1"/>
+            </a:solidFill>
+          </a:ln>
+        </p:spPr>
+        <p:style>
+          <a:lnRef idx="2">
+            <a:schemeClr val="accent1">
+              <a:shade val="50000"/>
+            </a:schemeClr>
+          </a:lnRef>
+          <a:fillRef idx="1">
+            <a:schemeClr val="accent1"/>
+          </a:fillRef>
+          <a:effectRef idx="0">
+            <a:schemeClr val="accent1"/>
+          </a:effectRef>
+          <a:fontRef idx="minor">
+            <a:schemeClr val="lt1"/>
+          </a:fontRef>
+        </p:style>
+        <p:txBody>
+          <a:bodyPr rtlCol="0" anchor="ctr"/>
+          <a:lstStyle/>
+          <a:p>
+            <a:pPr algn="ctr"/>
+            <a:r>
+              <a:rPr lang="nb-NO" sz="1050" dirty="0" smtClean="0">
+                <a:latin typeface="Arial" pitchFamily="34" charset="0"/>
+                <a:cs typeface="Arial" pitchFamily="34" charset="0"/>
+              </a:rPr>
+              <a:t>BN</a:t>
+            </a:r>
+            <a:endParaRPr lang="nb-NO" sz="1050" dirty="0">
+              <a:latin typeface="Arial" pitchFamily="34" charset="0"/>
+              <a:cs typeface="Arial" pitchFamily="34" charset="0"/>
+            </a:endParaRPr>
+          </a:p>
+        </p:txBody>
+      </p:sp>
+      <p:sp>
+        <p:nvSpPr>
+          <p:cNvPr id="42" name="Avrundet rektangel 31"/>
+          <p:cNvSpPr/>
+          <p:nvPr/>
+        </p:nvSpPr>
+        <p:spPr>
+          <a:xfrm>
+            <a:off x="1406166" y="1884259"/>
+            <a:ext cx="504056" cy="375049"/>
+          </a:xfrm>
+          <a:prstGeom prst="roundRect">
+            <a:avLst/>
+          </a:prstGeom>
+          <a:solidFill>
+            <a:schemeClr val="accent2"/>
+          </a:solidFill>
+          <a:ln w="12700">
+            <a:solidFill>
+              <a:schemeClr val="tx1"/>
+            </a:solidFill>
+          </a:ln>
+        </p:spPr>
+        <p:style>
+          <a:lnRef idx="2">
+            <a:schemeClr val="accent1">
+              <a:shade val="50000"/>
+            </a:schemeClr>
+          </a:lnRef>
+          <a:fillRef idx="1">
+            <a:schemeClr val="accent1"/>
+          </a:fillRef>
+          <a:effectRef idx="0">
+            <a:schemeClr val="accent1"/>
+          </a:effectRef>
+          <a:fontRef idx="minor">
+            <a:schemeClr val="lt1"/>
+          </a:fontRef>
+        </p:style>
+        <p:txBody>
+          <a:bodyPr rtlCol="0" anchor="ctr"/>
+          <a:lstStyle/>
+          <a:p>
+            <a:pPr algn="ctr"/>
+            <a:r>
+              <a:rPr lang="nb-NO" sz="1050" dirty="0" smtClean="0">
+                <a:latin typeface="Arial" pitchFamily="34" charset="0"/>
+                <a:cs typeface="Arial" pitchFamily="34" charset="0"/>
+              </a:rPr>
+              <a:t>BN</a:t>
+            </a:r>
+            <a:endParaRPr lang="nb-NO" sz="1050" dirty="0">
+              <a:latin typeface="Arial" pitchFamily="34" charset="0"/>
+              <a:cs typeface="Arial" pitchFamily="34" charset="0"/>
+            </a:endParaRPr>
+          </a:p>
+        </p:txBody>
+      </p:sp>
+      <p:sp>
+        <p:nvSpPr>
+          <p:cNvPr id="43" name="Avrundet rektangel 31"/>
+          <p:cNvSpPr/>
+          <p:nvPr/>
+        </p:nvSpPr>
+        <p:spPr>
+          <a:xfrm>
+            <a:off x="902110" y="2277961"/>
+            <a:ext cx="504056" cy="375049"/>
+          </a:xfrm>
+          <a:prstGeom prst="roundRect">
+            <a:avLst/>
+          </a:prstGeom>
+          <a:solidFill>
+            <a:schemeClr val="accent2"/>
+          </a:solidFill>
+          <a:ln w="12700">
+            <a:solidFill>
+              <a:schemeClr val="tx1"/>
+            </a:solidFill>
+          </a:ln>
+        </p:spPr>
+        <p:style>
+          <a:lnRef idx="2">
+            <a:schemeClr val="accent1">
+              <a:shade val="50000"/>
+            </a:schemeClr>
+          </a:lnRef>
+          <a:fillRef idx="1">
+            <a:schemeClr val="accent1"/>
+          </a:fillRef>
+          <a:effectRef idx="0">
+            <a:schemeClr val="accent1"/>
+          </a:effectRef>
+          <a:fontRef idx="minor">
+            <a:schemeClr val="lt1"/>
+          </a:fontRef>
+        </p:style>
+        <p:txBody>
+          <a:bodyPr rtlCol="0" anchor="ctr"/>
+          <a:lstStyle/>
+          <a:p>
+            <a:pPr algn="ctr"/>
+            <a:r>
+              <a:rPr lang="nb-NO" sz="1050" dirty="0" smtClean="0">
+                <a:latin typeface="Arial" pitchFamily="34" charset="0"/>
+                <a:cs typeface="Arial" pitchFamily="34" charset="0"/>
+              </a:rPr>
+              <a:t>BN</a:t>
+            </a:r>
+            <a:endParaRPr lang="nb-NO" sz="1050" dirty="0">
+              <a:latin typeface="Arial" pitchFamily="34" charset="0"/>
+              <a:cs typeface="Arial" pitchFamily="34" charset="0"/>
+            </a:endParaRPr>
+          </a:p>
+        </p:txBody>
+      </p:sp>
+      <p:sp>
+        <p:nvSpPr>
+          <p:cNvPr id="73" name="Ellipse 43"/>
+          <p:cNvSpPr/>
+          <p:nvPr/>
+        </p:nvSpPr>
+        <p:spPr>
+          <a:xfrm>
+            <a:off x="601610" y="2960514"/>
+            <a:ext cx="1609112" cy="1613982"/>
           </a:xfrm>
           <a:prstGeom prst="ellipse">
             <a:avLst/>
@@ -7912,13 +6831,13 @@
       </p:sp>
       <p:sp>
         <p:nvSpPr>
-          <p:cNvPr id="59" name="TekstSylinder 58"/>
+          <p:cNvPr id="74" name="TekstSylinder 58"/>
           <p:cNvSpPr txBox="1"/>
           <p:nvPr/>
         </p:nvSpPr>
         <p:spPr>
           <a:xfrm>
-            <a:off x="2676512" y="714362"/>
+            <a:off x="2232267" y="4141127"/>
             <a:ext cx="928694" cy="430887"/>
           </a:xfrm>
           <a:prstGeom prst="rect">
@@ -7941,12 +6860,13 @@
           </a:bodyPr>
           <a:lstStyle/>
           <a:p>
+            <a:pPr algn="ctr"/>
             <a:r>
               <a:rPr lang="nb-NO" sz="1100" dirty="0" smtClean="0">
                 <a:latin typeface="Arial" pitchFamily="34" charset="0"/>
                 <a:cs typeface="Arial" pitchFamily="34" charset="0"/>
               </a:rPr>
-              <a:t>BRIGADE NORTH</a:t>
+              <a:t>Front brigade #2</a:t>
             </a:r>
             <a:endParaRPr lang="nb-NO" sz="1100" dirty="0">
               <a:latin typeface="Arial" pitchFamily="34" charset="0"/>
@@ -7955,109 +6875,19 @@
           </a:p>
         </p:txBody>
       </p:sp>
-      <p:sp>
-        <p:nvSpPr>
-          <p:cNvPr id="60" name="TekstSylinder 59"/>
-          <p:cNvSpPr txBox="1"/>
-          <p:nvPr/>
-        </p:nvSpPr>
-        <p:spPr>
-          <a:xfrm>
-            <a:off x="1747818" y="4643452"/>
-            <a:ext cx="928694" cy="430887"/>
-          </a:xfrm>
-          <a:prstGeom prst="rect">
-            <a:avLst/>
-          </a:prstGeom>
-          <a:solidFill>
-            <a:schemeClr val="bg1">
-              <a:alpha val="48000"/>
-            </a:schemeClr>
-          </a:solidFill>
-          <a:ln>
-            <a:solidFill>
-              <a:schemeClr val="tx1"/>
-            </a:solidFill>
-          </a:ln>
-        </p:spPr>
-        <p:txBody>
-          <a:bodyPr wrap="square" rtlCol="0">
-            <a:spAutoFit/>
-          </a:bodyPr>
-          <a:lstStyle/>
-          <a:p>
-            <a:r>
-              <a:rPr lang="nb-NO" sz="1100" dirty="0" smtClean="0">
-                <a:latin typeface="Arial" pitchFamily="34" charset="0"/>
-                <a:cs typeface="Arial" pitchFamily="34" charset="0"/>
-              </a:rPr>
-              <a:t>BRIGADE SOUTH</a:t>
-            </a:r>
-            <a:endParaRPr lang="nb-NO" sz="1100" dirty="0">
-              <a:latin typeface="Arial" pitchFamily="34" charset="0"/>
-              <a:cs typeface="Arial" pitchFamily="34" charset="0"/>
-            </a:endParaRPr>
-          </a:p>
-        </p:txBody>
-      </p:sp>
-      <p:sp>
-        <p:nvSpPr>
-          <p:cNvPr id="61" name="TekstSylinder 60"/>
-          <p:cNvSpPr txBox="1"/>
-          <p:nvPr/>
-        </p:nvSpPr>
-        <p:spPr>
-          <a:xfrm>
-            <a:off x="1319190" y="4071948"/>
-            <a:ext cx="928694" cy="430887"/>
-          </a:xfrm>
-          <a:prstGeom prst="rect">
-            <a:avLst/>
-          </a:prstGeom>
-          <a:solidFill>
-            <a:schemeClr val="bg1">
-              <a:alpha val="48000"/>
-            </a:schemeClr>
-          </a:solidFill>
-          <a:ln>
-            <a:solidFill>
-              <a:schemeClr val="tx1"/>
-            </a:solidFill>
-          </a:ln>
-        </p:spPr>
-        <p:txBody>
-          <a:bodyPr wrap="square" rtlCol="0">
-            <a:spAutoFit/>
-          </a:bodyPr>
-          <a:lstStyle/>
-          <a:p>
-            <a:r>
-              <a:rPr lang="nb-NO" sz="1100" dirty="0" smtClean="0">
-                <a:latin typeface="Arial" pitchFamily="34" charset="0"/>
-                <a:cs typeface="Arial" pitchFamily="34" charset="0"/>
-              </a:rPr>
-              <a:t>BRIGADE WEST</a:t>
-            </a:r>
-            <a:endParaRPr lang="nb-NO" sz="1100" dirty="0">
-              <a:latin typeface="Arial" pitchFamily="34" charset="0"/>
-              <a:cs typeface="Arial" pitchFamily="34" charset="0"/>
-            </a:endParaRPr>
-          </a:p>
-        </p:txBody>
-      </p:sp>
       <p:cxnSp>
         <p:nvCxnSpPr>
-          <p:cNvPr id="63" name="Rett pil 62"/>
+          <p:cNvPr id="75" name="Rett pil 62"/>
           <p:cNvCxnSpPr>
-            <a:stCxn id="59" idx="2"/>
-            <a:endCxn id="44" idx="1"/>
+            <a:stCxn id="74" idx="1"/>
+            <a:endCxn id="73" idx="5"/>
           </p:cNvCxnSpPr>
           <p:nvPr/>
         </p:nvCxnSpPr>
         <p:spPr>
-          <a:xfrm rot="16200000" flipH="1">
-            <a:off x="3186003" y="1100104"/>
-            <a:ext cx="259287" cy="349575"/>
+          <a:xfrm flipH="1" flipV="1">
+            <a:off x="1975073" y="4338134"/>
+            <a:ext cx="257194" cy="18437"/>
           </a:xfrm>
           <a:prstGeom prst="straightConnector1">
             <a:avLst/>
@@ -8084,19 +6914,289 @@
           </a:fontRef>
         </p:style>
       </p:cxnSp>
+      <p:sp>
+        <p:nvSpPr>
+          <p:cNvPr id="76" name="Avrundet rektangel 31"/>
+          <p:cNvSpPr/>
+          <p:nvPr/>
+        </p:nvSpPr>
+        <p:spPr>
+          <a:xfrm>
+            <a:off x="917096" y="3195195"/>
+            <a:ext cx="504056" cy="375049"/>
+          </a:xfrm>
+          <a:prstGeom prst="roundRect">
+            <a:avLst/>
+          </a:prstGeom>
+          <a:solidFill>
+            <a:schemeClr val="accent2"/>
+          </a:solidFill>
+          <a:ln w="12700">
+            <a:solidFill>
+              <a:schemeClr val="tx1"/>
+            </a:solidFill>
+          </a:ln>
+        </p:spPr>
+        <p:style>
+          <a:lnRef idx="2">
+            <a:schemeClr val="accent1">
+              <a:shade val="50000"/>
+            </a:schemeClr>
+          </a:lnRef>
+          <a:fillRef idx="1">
+            <a:schemeClr val="accent1"/>
+          </a:fillRef>
+          <a:effectRef idx="0">
+            <a:schemeClr val="accent1"/>
+          </a:effectRef>
+          <a:fontRef idx="minor">
+            <a:schemeClr val="lt1"/>
+          </a:fontRef>
+        </p:style>
+        <p:txBody>
+          <a:bodyPr rtlCol="0" anchor="ctr"/>
+          <a:lstStyle/>
+          <a:p>
+            <a:pPr algn="ctr"/>
+            <a:r>
+              <a:rPr lang="nb-NO" sz="1050" dirty="0" smtClean="0">
+                <a:latin typeface="Arial" pitchFamily="34" charset="0"/>
+                <a:cs typeface="Arial" pitchFamily="34" charset="0"/>
+              </a:rPr>
+              <a:t>BN</a:t>
+            </a:r>
+            <a:endParaRPr lang="nb-NO" sz="1050" dirty="0">
+              <a:latin typeface="Arial" pitchFamily="34" charset="0"/>
+              <a:cs typeface="Arial" pitchFamily="34" charset="0"/>
+            </a:endParaRPr>
+          </a:p>
+        </p:txBody>
+      </p:sp>
+      <p:sp>
+        <p:nvSpPr>
+          <p:cNvPr id="77" name="Avrundet rektangel 31"/>
+          <p:cNvSpPr/>
+          <p:nvPr/>
+        </p:nvSpPr>
+        <p:spPr>
+          <a:xfrm>
+            <a:off x="1421152" y="3570433"/>
+            <a:ext cx="504056" cy="375049"/>
+          </a:xfrm>
+          <a:prstGeom prst="roundRect">
+            <a:avLst/>
+          </a:prstGeom>
+          <a:solidFill>
+            <a:schemeClr val="accent2"/>
+          </a:solidFill>
+          <a:ln w="12700">
+            <a:solidFill>
+              <a:schemeClr val="tx1"/>
+            </a:solidFill>
+          </a:ln>
+        </p:spPr>
+        <p:style>
+          <a:lnRef idx="2">
+            <a:schemeClr val="accent1">
+              <a:shade val="50000"/>
+            </a:schemeClr>
+          </a:lnRef>
+          <a:fillRef idx="1">
+            <a:schemeClr val="accent1"/>
+          </a:fillRef>
+          <a:effectRef idx="0">
+            <a:schemeClr val="accent1"/>
+          </a:effectRef>
+          <a:fontRef idx="minor">
+            <a:schemeClr val="lt1"/>
+          </a:fontRef>
+        </p:style>
+        <p:txBody>
+          <a:bodyPr rtlCol="0" anchor="ctr"/>
+          <a:lstStyle/>
+          <a:p>
+            <a:pPr algn="ctr"/>
+            <a:r>
+              <a:rPr lang="nb-NO" sz="1050" dirty="0" smtClean="0">
+                <a:latin typeface="Arial" pitchFamily="34" charset="0"/>
+                <a:cs typeface="Arial" pitchFamily="34" charset="0"/>
+              </a:rPr>
+              <a:t>BN</a:t>
+            </a:r>
+            <a:endParaRPr lang="nb-NO" sz="1050" dirty="0">
+              <a:latin typeface="Arial" pitchFamily="34" charset="0"/>
+              <a:cs typeface="Arial" pitchFamily="34" charset="0"/>
+            </a:endParaRPr>
+          </a:p>
+        </p:txBody>
+      </p:sp>
+      <p:sp>
+        <p:nvSpPr>
+          <p:cNvPr id="78" name="Avrundet rektangel 31"/>
+          <p:cNvSpPr/>
+          <p:nvPr/>
+        </p:nvSpPr>
+        <p:spPr>
+          <a:xfrm>
+            <a:off x="890853" y="3972558"/>
+            <a:ext cx="504056" cy="375049"/>
+          </a:xfrm>
+          <a:prstGeom prst="roundRect">
+            <a:avLst/>
+          </a:prstGeom>
+          <a:solidFill>
+            <a:schemeClr val="accent2"/>
+          </a:solidFill>
+          <a:ln w="12700">
+            <a:solidFill>
+              <a:schemeClr val="tx1"/>
+            </a:solidFill>
+          </a:ln>
+        </p:spPr>
+        <p:style>
+          <a:lnRef idx="2">
+            <a:schemeClr val="accent1">
+              <a:shade val="50000"/>
+            </a:schemeClr>
+          </a:lnRef>
+          <a:fillRef idx="1">
+            <a:schemeClr val="accent1"/>
+          </a:fillRef>
+          <a:effectRef idx="0">
+            <a:schemeClr val="accent1"/>
+          </a:effectRef>
+          <a:fontRef idx="minor">
+            <a:schemeClr val="lt1"/>
+          </a:fontRef>
+        </p:style>
+        <p:txBody>
+          <a:bodyPr rtlCol="0" anchor="ctr"/>
+          <a:lstStyle/>
+          <a:p>
+            <a:pPr algn="ctr"/>
+            <a:r>
+              <a:rPr lang="nb-NO" sz="1050" dirty="0" smtClean="0">
+                <a:latin typeface="Arial" pitchFamily="34" charset="0"/>
+                <a:cs typeface="Arial" pitchFamily="34" charset="0"/>
+              </a:rPr>
+              <a:t>BN</a:t>
+            </a:r>
+            <a:endParaRPr lang="nb-NO" sz="1050" dirty="0">
+              <a:latin typeface="Arial" pitchFamily="34" charset="0"/>
+              <a:cs typeface="Arial" pitchFamily="34" charset="0"/>
+            </a:endParaRPr>
+          </a:p>
+        </p:txBody>
+      </p:sp>
+      <p:sp>
+        <p:nvSpPr>
+          <p:cNvPr id="79" name="Ellipse 43"/>
+          <p:cNvSpPr/>
+          <p:nvPr/>
+        </p:nvSpPr>
+        <p:spPr>
+          <a:xfrm>
+            <a:off x="2512905" y="2153523"/>
+            <a:ext cx="1483031" cy="1613982"/>
+          </a:xfrm>
+          <a:prstGeom prst="ellipse">
+            <a:avLst/>
+          </a:prstGeom>
+          <a:noFill/>
+          <a:ln>
+            <a:solidFill>
+              <a:schemeClr val="tx1"/>
+            </a:solidFill>
+            <a:prstDash val="dash"/>
+          </a:ln>
+        </p:spPr>
+        <p:style>
+          <a:lnRef idx="2">
+            <a:schemeClr val="accent1">
+              <a:shade val="50000"/>
+            </a:schemeClr>
+          </a:lnRef>
+          <a:fillRef idx="1">
+            <a:schemeClr val="accent1"/>
+          </a:fillRef>
+          <a:effectRef idx="0">
+            <a:schemeClr val="accent1"/>
+          </a:effectRef>
+          <a:fontRef idx="minor">
+            <a:schemeClr val="lt1"/>
+          </a:fontRef>
+        </p:style>
+        <p:txBody>
+          <a:bodyPr rtlCol="0" anchor="ctr"/>
+          <a:lstStyle/>
+          <a:p>
+            <a:pPr algn="ctr"/>
+            <a:endParaRPr lang="nb-NO">
+              <a:latin typeface="Arial" pitchFamily="34" charset="0"/>
+              <a:cs typeface="Arial" pitchFamily="34" charset="0"/>
+            </a:endParaRPr>
+          </a:p>
+        </p:txBody>
+      </p:sp>
+      <p:sp>
+        <p:nvSpPr>
+          <p:cNvPr id="80" name="TekstSylinder 58"/>
+          <p:cNvSpPr txBox="1"/>
+          <p:nvPr/>
+        </p:nvSpPr>
+        <p:spPr>
+          <a:xfrm>
+            <a:off x="3372156" y="3972558"/>
+            <a:ext cx="839804" cy="430887"/>
+          </a:xfrm>
+          <a:prstGeom prst="rect">
+            <a:avLst/>
+          </a:prstGeom>
+          <a:solidFill>
+            <a:schemeClr val="bg1">
+              <a:alpha val="48000"/>
+            </a:schemeClr>
+          </a:solidFill>
+          <a:ln>
+            <a:solidFill>
+              <a:schemeClr val="tx1"/>
+            </a:solidFill>
+          </a:ln>
+        </p:spPr>
+        <p:txBody>
+          <a:bodyPr wrap="square" rtlCol="0">
+            <a:spAutoFit/>
+          </a:bodyPr>
+          <a:lstStyle/>
+          <a:p>
+            <a:pPr algn="ctr"/>
+            <a:r>
+              <a:rPr lang="nb-NO" sz="1100" dirty="0" smtClean="0">
+                <a:latin typeface="Arial" pitchFamily="34" charset="0"/>
+                <a:cs typeface="Arial" pitchFamily="34" charset="0"/>
+              </a:rPr>
+              <a:t>Rear brigade</a:t>
+            </a:r>
+            <a:endParaRPr lang="nb-NO" sz="1100" dirty="0">
+              <a:latin typeface="Arial" pitchFamily="34" charset="0"/>
+              <a:cs typeface="Arial" pitchFamily="34" charset="0"/>
+            </a:endParaRPr>
+          </a:p>
+        </p:txBody>
+      </p:sp>
       <p:cxnSp>
         <p:nvCxnSpPr>
-          <p:cNvPr id="64" name="Rett pil 63"/>
+          <p:cNvPr id="81" name="Rett pil 62"/>
           <p:cNvCxnSpPr>
-            <a:stCxn id="60" idx="0"/>
-            <a:endCxn id="58" idx="2"/>
+            <a:stCxn id="80" idx="0"/>
+            <a:endCxn id="79" idx="5"/>
           </p:cNvCxnSpPr>
           <p:nvPr/>
         </p:nvCxnSpPr>
         <p:spPr>
-          <a:xfrm rot="5400000" flipH="1" flipV="1">
-            <a:off x="2319322" y="3786197"/>
-            <a:ext cx="750099" cy="964413"/>
+          <a:xfrm flipH="1" flipV="1">
+            <a:off x="3778751" y="3531143"/>
+            <a:ext cx="13307" cy="441415"/>
           </a:xfrm>
           <a:prstGeom prst="straightConnector1">
             <a:avLst/>
@@ -8123,82 +7223,281 @@
           </a:fontRef>
         </p:style>
       </p:cxnSp>
-      <p:cxnSp>
-        <p:nvCxnSpPr>
-          <p:cNvPr id="67" name="Rett pil 66"/>
-          <p:cNvCxnSpPr>
-            <a:stCxn id="61" idx="0"/>
-            <a:endCxn id="46" idx="4"/>
-          </p:cNvCxnSpPr>
-          <p:nvPr/>
-        </p:nvCxnSpPr>
-        <p:spPr>
-          <a:xfrm rot="5400000" flipH="1" flipV="1">
-            <a:off x="1712099" y="3857634"/>
-            <a:ext cx="285752" cy="142876"/>
-          </a:xfrm>
-          <a:prstGeom prst="straightConnector1">
-            <a:avLst/>
-          </a:prstGeom>
+      <p:sp>
+        <p:nvSpPr>
+          <p:cNvPr id="82" name="Avrundet rektangel 31"/>
+          <p:cNvSpPr/>
+          <p:nvPr/>
+        </p:nvSpPr>
+        <p:spPr>
+          <a:xfrm>
+            <a:off x="2750364" y="2549959"/>
+            <a:ext cx="504056" cy="375049"/>
+          </a:xfrm>
+          <a:prstGeom prst="roundRect">
+            <a:avLst/>
+          </a:prstGeom>
+          <a:solidFill>
+            <a:schemeClr val="accent2"/>
+          </a:solidFill>
           <a:ln w="12700">
             <a:solidFill>
               <a:schemeClr val="tx1"/>
             </a:solidFill>
-            <a:tailEnd type="arrow"/>
           </a:ln>
         </p:spPr>
         <p:style>
-          <a:lnRef idx="1">
-            <a:schemeClr val="accent1"/>
+          <a:lnRef idx="2">
+            <a:schemeClr val="accent1">
+              <a:shade val="50000"/>
+            </a:schemeClr>
           </a:lnRef>
-          <a:fillRef idx="0">
+          <a:fillRef idx="1">
             <a:schemeClr val="accent1"/>
           </a:fillRef>
           <a:effectRef idx="0">
             <a:schemeClr val="accent1"/>
           </a:effectRef>
           <a:fontRef idx="minor">
-            <a:schemeClr val="tx1"/>
+            <a:schemeClr val="lt1"/>
           </a:fontRef>
         </p:style>
-      </p:cxnSp>
-      <p:sp>
-        <p:nvSpPr>
-          <p:cNvPr id="72" name="TekstSylinder 71"/>
-          <p:cNvSpPr txBox="1"/>
-          <p:nvPr/>
-        </p:nvSpPr>
-        <p:spPr>
-          <a:xfrm>
-            <a:off x="4543425" y="4719652"/>
-            <a:ext cx="857256" cy="369332"/>
-          </a:xfrm>
-          <a:prstGeom prst="rect">
-            <a:avLst/>
-          </a:prstGeom>
-          <a:noFill/>
-        </p:spPr>
-        <p:txBody>
-          <a:bodyPr wrap="square" rtlCol="0">
-            <a:spAutoFit/>
-          </a:bodyPr>
-          <a:lstStyle/>
-          <a:p>
-            <a:r>
-              <a:rPr lang="nb-NO" dirty="0" smtClean="0">
+        <p:txBody>
+          <a:bodyPr rtlCol="0" anchor="ctr"/>
+          <a:lstStyle/>
+          <a:p>
+            <a:pPr algn="ctr"/>
+            <a:r>
+              <a:rPr lang="nb-NO" sz="1050" dirty="0" smtClean="0">
                 <a:latin typeface="Arial" pitchFamily="34" charset="0"/>
                 <a:cs typeface="Arial" pitchFamily="34" charset="0"/>
               </a:rPr>
-              <a:t>FLOT</a:t>
-            </a:r>
-            <a:endParaRPr lang="nb-NO" dirty="0">
+              <a:t>BN</a:t>
+            </a:r>
+            <a:endParaRPr lang="nb-NO" sz="1050" dirty="0">
               <a:latin typeface="Arial" pitchFamily="34" charset="0"/>
               <a:cs typeface="Arial" pitchFamily="34" charset="0"/>
             </a:endParaRPr>
           </a:p>
         </p:txBody>
       </p:sp>
+      <p:sp>
+        <p:nvSpPr>
+          <p:cNvPr id="83" name="Avrundet rektangel 31"/>
+          <p:cNvSpPr/>
+          <p:nvPr/>
+        </p:nvSpPr>
+        <p:spPr>
+          <a:xfrm>
+            <a:off x="3303777" y="2820146"/>
+            <a:ext cx="504056" cy="375049"/>
+          </a:xfrm>
+          <a:prstGeom prst="roundRect">
+            <a:avLst/>
+          </a:prstGeom>
+          <a:solidFill>
+            <a:schemeClr val="accent2"/>
+          </a:solidFill>
+          <a:ln w="12700">
+            <a:solidFill>
+              <a:schemeClr val="tx1"/>
+            </a:solidFill>
+          </a:ln>
+        </p:spPr>
+        <p:style>
+          <a:lnRef idx="2">
+            <a:schemeClr val="accent1">
+              <a:shade val="50000"/>
+            </a:schemeClr>
+          </a:lnRef>
+          <a:fillRef idx="1">
+            <a:schemeClr val="accent1"/>
+          </a:fillRef>
+          <a:effectRef idx="0">
+            <a:schemeClr val="accent1"/>
+          </a:effectRef>
+          <a:fontRef idx="minor">
+            <a:schemeClr val="lt1"/>
+          </a:fontRef>
+        </p:style>
+        <p:txBody>
+          <a:bodyPr rtlCol="0" anchor="ctr"/>
+          <a:lstStyle/>
+          <a:p>
+            <a:pPr algn="ctr"/>
+            <a:r>
+              <a:rPr lang="nb-NO" sz="1050" dirty="0" smtClean="0">
+                <a:latin typeface="Arial" pitchFamily="34" charset="0"/>
+                <a:cs typeface="Arial" pitchFamily="34" charset="0"/>
+              </a:rPr>
+              <a:t>BN</a:t>
+            </a:r>
+            <a:endParaRPr lang="nb-NO" sz="1050" dirty="0">
+              <a:latin typeface="Arial" pitchFamily="34" charset="0"/>
+              <a:cs typeface="Arial" pitchFamily="34" charset="0"/>
+            </a:endParaRPr>
+          </a:p>
+        </p:txBody>
+      </p:sp>
+      <p:sp>
+        <p:nvSpPr>
+          <p:cNvPr id="84" name="Avrundet rektangel 31"/>
+          <p:cNvSpPr/>
+          <p:nvPr/>
+        </p:nvSpPr>
+        <p:spPr>
+          <a:xfrm>
+            <a:off x="2750364" y="3053450"/>
+            <a:ext cx="504056" cy="375049"/>
+          </a:xfrm>
+          <a:prstGeom prst="roundRect">
+            <a:avLst/>
+          </a:prstGeom>
+          <a:solidFill>
+            <a:schemeClr val="accent2"/>
+          </a:solidFill>
+          <a:ln w="12700">
+            <a:solidFill>
+              <a:schemeClr val="tx1"/>
+            </a:solidFill>
+          </a:ln>
+        </p:spPr>
+        <p:style>
+          <a:lnRef idx="2">
+            <a:schemeClr val="accent1">
+              <a:shade val="50000"/>
+            </a:schemeClr>
+          </a:lnRef>
+          <a:fillRef idx="1">
+            <a:schemeClr val="accent1"/>
+          </a:fillRef>
+          <a:effectRef idx="0">
+            <a:schemeClr val="accent1"/>
+          </a:effectRef>
+          <a:fontRef idx="minor">
+            <a:schemeClr val="lt1"/>
+          </a:fontRef>
+        </p:style>
+        <p:txBody>
+          <a:bodyPr rtlCol="0" anchor="ctr"/>
+          <a:lstStyle/>
+          <a:p>
+            <a:pPr algn="ctr"/>
+            <a:r>
+              <a:rPr lang="nb-NO" sz="1050" dirty="0" smtClean="0">
+                <a:latin typeface="Arial" pitchFamily="34" charset="0"/>
+                <a:cs typeface="Arial" pitchFamily="34" charset="0"/>
+              </a:rPr>
+              <a:t>BN</a:t>
+            </a:r>
+            <a:endParaRPr lang="nb-NO" sz="1050" dirty="0">
+              <a:latin typeface="Arial" pitchFamily="34" charset="0"/>
+              <a:cs typeface="Arial" pitchFamily="34" charset="0"/>
+            </a:endParaRPr>
+          </a:p>
+        </p:txBody>
+      </p:sp>
+      <p:sp>
+        <p:nvSpPr>
+          <p:cNvPr id="89" name="TekstSylinder 18"/>
+          <p:cNvSpPr txBox="1"/>
+          <p:nvPr/>
+        </p:nvSpPr>
+        <p:spPr>
+          <a:xfrm>
+            <a:off x="5897027" y="627534"/>
+            <a:ext cx="3214678" cy="4360246"/>
+          </a:xfrm>
+          <a:prstGeom prst="rect">
+            <a:avLst/>
+          </a:prstGeom>
+          <a:solidFill>
+            <a:schemeClr val="accent1">
+              <a:lumMod val="20000"/>
+              <a:lumOff val="80000"/>
+            </a:schemeClr>
+          </a:solidFill>
+          <a:ln>
+            <a:solidFill>
+              <a:schemeClr val="tx1"/>
+            </a:solidFill>
+          </a:ln>
+        </p:spPr>
+        <p:txBody>
+          <a:bodyPr wrap="square" rtlCol="0">
+            <a:normAutofit lnSpcReduction="10000"/>
+          </a:bodyPr>
+          <a:lstStyle/>
+          <a:p>
+            <a:r>
+              <a:rPr lang="nb-NO" sz="1100" dirty="0" smtClean="0">
+                <a:latin typeface="Arial" pitchFamily="34" charset="0"/>
+                <a:cs typeface="Arial" pitchFamily="34" charset="0"/>
+              </a:rPr>
+              <a:t>The basic fighting formation in the Syrian army is the division. Here is a representation of a division during an offansive.</a:t>
+            </a:r>
+          </a:p>
+          <a:p>
+            <a:endParaRPr lang="nb-NO" sz="1100" dirty="0">
+              <a:latin typeface="Arial" pitchFamily="34" charset="0"/>
+              <a:cs typeface="Arial" pitchFamily="34" charset="0"/>
+            </a:endParaRPr>
+          </a:p>
+          <a:p>
+            <a:r>
+              <a:rPr lang="nb-NO" sz="1100" dirty="0" smtClean="0">
+                <a:latin typeface="Arial" pitchFamily="34" charset="0"/>
+                <a:cs typeface="Arial" pitchFamily="34" charset="0"/>
+              </a:rPr>
+              <a:t>The three manuevering brigades (Composed of armor and mechanized forces) are arranged in a «2-front, 1-rear» formation. This arrangement allows for an offensive over a wide front with a lot of firepower, while still having the 3rd brigade close behind. The rear-brigade is ready to support any of the front two brigades in case of high enemy resistance, or to exploit a success breakthrough, and pushing a fresh force forward into the enemy teritorry. The movement of the rear brigade forward may be done between the two front brigades, or directly «through» one of them – depending on terrain, roads and tactical situation.</a:t>
+            </a:r>
+          </a:p>
+          <a:p>
+            <a:r>
+              <a:rPr lang="nb-NO" sz="1100" dirty="0" smtClean="0">
+                <a:latin typeface="Arial" pitchFamily="34" charset="0"/>
+                <a:cs typeface="Arial" pitchFamily="34" charset="0"/>
+              </a:rPr>
+              <a:t>One of the frontal brigades will be designated as the Main Effort (ME). </a:t>
+            </a:r>
+            <a:r>
+              <a:rPr lang="nb-NO" sz="1100" dirty="0" smtClean="0">
+                <a:latin typeface="Arial" pitchFamily="34" charset="0"/>
+                <a:cs typeface="Arial" pitchFamily="34" charset="0"/>
+              </a:rPr>
+              <a:t>This brigade will have priority in receiving support from the division-level assets. As shown here, Front Brigade #1 is the ME and is supported by the division’s Rocket-ARTY BN.</a:t>
+            </a:r>
+          </a:p>
+          <a:p>
+            <a:r>
+              <a:rPr lang="nb-NO" sz="1100" dirty="0" smtClean="0">
+                <a:latin typeface="Arial" pitchFamily="34" charset="0"/>
+                <a:cs typeface="Arial" pitchFamily="34" charset="0"/>
+              </a:rPr>
+              <a:t>Further to the back are the divisional HQ, the logistics BN and an SA-15 BN protecting them.</a:t>
+            </a:r>
+          </a:p>
+          <a:p>
+            <a:r>
+              <a:rPr lang="nb-NO" sz="1100" dirty="0" smtClean="0">
+                <a:latin typeface="Arial" pitchFamily="34" charset="0"/>
+                <a:cs typeface="Arial" pitchFamily="34" charset="0"/>
+              </a:rPr>
+              <a:t>A second BN of SA-8 will be close to the divisional Rocket-ARTY BN, defending it.</a:t>
+            </a:r>
+            <a:endParaRPr lang="nb-NO" sz="1100" dirty="0" smtClean="0">
+              <a:latin typeface="Arial" pitchFamily="34" charset="0"/>
+              <a:cs typeface="Arial" pitchFamily="34" charset="0"/>
+            </a:endParaRPr>
+          </a:p>
+        </p:txBody>
+      </p:sp>
     </p:spTree>
+    <p:extLst>
+      <p:ext uri="{BB962C8B-B14F-4D97-AF65-F5344CB8AC3E}">
+        <p14:creationId xmlns:p14="http://schemas.microsoft.com/office/powerpoint/2010/main" val="1177541819"/>
+      </p:ext>
+    </p:extLst>
   </p:cSld>
   <p:clrMapOvr>
     <a:masterClrMapping/>
@@ -9083,14 +8382,30 @@
             <p:ph type="title"/>
           </p:nvPr>
         </p:nvSpPr>
-        <p:spPr/>
+        <p:spPr>
+          <a:xfrm>
+            <a:off x="-71438" y="483518"/>
+            <a:ext cx="9144000" cy="283532"/>
+          </a:xfrm>
+        </p:spPr>
         <p:txBody>
           <a:bodyPr/>
           <a:lstStyle/>
           <a:p>
             <a:r>
               <a:rPr lang="en-US" dirty="0" smtClean="0"/>
-              <a:t>DIVISION DEFENSIVE</a:t>
+              <a:t>PHASES IN AN OFFENSIVE </a:t>
+            </a:r>
+            <a:r>
+              <a:rPr lang="en-US" dirty="0" smtClean="0"/>
+              <a:t>OPERATION: </a:t>
+            </a:r>
+            <a:br>
+              <a:rPr lang="en-US" dirty="0" smtClean="0"/>
+            </a:br>
+            <a:r>
+              <a:rPr lang="en-US" dirty="0" smtClean="0"/>
+              <a:t>RESUPPLY / STAGING</a:t>
             </a:r>
             <a:endParaRPr lang="en-US" dirty="0"/>
           </a:p>
@@ -9720,7 +9035,130 @@
           </a:p>
         </p:txBody>
       </p:sp>
+      <p:sp>
+        <p:nvSpPr>
+          <p:cNvPr id="19" name="TekstSylinder 18"/>
+          <p:cNvSpPr txBox="1"/>
+          <p:nvPr/>
+        </p:nvSpPr>
+        <p:spPr>
+          <a:xfrm>
+            <a:off x="179512" y="1192753"/>
+            <a:ext cx="8496944" cy="3970318"/>
+          </a:xfrm>
+          <a:prstGeom prst="rect">
+            <a:avLst/>
+          </a:prstGeom>
+          <a:noFill/>
+        </p:spPr>
+        <p:txBody>
+          <a:bodyPr wrap="square" rtlCol="0">
+            <a:spAutoFit/>
+          </a:bodyPr>
+          <a:lstStyle/>
+          <a:p>
+            <a:r>
+              <a:rPr lang="nb-NO" b="1" dirty="0" smtClean="0"/>
+              <a:t>Purpose:</a:t>
+            </a:r>
+          </a:p>
+          <a:p>
+            <a:r>
+              <a:rPr lang="nb-NO" dirty="0" smtClean="0"/>
+              <a:t>Provide all combat teams and vehicles with all supply needed for the coming offensive</a:t>
+            </a:r>
+          </a:p>
+          <a:p>
+            <a:endParaRPr lang="nb-NO" dirty="0" smtClean="0"/>
+          </a:p>
+          <a:p>
+            <a:r>
+              <a:rPr lang="nb-NO" b="1" dirty="0" smtClean="0"/>
+              <a:t>Activity:</a:t>
+            </a:r>
+          </a:p>
+          <a:p>
+            <a:pPr marL="285750" indent="-285750">
+              <a:buFontTx/>
+              <a:buChar char="-"/>
+            </a:pPr>
+            <a:r>
+              <a:rPr lang="nb-NO" dirty="0" smtClean="0"/>
+              <a:t>Combat vehicles mostly gathered in parking lots (With exception of vehicles standing guard on frontline and active ADS)</a:t>
+            </a:r>
+          </a:p>
+          <a:p>
+            <a:pPr marL="285750" indent="-285750">
+              <a:buFontTx/>
+              <a:buChar char="-"/>
+            </a:pPr>
+            <a:r>
+              <a:rPr lang="nb-NO" dirty="0" smtClean="0"/>
+              <a:t>Resupply trucks delivering supplies to combat vehicles and personnel</a:t>
+            </a:r>
+          </a:p>
+          <a:p>
+            <a:pPr marL="285750" indent="-285750">
+              <a:buFontTx/>
+              <a:buChar char="-"/>
+            </a:pPr>
+            <a:r>
+              <a:rPr lang="nb-NO" dirty="0" smtClean="0"/>
+              <a:t>Some vehicles undergoing maintenance and will not be combat-ready</a:t>
+            </a:r>
+          </a:p>
+          <a:p>
+            <a:endParaRPr lang="nb-NO" dirty="0" smtClean="0"/>
+          </a:p>
+          <a:p>
+            <a:r>
+              <a:rPr lang="nb-NO" b="1" dirty="0" smtClean="0"/>
+              <a:t>Indicators:</a:t>
+            </a:r>
+          </a:p>
+          <a:p>
+            <a:pPr marL="285750" indent="-285750">
+              <a:buFontTx/>
+              <a:buChar char="-"/>
+            </a:pPr>
+            <a:r>
+              <a:rPr lang="nb-NO" dirty="0" smtClean="0"/>
+              <a:t>Combat vehicles arranged in non-combat formations (lines/raws, tight together)</a:t>
+            </a:r>
+          </a:p>
+          <a:p>
+            <a:pPr marL="285750" indent="-285750">
+              <a:buFontTx/>
+              <a:buChar char="-"/>
+            </a:pPr>
+            <a:r>
+              <a:rPr lang="nb-NO" dirty="0" smtClean="0"/>
+              <a:t>Supply trucks in close vicinity</a:t>
+            </a:r>
+            <a:endParaRPr lang="nb-NO" dirty="0" smtClean="0"/>
+          </a:p>
+          <a:p>
+            <a:pPr marL="285750" indent="-285750">
+              <a:buFontTx/>
+              <a:buChar char="-"/>
+            </a:pPr>
+            <a:endParaRPr lang="nb-NO" dirty="0" smtClean="0"/>
+          </a:p>
+          <a:p>
+            <a:pPr marL="285750" indent="-285750">
+              <a:buFontTx/>
+              <a:buChar char="-"/>
+            </a:pPr>
+            <a:endParaRPr lang="nb-NO" dirty="0" smtClean="0"/>
+          </a:p>
+        </p:txBody>
+      </p:sp>
     </p:spTree>
+    <p:extLst>
+      <p:ext uri="{BB962C8B-B14F-4D97-AF65-F5344CB8AC3E}">
+        <p14:creationId xmlns:p14="http://schemas.microsoft.com/office/powerpoint/2010/main" val="390204938"/>
+      </p:ext>
+    </p:extLst>
   </p:cSld>
   <p:clrMapOvr>
     <a:masterClrMapping/>
@@ -9762,14 +9200,30 @@
             <p:ph type="title"/>
           </p:nvPr>
         </p:nvSpPr>
-        <p:spPr/>
+        <p:spPr>
+          <a:xfrm>
+            <a:off x="-71438" y="339503"/>
+            <a:ext cx="9144000" cy="767768"/>
+          </a:xfrm>
+        </p:spPr>
         <p:txBody>
           <a:bodyPr/>
           <a:lstStyle/>
           <a:p>
             <a:r>
               <a:rPr lang="en-US" dirty="0" smtClean="0"/>
-              <a:t>USE OF SHOCK BATTALIONS</a:t>
+              <a:t>PHASES IN AN OFFENSIVE </a:t>
+            </a:r>
+            <a:r>
+              <a:rPr lang="en-US" dirty="0" smtClean="0"/>
+              <a:t>OPERATION: </a:t>
+            </a:r>
+            <a:br>
+              <a:rPr lang="en-US" dirty="0" smtClean="0"/>
+            </a:br>
+            <a:r>
+              <a:rPr lang="en-US" dirty="0" smtClean="0"/>
+              <a:t>SHAPING</a:t>
             </a:r>
             <a:endParaRPr lang="en-US" dirty="0"/>
           </a:p>
@@ -10399,7 +9853,120 @@
           </a:p>
         </p:txBody>
       </p:sp>
+      <p:sp>
+        <p:nvSpPr>
+          <p:cNvPr id="19" name="TekstSylinder 18"/>
+          <p:cNvSpPr txBox="1"/>
+          <p:nvPr/>
+        </p:nvSpPr>
+        <p:spPr>
+          <a:xfrm>
+            <a:off x="179512" y="1192753"/>
+            <a:ext cx="8496944" cy="3693319"/>
+          </a:xfrm>
+          <a:prstGeom prst="rect">
+            <a:avLst/>
+          </a:prstGeom>
+          <a:noFill/>
+        </p:spPr>
+        <p:txBody>
+          <a:bodyPr wrap="square" rtlCol="0">
+            <a:spAutoFit/>
+          </a:bodyPr>
+          <a:lstStyle/>
+          <a:p>
+            <a:r>
+              <a:rPr lang="nb-NO" b="1" dirty="0" smtClean="0"/>
+              <a:t>Purpose:</a:t>
+            </a:r>
+          </a:p>
+          <a:p>
+            <a:r>
+              <a:rPr lang="nb-NO" dirty="0" smtClean="0"/>
+              <a:t>Arrange combat units to required battle formation in preparation for the offensive</a:t>
+            </a:r>
+          </a:p>
+          <a:p>
+            <a:endParaRPr lang="nb-NO" dirty="0" smtClean="0"/>
+          </a:p>
+          <a:p>
+            <a:r>
+              <a:rPr lang="nb-NO" b="1" dirty="0" smtClean="0"/>
+              <a:t>Activity:</a:t>
+            </a:r>
+          </a:p>
+          <a:p>
+            <a:pPr marL="285750" indent="-285750">
+              <a:buFontTx/>
+              <a:buChar char="-"/>
+            </a:pPr>
+            <a:r>
+              <a:rPr lang="nb-NO" dirty="0" smtClean="0"/>
+              <a:t>Combat vehicles assuming stations consistent with the offensive-formation (2-front/1-rear)</a:t>
+            </a:r>
+          </a:p>
+          <a:p>
+            <a:pPr marL="285750" indent="-285750">
+              <a:buFontTx/>
+              <a:buChar char="-"/>
+            </a:pPr>
+            <a:r>
+              <a:rPr lang="nb-NO" dirty="0" smtClean="0"/>
+              <a:t>Logistic BN vehicles are falling back to the rear</a:t>
+            </a:r>
+          </a:p>
+          <a:p>
+            <a:pPr marL="285750" indent="-285750">
+              <a:buFontTx/>
+              <a:buChar char="-"/>
+            </a:pPr>
+            <a:r>
+              <a:rPr lang="nb-NO" dirty="0" smtClean="0"/>
+              <a:t>ARTY taking positions to be ready to provide fire support</a:t>
+            </a:r>
+            <a:endParaRPr lang="nb-NO" dirty="0" smtClean="0"/>
+          </a:p>
+          <a:p>
+            <a:endParaRPr lang="nb-NO" dirty="0" smtClean="0"/>
+          </a:p>
+          <a:p>
+            <a:r>
+              <a:rPr lang="nb-NO" b="1" dirty="0" smtClean="0"/>
+              <a:t>Indicators:</a:t>
+            </a:r>
+          </a:p>
+          <a:p>
+            <a:pPr marL="285750" indent="-285750">
+              <a:buFontTx/>
+              <a:buChar char="-"/>
+            </a:pPr>
+            <a:r>
+              <a:rPr lang="nb-NO" dirty="0" smtClean="0"/>
+              <a:t>Logistics vehicles moving to the rear of the division area</a:t>
+            </a:r>
+          </a:p>
+          <a:p>
+            <a:pPr marL="285750" indent="-285750">
+              <a:buFontTx/>
+              <a:buChar char="-"/>
+            </a:pPr>
+            <a:endParaRPr lang="nb-NO" dirty="0" smtClean="0"/>
+          </a:p>
+          <a:p>
+            <a:pPr marL="285750" indent="-285750">
+              <a:buFontTx/>
+              <a:buChar char="-"/>
+            </a:pPr>
+            <a:endParaRPr lang="nb-NO" dirty="0" smtClean="0"/>
+          </a:p>
+        </p:txBody>
+      </p:sp>
     </p:spTree>
+    <p:extLst>
+      <p:ext uri="{BB962C8B-B14F-4D97-AF65-F5344CB8AC3E}">
+        <p14:creationId xmlns:p14="http://schemas.microsoft.com/office/powerpoint/2010/main" val="4063869597"/>
+      </p:ext>
+    </p:extLst>
   </p:cSld>
   <p:clrMapOvr>
     <a:masterClrMapping/>
@@ -10448,550 +10015,9 @@
           <a:p>
             <a:r>
               <a:rPr lang="en-US" dirty="0" smtClean="0"/>
-              <a:t>INDICATORS</a:t>
+              <a:t>DIVISION DEFENSIVE</a:t>
             </a:r>
             <a:endParaRPr lang="en-US" dirty="0"/>
-          </a:p>
-        </p:txBody>
-      </p:sp>
-      <p:sp>
-        <p:nvSpPr>
-          <p:cNvPr id="6" name="TekstSylinder 5"/>
-          <p:cNvSpPr txBox="1"/>
-          <p:nvPr/>
-        </p:nvSpPr>
-        <p:spPr>
-          <a:xfrm>
-            <a:off x="0" y="642924"/>
-            <a:ext cx="8786842" cy="4286280"/>
-          </a:xfrm>
-          <a:prstGeom prst="rect">
-            <a:avLst/>
-          </a:prstGeom>
-          <a:noFill/>
-          <a:ln>
-            <a:noFill/>
-          </a:ln>
-        </p:spPr>
-        <p:txBody>
-          <a:bodyPr wrap="square" rtlCol="0">
-            <a:normAutofit/>
-          </a:bodyPr>
-          <a:lstStyle/>
-          <a:p>
-            <a:pPr>
-              <a:buFont typeface="Arial" pitchFamily="34" charset="0"/>
-              <a:buChar char="•"/>
-            </a:pPr>
-            <a:r>
-              <a:rPr lang="nb-NO" sz="1200" dirty="0" smtClean="0"/>
-              <a:t>BM-21 </a:t>
-            </a:r>
-            <a:r>
-              <a:rPr lang="nb-NO" sz="1200" dirty="0" err="1" smtClean="0"/>
-              <a:t>launch</a:t>
-            </a:r>
-            <a:r>
-              <a:rPr lang="nb-NO" sz="1200" dirty="0" smtClean="0"/>
-              <a:t> or </a:t>
-            </a:r>
-            <a:r>
-              <a:rPr lang="nb-NO" sz="1200" dirty="0" err="1" smtClean="0"/>
-              <a:t>movement</a:t>
-            </a:r>
-            <a:r>
-              <a:rPr lang="nb-NO" sz="1200" dirty="0" smtClean="0"/>
-              <a:t> </a:t>
-            </a:r>
-            <a:r>
-              <a:rPr lang="nb-NO" sz="1200" dirty="0" err="1" smtClean="0"/>
-              <a:t>into</a:t>
-            </a:r>
-            <a:r>
-              <a:rPr lang="nb-NO" sz="1200" dirty="0" smtClean="0"/>
-              <a:t> firing </a:t>
-            </a:r>
-            <a:r>
-              <a:rPr lang="nb-NO" sz="1200" dirty="0" err="1" smtClean="0"/>
-              <a:t>positions</a:t>
-            </a:r>
-            <a:r>
-              <a:rPr lang="nb-NO" sz="1200" dirty="0" smtClean="0"/>
-              <a:t>. </a:t>
-            </a:r>
-          </a:p>
-          <a:p>
-            <a:pPr lvl="1">
-              <a:buFont typeface="Arial" pitchFamily="34" charset="0"/>
-              <a:buChar char="•"/>
-            </a:pPr>
-            <a:r>
-              <a:rPr lang="nb-NO" sz="1200" dirty="0" smtClean="0"/>
-              <a:t>Preparing offensive / </a:t>
-            </a:r>
-            <a:r>
-              <a:rPr lang="nb-NO" sz="1200" dirty="0" err="1" smtClean="0"/>
-              <a:t>Attack</a:t>
-            </a:r>
-            <a:endParaRPr lang="nb-NO" sz="1200" dirty="0" smtClean="0"/>
-          </a:p>
-          <a:p>
-            <a:pPr>
-              <a:buFont typeface="Arial" pitchFamily="34" charset="0"/>
-              <a:buChar char="•"/>
-            </a:pPr>
-            <a:r>
-              <a:rPr lang="nb-NO" sz="1200" dirty="0" smtClean="0"/>
-              <a:t>RW </a:t>
-            </a:r>
-            <a:r>
-              <a:rPr lang="nb-NO" sz="1200" dirty="0" err="1" smtClean="0"/>
-              <a:t>activity</a:t>
-            </a:r>
-            <a:r>
-              <a:rPr lang="nb-NO" sz="1200" dirty="0" smtClean="0"/>
-              <a:t> </a:t>
-            </a:r>
-            <a:r>
-              <a:rPr lang="nb-NO" sz="1200" dirty="0" err="1" smtClean="0"/>
-              <a:t>deep</a:t>
-            </a:r>
-            <a:r>
-              <a:rPr lang="nb-NO" sz="1200" dirty="0" smtClean="0"/>
-              <a:t> </a:t>
-            </a:r>
-            <a:r>
-              <a:rPr lang="nb-NO" sz="1200" dirty="0" err="1" smtClean="0"/>
-              <a:t>into</a:t>
-            </a:r>
-            <a:r>
-              <a:rPr lang="nb-NO" sz="1200" dirty="0" smtClean="0"/>
-              <a:t> </a:t>
-            </a:r>
-            <a:r>
-              <a:rPr lang="nb-NO" sz="1200" dirty="0" err="1" smtClean="0"/>
-              <a:t>enemy</a:t>
-            </a:r>
-            <a:r>
-              <a:rPr lang="nb-NO" sz="1200" dirty="0" smtClean="0"/>
-              <a:t> </a:t>
-            </a:r>
-            <a:r>
-              <a:rPr lang="nb-NO" sz="1200" dirty="0" err="1" smtClean="0"/>
-              <a:t>territory</a:t>
-            </a:r>
-            <a:endParaRPr lang="nb-NO" sz="1200" dirty="0" smtClean="0"/>
-          </a:p>
-          <a:p>
-            <a:pPr lvl="1">
-              <a:buFont typeface="Arial" pitchFamily="34" charset="0"/>
-              <a:buChar char="•"/>
-            </a:pPr>
-            <a:r>
-              <a:rPr lang="nb-NO" sz="1200" dirty="0" err="1" smtClean="0"/>
-              <a:t>Insertion</a:t>
-            </a:r>
-            <a:r>
-              <a:rPr lang="nb-NO" sz="1200" dirty="0" smtClean="0"/>
-              <a:t> </a:t>
-            </a:r>
-            <a:r>
-              <a:rPr lang="nb-NO" sz="1200" dirty="0" err="1" smtClean="0"/>
-              <a:t>of</a:t>
-            </a:r>
-            <a:r>
-              <a:rPr lang="nb-NO" sz="1200" dirty="0" smtClean="0"/>
-              <a:t> Long Range </a:t>
-            </a:r>
-            <a:r>
-              <a:rPr lang="nb-NO" sz="1200" dirty="0" err="1" smtClean="0"/>
-              <a:t>Recon</a:t>
-            </a:r>
-            <a:endParaRPr lang="nb-NO" sz="1200" dirty="0" smtClean="0"/>
-          </a:p>
-          <a:p>
-            <a:pPr>
-              <a:buFont typeface="Arial" pitchFamily="34" charset="0"/>
-              <a:buChar char="•"/>
-            </a:pPr>
-            <a:r>
-              <a:rPr lang="nb-NO" sz="1200" dirty="0" smtClean="0"/>
-              <a:t>FW (transport) </a:t>
-            </a:r>
-            <a:r>
-              <a:rPr lang="nb-NO" sz="1200" dirty="0" err="1" smtClean="0"/>
-              <a:t>activity</a:t>
-            </a:r>
-            <a:r>
-              <a:rPr lang="nb-NO" sz="1200" dirty="0" smtClean="0"/>
-              <a:t> </a:t>
-            </a:r>
-            <a:r>
-              <a:rPr lang="nb-NO" sz="1200" dirty="0" err="1" smtClean="0"/>
-              <a:t>deep</a:t>
-            </a:r>
-            <a:r>
-              <a:rPr lang="nb-NO" sz="1200" dirty="0" smtClean="0"/>
-              <a:t> </a:t>
-            </a:r>
-            <a:r>
-              <a:rPr lang="nb-NO" sz="1200" dirty="0" err="1" smtClean="0"/>
-              <a:t>into</a:t>
-            </a:r>
-            <a:r>
-              <a:rPr lang="nb-NO" sz="1200" dirty="0" smtClean="0"/>
-              <a:t> </a:t>
-            </a:r>
-            <a:r>
-              <a:rPr lang="nb-NO" sz="1200" dirty="0" err="1" smtClean="0"/>
-              <a:t>enemy</a:t>
-            </a:r>
-            <a:r>
-              <a:rPr lang="nb-NO" sz="1200" dirty="0" smtClean="0"/>
-              <a:t> </a:t>
-            </a:r>
-            <a:r>
-              <a:rPr lang="nb-NO" sz="1200" dirty="0" err="1" smtClean="0"/>
-              <a:t>territory</a:t>
-            </a:r>
-            <a:endParaRPr lang="nb-NO" sz="1200" dirty="0" smtClean="0"/>
-          </a:p>
-          <a:p>
-            <a:pPr lvl="1">
-              <a:buFont typeface="Arial" pitchFamily="34" charset="0"/>
-              <a:buChar char="•"/>
-            </a:pPr>
-            <a:r>
-              <a:rPr lang="nb-NO" sz="1200" dirty="0" err="1" smtClean="0"/>
-              <a:t>Airborne</a:t>
-            </a:r>
-            <a:r>
-              <a:rPr lang="nb-NO" sz="1200" dirty="0" smtClean="0"/>
-              <a:t> </a:t>
-            </a:r>
-            <a:r>
-              <a:rPr lang="nb-NO" sz="1200" dirty="0" err="1" smtClean="0"/>
-              <a:t>Assault</a:t>
-            </a:r>
-            <a:r>
-              <a:rPr lang="nb-NO" sz="1200" dirty="0" smtClean="0"/>
-              <a:t> ( </a:t>
-            </a:r>
-            <a:r>
-              <a:rPr lang="nb-NO" sz="1200" dirty="0" err="1" smtClean="0"/>
-              <a:t>Many</a:t>
-            </a:r>
-            <a:r>
-              <a:rPr lang="nb-NO" sz="1200" dirty="0" smtClean="0"/>
-              <a:t> FW transports)</a:t>
-            </a:r>
-          </a:p>
-          <a:p>
-            <a:pPr lvl="1">
-              <a:buFont typeface="Arial" pitchFamily="34" charset="0"/>
-              <a:buChar char="•"/>
-            </a:pPr>
-            <a:r>
-              <a:rPr lang="nb-NO" sz="1200" dirty="0" smtClean="0"/>
-              <a:t>Long range </a:t>
-            </a:r>
-            <a:r>
-              <a:rPr lang="nb-NO" sz="1200" dirty="0" err="1" smtClean="0"/>
-              <a:t>Recon</a:t>
-            </a:r>
-            <a:r>
-              <a:rPr lang="nb-NO" sz="1200" dirty="0" smtClean="0"/>
-              <a:t> ( </a:t>
-            </a:r>
-            <a:r>
-              <a:rPr lang="nb-NO" sz="1200" dirty="0" err="1" smtClean="0"/>
-              <a:t>If</a:t>
-            </a:r>
-            <a:r>
-              <a:rPr lang="nb-NO" sz="1200" dirty="0" smtClean="0"/>
-              <a:t> </a:t>
-            </a:r>
-            <a:r>
-              <a:rPr lang="nb-NO" sz="1200" dirty="0" err="1" smtClean="0"/>
-              <a:t>only</a:t>
-            </a:r>
-            <a:r>
-              <a:rPr lang="nb-NO" sz="1200" dirty="0" smtClean="0"/>
-              <a:t> a single AC is in </a:t>
-            </a:r>
-            <a:r>
-              <a:rPr lang="nb-NO" sz="1200" dirty="0" err="1" smtClean="0"/>
-              <a:t>use</a:t>
-            </a:r>
-            <a:r>
-              <a:rPr lang="nb-NO" sz="1200" dirty="0" smtClean="0"/>
-              <a:t>, or flying </a:t>
-            </a:r>
-            <a:r>
-              <a:rPr lang="nb-NO" sz="1200" dirty="0" err="1" smtClean="0"/>
-              <a:t>tactical</a:t>
-            </a:r>
-            <a:r>
-              <a:rPr lang="nb-NO" sz="1200" dirty="0" smtClean="0"/>
-              <a:t>, </a:t>
-            </a:r>
-            <a:r>
-              <a:rPr lang="nb-NO" sz="1200" dirty="0" err="1" smtClean="0"/>
-              <a:t>low</a:t>
-            </a:r>
-            <a:r>
-              <a:rPr lang="nb-NO" sz="1200" dirty="0" smtClean="0"/>
-              <a:t> </a:t>
-            </a:r>
-            <a:r>
-              <a:rPr lang="nb-NO" sz="1200" dirty="0" err="1" smtClean="0"/>
-              <a:t>level</a:t>
-            </a:r>
-            <a:r>
-              <a:rPr lang="nb-NO" sz="1200" dirty="0" smtClean="0"/>
-              <a:t>)</a:t>
-            </a:r>
-          </a:p>
-          <a:p>
-            <a:pPr>
-              <a:buFont typeface="Arial" pitchFamily="34" charset="0"/>
-              <a:buChar char="•"/>
-            </a:pPr>
-            <a:r>
-              <a:rPr lang="nb-NO" sz="1200" dirty="0" err="1" smtClean="0"/>
-              <a:t>Artillery</a:t>
-            </a:r>
-            <a:r>
-              <a:rPr lang="nb-NO" sz="1200" dirty="0" smtClean="0"/>
-              <a:t> at a </a:t>
-            </a:r>
-            <a:r>
-              <a:rPr lang="nb-NO" sz="1200" dirty="0" err="1" smtClean="0"/>
-              <a:t>certain</a:t>
-            </a:r>
-            <a:r>
-              <a:rPr lang="nb-NO" sz="1200" dirty="0" smtClean="0"/>
-              <a:t> </a:t>
-            </a:r>
-            <a:r>
-              <a:rPr lang="nb-NO" sz="1200" dirty="0" err="1" smtClean="0"/>
-              <a:t>point</a:t>
-            </a:r>
-            <a:r>
-              <a:rPr lang="nb-NO" sz="1200" dirty="0" smtClean="0"/>
-              <a:t> (</a:t>
-            </a:r>
-            <a:r>
-              <a:rPr lang="nb-NO" sz="1200" dirty="0" err="1" smtClean="0"/>
-              <a:t>point</a:t>
-            </a:r>
-            <a:r>
-              <a:rPr lang="nb-NO" sz="1200" dirty="0" smtClean="0"/>
-              <a:t> target)</a:t>
-            </a:r>
-          </a:p>
-          <a:p>
-            <a:pPr lvl="1">
-              <a:buFont typeface="Arial" pitchFamily="34" charset="0"/>
-              <a:buChar char="•"/>
-            </a:pPr>
-            <a:r>
-              <a:rPr lang="nb-NO" sz="1200" dirty="0" err="1" smtClean="0"/>
-              <a:t>Trying</a:t>
-            </a:r>
-            <a:r>
-              <a:rPr lang="nb-NO" sz="1200" dirty="0" smtClean="0"/>
-              <a:t> to kill the target</a:t>
-            </a:r>
-          </a:p>
-          <a:p>
-            <a:pPr>
-              <a:buFont typeface="Arial" pitchFamily="34" charset="0"/>
-              <a:buChar char="•"/>
-            </a:pPr>
-            <a:r>
-              <a:rPr lang="nb-NO" sz="1200" dirty="0" err="1" smtClean="0"/>
-              <a:t>Artillery</a:t>
-            </a:r>
-            <a:r>
-              <a:rPr lang="nb-NO" sz="1200" dirty="0" smtClean="0"/>
-              <a:t> at an area</a:t>
-            </a:r>
-          </a:p>
-          <a:p>
-            <a:pPr lvl="1">
-              <a:buFont typeface="Arial" pitchFamily="34" charset="0"/>
-              <a:buChar char="•"/>
-            </a:pPr>
-            <a:r>
-              <a:rPr lang="nb-NO" sz="1200" dirty="0" err="1" smtClean="0"/>
-              <a:t>Suppression</a:t>
-            </a:r>
-            <a:r>
-              <a:rPr lang="nb-NO" sz="1200" dirty="0" smtClean="0"/>
-              <a:t>, to cover for </a:t>
-            </a:r>
-            <a:r>
-              <a:rPr lang="nb-NO" sz="1200" dirty="0" err="1" smtClean="0"/>
-              <a:t>movement</a:t>
-            </a:r>
-            <a:r>
-              <a:rPr lang="nb-NO" sz="1200" dirty="0" smtClean="0"/>
-              <a:t> / </a:t>
-            </a:r>
-            <a:r>
-              <a:rPr lang="nb-NO" sz="1200" dirty="0" err="1" smtClean="0"/>
-              <a:t>attack</a:t>
-            </a:r>
-            <a:endParaRPr lang="nb-NO" sz="1200" dirty="0" smtClean="0"/>
-          </a:p>
-          <a:p>
-            <a:pPr>
-              <a:buFont typeface="Arial" pitchFamily="34" charset="0"/>
-              <a:buChar char="•"/>
-            </a:pPr>
-            <a:r>
-              <a:rPr lang="nb-NO" sz="1200" dirty="0" smtClean="0"/>
-              <a:t>Fill </a:t>
-            </a:r>
-            <a:r>
-              <a:rPr lang="nb-NO" sz="1200" dirty="0" err="1" smtClean="0"/>
-              <a:t>out</a:t>
-            </a:r>
-            <a:r>
-              <a:rPr lang="nb-NO" sz="1200" dirty="0" smtClean="0"/>
-              <a:t> </a:t>
-            </a:r>
-            <a:r>
-              <a:rPr lang="nb-NO" sz="1200" dirty="0" err="1" smtClean="0"/>
-              <a:t>many</a:t>
-            </a:r>
-            <a:r>
-              <a:rPr lang="nb-NO" sz="1200" dirty="0" smtClean="0"/>
-              <a:t> more…..</a:t>
-            </a:r>
-          </a:p>
-          <a:p>
-            <a:pPr>
-              <a:buFont typeface="Arial" pitchFamily="34" charset="0"/>
-              <a:buChar char="•"/>
-            </a:pPr>
-            <a:endParaRPr lang="nb-NO" sz="1200" dirty="0" smtClean="0"/>
-          </a:p>
-          <a:p>
-            <a:pPr>
-              <a:buFont typeface="Arial" pitchFamily="34" charset="0"/>
-              <a:buChar char="•"/>
-            </a:pPr>
-            <a:r>
-              <a:rPr lang="nb-NO" sz="1200" dirty="0" err="1" smtClean="0"/>
-              <a:t>Artillery</a:t>
-            </a:r>
-            <a:r>
-              <a:rPr lang="nb-NO" sz="1200" dirty="0" smtClean="0"/>
-              <a:t> </a:t>
-            </a:r>
-            <a:r>
-              <a:rPr lang="nb-NO" sz="1200" dirty="0" err="1" smtClean="0"/>
-              <a:t>units</a:t>
-            </a:r>
-            <a:r>
-              <a:rPr lang="nb-NO" sz="1200" dirty="0" smtClean="0"/>
-              <a:t> in firing </a:t>
-            </a:r>
-            <a:r>
-              <a:rPr lang="nb-NO" sz="1200" dirty="0" err="1" smtClean="0"/>
-              <a:t>position</a:t>
-            </a:r>
-            <a:r>
-              <a:rPr lang="nb-NO" sz="1200" dirty="0" smtClean="0"/>
-              <a:t> (</a:t>
-            </a:r>
-            <a:r>
-              <a:rPr lang="nb-NO" sz="1200" dirty="0" err="1" smtClean="0"/>
-              <a:t>spread</a:t>
-            </a:r>
-            <a:r>
-              <a:rPr lang="nb-NO" sz="1200" dirty="0" smtClean="0"/>
-              <a:t> </a:t>
-            </a:r>
-            <a:r>
-              <a:rPr lang="nb-NO" sz="1200" dirty="0" err="1" smtClean="0"/>
-              <a:t>out</a:t>
-            </a:r>
-            <a:r>
-              <a:rPr lang="nb-NO" sz="1200" dirty="0" smtClean="0"/>
-              <a:t>, IAW a </a:t>
-            </a:r>
-            <a:r>
-              <a:rPr lang="nb-NO" sz="1200" dirty="0" err="1" smtClean="0"/>
-              <a:t>template</a:t>
-            </a:r>
-            <a:r>
-              <a:rPr lang="nb-NO" sz="1200" dirty="0" smtClean="0"/>
-              <a:t>)</a:t>
-            </a:r>
-          </a:p>
-          <a:p>
-            <a:pPr>
-              <a:buFont typeface="Arial" pitchFamily="34" charset="0"/>
-              <a:buChar char="•"/>
-            </a:pPr>
-            <a:r>
-              <a:rPr lang="nb-NO" sz="1200" dirty="0" smtClean="0"/>
-              <a:t>General </a:t>
-            </a:r>
-            <a:r>
-              <a:rPr lang="nb-NO" sz="1200" dirty="0" err="1" smtClean="0"/>
-              <a:t>convoy</a:t>
-            </a:r>
-            <a:r>
-              <a:rPr lang="nb-NO" sz="1200" dirty="0" smtClean="0"/>
-              <a:t> </a:t>
-            </a:r>
-            <a:r>
-              <a:rPr lang="nb-NO" sz="1200" dirty="0" err="1" smtClean="0"/>
-              <a:t>movement</a:t>
-            </a:r>
-            <a:endParaRPr lang="nb-NO" sz="1200" dirty="0" smtClean="0"/>
-          </a:p>
-          <a:p>
-            <a:pPr lvl="1">
-              <a:buFont typeface="Arial" pitchFamily="34" charset="0"/>
-              <a:buChar char="•"/>
-            </a:pPr>
-            <a:r>
-              <a:rPr lang="nb-NO" sz="1200" dirty="0" err="1" smtClean="0"/>
-              <a:t>Upcoming</a:t>
-            </a:r>
-            <a:r>
-              <a:rPr lang="nb-NO" sz="1200" dirty="0" smtClean="0"/>
-              <a:t> action (offensive), in a </a:t>
-            </a:r>
-            <a:r>
-              <a:rPr lang="nb-NO" sz="1200" dirty="0" err="1" smtClean="0"/>
-              <a:t>certian</a:t>
-            </a:r>
-            <a:r>
-              <a:rPr lang="nb-NO" sz="1200" dirty="0" smtClean="0"/>
-              <a:t> </a:t>
-            </a:r>
-            <a:r>
-              <a:rPr lang="nb-NO" sz="1200" dirty="0" err="1" smtClean="0"/>
-              <a:t>amount</a:t>
-            </a:r>
-            <a:r>
-              <a:rPr lang="nb-NO" sz="1200" dirty="0" smtClean="0"/>
-              <a:t> </a:t>
-            </a:r>
-            <a:r>
-              <a:rPr lang="nb-NO" sz="1200" dirty="0" err="1" smtClean="0"/>
-              <a:t>of</a:t>
-            </a:r>
-            <a:r>
-              <a:rPr lang="nb-NO" sz="1200" dirty="0" smtClean="0"/>
-              <a:t> time</a:t>
-            </a:r>
           </a:p>
         </p:txBody>
       </p:sp>
@@ -11668,7 +10694,7 @@
           <a:p>
             <a:r>
               <a:rPr lang="en-US" dirty="0" smtClean="0"/>
-              <a:t>INTELLIGENCE GAPS</a:t>
+              <a:t>USE OF SHOCK BATTALIONS</a:t>
             </a:r>
             <a:endParaRPr lang="en-US" dirty="0"/>
           </a:p>
@@ -11676,23 +10702,20 @@
       </p:sp>
       <p:sp>
         <p:nvSpPr>
-          <p:cNvPr id="5" name="Rektangel 4"/>
+          <p:cNvPr id="7" name="Ellipse 6"/>
           <p:cNvSpPr/>
           <p:nvPr/>
         </p:nvSpPr>
         <p:spPr>
           <a:xfrm>
-            <a:off x="3428960" y="642924"/>
-            <a:ext cx="5715040" cy="4286280"/>
-          </a:xfrm>
-          <a:prstGeom prst="rect">
-            <a:avLst/>
-          </a:prstGeom>
-          <a:solidFill>
-            <a:schemeClr val="tx2">
-              <a:lumMod val="20000"/>
-              <a:lumOff val="80000"/>
-            </a:schemeClr>
+            <a:off x="-928726" y="1000114"/>
+            <a:ext cx="214314" cy="214314"/>
+          </a:xfrm>
+          <a:prstGeom prst="ellipse">
+            <a:avLst/>
+          </a:prstGeom>
+          <a:solidFill>
+            <a:srgbClr val="C00000"/>
           </a:solidFill>
           <a:ln>
             <a:solidFill>
@@ -11717,39 +10740,664 @@
           </a:fontRef>
         </p:style>
         <p:txBody>
-          <a:bodyPr rtlCol="0" anchor="ctr"/>
+          <a:bodyPr lIns="0" tIns="0" rIns="0" bIns="0" rtlCol="0" anchor="ctr"/>
           <a:lstStyle/>
           <a:p>
             <a:pPr algn="ctr"/>
             <a:r>
-              <a:rPr lang="nb-NO" dirty="0" smtClean="0"/>
-              <a:t>INSERT MAP HERE</a:t>
-            </a:r>
-            <a:endParaRPr lang="nb-NO" dirty="0"/>
-          </a:p>
-        </p:txBody>
-      </p:sp>
-      <p:sp>
-        <p:nvSpPr>
-          <p:cNvPr id="6" name="TekstSylinder 5"/>
-          <p:cNvSpPr txBox="1"/>
-          <p:nvPr/>
-        </p:nvSpPr>
-        <p:spPr>
-          <a:xfrm>
-            <a:off x="0" y="642924"/>
-            <a:ext cx="3428992" cy="4286280"/>
-          </a:xfrm>
-          <a:prstGeom prst="rect">
-            <a:avLst/>
-          </a:prstGeom>
-          <a:noFill/>
+              <a:rPr lang="nb-NO" sz="1200" dirty="0" smtClean="0"/>
+              <a:t>A</a:t>
+            </a:r>
+            <a:endParaRPr lang="nb-NO" sz="1200" dirty="0"/>
+          </a:p>
+        </p:txBody>
+      </p:sp>
+      <p:sp>
+        <p:nvSpPr>
+          <p:cNvPr id="8" name="Ellipse 7"/>
+          <p:cNvSpPr/>
+          <p:nvPr/>
+        </p:nvSpPr>
+        <p:spPr>
+          <a:xfrm>
+            <a:off x="-642974" y="1000114"/>
+            <a:ext cx="214314" cy="214314"/>
+          </a:xfrm>
+          <a:prstGeom prst="ellipse">
+            <a:avLst/>
+          </a:prstGeom>
+          <a:solidFill>
+            <a:srgbClr val="C00000"/>
+          </a:solidFill>
           <a:ln>
             <a:solidFill>
               <a:schemeClr val="tx1"/>
             </a:solidFill>
           </a:ln>
         </p:spPr>
+        <p:style>
+          <a:lnRef idx="2">
+            <a:schemeClr val="accent1">
+              <a:shade val="50000"/>
+            </a:schemeClr>
+          </a:lnRef>
+          <a:fillRef idx="1">
+            <a:schemeClr val="accent1"/>
+          </a:fillRef>
+          <a:effectRef idx="0">
+            <a:schemeClr val="accent1"/>
+          </a:effectRef>
+          <a:fontRef idx="minor">
+            <a:schemeClr val="lt1"/>
+          </a:fontRef>
+        </p:style>
+        <p:txBody>
+          <a:bodyPr lIns="0" tIns="0" rIns="0" bIns="0" rtlCol="0" anchor="ctr"/>
+          <a:lstStyle/>
+          <a:p>
+            <a:pPr algn="ctr"/>
+            <a:r>
+              <a:rPr lang="nb-NO" sz="1200" dirty="0" smtClean="0"/>
+              <a:t>A</a:t>
+            </a:r>
+            <a:endParaRPr lang="nb-NO" sz="1200" dirty="0"/>
+          </a:p>
+        </p:txBody>
+      </p:sp>
+      <p:sp>
+        <p:nvSpPr>
+          <p:cNvPr id="9" name="Ellipse 8"/>
+          <p:cNvSpPr/>
+          <p:nvPr/>
+        </p:nvSpPr>
+        <p:spPr>
+          <a:xfrm>
+            <a:off x="-928726" y="1285866"/>
+            <a:ext cx="214314" cy="214314"/>
+          </a:xfrm>
+          <a:prstGeom prst="ellipse">
+            <a:avLst/>
+          </a:prstGeom>
+          <a:solidFill>
+            <a:srgbClr val="C00000"/>
+          </a:solidFill>
+          <a:ln>
+            <a:solidFill>
+              <a:schemeClr val="tx1"/>
+            </a:solidFill>
+          </a:ln>
+        </p:spPr>
+        <p:style>
+          <a:lnRef idx="2">
+            <a:schemeClr val="accent1">
+              <a:shade val="50000"/>
+            </a:schemeClr>
+          </a:lnRef>
+          <a:fillRef idx="1">
+            <a:schemeClr val="accent1"/>
+          </a:fillRef>
+          <a:effectRef idx="0">
+            <a:schemeClr val="accent1"/>
+          </a:effectRef>
+          <a:fontRef idx="minor">
+            <a:schemeClr val="lt1"/>
+          </a:fontRef>
+        </p:style>
+        <p:txBody>
+          <a:bodyPr lIns="0" tIns="0" rIns="0" bIns="0" rtlCol="0" anchor="ctr"/>
+          <a:lstStyle/>
+          <a:p>
+            <a:pPr algn="ctr"/>
+            <a:r>
+              <a:rPr lang="nb-NO" sz="1200" dirty="0" smtClean="0"/>
+              <a:t>B</a:t>
+            </a:r>
+            <a:endParaRPr lang="nb-NO" sz="1200" dirty="0"/>
+          </a:p>
+        </p:txBody>
+      </p:sp>
+      <p:sp>
+        <p:nvSpPr>
+          <p:cNvPr id="10" name="Ellipse 9"/>
+          <p:cNvSpPr/>
+          <p:nvPr/>
+        </p:nvSpPr>
+        <p:spPr>
+          <a:xfrm>
+            <a:off x="-642974" y="1285866"/>
+            <a:ext cx="214314" cy="214314"/>
+          </a:xfrm>
+          <a:prstGeom prst="ellipse">
+            <a:avLst/>
+          </a:prstGeom>
+          <a:solidFill>
+            <a:srgbClr val="C00000"/>
+          </a:solidFill>
+          <a:ln>
+            <a:solidFill>
+              <a:schemeClr val="tx1"/>
+            </a:solidFill>
+          </a:ln>
+        </p:spPr>
+        <p:style>
+          <a:lnRef idx="2">
+            <a:schemeClr val="accent1">
+              <a:shade val="50000"/>
+            </a:schemeClr>
+          </a:lnRef>
+          <a:fillRef idx="1">
+            <a:schemeClr val="accent1"/>
+          </a:fillRef>
+          <a:effectRef idx="0">
+            <a:schemeClr val="accent1"/>
+          </a:effectRef>
+          <a:fontRef idx="minor">
+            <a:schemeClr val="lt1"/>
+          </a:fontRef>
+        </p:style>
+        <p:txBody>
+          <a:bodyPr lIns="0" tIns="0" rIns="0" bIns="0" rtlCol="0" anchor="ctr"/>
+          <a:lstStyle/>
+          <a:p>
+            <a:pPr algn="ctr"/>
+            <a:r>
+              <a:rPr lang="nb-NO" sz="1200" dirty="0" smtClean="0"/>
+              <a:t>B</a:t>
+            </a:r>
+            <a:endParaRPr lang="nb-NO" sz="1200" dirty="0"/>
+          </a:p>
+        </p:txBody>
+      </p:sp>
+      <p:sp>
+        <p:nvSpPr>
+          <p:cNvPr id="11" name="Ellipse 10"/>
+          <p:cNvSpPr/>
+          <p:nvPr/>
+        </p:nvSpPr>
+        <p:spPr>
+          <a:xfrm>
+            <a:off x="-928726" y="1571618"/>
+            <a:ext cx="214314" cy="214314"/>
+          </a:xfrm>
+          <a:prstGeom prst="ellipse">
+            <a:avLst/>
+          </a:prstGeom>
+          <a:solidFill>
+            <a:srgbClr val="C00000"/>
+          </a:solidFill>
+          <a:ln>
+            <a:solidFill>
+              <a:schemeClr val="tx1"/>
+            </a:solidFill>
+          </a:ln>
+        </p:spPr>
+        <p:style>
+          <a:lnRef idx="2">
+            <a:schemeClr val="accent1">
+              <a:shade val="50000"/>
+            </a:schemeClr>
+          </a:lnRef>
+          <a:fillRef idx="1">
+            <a:schemeClr val="accent1"/>
+          </a:fillRef>
+          <a:effectRef idx="0">
+            <a:schemeClr val="accent1"/>
+          </a:effectRef>
+          <a:fontRef idx="minor">
+            <a:schemeClr val="lt1"/>
+          </a:fontRef>
+        </p:style>
+        <p:txBody>
+          <a:bodyPr lIns="0" tIns="0" rIns="0" bIns="0" rtlCol="0" anchor="ctr"/>
+          <a:lstStyle/>
+          <a:p>
+            <a:pPr algn="ctr"/>
+            <a:r>
+              <a:rPr lang="nb-NO" sz="1200" dirty="0" smtClean="0"/>
+              <a:t>C</a:t>
+            </a:r>
+            <a:endParaRPr lang="nb-NO" sz="1200" dirty="0"/>
+          </a:p>
+        </p:txBody>
+      </p:sp>
+      <p:sp>
+        <p:nvSpPr>
+          <p:cNvPr id="12" name="Ellipse 11"/>
+          <p:cNvSpPr/>
+          <p:nvPr/>
+        </p:nvSpPr>
+        <p:spPr>
+          <a:xfrm>
+            <a:off x="-642974" y="1571618"/>
+            <a:ext cx="214314" cy="214314"/>
+          </a:xfrm>
+          <a:prstGeom prst="ellipse">
+            <a:avLst/>
+          </a:prstGeom>
+          <a:solidFill>
+            <a:srgbClr val="C00000"/>
+          </a:solidFill>
+          <a:ln>
+            <a:solidFill>
+              <a:schemeClr val="tx1"/>
+            </a:solidFill>
+          </a:ln>
+        </p:spPr>
+        <p:style>
+          <a:lnRef idx="2">
+            <a:schemeClr val="accent1">
+              <a:shade val="50000"/>
+            </a:schemeClr>
+          </a:lnRef>
+          <a:fillRef idx="1">
+            <a:schemeClr val="accent1"/>
+          </a:fillRef>
+          <a:effectRef idx="0">
+            <a:schemeClr val="accent1"/>
+          </a:effectRef>
+          <a:fontRef idx="minor">
+            <a:schemeClr val="lt1"/>
+          </a:fontRef>
+        </p:style>
+        <p:txBody>
+          <a:bodyPr lIns="0" tIns="0" rIns="0" bIns="0" rtlCol="0" anchor="ctr"/>
+          <a:lstStyle/>
+          <a:p>
+            <a:pPr algn="ctr"/>
+            <a:r>
+              <a:rPr lang="nb-NO" sz="1200" dirty="0" smtClean="0"/>
+              <a:t>C</a:t>
+            </a:r>
+            <a:endParaRPr lang="nb-NO" sz="1200" dirty="0"/>
+          </a:p>
+        </p:txBody>
+      </p:sp>
+      <p:sp>
+        <p:nvSpPr>
+          <p:cNvPr id="13" name="Ellipse 12"/>
+          <p:cNvSpPr/>
+          <p:nvPr/>
+        </p:nvSpPr>
+        <p:spPr>
+          <a:xfrm>
+            <a:off x="-928726" y="1857370"/>
+            <a:ext cx="214314" cy="214314"/>
+          </a:xfrm>
+          <a:prstGeom prst="ellipse">
+            <a:avLst/>
+          </a:prstGeom>
+          <a:solidFill>
+            <a:srgbClr val="C00000"/>
+          </a:solidFill>
+          <a:ln>
+            <a:solidFill>
+              <a:schemeClr val="tx1"/>
+            </a:solidFill>
+          </a:ln>
+        </p:spPr>
+        <p:style>
+          <a:lnRef idx="2">
+            <a:schemeClr val="accent1">
+              <a:shade val="50000"/>
+            </a:schemeClr>
+          </a:lnRef>
+          <a:fillRef idx="1">
+            <a:schemeClr val="accent1"/>
+          </a:fillRef>
+          <a:effectRef idx="0">
+            <a:schemeClr val="accent1"/>
+          </a:effectRef>
+          <a:fontRef idx="minor">
+            <a:schemeClr val="lt1"/>
+          </a:fontRef>
+        </p:style>
+        <p:txBody>
+          <a:bodyPr lIns="0" tIns="0" rIns="0" bIns="0" rtlCol="0" anchor="ctr"/>
+          <a:lstStyle/>
+          <a:p>
+            <a:pPr algn="ctr"/>
+            <a:r>
+              <a:rPr lang="nb-NO" sz="1200" dirty="0" smtClean="0"/>
+              <a:t>D</a:t>
+            </a:r>
+            <a:endParaRPr lang="nb-NO" sz="1200" dirty="0"/>
+          </a:p>
+        </p:txBody>
+      </p:sp>
+      <p:sp>
+        <p:nvSpPr>
+          <p:cNvPr id="14" name="Ellipse 13"/>
+          <p:cNvSpPr/>
+          <p:nvPr/>
+        </p:nvSpPr>
+        <p:spPr>
+          <a:xfrm>
+            <a:off x="-642974" y="1857370"/>
+            <a:ext cx="214314" cy="214314"/>
+          </a:xfrm>
+          <a:prstGeom prst="ellipse">
+            <a:avLst/>
+          </a:prstGeom>
+          <a:solidFill>
+            <a:srgbClr val="C00000"/>
+          </a:solidFill>
+          <a:ln>
+            <a:solidFill>
+              <a:schemeClr val="tx1"/>
+            </a:solidFill>
+          </a:ln>
+        </p:spPr>
+        <p:style>
+          <a:lnRef idx="2">
+            <a:schemeClr val="accent1">
+              <a:shade val="50000"/>
+            </a:schemeClr>
+          </a:lnRef>
+          <a:fillRef idx="1">
+            <a:schemeClr val="accent1"/>
+          </a:fillRef>
+          <a:effectRef idx="0">
+            <a:schemeClr val="accent1"/>
+          </a:effectRef>
+          <a:fontRef idx="minor">
+            <a:schemeClr val="lt1"/>
+          </a:fontRef>
+        </p:style>
+        <p:txBody>
+          <a:bodyPr lIns="0" tIns="0" rIns="0" bIns="0" rtlCol="0" anchor="ctr"/>
+          <a:lstStyle/>
+          <a:p>
+            <a:pPr algn="ctr"/>
+            <a:r>
+              <a:rPr lang="nb-NO" sz="1200" dirty="0" smtClean="0"/>
+              <a:t>D</a:t>
+            </a:r>
+            <a:endParaRPr lang="nb-NO" sz="1200" dirty="0"/>
+          </a:p>
+        </p:txBody>
+      </p:sp>
+      <p:sp>
+        <p:nvSpPr>
+          <p:cNvPr id="15" name="Ellipse 14"/>
+          <p:cNvSpPr/>
+          <p:nvPr/>
+        </p:nvSpPr>
+        <p:spPr>
+          <a:xfrm>
+            <a:off x="-928726" y="2143122"/>
+            <a:ext cx="214314" cy="214314"/>
+          </a:xfrm>
+          <a:prstGeom prst="ellipse">
+            <a:avLst/>
+          </a:prstGeom>
+          <a:solidFill>
+            <a:srgbClr val="C00000"/>
+          </a:solidFill>
+          <a:ln>
+            <a:solidFill>
+              <a:schemeClr val="tx1"/>
+            </a:solidFill>
+          </a:ln>
+        </p:spPr>
+        <p:style>
+          <a:lnRef idx="2">
+            <a:schemeClr val="accent1">
+              <a:shade val="50000"/>
+            </a:schemeClr>
+          </a:lnRef>
+          <a:fillRef idx="1">
+            <a:schemeClr val="accent1"/>
+          </a:fillRef>
+          <a:effectRef idx="0">
+            <a:schemeClr val="accent1"/>
+          </a:effectRef>
+          <a:fontRef idx="minor">
+            <a:schemeClr val="lt1"/>
+          </a:fontRef>
+        </p:style>
+        <p:txBody>
+          <a:bodyPr lIns="0" tIns="0" rIns="0" bIns="0" rtlCol="0" anchor="ctr"/>
+          <a:lstStyle/>
+          <a:p>
+            <a:pPr algn="ctr"/>
+            <a:r>
+              <a:rPr lang="nb-NO" sz="1200" dirty="0" smtClean="0"/>
+              <a:t>E</a:t>
+            </a:r>
+            <a:endParaRPr lang="nb-NO" sz="1200" dirty="0"/>
+          </a:p>
+        </p:txBody>
+      </p:sp>
+      <p:sp>
+        <p:nvSpPr>
+          <p:cNvPr id="16" name="Ellipse 15"/>
+          <p:cNvSpPr/>
+          <p:nvPr/>
+        </p:nvSpPr>
+        <p:spPr>
+          <a:xfrm>
+            <a:off x="-642974" y="2143122"/>
+            <a:ext cx="214314" cy="214314"/>
+          </a:xfrm>
+          <a:prstGeom prst="ellipse">
+            <a:avLst/>
+          </a:prstGeom>
+          <a:solidFill>
+            <a:srgbClr val="C00000"/>
+          </a:solidFill>
+          <a:ln>
+            <a:solidFill>
+              <a:schemeClr val="tx1"/>
+            </a:solidFill>
+          </a:ln>
+        </p:spPr>
+        <p:style>
+          <a:lnRef idx="2">
+            <a:schemeClr val="accent1">
+              <a:shade val="50000"/>
+            </a:schemeClr>
+          </a:lnRef>
+          <a:fillRef idx="1">
+            <a:schemeClr val="accent1"/>
+          </a:fillRef>
+          <a:effectRef idx="0">
+            <a:schemeClr val="accent1"/>
+          </a:effectRef>
+          <a:fontRef idx="minor">
+            <a:schemeClr val="lt1"/>
+          </a:fontRef>
+        </p:style>
+        <p:txBody>
+          <a:bodyPr lIns="0" tIns="0" rIns="0" bIns="0" rtlCol="0" anchor="ctr"/>
+          <a:lstStyle/>
+          <a:p>
+            <a:pPr algn="ctr"/>
+            <a:r>
+              <a:rPr lang="nb-NO" sz="1200" dirty="0" smtClean="0"/>
+              <a:t>E</a:t>
+            </a:r>
+            <a:endParaRPr lang="nb-NO" sz="1200" dirty="0"/>
+          </a:p>
+        </p:txBody>
+      </p:sp>
+      <p:sp>
+        <p:nvSpPr>
+          <p:cNvPr id="17" name="Ellipse 16"/>
+          <p:cNvSpPr/>
+          <p:nvPr/>
+        </p:nvSpPr>
+        <p:spPr>
+          <a:xfrm>
+            <a:off x="-928726" y="2428874"/>
+            <a:ext cx="214314" cy="214314"/>
+          </a:xfrm>
+          <a:prstGeom prst="ellipse">
+            <a:avLst/>
+          </a:prstGeom>
+          <a:solidFill>
+            <a:srgbClr val="C00000"/>
+          </a:solidFill>
+          <a:ln>
+            <a:solidFill>
+              <a:schemeClr val="tx1"/>
+            </a:solidFill>
+          </a:ln>
+        </p:spPr>
+        <p:style>
+          <a:lnRef idx="2">
+            <a:schemeClr val="accent1">
+              <a:shade val="50000"/>
+            </a:schemeClr>
+          </a:lnRef>
+          <a:fillRef idx="1">
+            <a:schemeClr val="accent1"/>
+          </a:fillRef>
+          <a:effectRef idx="0">
+            <a:schemeClr val="accent1"/>
+          </a:effectRef>
+          <a:fontRef idx="minor">
+            <a:schemeClr val="lt1"/>
+          </a:fontRef>
+        </p:style>
+        <p:txBody>
+          <a:bodyPr lIns="0" tIns="0" rIns="0" bIns="0" rtlCol="0" anchor="ctr"/>
+          <a:lstStyle/>
+          <a:p>
+            <a:pPr algn="ctr"/>
+            <a:r>
+              <a:rPr lang="nb-NO" sz="1200" dirty="0" smtClean="0"/>
+              <a:t>F</a:t>
+            </a:r>
+            <a:endParaRPr lang="nb-NO" sz="1200" dirty="0"/>
+          </a:p>
+        </p:txBody>
+      </p:sp>
+      <p:sp>
+        <p:nvSpPr>
+          <p:cNvPr id="18" name="Ellipse 17"/>
+          <p:cNvSpPr/>
+          <p:nvPr/>
+        </p:nvSpPr>
+        <p:spPr>
+          <a:xfrm>
+            <a:off x="-642974" y="2428874"/>
+            <a:ext cx="214314" cy="214314"/>
+          </a:xfrm>
+          <a:prstGeom prst="ellipse">
+            <a:avLst/>
+          </a:prstGeom>
+          <a:solidFill>
+            <a:srgbClr val="C00000"/>
+          </a:solidFill>
+          <a:ln>
+            <a:solidFill>
+              <a:schemeClr val="tx1"/>
+            </a:solidFill>
+          </a:ln>
+        </p:spPr>
+        <p:style>
+          <a:lnRef idx="2">
+            <a:schemeClr val="accent1">
+              <a:shade val="50000"/>
+            </a:schemeClr>
+          </a:lnRef>
+          <a:fillRef idx="1">
+            <a:schemeClr val="accent1"/>
+          </a:fillRef>
+          <a:effectRef idx="0">
+            <a:schemeClr val="accent1"/>
+          </a:effectRef>
+          <a:fontRef idx="minor">
+            <a:schemeClr val="lt1"/>
+          </a:fontRef>
+        </p:style>
+        <p:txBody>
+          <a:bodyPr lIns="0" tIns="0" rIns="0" bIns="0" rtlCol="0" anchor="ctr"/>
+          <a:lstStyle/>
+          <a:p>
+            <a:pPr algn="ctr"/>
+            <a:r>
+              <a:rPr lang="nb-NO" sz="1200" dirty="0" smtClean="0"/>
+              <a:t>F</a:t>
+            </a:r>
+            <a:endParaRPr lang="nb-NO" sz="1200" dirty="0"/>
+          </a:p>
+        </p:txBody>
+      </p:sp>
+    </p:spTree>
+  </p:cSld>
+  <p:clrMapOvr>
+    <a:masterClrMapping/>
+  </p:clrMapOvr>
+  <p:timing>
+    <p:tnLst>
+      <p:par>
+        <p:cTn id="1" dur="indefinite" restart="never" nodeType="tmRoot"/>
+      </p:par>
+    </p:tnLst>
+  </p:timing>
+</p:sld>
+</file>
+
+<file path=ppt/slides/slide9.xml><?xml version="1.0" encoding="utf-8"?>
+<p:sld xmlns:a="http://schemas.openxmlformats.org/drawingml/2006/main" xmlns:r="http://schemas.openxmlformats.org/officeDocument/2006/relationships" xmlns:p="http://schemas.openxmlformats.org/presentationml/2006/main">
+  <p:cSld>
+    <p:spTree>
+      <p:nvGrpSpPr>
+        <p:cNvPr id="1" name=""/>
+        <p:cNvGrpSpPr/>
+        <p:nvPr/>
+      </p:nvGrpSpPr>
+      <p:grpSpPr>
+        <a:xfrm>
+          <a:off x="0" y="0"/>
+          <a:ext cx="0" cy="0"/>
+          <a:chOff x="0" y="0"/>
+          <a:chExt cx="0" cy="0"/>
+        </a:xfrm>
+      </p:grpSpPr>
+      <p:sp>
+        <p:nvSpPr>
+          <p:cNvPr id="2" name="Tittel 1"/>
+          <p:cNvSpPr>
+            <a:spLocks noGrp="1"/>
+          </p:cNvSpPr>
+          <p:nvPr>
+            <p:ph type="title"/>
+          </p:nvPr>
+        </p:nvSpPr>
+        <p:spPr/>
+        <p:txBody>
+          <a:bodyPr/>
+          <a:lstStyle/>
+          <a:p>
+            <a:r>
+              <a:rPr lang="en-US" dirty="0" smtClean="0"/>
+              <a:t>INDICATORS</a:t>
+            </a:r>
+            <a:endParaRPr lang="en-US" dirty="0"/>
+          </a:p>
+        </p:txBody>
+      </p:sp>
+      <p:sp>
+        <p:nvSpPr>
+          <p:cNvPr id="6" name="TekstSylinder 5"/>
+          <p:cNvSpPr txBox="1"/>
+          <p:nvPr/>
+        </p:nvSpPr>
+        <p:spPr>
+          <a:xfrm>
+            <a:off x="0" y="642924"/>
+            <a:ext cx="8786842" cy="4286280"/>
+          </a:xfrm>
+          <a:prstGeom prst="rect">
+            <a:avLst/>
+          </a:prstGeom>
+          <a:noFill/>
+          <a:ln>
+            <a:noFill/>
+          </a:ln>
+        </p:spPr>
         <p:txBody>
           <a:bodyPr wrap="square" rtlCol="0">
             <a:normAutofit/>
@@ -11757,16 +11405,120 @@
           <a:lstStyle/>
           <a:p>
             <a:pPr>
-              <a:buFontTx/>
-              <a:buChar char="-"/>
+              <a:buFont typeface="Arial" pitchFamily="34" charset="0"/>
+              <a:buChar char="•"/>
             </a:pPr>
             <a:r>
+              <a:rPr lang="nb-NO" sz="1200" dirty="0" smtClean="0"/>
+              <a:t>BM-21 </a:t>
+            </a:r>
+            <a:r>
               <a:rPr lang="nb-NO" sz="1200" dirty="0" err="1" smtClean="0"/>
-              <a:t>Provide</a:t>
-            </a:r>
-            <a:r>
-              <a:rPr lang="nb-NO" sz="1200" dirty="0" smtClean="0"/>
-              <a:t> a list </a:t>
+              <a:t>launch</a:t>
+            </a:r>
+            <a:r>
+              <a:rPr lang="nb-NO" sz="1200" dirty="0" smtClean="0"/>
+              <a:t> or </a:t>
+            </a:r>
+            <a:r>
+              <a:rPr lang="nb-NO" sz="1200" dirty="0" err="1" smtClean="0"/>
+              <a:t>movement</a:t>
+            </a:r>
+            <a:r>
+              <a:rPr lang="nb-NO" sz="1200" dirty="0" smtClean="0"/>
+              <a:t> </a:t>
+            </a:r>
+            <a:r>
+              <a:rPr lang="nb-NO" sz="1200" dirty="0" err="1" smtClean="0"/>
+              <a:t>into</a:t>
+            </a:r>
+            <a:r>
+              <a:rPr lang="nb-NO" sz="1200" dirty="0" smtClean="0"/>
+              <a:t> firing </a:t>
+            </a:r>
+            <a:r>
+              <a:rPr lang="nb-NO" sz="1200" dirty="0" err="1" smtClean="0"/>
+              <a:t>positions</a:t>
+            </a:r>
+            <a:r>
+              <a:rPr lang="nb-NO" sz="1200" dirty="0" smtClean="0"/>
+              <a:t>. </a:t>
+            </a:r>
+          </a:p>
+          <a:p>
+            <a:pPr lvl="1">
+              <a:buFont typeface="Arial" pitchFamily="34" charset="0"/>
+              <a:buChar char="•"/>
+            </a:pPr>
+            <a:r>
+              <a:rPr lang="nb-NO" sz="1200" dirty="0" smtClean="0"/>
+              <a:t>Preparing offensive / </a:t>
+            </a:r>
+            <a:r>
+              <a:rPr lang="nb-NO" sz="1200" dirty="0" err="1" smtClean="0"/>
+              <a:t>Attack</a:t>
+            </a:r>
+            <a:endParaRPr lang="nb-NO" sz="1200" dirty="0" smtClean="0"/>
+          </a:p>
+          <a:p>
+            <a:pPr>
+              <a:buFont typeface="Arial" pitchFamily="34" charset="0"/>
+              <a:buChar char="•"/>
+            </a:pPr>
+            <a:r>
+              <a:rPr lang="nb-NO" sz="1200" dirty="0" smtClean="0"/>
+              <a:t>RW </a:t>
+            </a:r>
+            <a:r>
+              <a:rPr lang="nb-NO" sz="1200" dirty="0" err="1" smtClean="0"/>
+              <a:t>activity</a:t>
+            </a:r>
+            <a:r>
+              <a:rPr lang="nb-NO" sz="1200" dirty="0" smtClean="0"/>
+              <a:t> </a:t>
+            </a:r>
+            <a:r>
+              <a:rPr lang="nb-NO" sz="1200" dirty="0" err="1" smtClean="0"/>
+              <a:t>deep</a:t>
+            </a:r>
+            <a:r>
+              <a:rPr lang="nb-NO" sz="1200" dirty="0" smtClean="0"/>
+              <a:t> </a:t>
+            </a:r>
+            <a:r>
+              <a:rPr lang="nb-NO" sz="1200" dirty="0" err="1" smtClean="0"/>
+              <a:t>into</a:t>
+            </a:r>
+            <a:r>
+              <a:rPr lang="nb-NO" sz="1200" dirty="0" smtClean="0"/>
+              <a:t> </a:t>
+            </a:r>
+            <a:r>
+              <a:rPr lang="nb-NO" sz="1200" dirty="0" err="1" smtClean="0"/>
+              <a:t>enemy</a:t>
+            </a:r>
+            <a:r>
+              <a:rPr lang="nb-NO" sz="1200" dirty="0" smtClean="0"/>
+              <a:t> </a:t>
+            </a:r>
+            <a:r>
+              <a:rPr lang="nb-NO" sz="1200" dirty="0" err="1" smtClean="0"/>
+              <a:t>territory</a:t>
+            </a:r>
+            <a:endParaRPr lang="nb-NO" sz="1200" dirty="0" smtClean="0"/>
+          </a:p>
+          <a:p>
+            <a:pPr lvl="1">
+              <a:buFont typeface="Arial" pitchFamily="34" charset="0"/>
+              <a:buChar char="•"/>
+            </a:pPr>
+            <a:r>
+              <a:rPr lang="nb-NO" sz="1200" dirty="0" err="1" smtClean="0"/>
+              <a:t>Insertion</a:t>
+            </a:r>
+            <a:r>
+              <a:rPr lang="nb-NO" sz="1200" dirty="0" smtClean="0"/>
+              <a:t> </a:t>
             </a:r>
             <a:r>
               <a:rPr lang="nb-NO" sz="1200" dirty="0" err="1" smtClean="0"/>
@@ -11774,19 +11526,135 @@
             </a:r>
             <a:r>
               <a:rPr lang="nb-NO" sz="1200" dirty="0" smtClean="0"/>
+              <a:t> Long Range </a:t>
+            </a:r>
+            <a:r>
+              <a:rPr lang="nb-NO" sz="1200" dirty="0" err="1" smtClean="0"/>
+              <a:t>Recon</a:t>
+            </a:r>
+            <a:endParaRPr lang="nb-NO" sz="1200" dirty="0" smtClean="0"/>
+          </a:p>
+          <a:p>
+            <a:pPr>
+              <a:buFont typeface="Arial" pitchFamily="34" charset="0"/>
+              <a:buChar char="•"/>
+            </a:pPr>
+            <a:r>
+              <a:rPr lang="nb-NO" sz="1200" dirty="0" smtClean="0"/>
+              <a:t>FW (transport) </a:t>
+            </a:r>
+            <a:r>
+              <a:rPr lang="nb-NO" sz="1200" dirty="0" err="1" smtClean="0"/>
+              <a:t>activity</a:t>
+            </a:r>
+            <a:r>
+              <a:rPr lang="nb-NO" sz="1200" dirty="0" smtClean="0"/>
               <a:t> </a:t>
             </a:r>
             <a:r>
               <a:rPr lang="nb-NO" sz="1200" dirty="0" err="1" smtClean="0"/>
-              <a:t>questions</a:t>
-            </a:r>
-            <a:r>
-              <a:rPr lang="nb-NO" sz="1200" dirty="0" smtClean="0"/>
-              <a:t> or gaps in </a:t>
+              <a:t>deep</a:t>
+            </a:r>
+            <a:r>
+              <a:rPr lang="nb-NO" sz="1200" dirty="0" smtClean="0"/>
+              <a:t> </a:t>
             </a:r>
             <a:r>
               <a:rPr lang="nb-NO" sz="1200" dirty="0" err="1" smtClean="0"/>
-              <a:t>intelligence</a:t>
+              <a:t>into</a:t>
+            </a:r>
+            <a:r>
+              <a:rPr lang="nb-NO" sz="1200" dirty="0" smtClean="0"/>
+              <a:t> </a:t>
+            </a:r>
+            <a:r>
+              <a:rPr lang="nb-NO" sz="1200" dirty="0" err="1" smtClean="0"/>
+              <a:t>enemy</a:t>
+            </a:r>
+            <a:r>
+              <a:rPr lang="nb-NO" sz="1200" dirty="0" smtClean="0"/>
+              <a:t> </a:t>
+            </a:r>
+            <a:r>
+              <a:rPr lang="nb-NO" sz="1200" dirty="0" err="1" smtClean="0"/>
+              <a:t>territory</a:t>
+            </a:r>
+            <a:endParaRPr lang="nb-NO" sz="1200" dirty="0" smtClean="0"/>
+          </a:p>
+          <a:p>
+            <a:pPr lvl="1">
+              <a:buFont typeface="Arial" pitchFamily="34" charset="0"/>
+              <a:buChar char="•"/>
+            </a:pPr>
+            <a:r>
+              <a:rPr lang="nb-NO" sz="1200" dirty="0" err="1" smtClean="0"/>
+              <a:t>Airborne</a:t>
+            </a:r>
+            <a:r>
+              <a:rPr lang="nb-NO" sz="1200" dirty="0" smtClean="0"/>
+              <a:t> </a:t>
+            </a:r>
+            <a:r>
+              <a:rPr lang="nb-NO" sz="1200" dirty="0" err="1" smtClean="0"/>
+              <a:t>Assault</a:t>
+            </a:r>
+            <a:r>
+              <a:rPr lang="nb-NO" sz="1200" dirty="0" smtClean="0"/>
+              <a:t> ( </a:t>
+            </a:r>
+            <a:r>
+              <a:rPr lang="nb-NO" sz="1200" dirty="0" err="1" smtClean="0"/>
+              <a:t>Many</a:t>
+            </a:r>
+            <a:r>
+              <a:rPr lang="nb-NO" sz="1200" dirty="0" smtClean="0"/>
+              <a:t> FW transports)</a:t>
+            </a:r>
+          </a:p>
+          <a:p>
+            <a:pPr lvl="1">
+              <a:buFont typeface="Arial" pitchFamily="34" charset="0"/>
+              <a:buChar char="•"/>
+            </a:pPr>
+            <a:r>
+              <a:rPr lang="nb-NO" sz="1200" dirty="0" smtClean="0"/>
+              <a:t>Long range </a:t>
+            </a:r>
+            <a:r>
+              <a:rPr lang="nb-NO" sz="1200" dirty="0" err="1" smtClean="0"/>
+              <a:t>Recon</a:t>
+            </a:r>
+            <a:r>
+              <a:rPr lang="nb-NO" sz="1200" dirty="0" smtClean="0"/>
+              <a:t> ( </a:t>
+            </a:r>
+            <a:r>
+              <a:rPr lang="nb-NO" sz="1200" dirty="0" err="1" smtClean="0"/>
+              <a:t>If</a:t>
+            </a:r>
+            <a:r>
+              <a:rPr lang="nb-NO" sz="1200" dirty="0" smtClean="0"/>
+              <a:t> </a:t>
+            </a:r>
+            <a:r>
+              <a:rPr lang="nb-NO" sz="1200" dirty="0" err="1" smtClean="0"/>
+              <a:t>only</a:t>
+            </a:r>
+            <a:r>
+              <a:rPr lang="nb-NO" sz="1200" dirty="0" smtClean="0"/>
+              <a:t> a single AC is in </a:t>
+            </a:r>
+            <a:r>
+              <a:rPr lang="nb-NO" sz="1200" dirty="0" err="1" smtClean="0"/>
+              <a:t>use</a:t>
+            </a:r>
+            <a:r>
+              <a:rPr lang="nb-NO" sz="1200" dirty="0" smtClean="0"/>
+              <a:t>, or flying </a:t>
+            </a:r>
+            <a:r>
+              <a:rPr lang="nb-NO" sz="1200" dirty="0" err="1" smtClean="0"/>
+              <a:t>tactical</a:t>
             </a:r>
             <a:r>
               <a:rPr lang="nb-NO" sz="1200" dirty="0" smtClean="0"/>
@@ -11794,7 +11662,7 @@
             </a:r>
             <a:r>
               <a:rPr lang="nb-NO" sz="1200" dirty="0" err="1" smtClean="0"/>
-              <a:t>where</a:t>
+              <a:t>low</a:t>
             </a:r>
             <a:r>
               <a:rPr lang="nb-NO" sz="1200" dirty="0" smtClean="0"/>
@@ -11802,7 +11670,29 @@
             </a:r>
             <a:r>
               <a:rPr lang="nb-NO" sz="1200" dirty="0" err="1" smtClean="0"/>
-              <a:t>taskings</a:t>
+              <a:t>level</a:t>
+            </a:r>
+            <a:r>
+              <a:rPr lang="nb-NO" sz="1200" dirty="0" smtClean="0"/>
+              <a:t>)</a:t>
+            </a:r>
+          </a:p>
+          <a:p>
+            <a:pPr>
+              <a:buFont typeface="Arial" pitchFamily="34" charset="0"/>
+              <a:buChar char="•"/>
+            </a:pPr>
+            <a:r>
+              <a:rPr lang="nb-NO" sz="1200" dirty="0" err="1" smtClean="0"/>
+              <a:t>Artillery</a:t>
+            </a:r>
+            <a:r>
+              <a:rPr lang="nb-NO" sz="1200" dirty="0" smtClean="0"/>
+              <a:t> at a </a:t>
+            </a:r>
+            <a:r>
+              <a:rPr lang="nb-NO" sz="1200" dirty="0" err="1" smtClean="0"/>
+              <a:t>certain</a:t>
             </a:r>
             <a:r>
               <a:rPr lang="nb-NO" sz="1200" dirty="0" smtClean="0"/>
@@ -11810,23 +11700,88 @@
             </a:r>
             <a:r>
               <a:rPr lang="nb-NO" sz="1200" dirty="0" err="1" smtClean="0"/>
-              <a:t>can</a:t>
-            </a:r>
-            <a:r>
-              <a:rPr lang="nb-NO" sz="1200" dirty="0" smtClean="0"/>
-              <a:t> be </a:t>
+              <a:t>point</a:t>
+            </a:r>
+            <a:r>
+              <a:rPr lang="nb-NO" sz="1200" dirty="0" smtClean="0"/>
+              <a:t> (</a:t>
             </a:r>
             <a:r>
               <a:rPr lang="nb-NO" sz="1200" dirty="0" err="1" smtClean="0"/>
-              <a:t>generated</a:t>
-            </a:r>
-            <a:r>
-              <a:rPr lang="nb-NO" sz="1200" dirty="0" smtClean="0"/>
-              <a:t> to </a:t>
-            </a:r>
+              <a:t>point</a:t>
+            </a:r>
+            <a:r>
+              <a:rPr lang="nb-NO" sz="1200" dirty="0" smtClean="0"/>
+              <a:t> target)</a:t>
+            </a:r>
+          </a:p>
+          <a:p>
+            <a:pPr lvl="1">
+              <a:buFont typeface="Arial" pitchFamily="34" charset="0"/>
+              <a:buChar char="•"/>
+            </a:pPr>
             <a:r>
               <a:rPr lang="nb-NO" sz="1200" dirty="0" err="1" smtClean="0"/>
-              <a:t>collect</a:t>
+              <a:t>Trying</a:t>
+            </a:r>
+            <a:r>
+              <a:rPr lang="nb-NO" sz="1200" dirty="0" smtClean="0"/>
+              <a:t> to kill the target</a:t>
+            </a:r>
+          </a:p>
+          <a:p>
+            <a:pPr>
+              <a:buFont typeface="Arial" pitchFamily="34" charset="0"/>
+              <a:buChar char="•"/>
+            </a:pPr>
+            <a:r>
+              <a:rPr lang="nb-NO" sz="1200" dirty="0" err="1" smtClean="0"/>
+              <a:t>Artillery</a:t>
+            </a:r>
+            <a:r>
+              <a:rPr lang="nb-NO" sz="1200" dirty="0" smtClean="0"/>
+              <a:t> at an area</a:t>
+            </a:r>
+          </a:p>
+          <a:p>
+            <a:pPr lvl="1">
+              <a:buFont typeface="Arial" pitchFamily="34" charset="0"/>
+              <a:buChar char="•"/>
+            </a:pPr>
+            <a:r>
+              <a:rPr lang="nb-NO" sz="1200" dirty="0" err="1" smtClean="0"/>
+              <a:t>Suppression</a:t>
+            </a:r>
+            <a:r>
+              <a:rPr lang="nb-NO" sz="1200" dirty="0" smtClean="0"/>
+              <a:t>, to cover for </a:t>
+            </a:r>
+            <a:r>
+              <a:rPr lang="nb-NO" sz="1200" dirty="0" err="1" smtClean="0"/>
+              <a:t>movement</a:t>
+            </a:r>
+            <a:r>
+              <a:rPr lang="nb-NO" sz="1200" dirty="0" smtClean="0"/>
+              <a:t> / </a:t>
+            </a:r>
+            <a:r>
+              <a:rPr lang="nb-NO" sz="1200" dirty="0" err="1" smtClean="0"/>
+              <a:t>attack</a:t>
+            </a:r>
+            <a:endParaRPr lang="nb-NO" sz="1200" dirty="0" smtClean="0"/>
+          </a:p>
+          <a:p>
+            <a:pPr>
+              <a:buFont typeface="Arial" pitchFamily="34" charset="0"/>
+              <a:buChar char="•"/>
+            </a:pPr>
+            <a:r>
+              <a:rPr lang="nb-NO" sz="1200" dirty="0" smtClean="0"/>
+              <a:t>Fill </a:t>
+            </a:r>
+            <a:r>
+              <a:rPr lang="nb-NO" sz="1200" dirty="0" err="1" smtClean="0"/>
+              <a:t>out</a:t>
             </a:r>
             <a:r>
               <a:rPr lang="nb-NO" sz="1200" dirty="0" smtClean="0"/>
@@ -11834,9 +11789,134 @@
             </a:r>
             <a:r>
               <a:rPr lang="nb-NO" sz="1200" dirty="0" err="1" smtClean="0"/>
-              <a:t>information</a:t>
-            </a:r>
-            <a:endParaRPr lang="nb-NO" sz="1200" dirty="0"/>
+              <a:t>many</a:t>
+            </a:r>
+            <a:r>
+              <a:rPr lang="nb-NO" sz="1200" dirty="0" smtClean="0"/>
+              <a:t> more…..</a:t>
+            </a:r>
+          </a:p>
+          <a:p>
+            <a:pPr>
+              <a:buFont typeface="Arial" pitchFamily="34" charset="0"/>
+              <a:buChar char="•"/>
+            </a:pPr>
+            <a:endParaRPr lang="nb-NO" sz="1200" dirty="0" smtClean="0"/>
+          </a:p>
+          <a:p>
+            <a:pPr>
+              <a:buFont typeface="Arial" pitchFamily="34" charset="0"/>
+              <a:buChar char="•"/>
+            </a:pPr>
+            <a:r>
+              <a:rPr lang="nb-NO" sz="1200" dirty="0" err="1" smtClean="0"/>
+              <a:t>Artillery</a:t>
+            </a:r>
+            <a:r>
+              <a:rPr lang="nb-NO" sz="1200" dirty="0" smtClean="0"/>
+              <a:t> </a:t>
+            </a:r>
+            <a:r>
+              <a:rPr lang="nb-NO" sz="1200" dirty="0" err="1" smtClean="0"/>
+              <a:t>units</a:t>
+            </a:r>
+            <a:r>
+              <a:rPr lang="nb-NO" sz="1200" dirty="0" smtClean="0"/>
+              <a:t> in firing </a:t>
+            </a:r>
+            <a:r>
+              <a:rPr lang="nb-NO" sz="1200" dirty="0" err="1" smtClean="0"/>
+              <a:t>position</a:t>
+            </a:r>
+            <a:r>
+              <a:rPr lang="nb-NO" sz="1200" dirty="0" smtClean="0"/>
+              <a:t> (</a:t>
+            </a:r>
+            <a:r>
+              <a:rPr lang="nb-NO" sz="1200" dirty="0" err="1" smtClean="0"/>
+              <a:t>spread</a:t>
+            </a:r>
+            <a:r>
+              <a:rPr lang="nb-NO" sz="1200" dirty="0" smtClean="0"/>
+              <a:t> </a:t>
+            </a:r>
+            <a:r>
+              <a:rPr lang="nb-NO" sz="1200" dirty="0" err="1" smtClean="0"/>
+              <a:t>out</a:t>
+            </a:r>
+            <a:r>
+              <a:rPr lang="nb-NO" sz="1200" dirty="0" smtClean="0"/>
+              <a:t>, IAW a </a:t>
+            </a:r>
+            <a:r>
+              <a:rPr lang="nb-NO" sz="1200" dirty="0" err="1" smtClean="0"/>
+              <a:t>template</a:t>
+            </a:r>
+            <a:r>
+              <a:rPr lang="nb-NO" sz="1200" dirty="0" smtClean="0"/>
+              <a:t>)</a:t>
+            </a:r>
+          </a:p>
+          <a:p>
+            <a:pPr>
+              <a:buFont typeface="Arial" pitchFamily="34" charset="0"/>
+              <a:buChar char="•"/>
+            </a:pPr>
+            <a:r>
+              <a:rPr lang="nb-NO" sz="1200" dirty="0" smtClean="0"/>
+              <a:t>General </a:t>
+            </a:r>
+            <a:r>
+              <a:rPr lang="nb-NO" sz="1200" dirty="0" err="1" smtClean="0"/>
+              <a:t>convoy</a:t>
+            </a:r>
+            <a:r>
+              <a:rPr lang="nb-NO" sz="1200" dirty="0" smtClean="0"/>
+              <a:t> </a:t>
+            </a:r>
+            <a:r>
+              <a:rPr lang="nb-NO" sz="1200" dirty="0" err="1" smtClean="0"/>
+              <a:t>movement</a:t>
+            </a:r>
+            <a:endParaRPr lang="nb-NO" sz="1200" dirty="0" smtClean="0"/>
+          </a:p>
+          <a:p>
+            <a:pPr lvl="1">
+              <a:buFont typeface="Arial" pitchFamily="34" charset="0"/>
+              <a:buChar char="•"/>
+            </a:pPr>
+            <a:r>
+              <a:rPr lang="nb-NO" sz="1200" dirty="0" err="1" smtClean="0"/>
+              <a:t>Upcoming</a:t>
+            </a:r>
+            <a:r>
+              <a:rPr lang="nb-NO" sz="1200" dirty="0" smtClean="0"/>
+              <a:t> action (offensive), in a </a:t>
+            </a:r>
+            <a:r>
+              <a:rPr lang="nb-NO" sz="1200" dirty="0" err="1" smtClean="0"/>
+              <a:t>certian</a:t>
+            </a:r>
+            <a:r>
+              <a:rPr lang="nb-NO" sz="1200" dirty="0" smtClean="0"/>
+              <a:t> </a:t>
+            </a:r>
+            <a:r>
+              <a:rPr lang="nb-NO" sz="1200" dirty="0" err="1" smtClean="0"/>
+              <a:t>amount</a:t>
+            </a:r>
+            <a:r>
+              <a:rPr lang="nb-NO" sz="1200" dirty="0" smtClean="0"/>
+              <a:t> </a:t>
+            </a:r>
+            <a:r>
+              <a:rPr lang="nb-NO" sz="1200" dirty="0" err="1" smtClean="0"/>
+              <a:t>of</a:t>
+            </a:r>
+            <a:r>
+              <a:rPr lang="nb-NO" sz="1200" dirty="0" smtClean="0"/>
+              <a:t> time</a:t>
+            </a:r>
           </a:p>
         </p:txBody>
       </p:sp>

--- a/OPAR/INTREP VIS OPAR-001 - Syrian ground combat tactics.pptx
+++ b/OPAR/INTREP VIS OPAR-001 - Syrian ground combat tactics.pptx
@@ -5,7 +5,7 @@
     <p:sldMasterId id="2147483648" r:id="rId1"/>
   </p:sldMasterIdLst>
   <p:notesMasterIdLst>
-    <p:notesMasterId r:id="rId12"/>
+    <p:notesMasterId r:id="rId13"/>
   </p:notesMasterIdLst>
   <p:sldIdLst>
     <p:sldId id="257" r:id="rId2"/>
@@ -14,10 +14,11 @@
     <p:sldId id="362" r:id="rId5"/>
     <p:sldId id="371" r:id="rId6"/>
     <p:sldId id="372" r:id="rId7"/>
-    <p:sldId id="369" r:id="rId8"/>
-    <p:sldId id="368" r:id="rId9"/>
-    <p:sldId id="367" r:id="rId10"/>
-    <p:sldId id="365" r:id="rId11"/>
+    <p:sldId id="373" r:id="rId8"/>
+    <p:sldId id="369" r:id="rId9"/>
+    <p:sldId id="368" r:id="rId10"/>
+    <p:sldId id="367" r:id="rId11"/>
+    <p:sldId id="365" r:id="rId12"/>
   </p:sldIdLst>
   <p:sldSz cx="9144000" cy="5143500" type="screen16x9"/>
   <p:notesSz cx="6858000" cy="9144000"/>
@@ -202,7 +203,7 @@
             <a:fld id="{40637A30-8EE1-4060-9976-8832FC89EE34}" type="datetimeFigureOut">
               <a:rPr lang="nb-NO" smtClean="0"/>
               <a:pPr/>
-              <a:t>18.07.2020</a:t>
+              <a:t>31.07.2020</a:t>
             </a:fld>
             <a:endParaRPr lang="nb-NO"/>
           </a:p>
@@ -4254,6 +4255,1226 @@
           <a:p>
             <a:r>
               <a:rPr lang="en-US" dirty="0" smtClean="0"/>
+              <a:t>INDICATORS</a:t>
+            </a:r>
+            <a:endParaRPr lang="en-US" dirty="0"/>
+          </a:p>
+        </p:txBody>
+      </p:sp>
+      <p:sp>
+        <p:nvSpPr>
+          <p:cNvPr id="6" name="TekstSylinder 5"/>
+          <p:cNvSpPr txBox="1"/>
+          <p:nvPr/>
+        </p:nvSpPr>
+        <p:spPr>
+          <a:xfrm>
+            <a:off x="0" y="642924"/>
+            <a:ext cx="8786842" cy="4286280"/>
+          </a:xfrm>
+          <a:prstGeom prst="rect">
+            <a:avLst/>
+          </a:prstGeom>
+          <a:noFill/>
+          <a:ln>
+            <a:noFill/>
+          </a:ln>
+        </p:spPr>
+        <p:txBody>
+          <a:bodyPr wrap="square" rtlCol="0">
+            <a:normAutofit/>
+          </a:bodyPr>
+          <a:lstStyle/>
+          <a:p>
+            <a:pPr>
+              <a:buFont typeface="Arial" pitchFamily="34" charset="0"/>
+              <a:buChar char="•"/>
+            </a:pPr>
+            <a:r>
+              <a:rPr lang="nb-NO" sz="1200" dirty="0" smtClean="0"/>
+              <a:t>BM-21 </a:t>
+            </a:r>
+            <a:r>
+              <a:rPr lang="nb-NO" sz="1200" dirty="0" err="1" smtClean="0"/>
+              <a:t>launch</a:t>
+            </a:r>
+            <a:r>
+              <a:rPr lang="nb-NO" sz="1200" dirty="0" smtClean="0"/>
+              <a:t> or </a:t>
+            </a:r>
+            <a:r>
+              <a:rPr lang="nb-NO" sz="1200" dirty="0" err="1" smtClean="0"/>
+              <a:t>movement</a:t>
+            </a:r>
+            <a:r>
+              <a:rPr lang="nb-NO" sz="1200" dirty="0" smtClean="0"/>
+              <a:t> </a:t>
+            </a:r>
+            <a:r>
+              <a:rPr lang="nb-NO" sz="1200" dirty="0" err="1" smtClean="0"/>
+              <a:t>into</a:t>
+            </a:r>
+            <a:r>
+              <a:rPr lang="nb-NO" sz="1200" dirty="0" smtClean="0"/>
+              <a:t> firing </a:t>
+            </a:r>
+            <a:r>
+              <a:rPr lang="nb-NO" sz="1200" dirty="0" err="1" smtClean="0"/>
+              <a:t>positions</a:t>
+            </a:r>
+            <a:r>
+              <a:rPr lang="nb-NO" sz="1200" dirty="0" smtClean="0"/>
+              <a:t>. </a:t>
+            </a:r>
+          </a:p>
+          <a:p>
+            <a:pPr lvl="1">
+              <a:buFont typeface="Arial" pitchFamily="34" charset="0"/>
+              <a:buChar char="•"/>
+            </a:pPr>
+            <a:r>
+              <a:rPr lang="nb-NO" sz="1200" dirty="0" smtClean="0"/>
+              <a:t>Preparing offensive / </a:t>
+            </a:r>
+            <a:r>
+              <a:rPr lang="nb-NO" sz="1200" dirty="0" err="1" smtClean="0"/>
+              <a:t>Attack</a:t>
+            </a:r>
+            <a:endParaRPr lang="nb-NO" sz="1200" dirty="0" smtClean="0"/>
+          </a:p>
+          <a:p>
+            <a:pPr>
+              <a:buFont typeface="Arial" pitchFamily="34" charset="0"/>
+              <a:buChar char="•"/>
+            </a:pPr>
+            <a:r>
+              <a:rPr lang="nb-NO" sz="1200" dirty="0" smtClean="0"/>
+              <a:t>RW </a:t>
+            </a:r>
+            <a:r>
+              <a:rPr lang="nb-NO" sz="1200" dirty="0" err="1" smtClean="0"/>
+              <a:t>activity</a:t>
+            </a:r>
+            <a:r>
+              <a:rPr lang="nb-NO" sz="1200" dirty="0" smtClean="0"/>
+              <a:t> </a:t>
+            </a:r>
+            <a:r>
+              <a:rPr lang="nb-NO" sz="1200" dirty="0" err="1" smtClean="0"/>
+              <a:t>deep</a:t>
+            </a:r>
+            <a:r>
+              <a:rPr lang="nb-NO" sz="1200" dirty="0" smtClean="0"/>
+              <a:t> </a:t>
+            </a:r>
+            <a:r>
+              <a:rPr lang="nb-NO" sz="1200" dirty="0" err="1" smtClean="0"/>
+              <a:t>into</a:t>
+            </a:r>
+            <a:r>
+              <a:rPr lang="nb-NO" sz="1200" dirty="0" smtClean="0"/>
+              <a:t> </a:t>
+            </a:r>
+            <a:r>
+              <a:rPr lang="nb-NO" sz="1200" dirty="0" err="1" smtClean="0"/>
+              <a:t>enemy</a:t>
+            </a:r>
+            <a:r>
+              <a:rPr lang="nb-NO" sz="1200" dirty="0" smtClean="0"/>
+              <a:t> </a:t>
+            </a:r>
+            <a:r>
+              <a:rPr lang="nb-NO" sz="1200" dirty="0" err="1" smtClean="0"/>
+              <a:t>territory</a:t>
+            </a:r>
+            <a:endParaRPr lang="nb-NO" sz="1200" dirty="0" smtClean="0"/>
+          </a:p>
+          <a:p>
+            <a:pPr lvl="1">
+              <a:buFont typeface="Arial" pitchFamily="34" charset="0"/>
+              <a:buChar char="•"/>
+            </a:pPr>
+            <a:r>
+              <a:rPr lang="nb-NO" sz="1200" dirty="0" err="1" smtClean="0"/>
+              <a:t>Insertion</a:t>
+            </a:r>
+            <a:r>
+              <a:rPr lang="nb-NO" sz="1200" dirty="0" smtClean="0"/>
+              <a:t> </a:t>
+            </a:r>
+            <a:r>
+              <a:rPr lang="nb-NO" sz="1200" dirty="0" err="1" smtClean="0"/>
+              <a:t>of</a:t>
+            </a:r>
+            <a:r>
+              <a:rPr lang="nb-NO" sz="1200" dirty="0" smtClean="0"/>
+              <a:t> Long Range </a:t>
+            </a:r>
+            <a:r>
+              <a:rPr lang="nb-NO" sz="1200" dirty="0" err="1" smtClean="0"/>
+              <a:t>Recon</a:t>
+            </a:r>
+            <a:endParaRPr lang="nb-NO" sz="1200" dirty="0" smtClean="0"/>
+          </a:p>
+          <a:p>
+            <a:pPr>
+              <a:buFont typeface="Arial" pitchFamily="34" charset="0"/>
+              <a:buChar char="•"/>
+            </a:pPr>
+            <a:r>
+              <a:rPr lang="nb-NO" sz="1200" dirty="0" smtClean="0"/>
+              <a:t>FW (transport) </a:t>
+            </a:r>
+            <a:r>
+              <a:rPr lang="nb-NO" sz="1200" dirty="0" err="1" smtClean="0"/>
+              <a:t>activity</a:t>
+            </a:r>
+            <a:r>
+              <a:rPr lang="nb-NO" sz="1200" dirty="0" smtClean="0"/>
+              <a:t> </a:t>
+            </a:r>
+            <a:r>
+              <a:rPr lang="nb-NO" sz="1200" dirty="0" err="1" smtClean="0"/>
+              <a:t>deep</a:t>
+            </a:r>
+            <a:r>
+              <a:rPr lang="nb-NO" sz="1200" dirty="0" smtClean="0"/>
+              <a:t> </a:t>
+            </a:r>
+            <a:r>
+              <a:rPr lang="nb-NO" sz="1200" dirty="0" err="1" smtClean="0"/>
+              <a:t>into</a:t>
+            </a:r>
+            <a:r>
+              <a:rPr lang="nb-NO" sz="1200" dirty="0" smtClean="0"/>
+              <a:t> </a:t>
+            </a:r>
+            <a:r>
+              <a:rPr lang="nb-NO" sz="1200" dirty="0" err="1" smtClean="0"/>
+              <a:t>enemy</a:t>
+            </a:r>
+            <a:r>
+              <a:rPr lang="nb-NO" sz="1200" dirty="0" smtClean="0"/>
+              <a:t> </a:t>
+            </a:r>
+            <a:r>
+              <a:rPr lang="nb-NO" sz="1200" dirty="0" err="1" smtClean="0"/>
+              <a:t>territory</a:t>
+            </a:r>
+            <a:endParaRPr lang="nb-NO" sz="1200" dirty="0" smtClean="0"/>
+          </a:p>
+          <a:p>
+            <a:pPr lvl="1">
+              <a:buFont typeface="Arial" pitchFamily="34" charset="0"/>
+              <a:buChar char="•"/>
+            </a:pPr>
+            <a:r>
+              <a:rPr lang="nb-NO" sz="1200" dirty="0" err="1" smtClean="0"/>
+              <a:t>Airborne</a:t>
+            </a:r>
+            <a:r>
+              <a:rPr lang="nb-NO" sz="1200" dirty="0" smtClean="0"/>
+              <a:t> </a:t>
+            </a:r>
+            <a:r>
+              <a:rPr lang="nb-NO" sz="1200" dirty="0" err="1" smtClean="0"/>
+              <a:t>Assault</a:t>
+            </a:r>
+            <a:r>
+              <a:rPr lang="nb-NO" sz="1200" dirty="0" smtClean="0"/>
+              <a:t> ( </a:t>
+            </a:r>
+            <a:r>
+              <a:rPr lang="nb-NO" sz="1200" dirty="0" err="1" smtClean="0"/>
+              <a:t>Many</a:t>
+            </a:r>
+            <a:r>
+              <a:rPr lang="nb-NO" sz="1200" dirty="0" smtClean="0"/>
+              <a:t> FW transports)</a:t>
+            </a:r>
+          </a:p>
+          <a:p>
+            <a:pPr lvl="1">
+              <a:buFont typeface="Arial" pitchFamily="34" charset="0"/>
+              <a:buChar char="•"/>
+            </a:pPr>
+            <a:r>
+              <a:rPr lang="nb-NO" sz="1200" dirty="0" smtClean="0"/>
+              <a:t>Long range </a:t>
+            </a:r>
+            <a:r>
+              <a:rPr lang="nb-NO" sz="1200" dirty="0" err="1" smtClean="0"/>
+              <a:t>Recon</a:t>
+            </a:r>
+            <a:r>
+              <a:rPr lang="nb-NO" sz="1200" dirty="0" smtClean="0"/>
+              <a:t> ( </a:t>
+            </a:r>
+            <a:r>
+              <a:rPr lang="nb-NO" sz="1200" dirty="0" err="1" smtClean="0"/>
+              <a:t>If</a:t>
+            </a:r>
+            <a:r>
+              <a:rPr lang="nb-NO" sz="1200" dirty="0" smtClean="0"/>
+              <a:t> </a:t>
+            </a:r>
+            <a:r>
+              <a:rPr lang="nb-NO" sz="1200" dirty="0" err="1" smtClean="0"/>
+              <a:t>only</a:t>
+            </a:r>
+            <a:r>
+              <a:rPr lang="nb-NO" sz="1200" dirty="0" smtClean="0"/>
+              <a:t> a single AC is in </a:t>
+            </a:r>
+            <a:r>
+              <a:rPr lang="nb-NO" sz="1200" dirty="0" err="1" smtClean="0"/>
+              <a:t>use</a:t>
+            </a:r>
+            <a:r>
+              <a:rPr lang="nb-NO" sz="1200" dirty="0" smtClean="0"/>
+              <a:t>, or flying </a:t>
+            </a:r>
+            <a:r>
+              <a:rPr lang="nb-NO" sz="1200" dirty="0" err="1" smtClean="0"/>
+              <a:t>tactical</a:t>
+            </a:r>
+            <a:r>
+              <a:rPr lang="nb-NO" sz="1200" dirty="0" smtClean="0"/>
+              <a:t>, </a:t>
+            </a:r>
+            <a:r>
+              <a:rPr lang="nb-NO" sz="1200" dirty="0" err="1" smtClean="0"/>
+              <a:t>low</a:t>
+            </a:r>
+            <a:r>
+              <a:rPr lang="nb-NO" sz="1200" dirty="0" smtClean="0"/>
+              <a:t> </a:t>
+            </a:r>
+            <a:r>
+              <a:rPr lang="nb-NO" sz="1200" dirty="0" err="1" smtClean="0"/>
+              <a:t>level</a:t>
+            </a:r>
+            <a:r>
+              <a:rPr lang="nb-NO" sz="1200" dirty="0" smtClean="0"/>
+              <a:t>)</a:t>
+            </a:r>
+          </a:p>
+          <a:p>
+            <a:pPr>
+              <a:buFont typeface="Arial" pitchFamily="34" charset="0"/>
+              <a:buChar char="•"/>
+            </a:pPr>
+            <a:r>
+              <a:rPr lang="nb-NO" sz="1200" dirty="0" err="1" smtClean="0"/>
+              <a:t>Artillery</a:t>
+            </a:r>
+            <a:r>
+              <a:rPr lang="nb-NO" sz="1200" dirty="0" smtClean="0"/>
+              <a:t> at a </a:t>
+            </a:r>
+            <a:r>
+              <a:rPr lang="nb-NO" sz="1200" dirty="0" err="1" smtClean="0"/>
+              <a:t>certain</a:t>
+            </a:r>
+            <a:r>
+              <a:rPr lang="nb-NO" sz="1200" dirty="0" smtClean="0"/>
+              <a:t> </a:t>
+            </a:r>
+            <a:r>
+              <a:rPr lang="nb-NO" sz="1200" dirty="0" err="1" smtClean="0"/>
+              <a:t>point</a:t>
+            </a:r>
+            <a:r>
+              <a:rPr lang="nb-NO" sz="1200" dirty="0" smtClean="0"/>
+              <a:t> (</a:t>
+            </a:r>
+            <a:r>
+              <a:rPr lang="nb-NO" sz="1200" dirty="0" err="1" smtClean="0"/>
+              <a:t>point</a:t>
+            </a:r>
+            <a:r>
+              <a:rPr lang="nb-NO" sz="1200" dirty="0" smtClean="0"/>
+              <a:t> target)</a:t>
+            </a:r>
+          </a:p>
+          <a:p>
+            <a:pPr lvl="1">
+              <a:buFont typeface="Arial" pitchFamily="34" charset="0"/>
+              <a:buChar char="•"/>
+            </a:pPr>
+            <a:r>
+              <a:rPr lang="nb-NO" sz="1200" dirty="0" err="1" smtClean="0"/>
+              <a:t>Trying</a:t>
+            </a:r>
+            <a:r>
+              <a:rPr lang="nb-NO" sz="1200" dirty="0" smtClean="0"/>
+              <a:t> to kill the target</a:t>
+            </a:r>
+          </a:p>
+          <a:p>
+            <a:pPr>
+              <a:buFont typeface="Arial" pitchFamily="34" charset="0"/>
+              <a:buChar char="•"/>
+            </a:pPr>
+            <a:r>
+              <a:rPr lang="nb-NO" sz="1200" dirty="0" err="1" smtClean="0"/>
+              <a:t>Artillery</a:t>
+            </a:r>
+            <a:r>
+              <a:rPr lang="nb-NO" sz="1200" dirty="0" smtClean="0"/>
+              <a:t> at an area</a:t>
+            </a:r>
+          </a:p>
+          <a:p>
+            <a:pPr lvl="1">
+              <a:buFont typeface="Arial" pitchFamily="34" charset="0"/>
+              <a:buChar char="•"/>
+            </a:pPr>
+            <a:r>
+              <a:rPr lang="nb-NO" sz="1200" dirty="0" err="1" smtClean="0"/>
+              <a:t>Suppression</a:t>
+            </a:r>
+            <a:r>
+              <a:rPr lang="nb-NO" sz="1200" dirty="0" smtClean="0"/>
+              <a:t>, to cover for </a:t>
+            </a:r>
+            <a:r>
+              <a:rPr lang="nb-NO" sz="1200" dirty="0" err="1" smtClean="0"/>
+              <a:t>movement</a:t>
+            </a:r>
+            <a:r>
+              <a:rPr lang="nb-NO" sz="1200" dirty="0" smtClean="0"/>
+              <a:t> / </a:t>
+            </a:r>
+            <a:r>
+              <a:rPr lang="nb-NO" sz="1200" dirty="0" err="1" smtClean="0"/>
+              <a:t>attack</a:t>
+            </a:r>
+            <a:endParaRPr lang="nb-NO" sz="1200" dirty="0" smtClean="0"/>
+          </a:p>
+          <a:p>
+            <a:pPr>
+              <a:buFont typeface="Arial" pitchFamily="34" charset="0"/>
+              <a:buChar char="•"/>
+            </a:pPr>
+            <a:r>
+              <a:rPr lang="nb-NO" sz="1200" dirty="0" smtClean="0"/>
+              <a:t>Fill </a:t>
+            </a:r>
+            <a:r>
+              <a:rPr lang="nb-NO" sz="1200" dirty="0" err="1" smtClean="0"/>
+              <a:t>out</a:t>
+            </a:r>
+            <a:r>
+              <a:rPr lang="nb-NO" sz="1200" dirty="0" smtClean="0"/>
+              <a:t> </a:t>
+            </a:r>
+            <a:r>
+              <a:rPr lang="nb-NO" sz="1200" dirty="0" err="1" smtClean="0"/>
+              <a:t>many</a:t>
+            </a:r>
+            <a:r>
+              <a:rPr lang="nb-NO" sz="1200" dirty="0" smtClean="0"/>
+              <a:t> more…..</a:t>
+            </a:r>
+          </a:p>
+          <a:p>
+            <a:pPr>
+              <a:buFont typeface="Arial" pitchFamily="34" charset="0"/>
+              <a:buChar char="•"/>
+            </a:pPr>
+            <a:endParaRPr lang="nb-NO" sz="1200" dirty="0" smtClean="0"/>
+          </a:p>
+          <a:p>
+            <a:pPr>
+              <a:buFont typeface="Arial" pitchFamily="34" charset="0"/>
+              <a:buChar char="•"/>
+            </a:pPr>
+            <a:r>
+              <a:rPr lang="nb-NO" sz="1200" dirty="0" err="1" smtClean="0"/>
+              <a:t>Artillery</a:t>
+            </a:r>
+            <a:r>
+              <a:rPr lang="nb-NO" sz="1200" dirty="0" smtClean="0"/>
+              <a:t> </a:t>
+            </a:r>
+            <a:r>
+              <a:rPr lang="nb-NO" sz="1200" dirty="0" err="1" smtClean="0"/>
+              <a:t>units</a:t>
+            </a:r>
+            <a:r>
+              <a:rPr lang="nb-NO" sz="1200" dirty="0" smtClean="0"/>
+              <a:t> in firing </a:t>
+            </a:r>
+            <a:r>
+              <a:rPr lang="nb-NO" sz="1200" dirty="0" err="1" smtClean="0"/>
+              <a:t>position</a:t>
+            </a:r>
+            <a:r>
+              <a:rPr lang="nb-NO" sz="1200" dirty="0" smtClean="0"/>
+              <a:t> (</a:t>
+            </a:r>
+            <a:r>
+              <a:rPr lang="nb-NO" sz="1200" dirty="0" err="1" smtClean="0"/>
+              <a:t>spread</a:t>
+            </a:r>
+            <a:r>
+              <a:rPr lang="nb-NO" sz="1200" dirty="0" smtClean="0"/>
+              <a:t> </a:t>
+            </a:r>
+            <a:r>
+              <a:rPr lang="nb-NO" sz="1200" dirty="0" err="1" smtClean="0"/>
+              <a:t>out</a:t>
+            </a:r>
+            <a:r>
+              <a:rPr lang="nb-NO" sz="1200" dirty="0" smtClean="0"/>
+              <a:t>, IAW a </a:t>
+            </a:r>
+            <a:r>
+              <a:rPr lang="nb-NO" sz="1200" dirty="0" err="1" smtClean="0"/>
+              <a:t>template</a:t>
+            </a:r>
+            <a:r>
+              <a:rPr lang="nb-NO" sz="1200" dirty="0" smtClean="0"/>
+              <a:t>)</a:t>
+            </a:r>
+          </a:p>
+          <a:p>
+            <a:pPr>
+              <a:buFont typeface="Arial" pitchFamily="34" charset="0"/>
+              <a:buChar char="•"/>
+            </a:pPr>
+            <a:r>
+              <a:rPr lang="nb-NO" sz="1200" dirty="0" smtClean="0"/>
+              <a:t>General </a:t>
+            </a:r>
+            <a:r>
+              <a:rPr lang="nb-NO" sz="1200" dirty="0" err="1" smtClean="0"/>
+              <a:t>convoy</a:t>
+            </a:r>
+            <a:r>
+              <a:rPr lang="nb-NO" sz="1200" dirty="0" smtClean="0"/>
+              <a:t> </a:t>
+            </a:r>
+            <a:r>
+              <a:rPr lang="nb-NO" sz="1200" dirty="0" err="1" smtClean="0"/>
+              <a:t>movement</a:t>
+            </a:r>
+            <a:endParaRPr lang="nb-NO" sz="1200" dirty="0" smtClean="0"/>
+          </a:p>
+          <a:p>
+            <a:pPr lvl="1">
+              <a:buFont typeface="Arial" pitchFamily="34" charset="0"/>
+              <a:buChar char="•"/>
+            </a:pPr>
+            <a:r>
+              <a:rPr lang="nb-NO" sz="1200" dirty="0" err="1" smtClean="0"/>
+              <a:t>Upcoming</a:t>
+            </a:r>
+            <a:r>
+              <a:rPr lang="nb-NO" sz="1200" dirty="0" smtClean="0"/>
+              <a:t> action (offensive), in a </a:t>
+            </a:r>
+            <a:r>
+              <a:rPr lang="nb-NO" sz="1200" dirty="0" err="1" smtClean="0"/>
+              <a:t>certian</a:t>
+            </a:r>
+            <a:r>
+              <a:rPr lang="nb-NO" sz="1200" dirty="0" smtClean="0"/>
+              <a:t> </a:t>
+            </a:r>
+            <a:r>
+              <a:rPr lang="nb-NO" sz="1200" dirty="0" err="1" smtClean="0"/>
+              <a:t>amount</a:t>
+            </a:r>
+            <a:r>
+              <a:rPr lang="nb-NO" sz="1200" dirty="0" smtClean="0"/>
+              <a:t> </a:t>
+            </a:r>
+            <a:r>
+              <a:rPr lang="nb-NO" sz="1200" dirty="0" err="1" smtClean="0"/>
+              <a:t>of</a:t>
+            </a:r>
+            <a:r>
+              <a:rPr lang="nb-NO" sz="1200" dirty="0" smtClean="0"/>
+              <a:t> time</a:t>
+            </a:r>
+          </a:p>
+        </p:txBody>
+      </p:sp>
+      <p:sp>
+        <p:nvSpPr>
+          <p:cNvPr id="7" name="Ellipse 6"/>
+          <p:cNvSpPr/>
+          <p:nvPr/>
+        </p:nvSpPr>
+        <p:spPr>
+          <a:xfrm>
+            <a:off x="-928726" y="1000114"/>
+            <a:ext cx="214314" cy="214314"/>
+          </a:xfrm>
+          <a:prstGeom prst="ellipse">
+            <a:avLst/>
+          </a:prstGeom>
+          <a:solidFill>
+            <a:srgbClr val="C00000"/>
+          </a:solidFill>
+          <a:ln>
+            <a:solidFill>
+              <a:schemeClr val="tx1"/>
+            </a:solidFill>
+          </a:ln>
+        </p:spPr>
+        <p:style>
+          <a:lnRef idx="2">
+            <a:schemeClr val="accent1">
+              <a:shade val="50000"/>
+            </a:schemeClr>
+          </a:lnRef>
+          <a:fillRef idx="1">
+            <a:schemeClr val="accent1"/>
+          </a:fillRef>
+          <a:effectRef idx="0">
+            <a:schemeClr val="accent1"/>
+          </a:effectRef>
+          <a:fontRef idx="minor">
+            <a:schemeClr val="lt1"/>
+          </a:fontRef>
+        </p:style>
+        <p:txBody>
+          <a:bodyPr lIns="0" tIns="0" rIns="0" bIns="0" rtlCol="0" anchor="ctr"/>
+          <a:lstStyle/>
+          <a:p>
+            <a:pPr algn="ctr"/>
+            <a:r>
+              <a:rPr lang="nb-NO" sz="1200" dirty="0" smtClean="0"/>
+              <a:t>A</a:t>
+            </a:r>
+            <a:endParaRPr lang="nb-NO" sz="1200" dirty="0"/>
+          </a:p>
+        </p:txBody>
+      </p:sp>
+      <p:sp>
+        <p:nvSpPr>
+          <p:cNvPr id="8" name="Ellipse 7"/>
+          <p:cNvSpPr/>
+          <p:nvPr/>
+        </p:nvSpPr>
+        <p:spPr>
+          <a:xfrm>
+            <a:off x="-642974" y="1000114"/>
+            <a:ext cx="214314" cy="214314"/>
+          </a:xfrm>
+          <a:prstGeom prst="ellipse">
+            <a:avLst/>
+          </a:prstGeom>
+          <a:solidFill>
+            <a:srgbClr val="C00000"/>
+          </a:solidFill>
+          <a:ln>
+            <a:solidFill>
+              <a:schemeClr val="tx1"/>
+            </a:solidFill>
+          </a:ln>
+        </p:spPr>
+        <p:style>
+          <a:lnRef idx="2">
+            <a:schemeClr val="accent1">
+              <a:shade val="50000"/>
+            </a:schemeClr>
+          </a:lnRef>
+          <a:fillRef idx="1">
+            <a:schemeClr val="accent1"/>
+          </a:fillRef>
+          <a:effectRef idx="0">
+            <a:schemeClr val="accent1"/>
+          </a:effectRef>
+          <a:fontRef idx="minor">
+            <a:schemeClr val="lt1"/>
+          </a:fontRef>
+        </p:style>
+        <p:txBody>
+          <a:bodyPr lIns="0" tIns="0" rIns="0" bIns="0" rtlCol="0" anchor="ctr"/>
+          <a:lstStyle/>
+          <a:p>
+            <a:pPr algn="ctr"/>
+            <a:r>
+              <a:rPr lang="nb-NO" sz="1200" dirty="0" smtClean="0"/>
+              <a:t>A</a:t>
+            </a:r>
+            <a:endParaRPr lang="nb-NO" sz="1200" dirty="0"/>
+          </a:p>
+        </p:txBody>
+      </p:sp>
+      <p:sp>
+        <p:nvSpPr>
+          <p:cNvPr id="9" name="Ellipse 8"/>
+          <p:cNvSpPr/>
+          <p:nvPr/>
+        </p:nvSpPr>
+        <p:spPr>
+          <a:xfrm>
+            <a:off x="-928726" y="1285866"/>
+            <a:ext cx="214314" cy="214314"/>
+          </a:xfrm>
+          <a:prstGeom prst="ellipse">
+            <a:avLst/>
+          </a:prstGeom>
+          <a:solidFill>
+            <a:srgbClr val="C00000"/>
+          </a:solidFill>
+          <a:ln>
+            <a:solidFill>
+              <a:schemeClr val="tx1"/>
+            </a:solidFill>
+          </a:ln>
+        </p:spPr>
+        <p:style>
+          <a:lnRef idx="2">
+            <a:schemeClr val="accent1">
+              <a:shade val="50000"/>
+            </a:schemeClr>
+          </a:lnRef>
+          <a:fillRef idx="1">
+            <a:schemeClr val="accent1"/>
+          </a:fillRef>
+          <a:effectRef idx="0">
+            <a:schemeClr val="accent1"/>
+          </a:effectRef>
+          <a:fontRef idx="minor">
+            <a:schemeClr val="lt1"/>
+          </a:fontRef>
+        </p:style>
+        <p:txBody>
+          <a:bodyPr lIns="0" tIns="0" rIns="0" bIns="0" rtlCol="0" anchor="ctr"/>
+          <a:lstStyle/>
+          <a:p>
+            <a:pPr algn="ctr"/>
+            <a:r>
+              <a:rPr lang="nb-NO" sz="1200" dirty="0" smtClean="0"/>
+              <a:t>B</a:t>
+            </a:r>
+            <a:endParaRPr lang="nb-NO" sz="1200" dirty="0"/>
+          </a:p>
+        </p:txBody>
+      </p:sp>
+      <p:sp>
+        <p:nvSpPr>
+          <p:cNvPr id="10" name="Ellipse 9"/>
+          <p:cNvSpPr/>
+          <p:nvPr/>
+        </p:nvSpPr>
+        <p:spPr>
+          <a:xfrm>
+            <a:off x="-642974" y="1285866"/>
+            <a:ext cx="214314" cy="214314"/>
+          </a:xfrm>
+          <a:prstGeom prst="ellipse">
+            <a:avLst/>
+          </a:prstGeom>
+          <a:solidFill>
+            <a:srgbClr val="C00000"/>
+          </a:solidFill>
+          <a:ln>
+            <a:solidFill>
+              <a:schemeClr val="tx1"/>
+            </a:solidFill>
+          </a:ln>
+        </p:spPr>
+        <p:style>
+          <a:lnRef idx="2">
+            <a:schemeClr val="accent1">
+              <a:shade val="50000"/>
+            </a:schemeClr>
+          </a:lnRef>
+          <a:fillRef idx="1">
+            <a:schemeClr val="accent1"/>
+          </a:fillRef>
+          <a:effectRef idx="0">
+            <a:schemeClr val="accent1"/>
+          </a:effectRef>
+          <a:fontRef idx="minor">
+            <a:schemeClr val="lt1"/>
+          </a:fontRef>
+        </p:style>
+        <p:txBody>
+          <a:bodyPr lIns="0" tIns="0" rIns="0" bIns="0" rtlCol="0" anchor="ctr"/>
+          <a:lstStyle/>
+          <a:p>
+            <a:pPr algn="ctr"/>
+            <a:r>
+              <a:rPr lang="nb-NO" sz="1200" dirty="0" smtClean="0"/>
+              <a:t>B</a:t>
+            </a:r>
+            <a:endParaRPr lang="nb-NO" sz="1200" dirty="0"/>
+          </a:p>
+        </p:txBody>
+      </p:sp>
+      <p:sp>
+        <p:nvSpPr>
+          <p:cNvPr id="11" name="Ellipse 10"/>
+          <p:cNvSpPr/>
+          <p:nvPr/>
+        </p:nvSpPr>
+        <p:spPr>
+          <a:xfrm>
+            <a:off x="-928726" y="1571618"/>
+            <a:ext cx="214314" cy="214314"/>
+          </a:xfrm>
+          <a:prstGeom prst="ellipse">
+            <a:avLst/>
+          </a:prstGeom>
+          <a:solidFill>
+            <a:srgbClr val="C00000"/>
+          </a:solidFill>
+          <a:ln>
+            <a:solidFill>
+              <a:schemeClr val="tx1"/>
+            </a:solidFill>
+          </a:ln>
+        </p:spPr>
+        <p:style>
+          <a:lnRef idx="2">
+            <a:schemeClr val="accent1">
+              <a:shade val="50000"/>
+            </a:schemeClr>
+          </a:lnRef>
+          <a:fillRef idx="1">
+            <a:schemeClr val="accent1"/>
+          </a:fillRef>
+          <a:effectRef idx="0">
+            <a:schemeClr val="accent1"/>
+          </a:effectRef>
+          <a:fontRef idx="minor">
+            <a:schemeClr val="lt1"/>
+          </a:fontRef>
+        </p:style>
+        <p:txBody>
+          <a:bodyPr lIns="0" tIns="0" rIns="0" bIns="0" rtlCol="0" anchor="ctr"/>
+          <a:lstStyle/>
+          <a:p>
+            <a:pPr algn="ctr"/>
+            <a:r>
+              <a:rPr lang="nb-NO" sz="1200" dirty="0" smtClean="0"/>
+              <a:t>C</a:t>
+            </a:r>
+            <a:endParaRPr lang="nb-NO" sz="1200" dirty="0"/>
+          </a:p>
+        </p:txBody>
+      </p:sp>
+      <p:sp>
+        <p:nvSpPr>
+          <p:cNvPr id="12" name="Ellipse 11"/>
+          <p:cNvSpPr/>
+          <p:nvPr/>
+        </p:nvSpPr>
+        <p:spPr>
+          <a:xfrm>
+            <a:off x="-642974" y="1571618"/>
+            <a:ext cx="214314" cy="214314"/>
+          </a:xfrm>
+          <a:prstGeom prst="ellipse">
+            <a:avLst/>
+          </a:prstGeom>
+          <a:solidFill>
+            <a:srgbClr val="C00000"/>
+          </a:solidFill>
+          <a:ln>
+            <a:solidFill>
+              <a:schemeClr val="tx1"/>
+            </a:solidFill>
+          </a:ln>
+        </p:spPr>
+        <p:style>
+          <a:lnRef idx="2">
+            <a:schemeClr val="accent1">
+              <a:shade val="50000"/>
+            </a:schemeClr>
+          </a:lnRef>
+          <a:fillRef idx="1">
+            <a:schemeClr val="accent1"/>
+          </a:fillRef>
+          <a:effectRef idx="0">
+            <a:schemeClr val="accent1"/>
+          </a:effectRef>
+          <a:fontRef idx="minor">
+            <a:schemeClr val="lt1"/>
+          </a:fontRef>
+        </p:style>
+        <p:txBody>
+          <a:bodyPr lIns="0" tIns="0" rIns="0" bIns="0" rtlCol="0" anchor="ctr"/>
+          <a:lstStyle/>
+          <a:p>
+            <a:pPr algn="ctr"/>
+            <a:r>
+              <a:rPr lang="nb-NO" sz="1200" dirty="0" smtClean="0"/>
+              <a:t>C</a:t>
+            </a:r>
+            <a:endParaRPr lang="nb-NO" sz="1200" dirty="0"/>
+          </a:p>
+        </p:txBody>
+      </p:sp>
+      <p:sp>
+        <p:nvSpPr>
+          <p:cNvPr id="13" name="Ellipse 12"/>
+          <p:cNvSpPr/>
+          <p:nvPr/>
+        </p:nvSpPr>
+        <p:spPr>
+          <a:xfrm>
+            <a:off x="-928726" y="1857370"/>
+            <a:ext cx="214314" cy="214314"/>
+          </a:xfrm>
+          <a:prstGeom prst="ellipse">
+            <a:avLst/>
+          </a:prstGeom>
+          <a:solidFill>
+            <a:srgbClr val="C00000"/>
+          </a:solidFill>
+          <a:ln>
+            <a:solidFill>
+              <a:schemeClr val="tx1"/>
+            </a:solidFill>
+          </a:ln>
+        </p:spPr>
+        <p:style>
+          <a:lnRef idx="2">
+            <a:schemeClr val="accent1">
+              <a:shade val="50000"/>
+            </a:schemeClr>
+          </a:lnRef>
+          <a:fillRef idx="1">
+            <a:schemeClr val="accent1"/>
+          </a:fillRef>
+          <a:effectRef idx="0">
+            <a:schemeClr val="accent1"/>
+          </a:effectRef>
+          <a:fontRef idx="minor">
+            <a:schemeClr val="lt1"/>
+          </a:fontRef>
+        </p:style>
+        <p:txBody>
+          <a:bodyPr lIns="0" tIns="0" rIns="0" bIns="0" rtlCol="0" anchor="ctr"/>
+          <a:lstStyle/>
+          <a:p>
+            <a:pPr algn="ctr"/>
+            <a:r>
+              <a:rPr lang="nb-NO" sz="1200" dirty="0" smtClean="0"/>
+              <a:t>D</a:t>
+            </a:r>
+            <a:endParaRPr lang="nb-NO" sz="1200" dirty="0"/>
+          </a:p>
+        </p:txBody>
+      </p:sp>
+      <p:sp>
+        <p:nvSpPr>
+          <p:cNvPr id="14" name="Ellipse 13"/>
+          <p:cNvSpPr/>
+          <p:nvPr/>
+        </p:nvSpPr>
+        <p:spPr>
+          <a:xfrm>
+            <a:off x="-642974" y="1857370"/>
+            <a:ext cx="214314" cy="214314"/>
+          </a:xfrm>
+          <a:prstGeom prst="ellipse">
+            <a:avLst/>
+          </a:prstGeom>
+          <a:solidFill>
+            <a:srgbClr val="C00000"/>
+          </a:solidFill>
+          <a:ln>
+            <a:solidFill>
+              <a:schemeClr val="tx1"/>
+            </a:solidFill>
+          </a:ln>
+        </p:spPr>
+        <p:style>
+          <a:lnRef idx="2">
+            <a:schemeClr val="accent1">
+              <a:shade val="50000"/>
+            </a:schemeClr>
+          </a:lnRef>
+          <a:fillRef idx="1">
+            <a:schemeClr val="accent1"/>
+          </a:fillRef>
+          <a:effectRef idx="0">
+            <a:schemeClr val="accent1"/>
+          </a:effectRef>
+          <a:fontRef idx="minor">
+            <a:schemeClr val="lt1"/>
+          </a:fontRef>
+        </p:style>
+        <p:txBody>
+          <a:bodyPr lIns="0" tIns="0" rIns="0" bIns="0" rtlCol="0" anchor="ctr"/>
+          <a:lstStyle/>
+          <a:p>
+            <a:pPr algn="ctr"/>
+            <a:r>
+              <a:rPr lang="nb-NO" sz="1200" dirty="0" smtClean="0"/>
+              <a:t>D</a:t>
+            </a:r>
+            <a:endParaRPr lang="nb-NO" sz="1200" dirty="0"/>
+          </a:p>
+        </p:txBody>
+      </p:sp>
+      <p:sp>
+        <p:nvSpPr>
+          <p:cNvPr id="15" name="Ellipse 14"/>
+          <p:cNvSpPr/>
+          <p:nvPr/>
+        </p:nvSpPr>
+        <p:spPr>
+          <a:xfrm>
+            <a:off x="-928726" y="2143122"/>
+            <a:ext cx="214314" cy="214314"/>
+          </a:xfrm>
+          <a:prstGeom prst="ellipse">
+            <a:avLst/>
+          </a:prstGeom>
+          <a:solidFill>
+            <a:srgbClr val="C00000"/>
+          </a:solidFill>
+          <a:ln>
+            <a:solidFill>
+              <a:schemeClr val="tx1"/>
+            </a:solidFill>
+          </a:ln>
+        </p:spPr>
+        <p:style>
+          <a:lnRef idx="2">
+            <a:schemeClr val="accent1">
+              <a:shade val="50000"/>
+            </a:schemeClr>
+          </a:lnRef>
+          <a:fillRef idx="1">
+            <a:schemeClr val="accent1"/>
+          </a:fillRef>
+          <a:effectRef idx="0">
+            <a:schemeClr val="accent1"/>
+          </a:effectRef>
+          <a:fontRef idx="minor">
+            <a:schemeClr val="lt1"/>
+          </a:fontRef>
+        </p:style>
+        <p:txBody>
+          <a:bodyPr lIns="0" tIns="0" rIns="0" bIns="0" rtlCol="0" anchor="ctr"/>
+          <a:lstStyle/>
+          <a:p>
+            <a:pPr algn="ctr"/>
+            <a:r>
+              <a:rPr lang="nb-NO" sz="1200" dirty="0" smtClean="0"/>
+              <a:t>E</a:t>
+            </a:r>
+            <a:endParaRPr lang="nb-NO" sz="1200" dirty="0"/>
+          </a:p>
+        </p:txBody>
+      </p:sp>
+      <p:sp>
+        <p:nvSpPr>
+          <p:cNvPr id="16" name="Ellipse 15"/>
+          <p:cNvSpPr/>
+          <p:nvPr/>
+        </p:nvSpPr>
+        <p:spPr>
+          <a:xfrm>
+            <a:off x="-642974" y="2143122"/>
+            <a:ext cx="214314" cy="214314"/>
+          </a:xfrm>
+          <a:prstGeom prst="ellipse">
+            <a:avLst/>
+          </a:prstGeom>
+          <a:solidFill>
+            <a:srgbClr val="C00000"/>
+          </a:solidFill>
+          <a:ln>
+            <a:solidFill>
+              <a:schemeClr val="tx1"/>
+            </a:solidFill>
+          </a:ln>
+        </p:spPr>
+        <p:style>
+          <a:lnRef idx="2">
+            <a:schemeClr val="accent1">
+              <a:shade val="50000"/>
+            </a:schemeClr>
+          </a:lnRef>
+          <a:fillRef idx="1">
+            <a:schemeClr val="accent1"/>
+          </a:fillRef>
+          <a:effectRef idx="0">
+            <a:schemeClr val="accent1"/>
+          </a:effectRef>
+          <a:fontRef idx="minor">
+            <a:schemeClr val="lt1"/>
+          </a:fontRef>
+        </p:style>
+        <p:txBody>
+          <a:bodyPr lIns="0" tIns="0" rIns="0" bIns="0" rtlCol="0" anchor="ctr"/>
+          <a:lstStyle/>
+          <a:p>
+            <a:pPr algn="ctr"/>
+            <a:r>
+              <a:rPr lang="nb-NO" sz="1200" dirty="0" smtClean="0"/>
+              <a:t>E</a:t>
+            </a:r>
+            <a:endParaRPr lang="nb-NO" sz="1200" dirty="0"/>
+          </a:p>
+        </p:txBody>
+      </p:sp>
+      <p:sp>
+        <p:nvSpPr>
+          <p:cNvPr id="17" name="Ellipse 16"/>
+          <p:cNvSpPr/>
+          <p:nvPr/>
+        </p:nvSpPr>
+        <p:spPr>
+          <a:xfrm>
+            <a:off x="-928726" y="2428874"/>
+            <a:ext cx="214314" cy="214314"/>
+          </a:xfrm>
+          <a:prstGeom prst="ellipse">
+            <a:avLst/>
+          </a:prstGeom>
+          <a:solidFill>
+            <a:srgbClr val="C00000"/>
+          </a:solidFill>
+          <a:ln>
+            <a:solidFill>
+              <a:schemeClr val="tx1"/>
+            </a:solidFill>
+          </a:ln>
+        </p:spPr>
+        <p:style>
+          <a:lnRef idx="2">
+            <a:schemeClr val="accent1">
+              <a:shade val="50000"/>
+            </a:schemeClr>
+          </a:lnRef>
+          <a:fillRef idx="1">
+            <a:schemeClr val="accent1"/>
+          </a:fillRef>
+          <a:effectRef idx="0">
+            <a:schemeClr val="accent1"/>
+          </a:effectRef>
+          <a:fontRef idx="minor">
+            <a:schemeClr val="lt1"/>
+          </a:fontRef>
+        </p:style>
+        <p:txBody>
+          <a:bodyPr lIns="0" tIns="0" rIns="0" bIns="0" rtlCol="0" anchor="ctr"/>
+          <a:lstStyle/>
+          <a:p>
+            <a:pPr algn="ctr"/>
+            <a:r>
+              <a:rPr lang="nb-NO" sz="1200" dirty="0" smtClean="0"/>
+              <a:t>F</a:t>
+            </a:r>
+            <a:endParaRPr lang="nb-NO" sz="1200" dirty="0"/>
+          </a:p>
+        </p:txBody>
+      </p:sp>
+      <p:sp>
+        <p:nvSpPr>
+          <p:cNvPr id="18" name="Ellipse 17"/>
+          <p:cNvSpPr/>
+          <p:nvPr/>
+        </p:nvSpPr>
+        <p:spPr>
+          <a:xfrm>
+            <a:off x="-642974" y="2428874"/>
+            <a:ext cx="214314" cy="214314"/>
+          </a:xfrm>
+          <a:prstGeom prst="ellipse">
+            <a:avLst/>
+          </a:prstGeom>
+          <a:solidFill>
+            <a:srgbClr val="C00000"/>
+          </a:solidFill>
+          <a:ln>
+            <a:solidFill>
+              <a:schemeClr val="tx1"/>
+            </a:solidFill>
+          </a:ln>
+        </p:spPr>
+        <p:style>
+          <a:lnRef idx="2">
+            <a:schemeClr val="accent1">
+              <a:shade val="50000"/>
+            </a:schemeClr>
+          </a:lnRef>
+          <a:fillRef idx="1">
+            <a:schemeClr val="accent1"/>
+          </a:fillRef>
+          <a:effectRef idx="0">
+            <a:schemeClr val="accent1"/>
+          </a:effectRef>
+          <a:fontRef idx="minor">
+            <a:schemeClr val="lt1"/>
+          </a:fontRef>
+        </p:style>
+        <p:txBody>
+          <a:bodyPr lIns="0" tIns="0" rIns="0" bIns="0" rtlCol="0" anchor="ctr"/>
+          <a:lstStyle/>
+          <a:p>
+            <a:pPr algn="ctr"/>
+            <a:r>
+              <a:rPr lang="nb-NO" sz="1200" dirty="0" smtClean="0"/>
+              <a:t>F</a:t>
+            </a:r>
+            <a:endParaRPr lang="nb-NO" sz="1200" dirty="0"/>
+          </a:p>
+        </p:txBody>
+      </p:sp>
+    </p:spTree>
+  </p:cSld>
+  <p:clrMapOvr>
+    <a:masterClrMapping/>
+  </p:clrMapOvr>
+  <p:timing>
+    <p:tnLst>
+      <p:par>
+        <p:cTn id="1" dur="indefinite" restart="never" nodeType="tmRoot"/>
+      </p:par>
+    </p:tnLst>
+  </p:timing>
+</p:sld>
+</file>
+
+<file path=ppt/slides/slide11.xml><?xml version="1.0" encoding="utf-8"?>
+<p:sld xmlns:a="http://schemas.openxmlformats.org/drawingml/2006/main" xmlns:r="http://schemas.openxmlformats.org/officeDocument/2006/relationships" xmlns:p="http://schemas.openxmlformats.org/presentationml/2006/main">
+  <p:cSld>
+    <p:spTree>
+      <p:nvGrpSpPr>
+        <p:cNvPr id="1" name=""/>
+        <p:cNvGrpSpPr/>
+        <p:nvPr/>
+      </p:nvGrpSpPr>
+      <p:grpSpPr>
+        <a:xfrm>
+          <a:off x="0" y="0"/>
+          <a:ext cx="0" cy="0"/>
+          <a:chOff x="0" y="0"/>
+          <a:chExt cx="0" cy="0"/>
+        </a:xfrm>
+      </p:grpSpPr>
+      <p:sp>
+        <p:nvSpPr>
+          <p:cNvPr id="2" name="Tittel 1"/>
+          <p:cNvSpPr>
+            <a:spLocks noGrp="1"/>
+          </p:cNvSpPr>
+          <p:nvPr>
+            <p:ph type="title"/>
+          </p:nvPr>
+        </p:nvSpPr>
+        <p:spPr/>
+        <p:txBody>
+          <a:bodyPr/>
+          <a:lstStyle/>
+          <a:p>
+            <a:r>
+              <a:rPr lang="en-US" dirty="0" smtClean="0"/>
               <a:t>INTELLIGENCE GAPS</a:t>
             </a:r>
             <a:endParaRPr lang="en-US" dirty="0"/>
@@ -5772,19 +6993,8 @@
                 <a:latin typeface="Arial" pitchFamily="34" charset="0"/>
                 <a:cs typeface="Arial" pitchFamily="34" charset="0"/>
               </a:rPr>
-              <a:t>This </a:t>
-            </a:r>
-            <a:r>
-              <a:rPr lang="nb-NO" sz="1400" dirty="0" smtClean="0">
-                <a:latin typeface="Arial" pitchFamily="34" charset="0"/>
-                <a:cs typeface="Arial" pitchFamily="34" charset="0"/>
-              </a:rPr>
-              <a:t>document describes how Syrian ground forces operate</a:t>
-            </a:r>
-            <a:endParaRPr lang="nb-NO" sz="1400" dirty="0" smtClean="0">
-              <a:latin typeface="Arial" pitchFamily="34" charset="0"/>
-              <a:cs typeface="Arial" pitchFamily="34" charset="0"/>
-            </a:endParaRPr>
+              <a:t>This document describes how Syrian ground forces operate</a:t>
+            </a:r>
           </a:p>
           <a:p>
             <a:endParaRPr lang="nb-NO" sz="1400" dirty="0" smtClean="0">
@@ -7458,14 +8668,7 @@
                 <a:latin typeface="Arial" pitchFamily="34" charset="0"/>
                 <a:cs typeface="Arial" pitchFamily="34" charset="0"/>
               </a:rPr>
-              <a:t>One of the frontal brigades will be designated as the Main Effort (ME). </a:t>
-            </a:r>
-            <a:r>
-              <a:rPr lang="nb-NO" sz="1100" dirty="0" smtClean="0">
-                <a:latin typeface="Arial" pitchFamily="34" charset="0"/>
-                <a:cs typeface="Arial" pitchFamily="34" charset="0"/>
-              </a:rPr>
-              <a:t>This brigade will have priority in receiving support from the division-level assets. As shown here, Front Brigade #1 is the ME and is supported by the division’s Rocket-ARTY BN.</a:t>
+              <a:t>One of the frontal brigades will be designated as the Main Effort (ME). This brigade will have priority in receiving support from the division-level assets. As shown here, Front Brigade #1 is the ME and is supported by the division’s Rocket-ARTY BN.</a:t>
             </a:r>
           </a:p>
           <a:p>
@@ -7485,10 +8688,6 @@
               </a:rPr>
               <a:t>A second BN of SA-8 will be close to the divisional Rocket-ARTY BN, defending it.</a:t>
             </a:r>
-            <a:endParaRPr lang="nb-NO" sz="1100" dirty="0" smtClean="0">
-              <a:latin typeface="Arial" pitchFamily="34" charset="0"/>
-              <a:cs typeface="Arial" pitchFamily="34" charset="0"/>
-            </a:endParaRPr>
           </a:p>
         </p:txBody>
       </p:sp>
@@ -8394,11 +9593,7 @@
           <a:p>
             <a:r>
               <a:rPr lang="en-US" dirty="0" smtClean="0"/>
-              <a:t>PHASES IN AN OFFENSIVE </a:t>
-            </a:r>
-            <a:r>
-              <a:rPr lang="en-US" dirty="0" smtClean="0"/>
-              <a:t>OPERATION: </a:t>
+              <a:t>PHASES IN AN OFFENSIVE OPERATION: </a:t>
             </a:r>
             <a:br>
               <a:rPr lang="en-US" dirty="0" smtClean="0"/>
@@ -9135,7 +10330,6 @@
               <a:rPr lang="nb-NO" dirty="0" smtClean="0"/>
               <a:t>Supply trucks in close vicinity</a:t>
             </a:r>
-            <a:endParaRPr lang="nb-NO" dirty="0" smtClean="0"/>
           </a:p>
           <a:p>
             <a:pPr marL="285750" indent="-285750">
@@ -9212,11 +10406,7 @@
           <a:p>
             <a:r>
               <a:rPr lang="en-US" dirty="0" smtClean="0"/>
-              <a:t>PHASES IN AN OFFENSIVE </a:t>
-            </a:r>
-            <a:r>
-              <a:rPr lang="en-US" dirty="0" smtClean="0"/>
-              <a:t>OPERATION: </a:t>
+              <a:t>PHASES IN AN OFFENSIVE OPERATION: </a:t>
             </a:r>
             <a:br>
               <a:rPr lang="en-US" dirty="0" smtClean="0"/>
@@ -9861,8 +11051,8 @@
         </p:nvSpPr>
         <p:spPr>
           <a:xfrm>
-            <a:off x="179512" y="1192753"/>
-            <a:ext cx="8496944" cy="3693319"/>
+            <a:off x="179512" y="1000114"/>
+            <a:ext cx="8496944" cy="4585871"/>
           </a:xfrm>
           <a:prstGeom prst="rect">
             <a:avLst/>
@@ -9876,22 +11066,23 @@
           <a:lstStyle/>
           <a:p>
             <a:r>
-              <a:rPr lang="nb-NO" b="1" dirty="0" smtClean="0"/>
+              <a:rPr lang="nb-NO" sz="1600" b="1" dirty="0" smtClean="0"/>
               <a:t>Purpose:</a:t>
             </a:r>
           </a:p>
           <a:p>
             <a:r>
-              <a:rPr lang="nb-NO" dirty="0" smtClean="0"/>
-              <a:t>Arrange combat units to required battle formation in preparation for the offensive</a:t>
-            </a:r>
-          </a:p>
-          <a:p>
-            <a:endParaRPr lang="nb-NO" dirty="0" smtClean="0"/>
-          </a:p>
-          <a:p>
-            <a:r>
-              <a:rPr lang="nb-NO" b="1" dirty="0" smtClean="0"/>
+              <a:rPr lang="nb-NO" sz="1600" dirty="0" smtClean="0"/>
+              <a:t>Shape the conditions in the battlefield to be in favor of the offensive force by hindering the enemy’s ability to counter the coming offensive.</a:t>
+            </a:r>
+            <a:endParaRPr lang="nb-NO" sz="1600" dirty="0" smtClean="0"/>
+          </a:p>
+          <a:p>
+            <a:endParaRPr lang="nb-NO" sz="1600" dirty="0" smtClean="0"/>
+          </a:p>
+          <a:p>
+            <a:r>
+              <a:rPr lang="nb-NO" sz="1600" b="1" dirty="0" smtClean="0"/>
               <a:t>Activity:</a:t>
             </a:r>
           </a:p>
@@ -9901,8 +11092,8 @@
               <a:buChar char="-"/>
             </a:pPr>
             <a:r>
-              <a:rPr lang="nb-NO" dirty="0" smtClean="0"/>
-              <a:t>Combat vehicles assuming stations consistent with the offensive-formation (2-front/1-rear)</a:t>
+              <a:rPr lang="nb-NO" sz="1600" dirty="0" smtClean="0"/>
+              <a:t>Artillery opens fire to harrass, suppress or destroy enemy positions such as observation-posts, command/control positions, communication sites, staging areas , artillery positions etc’</a:t>
             </a:r>
           </a:p>
           <a:p>
@@ -9911,8 +11102,17 @@
               <a:buChar char="-"/>
             </a:pPr>
             <a:r>
-              <a:rPr lang="nb-NO" dirty="0" smtClean="0"/>
-              <a:t>Logistic BN vehicles are falling back to the rear</a:t>
+              <a:rPr lang="nb-NO" sz="1600" dirty="0" smtClean="0"/>
+              <a:t>Insertion of special operation forces (SOFs) to deny the enemy of observation points, close roads and chockpoints which may be used by the enemy to move/resupply or reinforce his defending forces</a:t>
+            </a:r>
+          </a:p>
+          <a:p>
+            <a:endParaRPr lang="nb-NO" sz="1600" dirty="0" smtClean="0"/>
+          </a:p>
+          <a:p>
+            <a:r>
+              <a:rPr lang="nb-NO" sz="1600" b="1" dirty="0" smtClean="0"/>
+              <a:t>Indicators:</a:t>
             </a:r>
           </a:p>
           <a:p>
@@ -9921,18 +11121,8 @@
               <a:buChar char="-"/>
             </a:pPr>
             <a:r>
-              <a:rPr lang="nb-NO" dirty="0" smtClean="0"/>
-              <a:t>ARTY taking positions to be ready to provide fire support</a:t>
-            </a:r>
-            <a:endParaRPr lang="nb-NO" dirty="0" smtClean="0"/>
-          </a:p>
-          <a:p>
-            <a:endParaRPr lang="nb-NO" dirty="0" smtClean="0"/>
-          </a:p>
-          <a:p>
-            <a:r>
-              <a:rPr lang="nb-NO" b="1" dirty="0" smtClean="0"/>
-              <a:t>Indicators:</a:t>
+              <a:rPr lang="nb-NO" sz="1600" dirty="0" smtClean="0"/>
+              <a:t>Artillery fire falls sustained by units not currently involved in combat</a:t>
             </a:r>
           </a:p>
           <a:p>
@@ -9941,8 +11131,8 @@
               <a:buChar char="-"/>
             </a:pPr>
             <a:r>
-              <a:rPr lang="nb-NO" dirty="0" smtClean="0"/>
-              <a:t>Logistics vehicles moving to the rear of the division area</a:t>
+              <a:rPr lang="nb-NO" sz="1600" dirty="0" smtClean="0"/>
+              <a:t>Reports of rear units (convoys or staging areas) reporting being hit by artillery or ambush teams</a:t>
             </a:r>
           </a:p>
           <a:p>
@@ -9950,14 +11140,25 @@
               <a:buFontTx/>
               <a:buChar char="-"/>
             </a:pPr>
-            <a:endParaRPr lang="nb-NO" dirty="0" smtClean="0"/>
+            <a:r>
+              <a:rPr lang="nb-NO" sz="1600" dirty="0" smtClean="0"/>
+              <a:t>Loss of contact with observation posts (Suggesting either they’ve fallen to a raid by enemy SOFs or that the communications line have been severed by enemy artillery/SOF activity</a:t>
+            </a:r>
+            <a:endParaRPr lang="nb-NO" sz="1600" dirty="0" smtClean="0"/>
           </a:p>
           <a:p>
             <a:pPr marL="285750" indent="-285750">
               <a:buFontTx/>
               <a:buChar char="-"/>
             </a:pPr>
-            <a:endParaRPr lang="nb-NO" dirty="0" smtClean="0"/>
+            <a:endParaRPr lang="nb-NO" sz="1600" dirty="0" smtClean="0"/>
+          </a:p>
+          <a:p>
+            <a:pPr marL="285750" indent="-285750">
+              <a:buFontTx/>
+              <a:buChar char="-"/>
+            </a:pPr>
+            <a:endParaRPr lang="nb-NO" sz="1600" dirty="0" smtClean="0"/>
           </a:p>
         </p:txBody>
       </p:sp>
@@ -10008,14 +11209,26 @@
             <p:ph type="title"/>
           </p:nvPr>
         </p:nvSpPr>
-        <p:spPr/>
+        <p:spPr>
+          <a:xfrm>
+            <a:off x="-71438" y="339503"/>
+            <a:ext cx="9144000" cy="767768"/>
+          </a:xfrm>
+        </p:spPr>
         <p:txBody>
           <a:bodyPr/>
           <a:lstStyle/>
           <a:p>
             <a:r>
               <a:rPr lang="en-US" dirty="0" smtClean="0"/>
-              <a:t>DIVISION DEFENSIVE</a:t>
+              <a:t>PHASES IN AN OFFENSIVE OPERATION: </a:t>
+            </a:r>
+            <a:br>
+              <a:rPr lang="en-US" dirty="0" smtClean="0"/>
+            </a:br>
+            <a:r>
+              <a:rPr lang="en-US" dirty="0" smtClean="0"/>
+              <a:t>ASSAULT</a:t>
             </a:r>
             <a:endParaRPr lang="en-US" dirty="0"/>
           </a:p>
@@ -10645,7 +11858,157 @@
           </a:p>
         </p:txBody>
       </p:sp>
+      <p:sp>
+        <p:nvSpPr>
+          <p:cNvPr id="19" name="TekstSylinder 18"/>
+          <p:cNvSpPr txBox="1"/>
+          <p:nvPr/>
+        </p:nvSpPr>
+        <p:spPr>
+          <a:xfrm>
+            <a:off x="179512" y="1000114"/>
+            <a:ext cx="8496944" cy="3293209"/>
+          </a:xfrm>
+          <a:prstGeom prst="rect">
+            <a:avLst/>
+          </a:prstGeom>
+          <a:noFill/>
+        </p:spPr>
+        <p:txBody>
+          <a:bodyPr wrap="square" rtlCol="0">
+            <a:spAutoFit/>
+          </a:bodyPr>
+          <a:lstStyle/>
+          <a:p>
+            <a:r>
+              <a:rPr lang="nb-NO" sz="1600" b="1" dirty="0" smtClean="0"/>
+              <a:t>Purpose:</a:t>
+            </a:r>
+          </a:p>
+          <a:p>
+            <a:r>
+              <a:rPr lang="nb-NO" sz="1600" dirty="0" smtClean="0"/>
+              <a:t>Utilize the unit’s manuevering forces to achieve the objective of the offensive (territorial gain or tactical or strategic condition).</a:t>
+            </a:r>
+            <a:endParaRPr lang="nb-NO" sz="1600" dirty="0" smtClean="0"/>
+          </a:p>
+          <a:p>
+            <a:endParaRPr lang="nb-NO" sz="1600" dirty="0" smtClean="0"/>
+          </a:p>
+          <a:p>
+            <a:r>
+              <a:rPr lang="nb-NO" sz="1600" b="1" dirty="0" smtClean="0"/>
+              <a:t>Activity:</a:t>
+            </a:r>
+          </a:p>
+          <a:p>
+            <a:pPr marL="285750" indent="-285750">
+              <a:buFontTx/>
+              <a:buChar char="-"/>
+            </a:pPr>
+            <a:r>
+              <a:rPr lang="nb-NO" sz="1600" dirty="0" smtClean="0"/>
+              <a:t>Attack conducted by the a manuever by the division’s manuevering brigades</a:t>
+            </a:r>
+          </a:p>
+          <a:p>
+            <a:pPr marL="285750" indent="-285750">
+              <a:buFontTx/>
+              <a:buChar char="-"/>
+            </a:pPr>
+            <a:r>
+              <a:rPr lang="nb-NO" sz="1600" dirty="0" smtClean="0"/>
+              <a:t>Utilization of supporting assets such as artillery and air-support</a:t>
+            </a:r>
+          </a:p>
+          <a:p>
+            <a:endParaRPr lang="nb-NO" sz="1600" dirty="0" smtClean="0"/>
+          </a:p>
+          <a:p>
+            <a:r>
+              <a:rPr lang="nb-NO" sz="1600" b="1" dirty="0" smtClean="0"/>
+              <a:t>Indicators:</a:t>
+            </a:r>
+          </a:p>
+          <a:p>
+            <a:pPr marL="285750" indent="-285750">
+              <a:buFontTx/>
+              <a:buChar char="-"/>
+            </a:pPr>
+            <a:r>
+              <a:rPr lang="nb-NO" sz="1600" dirty="0" smtClean="0"/>
+              <a:t>Movement by some or all of the manuevering brigades pushing the FLOT</a:t>
+            </a:r>
+          </a:p>
+          <a:p>
+            <a:pPr marL="285750" indent="-285750">
+              <a:buFontTx/>
+              <a:buChar char="-"/>
+            </a:pPr>
+            <a:endParaRPr lang="nb-NO" sz="1600" dirty="0" smtClean="0"/>
+          </a:p>
+          <a:p>
+            <a:pPr marL="285750" indent="-285750">
+              <a:buFontTx/>
+              <a:buChar char="-"/>
+            </a:pPr>
+            <a:endParaRPr lang="nb-NO" sz="1600" dirty="0" smtClean="0"/>
+          </a:p>
+          <a:p>
+            <a:pPr marL="285750" indent="-285750">
+              <a:buFontTx/>
+              <a:buChar char="-"/>
+            </a:pPr>
+            <a:endParaRPr lang="nb-NO" sz="1600" dirty="0" smtClean="0"/>
+          </a:p>
+        </p:txBody>
+      </p:sp>
+      <p:sp>
+        <p:nvSpPr>
+          <p:cNvPr id="20" name="TekstSylinder 9"/>
+          <p:cNvSpPr txBox="1"/>
+          <p:nvPr/>
+        </p:nvSpPr>
+        <p:spPr>
+          <a:xfrm rot="18996742">
+            <a:off x="5420137" y="1745194"/>
+            <a:ext cx="2423186" cy="707886"/>
+          </a:xfrm>
+          <a:prstGeom prst="rect">
+            <a:avLst/>
+          </a:prstGeom>
+          <a:noFill/>
+        </p:spPr>
+        <p:txBody>
+          <a:bodyPr wrap="square" rtlCol="0">
+            <a:spAutoFit/>
+          </a:bodyPr>
+          <a:lstStyle/>
+          <a:p>
+            <a:r>
+              <a:rPr lang="en-US" sz="4000" b="1" dirty="0" smtClean="0">
+                <a:solidFill>
+                  <a:srgbClr val="FF0000"/>
+                </a:solidFill>
+                <a:latin typeface="Arial Black" pitchFamily="34" charset="0"/>
+              </a:rPr>
+              <a:t>DRAFT</a:t>
+            </a:r>
+            <a:endParaRPr lang="en-US" sz="4000" b="1" dirty="0">
+              <a:solidFill>
+                <a:srgbClr val="FF0000"/>
+              </a:solidFill>
+              <a:latin typeface="Arial Black" pitchFamily="34" charset="0"/>
+            </a:endParaRPr>
+          </a:p>
+        </p:txBody>
+      </p:sp>
     </p:spTree>
+    <p:extLst>
+      <p:ext uri="{BB962C8B-B14F-4D97-AF65-F5344CB8AC3E}">
+        <p14:creationId xmlns:p14="http://schemas.microsoft.com/office/powerpoint/2010/main" val="3349576044"/>
+      </p:ext>
+    </p:extLst>
   </p:cSld>
   <p:clrMapOvr>
     <a:masterClrMapping/>
@@ -10694,7 +12057,7 @@
           <a:p>
             <a:r>
               <a:rPr lang="en-US" dirty="0" smtClean="0"/>
-              <a:t>USE OF SHOCK BATTALIONS</a:t>
+              <a:t>DIVISION DEFENSIVE</a:t>
             </a:r>
             <a:endParaRPr lang="en-US" dirty="0"/>
           </a:p>
@@ -11373,550 +12736,9 @@
           <a:p>
             <a:r>
               <a:rPr lang="en-US" dirty="0" smtClean="0"/>
-              <a:t>INDICATORS</a:t>
+              <a:t>USE OF SHOCK BATTALIONS</a:t>
             </a:r>
             <a:endParaRPr lang="en-US" dirty="0"/>
-          </a:p>
-        </p:txBody>
-      </p:sp>
-      <p:sp>
-        <p:nvSpPr>
-          <p:cNvPr id="6" name="TekstSylinder 5"/>
-          <p:cNvSpPr txBox="1"/>
-          <p:nvPr/>
-        </p:nvSpPr>
-        <p:spPr>
-          <a:xfrm>
-            <a:off x="0" y="642924"/>
-            <a:ext cx="8786842" cy="4286280"/>
-          </a:xfrm>
-          <a:prstGeom prst="rect">
-            <a:avLst/>
-          </a:prstGeom>
-          <a:noFill/>
-          <a:ln>
-            <a:noFill/>
-          </a:ln>
-        </p:spPr>
-        <p:txBody>
-          <a:bodyPr wrap="square" rtlCol="0">
-            <a:normAutofit/>
-          </a:bodyPr>
-          <a:lstStyle/>
-          <a:p>
-            <a:pPr>
-              <a:buFont typeface="Arial" pitchFamily="34" charset="0"/>
-              <a:buChar char="•"/>
-            </a:pPr>
-            <a:r>
-              <a:rPr lang="nb-NO" sz="1200" dirty="0" smtClean="0"/>
-              <a:t>BM-21 </a:t>
-            </a:r>
-            <a:r>
-              <a:rPr lang="nb-NO" sz="1200" dirty="0" err="1" smtClean="0"/>
-              <a:t>launch</a:t>
-            </a:r>
-            <a:r>
-              <a:rPr lang="nb-NO" sz="1200" dirty="0" smtClean="0"/>
-              <a:t> or </a:t>
-            </a:r>
-            <a:r>
-              <a:rPr lang="nb-NO" sz="1200" dirty="0" err="1" smtClean="0"/>
-              <a:t>movement</a:t>
-            </a:r>
-            <a:r>
-              <a:rPr lang="nb-NO" sz="1200" dirty="0" smtClean="0"/>
-              <a:t> </a:t>
-            </a:r>
-            <a:r>
-              <a:rPr lang="nb-NO" sz="1200" dirty="0" err="1" smtClean="0"/>
-              <a:t>into</a:t>
-            </a:r>
-            <a:r>
-              <a:rPr lang="nb-NO" sz="1200" dirty="0" smtClean="0"/>
-              <a:t> firing </a:t>
-            </a:r>
-            <a:r>
-              <a:rPr lang="nb-NO" sz="1200" dirty="0" err="1" smtClean="0"/>
-              <a:t>positions</a:t>
-            </a:r>
-            <a:r>
-              <a:rPr lang="nb-NO" sz="1200" dirty="0" smtClean="0"/>
-              <a:t>. </a:t>
-            </a:r>
-          </a:p>
-          <a:p>
-            <a:pPr lvl="1">
-              <a:buFont typeface="Arial" pitchFamily="34" charset="0"/>
-              <a:buChar char="•"/>
-            </a:pPr>
-            <a:r>
-              <a:rPr lang="nb-NO" sz="1200" dirty="0" smtClean="0"/>
-              <a:t>Preparing offensive / </a:t>
-            </a:r>
-            <a:r>
-              <a:rPr lang="nb-NO" sz="1200" dirty="0" err="1" smtClean="0"/>
-              <a:t>Attack</a:t>
-            </a:r>
-            <a:endParaRPr lang="nb-NO" sz="1200" dirty="0" smtClean="0"/>
-          </a:p>
-          <a:p>
-            <a:pPr>
-              <a:buFont typeface="Arial" pitchFamily="34" charset="0"/>
-              <a:buChar char="•"/>
-            </a:pPr>
-            <a:r>
-              <a:rPr lang="nb-NO" sz="1200" dirty="0" smtClean="0"/>
-              <a:t>RW </a:t>
-            </a:r>
-            <a:r>
-              <a:rPr lang="nb-NO" sz="1200" dirty="0" err="1" smtClean="0"/>
-              <a:t>activity</a:t>
-            </a:r>
-            <a:r>
-              <a:rPr lang="nb-NO" sz="1200" dirty="0" smtClean="0"/>
-              <a:t> </a:t>
-            </a:r>
-            <a:r>
-              <a:rPr lang="nb-NO" sz="1200" dirty="0" err="1" smtClean="0"/>
-              <a:t>deep</a:t>
-            </a:r>
-            <a:r>
-              <a:rPr lang="nb-NO" sz="1200" dirty="0" smtClean="0"/>
-              <a:t> </a:t>
-            </a:r>
-            <a:r>
-              <a:rPr lang="nb-NO" sz="1200" dirty="0" err="1" smtClean="0"/>
-              <a:t>into</a:t>
-            </a:r>
-            <a:r>
-              <a:rPr lang="nb-NO" sz="1200" dirty="0" smtClean="0"/>
-              <a:t> </a:t>
-            </a:r>
-            <a:r>
-              <a:rPr lang="nb-NO" sz="1200" dirty="0" err="1" smtClean="0"/>
-              <a:t>enemy</a:t>
-            </a:r>
-            <a:r>
-              <a:rPr lang="nb-NO" sz="1200" dirty="0" smtClean="0"/>
-              <a:t> </a:t>
-            </a:r>
-            <a:r>
-              <a:rPr lang="nb-NO" sz="1200" dirty="0" err="1" smtClean="0"/>
-              <a:t>territory</a:t>
-            </a:r>
-            <a:endParaRPr lang="nb-NO" sz="1200" dirty="0" smtClean="0"/>
-          </a:p>
-          <a:p>
-            <a:pPr lvl="1">
-              <a:buFont typeface="Arial" pitchFamily="34" charset="0"/>
-              <a:buChar char="•"/>
-            </a:pPr>
-            <a:r>
-              <a:rPr lang="nb-NO" sz="1200" dirty="0" err="1" smtClean="0"/>
-              <a:t>Insertion</a:t>
-            </a:r>
-            <a:r>
-              <a:rPr lang="nb-NO" sz="1200" dirty="0" smtClean="0"/>
-              <a:t> </a:t>
-            </a:r>
-            <a:r>
-              <a:rPr lang="nb-NO" sz="1200" dirty="0" err="1" smtClean="0"/>
-              <a:t>of</a:t>
-            </a:r>
-            <a:r>
-              <a:rPr lang="nb-NO" sz="1200" dirty="0" smtClean="0"/>
-              <a:t> Long Range </a:t>
-            </a:r>
-            <a:r>
-              <a:rPr lang="nb-NO" sz="1200" dirty="0" err="1" smtClean="0"/>
-              <a:t>Recon</a:t>
-            </a:r>
-            <a:endParaRPr lang="nb-NO" sz="1200" dirty="0" smtClean="0"/>
-          </a:p>
-          <a:p>
-            <a:pPr>
-              <a:buFont typeface="Arial" pitchFamily="34" charset="0"/>
-              <a:buChar char="•"/>
-            </a:pPr>
-            <a:r>
-              <a:rPr lang="nb-NO" sz="1200" dirty="0" smtClean="0"/>
-              <a:t>FW (transport) </a:t>
-            </a:r>
-            <a:r>
-              <a:rPr lang="nb-NO" sz="1200" dirty="0" err="1" smtClean="0"/>
-              <a:t>activity</a:t>
-            </a:r>
-            <a:r>
-              <a:rPr lang="nb-NO" sz="1200" dirty="0" smtClean="0"/>
-              <a:t> </a:t>
-            </a:r>
-            <a:r>
-              <a:rPr lang="nb-NO" sz="1200" dirty="0" err="1" smtClean="0"/>
-              <a:t>deep</a:t>
-            </a:r>
-            <a:r>
-              <a:rPr lang="nb-NO" sz="1200" dirty="0" smtClean="0"/>
-              <a:t> </a:t>
-            </a:r>
-            <a:r>
-              <a:rPr lang="nb-NO" sz="1200" dirty="0" err="1" smtClean="0"/>
-              <a:t>into</a:t>
-            </a:r>
-            <a:r>
-              <a:rPr lang="nb-NO" sz="1200" dirty="0" smtClean="0"/>
-              <a:t> </a:t>
-            </a:r>
-            <a:r>
-              <a:rPr lang="nb-NO" sz="1200" dirty="0" err="1" smtClean="0"/>
-              <a:t>enemy</a:t>
-            </a:r>
-            <a:r>
-              <a:rPr lang="nb-NO" sz="1200" dirty="0" smtClean="0"/>
-              <a:t> </a:t>
-            </a:r>
-            <a:r>
-              <a:rPr lang="nb-NO" sz="1200" dirty="0" err="1" smtClean="0"/>
-              <a:t>territory</a:t>
-            </a:r>
-            <a:endParaRPr lang="nb-NO" sz="1200" dirty="0" smtClean="0"/>
-          </a:p>
-          <a:p>
-            <a:pPr lvl="1">
-              <a:buFont typeface="Arial" pitchFamily="34" charset="0"/>
-              <a:buChar char="•"/>
-            </a:pPr>
-            <a:r>
-              <a:rPr lang="nb-NO" sz="1200" dirty="0" err="1" smtClean="0"/>
-              <a:t>Airborne</a:t>
-            </a:r>
-            <a:r>
-              <a:rPr lang="nb-NO" sz="1200" dirty="0" smtClean="0"/>
-              <a:t> </a:t>
-            </a:r>
-            <a:r>
-              <a:rPr lang="nb-NO" sz="1200" dirty="0" err="1" smtClean="0"/>
-              <a:t>Assault</a:t>
-            </a:r>
-            <a:r>
-              <a:rPr lang="nb-NO" sz="1200" dirty="0" smtClean="0"/>
-              <a:t> ( </a:t>
-            </a:r>
-            <a:r>
-              <a:rPr lang="nb-NO" sz="1200" dirty="0" err="1" smtClean="0"/>
-              <a:t>Many</a:t>
-            </a:r>
-            <a:r>
-              <a:rPr lang="nb-NO" sz="1200" dirty="0" smtClean="0"/>
-              <a:t> FW transports)</a:t>
-            </a:r>
-          </a:p>
-          <a:p>
-            <a:pPr lvl="1">
-              <a:buFont typeface="Arial" pitchFamily="34" charset="0"/>
-              <a:buChar char="•"/>
-            </a:pPr>
-            <a:r>
-              <a:rPr lang="nb-NO" sz="1200" dirty="0" smtClean="0"/>
-              <a:t>Long range </a:t>
-            </a:r>
-            <a:r>
-              <a:rPr lang="nb-NO" sz="1200" dirty="0" err="1" smtClean="0"/>
-              <a:t>Recon</a:t>
-            </a:r>
-            <a:r>
-              <a:rPr lang="nb-NO" sz="1200" dirty="0" smtClean="0"/>
-              <a:t> ( </a:t>
-            </a:r>
-            <a:r>
-              <a:rPr lang="nb-NO" sz="1200" dirty="0" err="1" smtClean="0"/>
-              <a:t>If</a:t>
-            </a:r>
-            <a:r>
-              <a:rPr lang="nb-NO" sz="1200" dirty="0" smtClean="0"/>
-              <a:t> </a:t>
-            </a:r>
-            <a:r>
-              <a:rPr lang="nb-NO" sz="1200" dirty="0" err="1" smtClean="0"/>
-              <a:t>only</a:t>
-            </a:r>
-            <a:r>
-              <a:rPr lang="nb-NO" sz="1200" dirty="0" smtClean="0"/>
-              <a:t> a single AC is in </a:t>
-            </a:r>
-            <a:r>
-              <a:rPr lang="nb-NO" sz="1200" dirty="0" err="1" smtClean="0"/>
-              <a:t>use</a:t>
-            </a:r>
-            <a:r>
-              <a:rPr lang="nb-NO" sz="1200" dirty="0" smtClean="0"/>
-              <a:t>, or flying </a:t>
-            </a:r>
-            <a:r>
-              <a:rPr lang="nb-NO" sz="1200" dirty="0" err="1" smtClean="0"/>
-              <a:t>tactical</a:t>
-            </a:r>
-            <a:r>
-              <a:rPr lang="nb-NO" sz="1200" dirty="0" smtClean="0"/>
-              <a:t>, </a:t>
-            </a:r>
-            <a:r>
-              <a:rPr lang="nb-NO" sz="1200" dirty="0" err="1" smtClean="0"/>
-              <a:t>low</a:t>
-            </a:r>
-            <a:r>
-              <a:rPr lang="nb-NO" sz="1200" dirty="0" smtClean="0"/>
-              <a:t> </a:t>
-            </a:r>
-            <a:r>
-              <a:rPr lang="nb-NO" sz="1200" dirty="0" err="1" smtClean="0"/>
-              <a:t>level</a:t>
-            </a:r>
-            <a:r>
-              <a:rPr lang="nb-NO" sz="1200" dirty="0" smtClean="0"/>
-              <a:t>)</a:t>
-            </a:r>
-          </a:p>
-          <a:p>
-            <a:pPr>
-              <a:buFont typeface="Arial" pitchFamily="34" charset="0"/>
-              <a:buChar char="•"/>
-            </a:pPr>
-            <a:r>
-              <a:rPr lang="nb-NO" sz="1200" dirty="0" err="1" smtClean="0"/>
-              <a:t>Artillery</a:t>
-            </a:r>
-            <a:r>
-              <a:rPr lang="nb-NO" sz="1200" dirty="0" smtClean="0"/>
-              <a:t> at a </a:t>
-            </a:r>
-            <a:r>
-              <a:rPr lang="nb-NO" sz="1200" dirty="0" err="1" smtClean="0"/>
-              <a:t>certain</a:t>
-            </a:r>
-            <a:r>
-              <a:rPr lang="nb-NO" sz="1200" dirty="0" smtClean="0"/>
-              <a:t> </a:t>
-            </a:r>
-            <a:r>
-              <a:rPr lang="nb-NO" sz="1200" dirty="0" err="1" smtClean="0"/>
-              <a:t>point</a:t>
-            </a:r>
-            <a:r>
-              <a:rPr lang="nb-NO" sz="1200" dirty="0" smtClean="0"/>
-              <a:t> (</a:t>
-            </a:r>
-            <a:r>
-              <a:rPr lang="nb-NO" sz="1200" dirty="0" err="1" smtClean="0"/>
-              <a:t>point</a:t>
-            </a:r>
-            <a:r>
-              <a:rPr lang="nb-NO" sz="1200" dirty="0" smtClean="0"/>
-              <a:t> target)</a:t>
-            </a:r>
-          </a:p>
-          <a:p>
-            <a:pPr lvl="1">
-              <a:buFont typeface="Arial" pitchFamily="34" charset="0"/>
-              <a:buChar char="•"/>
-            </a:pPr>
-            <a:r>
-              <a:rPr lang="nb-NO" sz="1200" dirty="0" err="1" smtClean="0"/>
-              <a:t>Trying</a:t>
-            </a:r>
-            <a:r>
-              <a:rPr lang="nb-NO" sz="1200" dirty="0" smtClean="0"/>
-              <a:t> to kill the target</a:t>
-            </a:r>
-          </a:p>
-          <a:p>
-            <a:pPr>
-              <a:buFont typeface="Arial" pitchFamily="34" charset="0"/>
-              <a:buChar char="•"/>
-            </a:pPr>
-            <a:r>
-              <a:rPr lang="nb-NO" sz="1200" dirty="0" err="1" smtClean="0"/>
-              <a:t>Artillery</a:t>
-            </a:r>
-            <a:r>
-              <a:rPr lang="nb-NO" sz="1200" dirty="0" smtClean="0"/>
-              <a:t> at an area</a:t>
-            </a:r>
-          </a:p>
-          <a:p>
-            <a:pPr lvl="1">
-              <a:buFont typeface="Arial" pitchFamily="34" charset="0"/>
-              <a:buChar char="•"/>
-            </a:pPr>
-            <a:r>
-              <a:rPr lang="nb-NO" sz="1200" dirty="0" err="1" smtClean="0"/>
-              <a:t>Suppression</a:t>
-            </a:r>
-            <a:r>
-              <a:rPr lang="nb-NO" sz="1200" dirty="0" smtClean="0"/>
-              <a:t>, to cover for </a:t>
-            </a:r>
-            <a:r>
-              <a:rPr lang="nb-NO" sz="1200" dirty="0" err="1" smtClean="0"/>
-              <a:t>movement</a:t>
-            </a:r>
-            <a:r>
-              <a:rPr lang="nb-NO" sz="1200" dirty="0" smtClean="0"/>
-              <a:t> / </a:t>
-            </a:r>
-            <a:r>
-              <a:rPr lang="nb-NO" sz="1200" dirty="0" err="1" smtClean="0"/>
-              <a:t>attack</a:t>
-            </a:r>
-            <a:endParaRPr lang="nb-NO" sz="1200" dirty="0" smtClean="0"/>
-          </a:p>
-          <a:p>
-            <a:pPr>
-              <a:buFont typeface="Arial" pitchFamily="34" charset="0"/>
-              <a:buChar char="•"/>
-            </a:pPr>
-            <a:r>
-              <a:rPr lang="nb-NO" sz="1200" dirty="0" smtClean="0"/>
-              <a:t>Fill </a:t>
-            </a:r>
-            <a:r>
-              <a:rPr lang="nb-NO" sz="1200" dirty="0" err="1" smtClean="0"/>
-              <a:t>out</a:t>
-            </a:r>
-            <a:r>
-              <a:rPr lang="nb-NO" sz="1200" dirty="0" smtClean="0"/>
-              <a:t> </a:t>
-            </a:r>
-            <a:r>
-              <a:rPr lang="nb-NO" sz="1200" dirty="0" err="1" smtClean="0"/>
-              <a:t>many</a:t>
-            </a:r>
-            <a:r>
-              <a:rPr lang="nb-NO" sz="1200" dirty="0" smtClean="0"/>
-              <a:t> more…..</a:t>
-            </a:r>
-          </a:p>
-          <a:p>
-            <a:pPr>
-              <a:buFont typeface="Arial" pitchFamily="34" charset="0"/>
-              <a:buChar char="•"/>
-            </a:pPr>
-            <a:endParaRPr lang="nb-NO" sz="1200" dirty="0" smtClean="0"/>
-          </a:p>
-          <a:p>
-            <a:pPr>
-              <a:buFont typeface="Arial" pitchFamily="34" charset="0"/>
-              <a:buChar char="•"/>
-            </a:pPr>
-            <a:r>
-              <a:rPr lang="nb-NO" sz="1200" dirty="0" err="1" smtClean="0"/>
-              <a:t>Artillery</a:t>
-            </a:r>
-            <a:r>
-              <a:rPr lang="nb-NO" sz="1200" dirty="0" smtClean="0"/>
-              <a:t> </a:t>
-            </a:r>
-            <a:r>
-              <a:rPr lang="nb-NO" sz="1200" dirty="0" err="1" smtClean="0"/>
-              <a:t>units</a:t>
-            </a:r>
-            <a:r>
-              <a:rPr lang="nb-NO" sz="1200" dirty="0" smtClean="0"/>
-              <a:t> in firing </a:t>
-            </a:r>
-            <a:r>
-              <a:rPr lang="nb-NO" sz="1200" dirty="0" err="1" smtClean="0"/>
-              <a:t>position</a:t>
-            </a:r>
-            <a:r>
-              <a:rPr lang="nb-NO" sz="1200" dirty="0" smtClean="0"/>
-              <a:t> (</a:t>
-            </a:r>
-            <a:r>
-              <a:rPr lang="nb-NO" sz="1200" dirty="0" err="1" smtClean="0"/>
-              <a:t>spread</a:t>
-            </a:r>
-            <a:r>
-              <a:rPr lang="nb-NO" sz="1200" dirty="0" smtClean="0"/>
-              <a:t> </a:t>
-            </a:r>
-            <a:r>
-              <a:rPr lang="nb-NO" sz="1200" dirty="0" err="1" smtClean="0"/>
-              <a:t>out</a:t>
-            </a:r>
-            <a:r>
-              <a:rPr lang="nb-NO" sz="1200" dirty="0" smtClean="0"/>
-              <a:t>, IAW a </a:t>
-            </a:r>
-            <a:r>
-              <a:rPr lang="nb-NO" sz="1200" dirty="0" err="1" smtClean="0"/>
-              <a:t>template</a:t>
-            </a:r>
-            <a:r>
-              <a:rPr lang="nb-NO" sz="1200" dirty="0" smtClean="0"/>
-              <a:t>)</a:t>
-            </a:r>
-          </a:p>
-          <a:p>
-            <a:pPr>
-              <a:buFont typeface="Arial" pitchFamily="34" charset="0"/>
-              <a:buChar char="•"/>
-            </a:pPr>
-            <a:r>
-              <a:rPr lang="nb-NO" sz="1200" dirty="0" smtClean="0"/>
-              <a:t>General </a:t>
-            </a:r>
-            <a:r>
-              <a:rPr lang="nb-NO" sz="1200" dirty="0" err="1" smtClean="0"/>
-              <a:t>convoy</a:t>
-            </a:r>
-            <a:r>
-              <a:rPr lang="nb-NO" sz="1200" dirty="0" smtClean="0"/>
-              <a:t> </a:t>
-            </a:r>
-            <a:r>
-              <a:rPr lang="nb-NO" sz="1200" dirty="0" err="1" smtClean="0"/>
-              <a:t>movement</a:t>
-            </a:r>
-            <a:endParaRPr lang="nb-NO" sz="1200" dirty="0" smtClean="0"/>
-          </a:p>
-          <a:p>
-            <a:pPr lvl="1">
-              <a:buFont typeface="Arial" pitchFamily="34" charset="0"/>
-              <a:buChar char="•"/>
-            </a:pPr>
-            <a:r>
-              <a:rPr lang="nb-NO" sz="1200" dirty="0" err="1" smtClean="0"/>
-              <a:t>Upcoming</a:t>
-            </a:r>
-            <a:r>
-              <a:rPr lang="nb-NO" sz="1200" dirty="0" smtClean="0"/>
-              <a:t> action (offensive), in a </a:t>
-            </a:r>
-            <a:r>
-              <a:rPr lang="nb-NO" sz="1200" dirty="0" err="1" smtClean="0"/>
-              <a:t>certian</a:t>
-            </a:r>
-            <a:r>
-              <a:rPr lang="nb-NO" sz="1200" dirty="0" smtClean="0"/>
-              <a:t> </a:t>
-            </a:r>
-            <a:r>
-              <a:rPr lang="nb-NO" sz="1200" dirty="0" err="1" smtClean="0"/>
-              <a:t>amount</a:t>
-            </a:r>
-            <a:r>
-              <a:rPr lang="nb-NO" sz="1200" dirty="0" smtClean="0"/>
-              <a:t> </a:t>
-            </a:r>
-            <a:r>
-              <a:rPr lang="nb-NO" sz="1200" dirty="0" err="1" smtClean="0"/>
-              <a:t>of</a:t>
-            </a:r>
-            <a:r>
-              <a:rPr lang="nb-NO" sz="1200" dirty="0" smtClean="0"/>
-              <a:t> time</a:t>
-            </a:r>
           </a:p>
         </p:txBody>
       </p:sp>

--- a/OPAR/INTREP VIS OPAR-001 - Syrian ground combat tactics.pptx
+++ b/OPAR/INTREP VIS OPAR-001 - Syrian ground combat tactics.pptx
@@ -203,7 +203,7 @@
             <a:fld id="{40637A30-8EE1-4060-9976-8832FC89EE34}" type="datetimeFigureOut">
               <a:rPr lang="nb-NO" smtClean="0"/>
               <a:pPr/>
-              <a:t>31.07.2020</a:t>
+              <a:t>02.08.2020</a:t>
             </a:fld>
             <a:endParaRPr lang="nb-NO"/>
           </a:p>
@@ -374,7 +374,7 @@
     </p:spTree>
     <p:extLst>
       <p:ext uri="{BB962C8B-B14F-4D97-AF65-F5344CB8AC3E}">
-        <p14:creationId xmlns:p14="http://schemas.microsoft.com/office/powerpoint/2010/main" val="2256331300"/>
+        <p14:creationId xmlns:p14="http://schemas.microsoft.com/office/powerpoint/2010/main" xmlns="" val="2256331300"/>
       </p:ext>
     </p:extLst>
   </p:cSld>
@@ -8691,10 +8691,61 @@
           </a:p>
         </p:txBody>
       </p:sp>
+      <p:sp>
+        <p:nvSpPr>
+          <p:cNvPr id="32" name="TekstSylinder 31"/>
+          <p:cNvSpPr txBox="1"/>
+          <p:nvPr/>
+        </p:nvSpPr>
+        <p:spPr>
+          <a:xfrm>
+            <a:off x="5903640" y="0"/>
+            <a:ext cx="3240360" cy="646331"/>
+          </a:xfrm>
+          <a:prstGeom prst="rect">
+            <a:avLst/>
+          </a:prstGeom>
+          <a:solidFill>
+            <a:schemeClr val="bg1"/>
+          </a:solidFill>
+          <a:ln w="38100">
+            <a:solidFill>
+              <a:srgbClr val="C00000"/>
+            </a:solidFill>
+          </a:ln>
+        </p:spPr>
+        <p:txBody>
+          <a:bodyPr wrap="square" rtlCol="0">
+            <a:spAutoFit/>
+          </a:bodyPr>
+          <a:lstStyle/>
+          <a:p>
+            <a:r>
+              <a:rPr lang="en-US" sz="1200" b="1" u="sng" dirty="0" smtClean="0"/>
+              <a:t>COMMENT NECK, 2</a:t>
+            </a:r>
+            <a:r>
+              <a:rPr lang="en-US" sz="1200" b="1" u="sng" baseline="30000" dirty="0" smtClean="0"/>
+              <a:t>nd</a:t>
+            </a:r>
+            <a:r>
+              <a:rPr lang="en-US" sz="1200" b="1" u="sng" dirty="0" smtClean="0"/>
+              <a:t> August:</a:t>
+            </a:r>
+          </a:p>
+          <a:p>
+            <a:r>
+              <a:rPr lang="en-US" sz="1200" dirty="0" smtClean="0"/>
+              <a:t>Need to look into Arty BN, think they may be a part of the brigades</a:t>
+            </a:r>
+            <a:endParaRPr lang="en-US" sz="1200" dirty="0"/>
+          </a:p>
+        </p:txBody>
+      </p:sp>
     </p:spTree>
     <p:extLst>
       <p:ext uri="{BB962C8B-B14F-4D97-AF65-F5344CB8AC3E}">
-        <p14:creationId xmlns:p14="http://schemas.microsoft.com/office/powerpoint/2010/main" val="1177541819"/>
+        <p14:creationId xmlns:p14="http://schemas.microsoft.com/office/powerpoint/2010/main" xmlns="" val="1177541819"/>
       </p:ext>
     </p:extLst>
   </p:cSld>
@@ -10347,10 +10398,61 @@
           </a:p>
         </p:txBody>
       </p:sp>
+      <p:sp>
+        <p:nvSpPr>
+          <p:cNvPr id="20" name="TekstSylinder 19"/>
+          <p:cNvSpPr txBox="1"/>
+          <p:nvPr/>
+        </p:nvSpPr>
+        <p:spPr>
+          <a:xfrm>
+            <a:off x="5903640" y="0"/>
+            <a:ext cx="3240360" cy="830997"/>
+          </a:xfrm>
+          <a:prstGeom prst="rect">
+            <a:avLst/>
+          </a:prstGeom>
+          <a:solidFill>
+            <a:schemeClr val="bg1"/>
+          </a:solidFill>
+          <a:ln w="38100">
+            <a:solidFill>
+              <a:srgbClr val="C00000"/>
+            </a:solidFill>
+          </a:ln>
+        </p:spPr>
+        <p:txBody>
+          <a:bodyPr wrap="square" rtlCol="0">
+            <a:spAutoFit/>
+          </a:bodyPr>
+          <a:lstStyle/>
+          <a:p>
+            <a:r>
+              <a:rPr lang="en-US" sz="1200" b="1" u="sng" dirty="0" smtClean="0"/>
+              <a:t>COMMENT NECK, 2</a:t>
+            </a:r>
+            <a:r>
+              <a:rPr lang="en-US" sz="1200" b="1" u="sng" baseline="30000" dirty="0" smtClean="0"/>
+              <a:t>nd</a:t>
+            </a:r>
+            <a:r>
+              <a:rPr lang="en-US" sz="1200" b="1" u="sng" dirty="0" smtClean="0"/>
+              <a:t> August:</a:t>
+            </a:r>
+          </a:p>
+          <a:p>
+            <a:r>
+              <a:rPr lang="en-US" sz="1200" dirty="0" smtClean="0"/>
+              <a:t>Should include some timings, so that both we as mission designers, but also VIS then can make assessment when things will take place next.</a:t>
+            </a:r>
+            <a:endParaRPr lang="en-US" sz="1200" dirty="0"/>
+          </a:p>
+        </p:txBody>
+      </p:sp>
     </p:spTree>
     <p:extLst>
       <p:ext uri="{BB962C8B-B14F-4D97-AF65-F5344CB8AC3E}">
-        <p14:creationId xmlns:p14="http://schemas.microsoft.com/office/powerpoint/2010/main" val="390204938"/>
+        <p14:creationId xmlns:p14="http://schemas.microsoft.com/office/powerpoint/2010/main" xmlns="" val="390204938"/>
       </p:ext>
     </p:extLst>
   </p:cSld>
@@ -11075,7 +11177,6 @@
               <a:rPr lang="nb-NO" sz="1600" dirty="0" smtClean="0"/>
               <a:t>Shape the conditions in the battlefield to be in favor of the offensive force by hindering the enemy’s ability to counter the coming offensive.</a:t>
             </a:r>
-            <a:endParaRPr lang="nb-NO" sz="1600" dirty="0" smtClean="0"/>
           </a:p>
           <a:p>
             <a:endParaRPr lang="nb-NO" sz="1600" dirty="0" smtClean="0"/>
@@ -11144,7 +11245,6 @@
               <a:rPr lang="nb-NO" sz="1600" dirty="0" smtClean="0"/>
               <a:t>Loss of contact with observation posts (Suggesting either they’ve fallen to a raid by enemy SOFs or that the communications line have been severed by enemy artillery/SOF activity</a:t>
             </a:r>
-            <a:endParaRPr lang="nb-NO" sz="1600" dirty="0" smtClean="0"/>
           </a:p>
           <a:p>
             <a:pPr marL="285750" indent="-285750">
@@ -11162,10 +11262,61 @@
           </a:p>
         </p:txBody>
       </p:sp>
+      <p:sp>
+        <p:nvSpPr>
+          <p:cNvPr id="20" name="TekstSylinder 19"/>
+          <p:cNvSpPr txBox="1"/>
+          <p:nvPr/>
+        </p:nvSpPr>
+        <p:spPr>
+          <a:xfrm>
+            <a:off x="5903640" y="0"/>
+            <a:ext cx="3240360" cy="830997"/>
+          </a:xfrm>
+          <a:prstGeom prst="rect">
+            <a:avLst/>
+          </a:prstGeom>
+          <a:solidFill>
+            <a:schemeClr val="bg1"/>
+          </a:solidFill>
+          <a:ln w="38100">
+            <a:solidFill>
+              <a:srgbClr val="C00000"/>
+            </a:solidFill>
+          </a:ln>
+        </p:spPr>
+        <p:txBody>
+          <a:bodyPr wrap="square" rtlCol="0">
+            <a:spAutoFit/>
+          </a:bodyPr>
+          <a:lstStyle/>
+          <a:p>
+            <a:r>
+              <a:rPr lang="en-US" sz="1200" b="1" u="sng" dirty="0" smtClean="0"/>
+              <a:t>COMMENT NECK, 2</a:t>
+            </a:r>
+            <a:r>
+              <a:rPr lang="en-US" sz="1200" b="1" u="sng" baseline="30000" dirty="0" smtClean="0"/>
+              <a:t>nd</a:t>
+            </a:r>
+            <a:r>
+              <a:rPr lang="en-US" sz="1200" b="1" u="sng" dirty="0" smtClean="0"/>
+              <a:t> August:</a:t>
+            </a:r>
+          </a:p>
+          <a:p>
+            <a:r>
+              <a:rPr lang="en-US" sz="1200" dirty="0" smtClean="0"/>
+              <a:t>Should include some timings, so that both we as mission designers, but also VIS then can make assessment when things will take place next.</a:t>
+            </a:r>
+            <a:endParaRPr lang="en-US" sz="1200" dirty="0"/>
+          </a:p>
+        </p:txBody>
+      </p:sp>
     </p:spTree>
     <p:extLst>
       <p:ext uri="{BB962C8B-B14F-4D97-AF65-F5344CB8AC3E}">
-        <p14:creationId xmlns:p14="http://schemas.microsoft.com/office/powerpoint/2010/main" val="4063869597"/>
+        <p14:creationId xmlns:p14="http://schemas.microsoft.com/office/powerpoint/2010/main" xmlns="" val="4063869597"/>
       </p:ext>
     </p:extLst>
   </p:cSld>
@@ -11890,7 +12041,6 @@
               <a:rPr lang="nb-NO" sz="1600" dirty="0" smtClean="0"/>
               <a:t>Utilize the unit’s manuevering forces to achieve the objective of the offensive (territorial gain or tactical or strategic condition).</a:t>
             </a:r>
-            <a:endParaRPr lang="nb-NO" sz="1600" dirty="0" smtClean="0"/>
           </a:p>
           <a:p>
             <a:endParaRPr lang="nb-NO" sz="1600" dirty="0" smtClean="0"/>
@@ -12006,7 +12156,7 @@
     </p:spTree>
     <p:extLst>
       <p:ext uri="{BB962C8B-B14F-4D97-AF65-F5344CB8AC3E}">
-        <p14:creationId xmlns:p14="http://schemas.microsoft.com/office/powerpoint/2010/main" val="3349576044"/>
+        <p14:creationId xmlns:p14="http://schemas.microsoft.com/office/powerpoint/2010/main" xmlns="" val="3349576044"/>
       </p:ext>
     </p:extLst>
   </p:cSld>

--- a/OPAR/INTREP VIS OPAR-001 - Syrian ground combat tactics.pptx
+++ b/OPAR/INTREP VIS OPAR-001 - Syrian ground combat tactics.pptx
@@ -203,7 +203,7 @@
             <a:fld id="{40637A30-8EE1-4060-9976-8832FC89EE34}" type="datetimeFigureOut">
               <a:rPr lang="nb-NO" smtClean="0"/>
               <a:pPr/>
-              <a:t>31.07.2020</a:t>
+              <a:t>28.08.2020</a:t>
             </a:fld>
             <a:endParaRPr lang="nb-NO"/>
           </a:p>
@@ -4291,40 +4291,8 @@
               <a:buChar char="•"/>
             </a:pPr>
             <a:r>
-              <a:rPr lang="nb-NO" sz="1200" dirty="0" smtClean="0"/>
-              <a:t>BM-21 </a:t>
-            </a:r>
-            <a:r>
-              <a:rPr lang="nb-NO" sz="1200" dirty="0" err="1" smtClean="0"/>
-              <a:t>launch</a:t>
-            </a:r>
-            <a:r>
-              <a:rPr lang="nb-NO" sz="1200" dirty="0" smtClean="0"/>
-              <a:t> or </a:t>
-            </a:r>
-            <a:r>
-              <a:rPr lang="nb-NO" sz="1200" dirty="0" err="1" smtClean="0"/>
-              <a:t>movement</a:t>
-            </a:r>
-            <a:r>
-              <a:rPr lang="nb-NO" sz="1200" dirty="0" smtClean="0"/>
-              <a:t> </a:t>
-            </a:r>
-            <a:r>
-              <a:rPr lang="nb-NO" sz="1200" dirty="0" err="1" smtClean="0"/>
-              <a:t>into</a:t>
-            </a:r>
-            <a:r>
-              <a:rPr lang="nb-NO" sz="1200" dirty="0" smtClean="0"/>
-              <a:t> firing </a:t>
-            </a:r>
-            <a:r>
-              <a:rPr lang="nb-NO" sz="1200" dirty="0" err="1" smtClean="0"/>
-              <a:t>positions</a:t>
-            </a:r>
-            <a:r>
-              <a:rPr lang="nb-NO" sz="1200" dirty="0" smtClean="0"/>
-              <a:t>. </a:t>
+              <a:rPr lang="nb-NO" sz="1200" dirty="0"/>
+              <a:t>BM-21 launch or movement into firing positions. </a:t>
             </a:r>
           </a:p>
           <a:p>
@@ -4333,14 +4301,9 @@
               <a:buChar char="•"/>
             </a:pPr>
             <a:r>
-              <a:rPr lang="nb-NO" sz="1200" dirty="0" smtClean="0"/>
-              <a:t>Preparing offensive / </a:t>
-            </a:r>
-            <a:r>
-              <a:rPr lang="nb-NO" sz="1200" dirty="0" err="1" smtClean="0"/>
-              <a:t>Attack</a:t>
-            </a:r>
-            <a:endParaRPr lang="nb-NO" sz="1200" dirty="0" smtClean="0"/>
+              <a:rPr lang="nb-NO" sz="1200" dirty="0"/>
+              <a:t>Preparing offensive / Attack</a:t>
+            </a:r>
           </a:p>
           <a:p>
             <a:pPr>
@@ -4348,46 +4311,9 @@
               <a:buChar char="•"/>
             </a:pPr>
             <a:r>
-              <a:rPr lang="nb-NO" sz="1200" dirty="0" smtClean="0"/>
-              <a:t>RW </a:t>
-            </a:r>
-            <a:r>
-              <a:rPr lang="nb-NO" sz="1200" dirty="0" err="1" smtClean="0"/>
-              <a:t>activity</a:t>
-            </a:r>
-            <a:r>
-              <a:rPr lang="nb-NO" sz="1200" dirty="0" smtClean="0"/>
-              <a:t> </a:t>
-            </a:r>
-            <a:r>
-              <a:rPr lang="nb-NO" sz="1200" dirty="0" err="1" smtClean="0"/>
-              <a:t>deep</a:t>
-            </a:r>
-            <a:r>
-              <a:rPr lang="nb-NO" sz="1200" dirty="0" smtClean="0"/>
-              <a:t> </a:t>
-            </a:r>
-            <a:r>
-              <a:rPr lang="nb-NO" sz="1200" dirty="0" err="1" smtClean="0"/>
-              <a:t>into</a:t>
-            </a:r>
-            <a:r>
-              <a:rPr lang="nb-NO" sz="1200" dirty="0" smtClean="0"/>
-              <a:t> </a:t>
-            </a:r>
-            <a:r>
-              <a:rPr lang="nb-NO" sz="1200" dirty="0" err="1" smtClean="0"/>
-              <a:t>enemy</a:t>
-            </a:r>
-            <a:r>
-              <a:rPr lang="nb-NO" sz="1200" dirty="0" smtClean="0"/>
-              <a:t> </a:t>
-            </a:r>
-            <a:r>
-              <a:rPr lang="nb-NO" sz="1200" dirty="0" err="1" smtClean="0"/>
-              <a:t>territory</a:t>
-            </a:r>
-            <a:endParaRPr lang="nb-NO" sz="1200" dirty="0" smtClean="0"/>
+              <a:rPr lang="nb-NO" sz="1200" dirty="0"/>
+              <a:t>RW activity deep into enemy territory</a:t>
+            </a:r>
           </a:p>
           <a:p>
             <a:pPr lvl="1">
@@ -4395,26 +4321,9 @@
               <a:buChar char="•"/>
             </a:pPr>
             <a:r>
-              <a:rPr lang="nb-NO" sz="1200" dirty="0" err="1" smtClean="0"/>
-              <a:t>Insertion</a:t>
-            </a:r>
-            <a:r>
-              <a:rPr lang="nb-NO" sz="1200" dirty="0" smtClean="0"/>
-              <a:t> </a:t>
-            </a:r>
-            <a:r>
-              <a:rPr lang="nb-NO" sz="1200" dirty="0" err="1" smtClean="0"/>
-              <a:t>of</a:t>
-            </a:r>
-            <a:r>
-              <a:rPr lang="nb-NO" sz="1200" dirty="0" smtClean="0"/>
-              <a:t> Long Range </a:t>
-            </a:r>
-            <a:r>
-              <a:rPr lang="nb-NO" sz="1200" dirty="0" err="1" smtClean="0"/>
-              <a:t>Recon</a:t>
-            </a:r>
-            <a:endParaRPr lang="nb-NO" sz="1200" dirty="0" smtClean="0"/>
+              <a:rPr lang="nb-NO" sz="1200" dirty="0"/>
+              <a:t>Insertion of Long Range Recon</a:t>
+            </a:r>
           </a:p>
           <a:p>
             <a:pPr>
@@ -4422,46 +4331,9 @@
               <a:buChar char="•"/>
             </a:pPr>
             <a:r>
-              <a:rPr lang="nb-NO" sz="1200" dirty="0" smtClean="0"/>
-              <a:t>FW (transport) </a:t>
-            </a:r>
-            <a:r>
-              <a:rPr lang="nb-NO" sz="1200" dirty="0" err="1" smtClean="0"/>
-              <a:t>activity</a:t>
-            </a:r>
-            <a:r>
-              <a:rPr lang="nb-NO" sz="1200" dirty="0" smtClean="0"/>
-              <a:t> </a:t>
-            </a:r>
-            <a:r>
-              <a:rPr lang="nb-NO" sz="1200" dirty="0" err="1" smtClean="0"/>
-              <a:t>deep</a:t>
-            </a:r>
-            <a:r>
-              <a:rPr lang="nb-NO" sz="1200" dirty="0" smtClean="0"/>
-              <a:t> </a:t>
-            </a:r>
-            <a:r>
-              <a:rPr lang="nb-NO" sz="1200" dirty="0" err="1" smtClean="0"/>
-              <a:t>into</a:t>
-            </a:r>
-            <a:r>
-              <a:rPr lang="nb-NO" sz="1200" dirty="0" smtClean="0"/>
-              <a:t> </a:t>
-            </a:r>
-            <a:r>
-              <a:rPr lang="nb-NO" sz="1200" dirty="0" err="1" smtClean="0"/>
-              <a:t>enemy</a:t>
-            </a:r>
-            <a:r>
-              <a:rPr lang="nb-NO" sz="1200" dirty="0" smtClean="0"/>
-              <a:t> </a:t>
-            </a:r>
-            <a:r>
-              <a:rPr lang="nb-NO" sz="1200" dirty="0" err="1" smtClean="0"/>
-              <a:t>territory</a:t>
-            </a:r>
-            <a:endParaRPr lang="nb-NO" sz="1200" dirty="0" smtClean="0"/>
+              <a:rPr lang="nb-NO" sz="1200" dirty="0"/>
+              <a:t>FW (transport) activity deep into enemy territory</a:t>
+            </a:r>
           </a:p>
           <a:p>
             <a:pPr lvl="1">
@@ -4469,28 +4341,8 @@
               <a:buChar char="•"/>
             </a:pPr>
             <a:r>
-              <a:rPr lang="nb-NO" sz="1200" dirty="0" err="1" smtClean="0"/>
-              <a:t>Airborne</a:t>
-            </a:r>
-            <a:r>
-              <a:rPr lang="nb-NO" sz="1200" dirty="0" smtClean="0"/>
-              <a:t> </a:t>
-            </a:r>
-            <a:r>
-              <a:rPr lang="nb-NO" sz="1200" dirty="0" err="1" smtClean="0"/>
-              <a:t>Assault</a:t>
-            </a:r>
-            <a:r>
-              <a:rPr lang="nb-NO" sz="1200" dirty="0" smtClean="0"/>
-              <a:t> ( </a:t>
-            </a:r>
-            <a:r>
-              <a:rPr lang="nb-NO" sz="1200" dirty="0" err="1" smtClean="0"/>
-              <a:t>Many</a:t>
-            </a:r>
-            <a:r>
-              <a:rPr lang="nb-NO" sz="1200" dirty="0" smtClean="0"/>
-              <a:t> FW transports)</a:t>
+              <a:rPr lang="nb-NO" sz="1200" dirty="0"/>
+              <a:t>Airborne Assault ( Many FW transports)</a:t>
             </a:r>
           </a:p>
           <a:p>
@@ -4499,64 +4351,8 @@
               <a:buChar char="•"/>
             </a:pPr>
             <a:r>
-              <a:rPr lang="nb-NO" sz="1200" dirty="0" smtClean="0"/>
-              <a:t>Long range </a:t>
-            </a:r>
-            <a:r>
-              <a:rPr lang="nb-NO" sz="1200" dirty="0" err="1" smtClean="0"/>
-              <a:t>Recon</a:t>
-            </a:r>
-            <a:r>
-              <a:rPr lang="nb-NO" sz="1200" dirty="0" smtClean="0"/>
-              <a:t> ( </a:t>
-            </a:r>
-            <a:r>
-              <a:rPr lang="nb-NO" sz="1200" dirty="0" err="1" smtClean="0"/>
-              <a:t>If</a:t>
-            </a:r>
-            <a:r>
-              <a:rPr lang="nb-NO" sz="1200" dirty="0" smtClean="0"/>
-              <a:t> </a:t>
-            </a:r>
-            <a:r>
-              <a:rPr lang="nb-NO" sz="1200" dirty="0" err="1" smtClean="0"/>
-              <a:t>only</a:t>
-            </a:r>
-            <a:r>
-              <a:rPr lang="nb-NO" sz="1200" dirty="0" smtClean="0"/>
-              <a:t> a single AC is in </a:t>
-            </a:r>
-            <a:r>
-              <a:rPr lang="nb-NO" sz="1200" dirty="0" err="1" smtClean="0"/>
-              <a:t>use</a:t>
-            </a:r>
-            <a:r>
-              <a:rPr lang="nb-NO" sz="1200" dirty="0" smtClean="0"/>
-              <a:t>, or flying </a:t>
-            </a:r>
-            <a:r>
-              <a:rPr lang="nb-NO" sz="1200" dirty="0" err="1" smtClean="0"/>
-              <a:t>tactical</a:t>
-            </a:r>
-            <a:r>
-              <a:rPr lang="nb-NO" sz="1200" dirty="0" smtClean="0"/>
-              <a:t>, </a:t>
-            </a:r>
-            <a:r>
-              <a:rPr lang="nb-NO" sz="1200" dirty="0" err="1" smtClean="0"/>
-              <a:t>low</a:t>
-            </a:r>
-            <a:r>
-              <a:rPr lang="nb-NO" sz="1200" dirty="0" smtClean="0"/>
-              <a:t> </a:t>
-            </a:r>
-            <a:r>
-              <a:rPr lang="nb-NO" sz="1200" dirty="0" err="1" smtClean="0"/>
-              <a:t>level</a:t>
-            </a:r>
-            <a:r>
-              <a:rPr lang="nb-NO" sz="1200" dirty="0" smtClean="0"/>
-              <a:t>)</a:t>
+              <a:rPr lang="nb-NO" sz="1200" dirty="0"/>
+              <a:t>Long range Recon ( If only a single AC is in use, or flying tactical, low level)</a:t>
             </a:r>
           </a:p>
           <a:p>
@@ -4565,36 +4361,8 @@
               <a:buChar char="•"/>
             </a:pPr>
             <a:r>
-              <a:rPr lang="nb-NO" sz="1200" dirty="0" err="1" smtClean="0"/>
-              <a:t>Artillery</a:t>
-            </a:r>
-            <a:r>
-              <a:rPr lang="nb-NO" sz="1200" dirty="0" smtClean="0"/>
-              <a:t> at a </a:t>
-            </a:r>
-            <a:r>
-              <a:rPr lang="nb-NO" sz="1200" dirty="0" err="1" smtClean="0"/>
-              <a:t>certain</a:t>
-            </a:r>
-            <a:r>
-              <a:rPr lang="nb-NO" sz="1200" dirty="0" smtClean="0"/>
-              <a:t> </a:t>
-            </a:r>
-            <a:r>
-              <a:rPr lang="nb-NO" sz="1200" dirty="0" err="1" smtClean="0"/>
-              <a:t>point</a:t>
-            </a:r>
-            <a:r>
-              <a:rPr lang="nb-NO" sz="1200" dirty="0" smtClean="0"/>
-              <a:t> (</a:t>
-            </a:r>
-            <a:r>
-              <a:rPr lang="nb-NO" sz="1200" dirty="0" err="1" smtClean="0"/>
-              <a:t>point</a:t>
-            </a:r>
-            <a:r>
-              <a:rPr lang="nb-NO" sz="1200" dirty="0" smtClean="0"/>
-              <a:t> target)</a:t>
+              <a:rPr lang="nb-NO" sz="1200" dirty="0"/>
+              <a:t>Artillery at a certain point (point target)</a:t>
             </a:r>
           </a:p>
           <a:p>
@@ -4603,12 +4371,8 @@
               <a:buChar char="•"/>
             </a:pPr>
             <a:r>
-              <a:rPr lang="nb-NO" sz="1200" dirty="0" err="1" smtClean="0"/>
-              <a:t>Trying</a:t>
-            </a:r>
-            <a:r>
-              <a:rPr lang="nb-NO" sz="1200" dirty="0" smtClean="0"/>
-              <a:t> to kill the target</a:t>
+              <a:rPr lang="nb-NO" sz="1200" dirty="0"/>
+              <a:t>Trying to kill the target</a:t>
             </a:r>
           </a:p>
           <a:p>
@@ -4617,12 +4381,8 @@
               <a:buChar char="•"/>
             </a:pPr>
             <a:r>
-              <a:rPr lang="nb-NO" sz="1200" dirty="0" err="1" smtClean="0"/>
-              <a:t>Artillery</a:t>
-            </a:r>
-            <a:r>
-              <a:rPr lang="nb-NO" sz="1200" dirty="0" smtClean="0"/>
-              <a:t> at an area</a:t>
+              <a:rPr lang="nb-NO" sz="1200" dirty="0"/>
+              <a:t>Artillery at an area</a:t>
             </a:r>
           </a:p>
           <a:p>
@@ -4631,51 +4391,45 @@
               <a:buChar char="•"/>
             </a:pPr>
             <a:r>
-              <a:rPr lang="nb-NO" sz="1200" dirty="0" err="1" smtClean="0"/>
-              <a:t>Suppression</a:t>
-            </a:r>
-            <a:r>
-              <a:rPr lang="nb-NO" sz="1200" dirty="0" smtClean="0"/>
-              <a:t>, to cover for </a:t>
-            </a:r>
-            <a:r>
-              <a:rPr lang="nb-NO" sz="1200" dirty="0" err="1" smtClean="0"/>
-              <a:t>movement</a:t>
-            </a:r>
-            <a:r>
-              <a:rPr lang="nb-NO" sz="1200" dirty="0" smtClean="0"/>
-              <a:t> / </a:t>
-            </a:r>
-            <a:r>
-              <a:rPr lang="nb-NO" sz="1200" dirty="0" err="1" smtClean="0"/>
-              <a:t>attack</a:t>
-            </a:r>
-            <a:endParaRPr lang="nb-NO" sz="1200" dirty="0" smtClean="0"/>
+              <a:rPr lang="nb-NO" sz="1200" dirty="0"/>
+              <a:t>Suppression, to cover for movement / attack</a:t>
+            </a:r>
           </a:p>
           <a:p>
             <a:pPr>
               <a:buFont typeface="Arial" pitchFamily="34" charset="0"/>
               <a:buChar char="•"/>
             </a:pPr>
-            <a:r>
-              <a:rPr lang="nb-NO" sz="1200" dirty="0" smtClean="0"/>
-              <a:t>Fill </a:t>
-            </a:r>
-            <a:r>
-              <a:rPr lang="nb-NO" sz="1200" dirty="0" err="1" smtClean="0"/>
-              <a:t>out</a:t>
-            </a:r>
-            <a:r>
-              <a:rPr lang="nb-NO" sz="1200" dirty="0" smtClean="0"/>
-              <a:t> </a:t>
-            </a:r>
-            <a:r>
-              <a:rPr lang="nb-NO" sz="1200" dirty="0" err="1" smtClean="0"/>
-              <a:t>many</a:t>
-            </a:r>
-            <a:r>
-              <a:rPr lang="nb-NO" sz="1200" dirty="0" smtClean="0"/>
-              <a:t> more…..</a:t>
+            <a:endParaRPr lang="nb-NO" sz="1200" dirty="0"/>
+          </a:p>
+          <a:p>
+            <a:pPr>
+              <a:buFont typeface="Arial" pitchFamily="34" charset="0"/>
+              <a:buChar char="•"/>
+            </a:pPr>
+            <a:r>
+              <a:rPr lang="nb-NO" sz="1200" dirty="0"/>
+              <a:t>Artillery units in firing position (spread out, IAW a template)</a:t>
+            </a:r>
+          </a:p>
+          <a:p>
+            <a:pPr>
+              <a:buFont typeface="Arial" pitchFamily="34" charset="0"/>
+              <a:buChar char="•"/>
+            </a:pPr>
+            <a:r>
+              <a:rPr lang="nb-NO" sz="1200" dirty="0"/>
+              <a:t>General convoy movement</a:t>
+            </a:r>
+          </a:p>
+          <a:p>
+            <a:pPr lvl="1">
+              <a:buFont typeface="Arial" pitchFamily="34" charset="0"/>
+              <a:buChar char="•"/>
+            </a:pPr>
+            <a:r>
+              <a:rPr lang="nb-NO" sz="1200" dirty="0"/>
+              <a:t>Upcoming action (offensive), in a certian amount of time</a:t>
             </a:r>
           </a:p>
           <a:p>
@@ -4690,115 +4444,7 @@
               <a:buFont typeface="Arial" pitchFamily="34" charset="0"/>
               <a:buChar char="•"/>
             </a:pPr>
-            <a:r>
-              <a:rPr lang="nb-NO" sz="1200" dirty="0" err="1" smtClean="0"/>
-              <a:t>Artillery</a:t>
-            </a:r>
-            <a:r>
-              <a:rPr lang="nb-NO" sz="1200" dirty="0" smtClean="0"/>
-              <a:t> </a:t>
-            </a:r>
-            <a:r>
-              <a:rPr lang="nb-NO" sz="1200" dirty="0" err="1" smtClean="0"/>
-              <a:t>units</a:t>
-            </a:r>
-            <a:r>
-              <a:rPr lang="nb-NO" sz="1200" dirty="0" smtClean="0"/>
-              <a:t> in firing </a:t>
-            </a:r>
-            <a:r>
-              <a:rPr lang="nb-NO" sz="1200" dirty="0" err="1" smtClean="0"/>
-              <a:t>position</a:t>
-            </a:r>
-            <a:r>
-              <a:rPr lang="nb-NO" sz="1200" dirty="0" smtClean="0"/>
-              <a:t> (</a:t>
-            </a:r>
-            <a:r>
-              <a:rPr lang="nb-NO" sz="1200" dirty="0" err="1" smtClean="0"/>
-              <a:t>spread</a:t>
-            </a:r>
-            <a:r>
-              <a:rPr lang="nb-NO" sz="1200" dirty="0" smtClean="0"/>
-              <a:t> </a:t>
-            </a:r>
-            <a:r>
-              <a:rPr lang="nb-NO" sz="1200" dirty="0" err="1" smtClean="0"/>
-              <a:t>out</a:t>
-            </a:r>
-            <a:r>
-              <a:rPr lang="nb-NO" sz="1200" dirty="0" smtClean="0"/>
-              <a:t>, IAW a </a:t>
-            </a:r>
-            <a:r>
-              <a:rPr lang="nb-NO" sz="1200" dirty="0" err="1" smtClean="0"/>
-              <a:t>template</a:t>
-            </a:r>
-            <a:r>
-              <a:rPr lang="nb-NO" sz="1200" dirty="0" smtClean="0"/>
-              <a:t>)</a:t>
-            </a:r>
-          </a:p>
-          <a:p>
-            <a:pPr>
-              <a:buFont typeface="Arial" pitchFamily="34" charset="0"/>
-              <a:buChar char="•"/>
-            </a:pPr>
-            <a:r>
-              <a:rPr lang="nb-NO" sz="1200" dirty="0" smtClean="0"/>
-              <a:t>General </a:t>
-            </a:r>
-            <a:r>
-              <a:rPr lang="nb-NO" sz="1200" dirty="0" err="1" smtClean="0"/>
-              <a:t>convoy</a:t>
-            </a:r>
-            <a:r>
-              <a:rPr lang="nb-NO" sz="1200" dirty="0" smtClean="0"/>
-              <a:t> </a:t>
-            </a:r>
-            <a:r>
-              <a:rPr lang="nb-NO" sz="1200" dirty="0" err="1" smtClean="0"/>
-              <a:t>movement</a:t>
-            </a:r>
             <a:endParaRPr lang="nb-NO" sz="1200" dirty="0" smtClean="0"/>
-          </a:p>
-          <a:p>
-            <a:pPr lvl="1">
-              <a:buFont typeface="Arial" pitchFamily="34" charset="0"/>
-              <a:buChar char="•"/>
-            </a:pPr>
-            <a:r>
-              <a:rPr lang="nb-NO" sz="1200" dirty="0" err="1" smtClean="0"/>
-              <a:t>Upcoming</a:t>
-            </a:r>
-            <a:r>
-              <a:rPr lang="nb-NO" sz="1200" dirty="0" smtClean="0"/>
-              <a:t> action (offensive), in a </a:t>
-            </a:r>
-            <a:r>
-              <a:rPr lang="nb-NO" sz="1200" dirty="0" err="1" smtClean="0"/>
-              <a:t>certian</a:t>
-            </a:r>
-            <a:r>
-              <a:rPr lang="nb-NO" sz="1200" dirty="0" smtClean="0"/>
-              <a:t> </a:t>
-            </a:r>
-            <a:r>
-              <a:rPr lang="nb-NO" sz="1200" dirty="0" err="1" smtClean="0"/>
-              <a:t>amount</a:t>
-            </a:r>
-            <a:r>
-              <a:rPr lang="nb-NO" sz="1200" dirty="0" smtClean="0"/>
-              <a:t> </a:t>
-            </a:r>
-            <a:r>
-              <a:rPr lang="nb-NO" sz="1200" dirty="0" err="1" smtClean="0"/>
-              <a:t>of</a:t>
-            </a:r>
-            <a:r>
-              <a:rPr lang="nb-NO" sz="1200" dirty="0" smtClean="0"/>
-              <a:t> time</a:t>
-            </a:r>
           </a:p>
         </p:txBody>
       </p:sp>
@@ -5423,6 +5069,46 @@
               <a:t>F</a:t>
             </a:r>
             <a:endParaRPr lang="nb-NO" sz="1200" dirty="0"/>
+          </a:p>
+        </p:txBody>
+      </p:sp>
+      <p:sp>
+        <p:nvSpPr>
+          <p:cNvPr id="19" name="TekstSylinder 9"/>
+          <p:cNvSpPr txBox="1"/>
+          <p:nvPr/>
+        </p:nvSpPr>
+        <p:spPr>
+          <a:xfrm rot="18996742">
+            <a:off x="4143482" y="1722033"/>
+            <a:ext cx="4374292" cy="1323439"/>
+          </a:xfrm>
+          <a:prstGeom prst="rect">
+            <a:avLst/>
+          </a:prstGeom>
+          <a:noFill/>
+        </p:spPr>
+        <p:txBody>
+          <a:bodyPr wrap="square" rtlCol="0">
+            <a:spAutoFit/>
+          </a:bodyPr>
+          <a:lstStyle/>
+          <a:p>
+            <a:r>
+              <a:rPr lang="en-US" sz="4000" b="1" dirty="0" smtClean="0">
+                <a:solidFill>
+                  <a:srgbClr val="FF0000"/>
+                </a:solidFill>
+                <a:latin typeface="Arial Black" pitchFamily="34" charset="0"/>
+              </a:rPr>
+              <a:t>DRAFT (Redundant?)</a:t>
+            </a:r>
+            <a:endParaRPr lang="en-US" sz="4000" b="1" dirty="0">
+              <a:solidFill>
+                <a:srgbClr val="FF0000"/>
+              </a:solidFill>
+              <a:latin typeface="Arial Black" pitchFamily="34" charset="0"/>
+            </a:endParaRPr>
           </a:p>
         </p:txBody>
       </p:sp>
@@ -5568,81 +5254,15 @@
               <a:buChar char="-"/>
             </a:pPr>
             <a:r>
-              <a:rPr lang="nb-NO" sz="1200" dirty="0" err="1" smtClean="0"/>
-              <a:t>Provide</a:t>
-            </a:r>
-            <a:r>
-              <a:rPr lang="nb-NO" sz="1200" dirty="0" smtClean="0"/>
-              <a:t> a list </a:t>
-            </a:r>
-            <a:r>
-              <a:rPr lang="nb-NO" sz="1200" dirty="0" err="1" smtClean="0"/>
-              <a:t>of</a:t>
-            </a:r>
-            <a:r>
-              <a:rPr lang="nb-NO" sz="1200" dirty="0" smtClean="0"/>
-              <a:t> </a:t>
-            </a:r>
-            <a:r>
-              <a:rPr lang="nb-NO" sz="1200" dirty="0" err="1" smtClean="0"/>
-              <a:t>questions</a:t>
-            </a:r>
-            <a:r>
-              <a:rPr lang="nb-NO" sz="1200" dirty="0" smtClean="0"/>
-              <a:t> or gaps in </a:t>
-            </a:r>
-            <a:r>
-              <a:rPr lang="nb-NO" sz="1200" dirty="0" err="1" smtClean="0"/>
-              <a:t>intelligence</a:t>
-            </a:r>
-            <a:r>
-              <a:rPr lang="nb-NO" sz="1200" dirty="0" smtClean="0"/>
-              <a:t>, </a:t>
-            </a:r>
-            <a:r>
-              <a:rPr lang="nb-NO" sz="1200" dirty="0" err="1" smtClean="0"/>
-              <a:t>where</a:t>
-            </a:r>
-            <a:r>
-              <a:rPr lang="nb-NO" sz="1200" dirty="0" smtClean="0"/>
-              <a:t> </a:t>
-            </a:r>
-            <a:r>
-              <a:rPr lang="nb-NO" sz="1200" dirty="0" err="1" smtClean="0"/>
-              <a:t>taskings</a:t>
-            </a:r>
-            <a:r>
-              <a:rPr lang="nb-NO" sz="1200" dirty="0" smtClean="0"/>
-              <a:t> </a:t>
-            </a:r>
-            <a:r>
-              <a:rPr lang="nb-NO" sz="1200" dirty="0" err="1" smtClean="0"/>
-              <a:t>can</a:t>
-            </a:r>
-            <a:r>
-              <a:rPr lang="nb-NO" sz="1200" dirty="0" smtClean="0"/>
-              <a:t> be </a:t>
-            </a:r>
-            <a:r>
-              <a:rPr lang="nb-NO" sz="1200" dirty="0" err="1" smtClean="0"/>
-              <a:t>generated</a:t>
-            </a:r>
-            <a:r>
-              <a:rPr lang="nb-NO" sz="1200" dirty="0" smtClean="0"/>
-              <a:t> to </a:t>
-            </a:r>
-            <a:r>
-              <a:rPr lang="nb-NO" sz="1200" dirty="0" err="1" smtClean="0"/>
-              <a:t>collect</a:t>
-            </a:r>
-            <a:r>
-              <a:rPr lang="nb-NO" sz="1200" dirty="0" smtClean="0"/>
-              <a:t> </a:t>
-            </a:r>
-            <a:r>
-              <a:rPr lang="nb-NO" sz="1200" dirty="0" err="1" smtClean="0"/>
-              <a:t>information</a:t>
-            </a:r>
+              <a:rPr lang="nb-NO" sz="1200" dirty="0"/>
+              <a:t>Provide a list of questions or gaps in intelligence, where taskings can be generated to collect information</a:t>
+            </a:r>
+          </a:p>
+          <a:p>
+            <a:pPr>
+              <a:buFontTx/>
+              <a:buChar char="-"/>
+            </a:pPr>
             <a:endParaRPr lang="nb-NO" sz="1200" dirty="0"/>
           </a:p>
         </p:txBody>
@@ -8688,6 +8308,46 @@
               </a:rPr>
               <a:t>A second BN of SA-8 will be close to the divisional Rocket-ARTY BN, defending it.</a:t>
             </a:r>
+          </a:p>
+        </p:txBody>
+      </p:sp>
+      <p:sp>
+        <p:nvSpPr>
+          <p:cNvPr id="32" name="TekstSylinder 9"/>
+          <p:cNvSpPr txBox="1"/>
+          <p:nvPr/>
+        </p:nvSpPr>
+        <p:spPr>
+          <a:xfrm rot="18996742">
+            <a:off x="5420137" y="1745194"/>
+            <a:ext cx="2423186" cy="707886"/>
+          </a:xfrm>
+          <a:prstGeom prst="rect">
+            <a:avLst/>
+          </a:prstGeom>
+          <a:noFill/>
+        </p:spPr>
+        <p:txBody>
+          <a:bodyPr wrap="square" rtlCol="0">
+            <a:spAutoFit/>
+          </a:bodyPr>
+          <a:lstStyle/>
+          <a:p>
+            <a:r>
+              <a:rPr lang="en-US" sz="4000" b="1" dirty="0" smtClean="0">
+                <a:solidFill>
+                  <a:srgbClr val="FF0000"/>
+                </a:solidFill>
+                <a:latin typeface="Arial Black" pitchFamily="34" charset="0"/>
+              </a:rPr>
+              <a:t>DRAFT</a:t>
+            </a:r>
+            <a:endParaRPr lang="en-US" sz="4000" b="1" dirty="0">
+              <a:solidFill>
+                <a:srgbClr val="FF0000"/>
+              </a:solidFill>
+              <a:latin typeface="Arial Black" pitchFamily="34" charset="0"/>
+            </a:endParaRPr>
           </a:p>
         </p:txBody>
       </p:sp>
@@ -9397,145 +9057,114 @@
           </a:bodyPr>
           <a:lstStyle/>
           <a:p>
-            <a:r>
-              <a:rPr lang="nb-NO" dirty="0" err="1" smtClean="0"/>
+            <a:pPr marL="285750" indent="-285750">
+              <a:buFont typeface="Arial" panose="020B0604020202020204" pitchFamily="34" charset="0"/>
+              <a:buChar char="•"/>
+            </a:pPr>
+            <a:r>
+              <a:rPr lang="nb-NO" dirty="0" smtClean="0"/>
               <a:t>Resupply</a:t>
             </a:r>
-            <a:endParaRPr lang="nb-NO" dirty="0" smtClean="0"/>
-          </a:p>
-          <a:p>
+          </a:p>
+          <a:p>
+            <a:pPr marL="285750" indent="-285750">
+              <a:buFont typeface="Arial" panose="020B0604020202020204" pitchFamily="34" charset="0"/>
+              <a:buChar char="•"/>
+            </a:pPr>
             <a:r>
               <a:rPr lang="nb-NO" dirty="0" smtClean="0"/>
               <a:t>Staging</a:t>
             </a:r>
           </a:p>
           <a:p>
-            <a:r>
-              <a:rPr lang="nb-NO" dirty="0" err="1" smtClean="0"/>
+            <a:pPr marL="285750" indent="-285750">
+              <a:buFont typeface="Arial" panose="020B0604020202020204" pitchFamily="34" charset="0"/>
+              <a:buChar char="•"/>
+            </a:pPr>
+            <a:r>
+              <a:rPr lang="nb-NO" dirty="0" smtClean="0"/>
               <a:t>Shaping</a:t>
             </a:r>
+          </a:p>
+          <a:p>
+            <a:pPr marL="285750" indent="-285750">
+              <a:buFont typeface="Arial" panose="020B0604020202020204" pitchFamily="34" charset="0"/>
+              <a:buChar char="•"/>
+            </a:pPr>
+            <a:r>
+              <a:rPr lang="nb-NO" dirty="0" smtClean="0"/>
+              <a:t>Assault</a:t>
+            </a:r>
+          </a:p>
+          <a:p>
+            <a:pPr marL="285750" indent="-285750">
+              <a:buFont typeface="Arial" panose="020B0604020202020204" pitchFamily="34" charset="0"/>
+              <a:buChar char="•"/>
+            </a:pPr>
+            <a:r>
+              <a:rPr lang="nb-NO" dirty="0" smtClean="0"/>
+              <a:t>Transition into defensive</a:t>
+            </a:r>
+          </a:p>
+          <a:p>
+            <a:pPr marL="285750" indent="-285750">
+              <a:buFont typeface="Arial" panose="020B0604020202020204" pitchFamily="34" charset="0"/>
+              <a:buChar char="•"/>
+            </a:pPr>
+            <a:r>
+              <a:rPr lang="nb-NO" dirty="0" smtClean="0"/>
+              <a:t>Recondition, rearm, reload</a:t>
+            </a:r>
+          </a:p>
+          <a:p>
             <a:endParaRPr lang="nb-NO" dirty="0" smtClean="0"/>
           </a:p>
           <a:p>
             <a:r>
-              <a:rPr lang="nb-NO" dirty="0" err="1" smtClean="0"/>
-              <a:t>Assault</a:t>
+              <a:rPr lang="nb-NO" dirty="0" smtClean="0"/>
+              <a:t>(With indicators on each of the phases if possible)</a:t>
             </a:r>
             <a:endParaRPr lang="nb-NO" dirty="0" smtClean="0"/>
           </a:p>
-          <a:p>
-            <a:r>
-              <a:rPr lang="nb-NO" dirty="0" err="1" smtClean="0"/>
-              <a:t>Transition</a:t>
-            </a:r>
-            <a:r>
-              <a:rPr lang="nb-NO" dirty="0" smtClean="0"/>
-              <a:t> </a:t>
-            </a:r>
-            <a:r>
-              <a:rPr lang="nb-NO" dirty="0" err="1" smtClean="0"/>
-              <a:t>into</a:t>
-            </a:r>
-            <a:r>
-              <a:rPr lang="nb-NO" dirty="0" smtClean="0"/>
-              <a:t> defensive</a:t>
-            </a:r>
-          </a:p>
-          <a:p>
-            <a:r>
-              <a:rPr lang="nb-NO" dirty="0" err="1" smtClean="0"/>
-              <a:t>Recondition</a:t>
-            </a:r>
-            <a:r>
-              <a:rPr lang="nb-NO" dirty="0" smtClean="0"/>
-              <a:t>, </a:t>
-            </a:r>
-            <a:r>
-              <a:rPr lang="nb-NO" dirty="0" err="1" smtClean="0"/>
-              <a:t>rearm</a:t>
-            </a:r>
-            <a:r>
-              <a:rPr lang="nb-NO" dirty="0" smtClean="0"/>
-              <a:t>, </a:t>
-            </a:r>
-            <a:r>
-              <a:rPr lang="nb-NO" dirty="0" err="1" smtClean="0"/>
-              <a:t>reload</a:t>
-            </a:r>
-            <a:endParaRPr lang="nb-NO" dirty="0" smtClean="0"/>
-          </a:p>
-          <a:p>
-            <a:endParaRPr lang="nb-NO" dirty="0" smtClean="0"/>
-          </a:p>
-          <a:p>
-            <a:r>
-              <a:rPr lang="nb-NO" dirty="0" smtClean="0"/>
-              <a:t>(With </a:t>
-            </a:r>
-            <a:r>
-              <a:rPr lang="nb-NO" dirty="0" err="1" smtClean="0"/>
-              <a:t>indicators</a:t>
-            </a:r>
-            <a:r>
-              <a:rPr lang="nb-NO" dirty="0" smtClean="0"/>
-              <a:t> </a:t>
-            </a:r>
-            <a:r>
-              <a:rPr lang="nb-NO" dirty="0" err="1" smtClean="0"/>
-              <a:t>on</a:t>
-            </a:r>
-            <a:r>
-              <a:rPr lang="nb-NO" dirty="0" smtClean="0"/>
-              <a:t> </a:t>
-            </a:r>
-            <a:r>
-              <a:rPr lang="nb-NO" dirty="0" err="1" smtClean="0"/>
-              <a:t>each</a:t>
-            </a:r>
-            <a:r>
-              <a:rPr lang="nb-NO" dirty="0" smtClean="0"/>
-              <a:t> </a:t>
-            </a:r>
-            <a:r>
-              <a:rPr lang="nb-NO" dirty="0" err="1" smtClean="0"/>
-              <a:t>of</a:t>
-            </a:r>
-            <a:r>
-              <a:rPr lang="nb-NO" dirty="0" smtClean="0"/>
-              <a:t> </a:t>
-            </a:r>
-            <a:r>
-              <a:rPr lang="nb-NO" dirty="0" err="1" smtClean="0"/>
-              <a:t>the</a:t>
-            </a:r>
-            <a:r>
-              <a:rPr lang="nb-NO" dirty="0" smtClean="0"/>
-              <a:t> </a:t>
-            </a:r>
-            <a:r>
-              <a:rPr lang="nb-NO" dirty="0" err="1" smtClean="0"/>
-              <a:t>phases</a:t>
-            </a:r>
-            <a:r>
-              <a:rPr lang="nb-NO" dirty="0" smtClean="0"/>
-              <a:t> </a:t>
-            </a:r>
-            <a:r>
-              <a:rPr lang="nb-NO" dirty="0" err="1" smtClean="0"/>
-              <a:t>if</a:t>
-            </a:r>
-            <a:r>
-              <a:rPr lang="nb-NO" dirty="0" smtClean="0"/>
-              <a:t> </a:t>
-            </a:r>
-            <a:r>
-              <a:rPr lang="nb-NO" dirty="0" err="1" smtClean="0"/>
-              <a:t>possible</a:t>
-            </a:r>
-            <a:r>
-              <a:rPr lang="nb-NO" dirty="0" smtClean="0"/>
-              <a:t>)</a:t>
-            </a:r>
+        </p:txBody>
+      </p:sp>
+      <p:sp>
+        <p:nvSpPr>
+          <p:cNvPr id="20" name="TekstSylinder 9"/>
+          <p:cNvSpPr txBox="1"/>
+          <p:nvPr/>
+        </p:nvSpPr>
+        <p:spPr>
+          <a:xfrm rot="18996742">
+            <a:off x="5420137" y="1745194"/>
+            <a:ext cx="2423186" cy="707886"/>
+          </a:xfrm>
+          <a:prstGeom prst="rect">
+            <a:avLst/>
+          </a:prstGeom>
+          <a:noFill/>
+        </p:spPr>
+        <p:txBody>
+          <a:bodyPr wrap="square" rtlCol="0">
+            <a:spAutoFit/>
+          </a:bodyPr>
+          <a:lstStyle/>
+          <a:p>
+            <a:r>
+              <a:rPr lang="en-US" sz="4000" b="1" dirty="0" smtClean="0">
+                <a:solidFill>
+                  <a:srgbClr val="FF0000"/>
+                </a:solidFill>
+                <a:latin typeface="Arial Black" pitchFamily="34" charset="0"/>
+              </a:rPr>
+              <a:t>DRAFT</a:t>
+            </a:r>
+            <a:endParaRPr lang="en-US" sz="4000" b="1" dirty="0">
+              <a:solidFill>
+                <a:srgbClr val="FF0000"/>
+              </a:solidFill>
+              <a:latin typeface="Arial Black" pitchFamily="34" charset="0"/>
+            </a:endParaRPr>
           </a:p>
         </p:txBody>
       </p:sp>
@@ -10344,6 +9973,46 @@
               <a:buChar char="-"/>
             </a:pPr>
             <a:endParaRPr lang="nb-NO" dirty="0" smtClean="0"/>
+          </a:p>
+        </p:txBody>
+      </p:sp>
+      <p:sp>
+        <p:nvSpPr>
+          <p:cNvPr id="20" name="TekstSylinder 9"/>
+          <p:cNvSpPr txBox="1"/>
+          <p:nvPr/>
+        </p:nvSpPr>
+        <p:spPr>
+          <a:xfrm rot="18996742">
+            <a:off x="5420137" y="1745194"/>
+            <a:ext cx="2423186" cy="707886"/>
+          </a:xfrm>
+          <a:prstGeom prst="rect">
+            <a:avLst/>
+          </a:prstGeom>
+          <a:noFill/>
+        </p:spPr>
+        <p:txBody>
+          <a:bodyPr wrap="square" rtlCol="0">
+            <a:spAutoFit/>
+          </a:bodyPr>
+          <a:lstStyle/>
+          <a:p>
+            <a:r>
+              <a:rPr lang="en-US" sz="4000" b="1" dirty="0" smtClean="0">
+                <a:solidFill>
+                  <a:srgbClr val="FF0000"/>
+                </a:solidFill>
+                <a:latin typeface="Arial Black" pitchFamily="34" charset="0"/>
+              </a:rPr>
+              <a:t>DRAFT</a:t>
+            </a:r>
+            <a:endParaRPr lang="en-US" sz="4000" b="1" dirty="0">
+              <a:solidFill>
+                <a:srgbClr val="FF0000"/>
+              </a:solidFill>
+              <a:latin typeface="Arial Black" pitchFamily="34" charset="0"/>
+            </a:endParaRPr>
           </a:p>
         </p:txBody>
       </p:sp>
@@ -11075,7 +10744,6 @@
               <a:rPr lang="nb-NO" sz="1600" dirty="0" smtClean="0"/>
               <a:t>Shape the conditions in the battlefield to be in favor of the offensive force by hindering the enemy’s ability to counter the coming offensive.</a:t>
             </a:r>
-            <a:endParaRPr lang="nb-NO" sz="1600" dirty="0" smtClean="0"/>
           </a:p>
           <a:p>
             <a:endParaRPr lang="nb-NO" sz="1600" dirty="0" smtClean="0"/>
@@ -11144,7 +10812,6 @@
               <a:rPr lang="nb-NO" sz="1600" dirty="0" smtClean="0"/>
               <a:t>Loss of contact with observation posts (Suggesting either they’ve fallen to a raid by enemy SOFs or that the communications line have been severed by enemy artillery/SOF activity</a:t>
             </a:r>
-            <a:endParaRPr lang="nb-NO" sz="1600" dirty="0" smtClean="0"/>
           </a:p>
           <a:p>
             <a:pPr marL="285750" indent="-285750">
@@ -11159,6 +10826,46 @@
               <a:buChar char="-"/>
             </a:pPr>
             <a:endParaRPr lang="nb-NO" sz="1600" dirty="0" smtClean="0"/>
+          </a:p>
+        </p:txBody>
+      </p:sp>
+      <p:sp>
+        <p:nvSpPr>
+          <p:cNvPr id="20" name="TekstSylinder 9"/>
+          <p:cNvSpPr txBox="1"/>
+          <p:nvPr/>
+        </p:nvSpPr>
+        <p:spPr>
+          <a:xfrm rot="18996742">
+            <a:off x="5420137" y="1745194"/>
+            <a:ext cx="2423186" cy="707886"/>
+          </a:xfrm>
+          <a:prstGeom prst="rect">
+            <a:avLst/>
+          </a:prstGeom>
+          <a:noFill/>
+        </p:spPr>
+        <p:txBody>
+          <a:bodyPr wrap="square" rtlCol="0">
+            <a:spAutoFit/>
+          </a:bodyPr>
+          <a:lstStyle/>
+          <a:p>
+            <a:r>
+              <a:rPr lang="en-US" sz="4000" b="1" dirty="0" smtClean="0">
+                <a:solidFill>
+                  <a:srgbClr val="FF0000"/>
+                </a:solidFill>
+                <a:latin typeface="Arial Black" pitchFamily="34" charset="0"/>
+              </a:rPr>
+              <a:t>DRAFT</a:t>
+            </a:r>
+            <a:endParaRPr lang="en-US" sz="4000" b="1" dirty="0">
+              <a:solidFill>
+                <a:srgbClr val="FF0000"/>
+              </a:solidFill>
+              <a:latin typeface="Arial Black" pitchFamily="34" charset="0"/>
+            </a:endParaRPr>
           </a:p>
         </p:txBody>
       </p:sp>
@@ -11890,7 +11597,6 @@
               <a:rPr lang="nb-NO" sz="1600" dirty="0" smtClean="0"/>
               <a:t>Utilize the unit’s manuevering forces to achieve the objective of the offensive (territorial gain or tactical or strategic condition).</a:t>
             </a:r>
-            <a:endParaRPr lang="nb-NO" sz="1600" dirty="0" smtClean="0"/>
           </a:p>
           <a:p>
             <a:endParaRPr lang="nb-NO" sz="1600" dirty="0" smtClean="0"/>
@@ -11908,7 +11614,15 @@
             </a:pPr>
             <a:r>
               <a:rPr lang="nb-NO" sz="1600" dirty="0" smtClean="0"/>
-              <a:t>Attack conducted by the a manuever by the division’s manuevering brigades</a:t>
+              <a:t>Attack conducted by </a:t>
+            </a:r>
+            <a:r>
+              <a:rPr lang="nb-NO" sz="1600" dirty="0" smtClean="0"/>
+              <a:t>the </a:t>
+            </a:r>
+            <a:r>
+              <a:rPr lang="nb-NO" sz="1600" dirty="0" smtClean="0"/>
+              <a:t>manuevering brigades</a:t>
             </a:r>
           </a:p>
           <a:p>
@@ -12687,6 +12401,169 @@
           </a:p>
         </p:txBody>
       </p:sp>
+      <p:sp>
+        <p:nvSpPr>
+          <p:cNvPr id="19" name="TekstSylinder 18"/>
+          <p:cNvSpPr txBox="1"/>
+          <p:nvPr/>
+        </p:nvSpPr>
+        <p:spPr>
+          <a:xfrm>
+            <a:off x="179512" y="1000114"/>
+            <a:ext cx="8496944" cy="4524315"/>
+          </a:xfrm>
+          <a:prstGeom prst="rect">
+            <a:avLst/>
+          </a:prstGeom>
+          <a:noFill/>
+        </p:spPr>
+        <p:txBody>
+          <a:bodyPr wrap="square" rtlCol="0">
+            <a:spAutoFit/>
+          </a:bodyPr>
+          <a:lstStyle/>
+          <a:p>
+            <a:r>
+              <a:rPr lang="nb-NO" sz="1600" b="1" dirty="0" smtClean="0"/>
+              <a:t>Purpose:</a:t>
+            </a:r>
+          </a:p>
+          <a:p>
+            <a:pPr marL="285750" indent="-285750">
+              <a:buFontTx/>
+              <a:buChar char="-"/>
+            </a:pPr>
+            <a:r>
+              <a:rPr lang="nb-NO" sz="1600" dirty="0" smtClean="0"/>
+              <a:t>Defend the territory held or seized by the division’s menuevering units against enemy expected counter attacks</a:t>
+            </a:r>
+          </a:p>
+          <a:p>
+            <a:pPr marL="285750" indent="-285750">
+              <a:buFontTx/>
+              <a:buChar char="-"/>
+            </a:pPr>
+            <a:r>
+              <a:rPr lang="nb-NO" sz="1600" dirty="0" smtClean="0"/>
+              <a:t>Optionally: Hold ground and provide cover for another division moving through seized area to continue the Corp’s offensive</a:t>
+            </a:r>
+          </a:p>
+          <a:p>
+            <a:endParaRPr lang="nb-NO" sz="1600" dirty="0" smtClean="0"/>
+          </a:p>
+          <a:p>
+            <a:endParaRPr lang="nb-NO" sz="1600" dirty="0" smtClean="0"/>
+          </a:p>
+          <a:p>
+            <a:r>
+              <a:rPr lang="nb-NO" sz="1600" b="1" dirty="0" smtClean="0"/>
+              <a:t>Activity:</a:t>
+            </a:r>
+          </a:p>
+          <a:p>
+            <a:pPr marL="285750" indent="-285750">
+              <a:buFontTx/>
+              <a:buChar char="-"/>
+            </a:pPr>
+            <a:r>
+              <a:rPr lang="nb-NO" sz="1600" dirty="0" smtClean="0"/>
+              <a:t>Combat vehicles taking defensive positions. Most preferrably on high grounds, elevated positions or revetments to be used as static positions for observation and fire</a:t>
+            </a:r>
+            <a:endParaRPr lang="nb-NO" sz="1600" dirty="0" smtClean="0"/>
+          </a:p>
+          <a:p>
+            <a:endParaRPr lang="nb-NO" sz="1600" dirty="0" smtClean="0"/>
+          </a:p>
+          <a:p>
+            <a:r>
+              <a:rPr lang="nb-NO" sz="1600" b="1" dirty="0" smtClean="0"/>
+              <a:t>Indicators:</a:t>
+            </a:r>
+          </a:p>
+          <a:p>
+            <a:pPr marL="285750" indent="-285750">
+              <a:buFontTx/>
+              <a:buChar char="-"/>
+            </a:pPr>
+            <a:r>
+              <a:rPr lang="nb-NO" sz="1600" dirty="0" smtClean="0"/>
+              <a:t>Combat vehicles in static positions, usually on elevated grounds</a:t>
+            </a:r>
+          </a:p>
+          <a:p>
+            <a:pPr marL="285750" indent="-285750">
+              <a:buFontTx/>
+              <a:buChar char="-"/>
+            </a:pPr>
+            <a:r>
+              <a:rPr lang="nb-NO" sz="1600" dirty="0" smtClean="0"/>
+              <a:t>Possible presence of logistics vehicles in/near defensive positions to resupply/service combat vehicles and personnel</a:t>
+            </a:r>
+            <a:endParaRPr lang="nb-NO" sz="1600" dirty="0" smtClean="0"/>
+          </a:p>
+          <a:p>
+            <a:pPr marL="285750" indent="-285750">
+              <a:buFontTx/>
+              <a:buChar char="-"/>
+            </a:pPr>
+            <a:endParaRPr lang="nb-NO" sz="1600" dirty="0" smtClean="0"/>
+          </a:p>
+          <a:p>
+            <a:pPr marL="285750" indent="-285750">
+              <a:buFontTx/>
+              <a:buChar char="-"/>
+            </a:pPr>
+            <a:endParaRPr lang="nb-NO" sz="1600" dirty="0" smtClean="0"/>
+          </a:p>
+          <a:p>
+            <a:pPr marL="285750" indent="-285750">
+              <a:buFontTx/>
+              <a:buChar char="-"/>
+            </a:pPr>
+            <a:endParaRPr lang="nb-NO" sz="1600" dirty="0" smtClean="0"/>
+          </a:p>
+        </p:txBody>
+      </p:sp>
+      <p:sp>
+        <p:nvSpPr>
+          <p:cNvPr id="20" name="TekstSylinder 9"/>
+          <p:cNvSpPr txBox="1"/>
+          <p:nvPr/>
+        </p:nvSpPr>
+        <p:spPr>
+          <a:xfrm rot="18996742">
+            <a:off x="5420137" y="1745194"/>
+            <a:ext cx="2423186" cy="707886"/>
+          </a:xfrm>
+          <a:prstGeom prst="rect">
+            <a:avLst/>
+          </a:prstGeom>
+          <a:noFill/>
+        </p:spPr>
+        <p:txBody>
+          <a:bodyPr wrap="square" rtlCol="0">
+            <a:spAutoFit/>
+          </a:bodyPr>
+          <a:lstStyle/>
+          <a:p>
+            <a:r>
+              <a:rPr lang="en-US" sz="4000" b="1" dirty="0" smtClean="0">
+                <a:solidFill>
+                  <a:srgbClr val="FF0000"/>
+                </a:solidFill>
+                <a:latin typeface="Arial Black" pitchFamily="34" charset="0"/>
+              </a:rPr>
+              <a:t>DRAFT</a:t>
+            </a:r>
+            <a:endParaRPr lang="en-US" sz="4000" b="1" dirty="0">
+              <a:solidFill>
+                <a:srgbClr val="FF0000"/>
+              </a:solidFill>
+              <a:latin typeface="Arial Black" pitchFamily="34" charset="0"/>
+            </a:endParaRPr>
+          </a:p>
+        </p:txBody>
+      </p:sp>
     </p:spTree>
   </p:cSld>
   <p:clrMapOvr>
@@ -12729,16 +12606,25 @@
             <p:ph type="title"/>
           </p:nvPr>
         </p:nvSpPr>
-        <p:spPr/>
+        <p:spPr>
+          <a:xfrm>
+            <a:off x="36512" y="267494"/>
+            <a:ext cx="9144000" cy="732620"/>
+          </a:xfrm>
+        </p:spPr>
         <p:txBody>
           <a:bodyPr/>
           <a:lstStyle/>
           <a:p>
             <a:r>
-              <a:rPr lang="en-US" dirty="0" smtClean="0"/>
-              <a:t>USE OF SHOCK BATTALIONS</a:t>
-            </a:r>
-            <a:endParaRPr lang="en-US" dirty="0"/>
+              <a:rPr lang="en-US" sz="2000" dirty="0" smtClean="0"/>
+              <a:t>USE OF SHOCK </a:t>
+            </a:r>
+            <a:r>
+              <a:rPr lang="en-US" sz="2000" dirty="0" smtClean="0"/>
+              <a:t>BATTALIONS / Special Operations forces</a:t>
+            </a:r>
+            <a:endParaRPr lang="en-US" sz="2000" dirty="0"/>
           </a:p>
         </p:txBody>
       </p:sp>
@@ -13363,6 +13249,189 @@
               <a:t>F</a:t>
             </a:r>
             <a:endParaRPr lang="nb-NO" sz="1200" dirty="0"/>
+          </a:p>
+        </p:txBody>
+      </p:sp>
+      <p:sp>
+        <p:nvSpPr>
+          <p:cNvPr id="19" name="TekstSylinder 18"/>
+          <p:cNvSpPr txBox="1"/>
+          <p:nvPr/>
+        </p:nvSpPr>
+        <p:spPr>
+          <a:xfrm>
+            <a:off x="179512" y="1000114"/>
+            <a:ext cx="8496944" cy="5016758"/>
+          </a:xfrm>
+          <a:prstGeom prst="rect">
+            <a:avLst/>
+          </a:prstGeom>
+          <a:noFill/>
+        </p:spPr>
+        <p:txBody>
+          <a:bodyPr wrap="square" rtlCol="0">
+            <a:spAutoFit/>
+          </a:bodyPr>
+          <a:lstStyle/>
+          <a:p>
+            <a:r>
+              <a:rPr lang="nb-NO" sz="1600" b="1" dirty="0" smtClean="0"/>
+              <a:t>Purpose:</a:t>
+            </a:r>
+          </a:p>
+          <a:p>
+            <a:pPr marL="285750" indent="-285750">
+              <a:buFontTx/>
+              <a:buChar char="-"/>
+            </a:pPr>
+            <a:r>
+              <a:rPr lang="nb-NO" sz="1600" dirty="0" smtClean="0"/>
+              <a:t>Use of small forces to shape conditions for the main offensive effort</a:t>
+            </a:r>
+          </a:p>
+          <a:p>
+            <a:endParaRPr lang="nb-NO" sz="1600" dirty="0" smtClean="0"/>
+          </a:p>
+          <a:p>
+            <a:r>
+              <a:rPr lang="nb-NO" sz="1600" b="1" dirty="0" smtClean="0"/>
+              <a:t>Activity:</a:t>
+            </a:r>
+          </a:p>
+          <a:p>
+            <a:pPr marL="285750" indent="-285750">
+              <a:buFontTx/>
+              <a:buChar char="-"/>
+            </a:pPr>
+            <a:r>
+              <a:rPr lang="nb-NO" sz="1600" dirty="0" smtClean="0"/>
+              <a:t>Move ahead of main Divisional forces for intelligence gathering, scouting and assesing enemy strength and deployments (finding week areas etc)</a:t>
+            </a:r>
+          </a:p>
+          <a:p>
+            <a:pPr marL="285750" indent="-285750">
+              <a:buFontTx/>
+              <a:buChar char="-"/>
+            </a:pPr>
+            <a:r>
+              <a:rPr lang="nb-NO" sz="1600" dirty="0" smtClean="0"/>
+              <a:t>Infiltrate into enemy-held areas for specific operations such as:</a:t>
+            </a:r>
+          </a:p>
+          <a:p>
+            <a:pPr marL="742950" lvl="1" indent="-285750">
+              <a:buFontTx/>
+              <a:buChar char="-"/>
+            </a:pPr>
+            <a:r>
+              <a:rPr lang="nb-NO" sz="1600" dirty="0" smtClean="0"/>
+              <a:t>Destroy bridges/ mine roads / place IEDs / set ambush points -  to disrupt enemy movements (reinforcements and maneuvers)</a:t>
+            </a:r>
+          </a:p>
+          <a:p>
+            <a:pPr marL="742950" lvl="1" indent="-285750">
+              <a:buFontTx/>
+              <a:buChar char="-"/>
+            </a:pPr>
+            <a:r>
+              <a:rPr lang="nb-NO" sz="1600" dirty="0" smtClean="0"/>
+              <a:t>Attack command posts and communication sites to disrupt enemy Command&amp;Control capabilities</a:t>
+            </a:r>
+            <a:endParaRPr lang="nb-NO" sz="1600" dirty="0" smtClean="0"/>
+          </a:p>
+          <a:p>
+            <a:endParaRPr lang="nb-NO" sz="1600" dirty="0" smtClean="0"/>
+          </a:p>
+          <a:p>
+            <a:r>
+              <a:rPr lang="nb-NO" sz="1600" b="1" dirty="0" smtClean="0"/>
+              <a:t>Indicators:</a:t>
+            </a:r>
+          </a:p>
+          <a:p>
+            <a:pPr marL="285750" indent="-285750">
+              <a:buFontTx/>
+              <a:buChar char="-"/>
+            </a:pPr>
+            <a:r>
+              <a:rPr lang="nb-NO" sz="1600" dirty="0" smtClean="0"/>
+              <a:t>Signs of attacks / hostile activities inside friendly soil, up to several miles from the FLOT that are NOT part of a major offensive</a:t>
+            </a:r>
+          </a:p>
+          <a:p>
+            <a:pPr marL="285750" indent="-285750">
+              <a:buFontTx/>
+              <a:buChar char="-"/>
+            </a:pPr>
+            <a:r>
+              <a:rPr lang="nb-NO" sz="1600" dirty="0" smtClean="0"/>
+              <a:t>Loss of contact with outposts or units </a:t>
+            </a:r>
+          </a:p>
+          <a:p>
+            <a:pPr lvl="1"/>
+            <a:endParaRPr lang="nb-NO" sz="1600" dirty="0" smtClean="0"/>
+          </a:p>
+          <a:p>
+            <a:pPr marL="285750" indent="-285750">
+              <a:buFontTx/>
+              <a:buChar char="-"/>
+            </a:pPr>
+            <a:endParaRPr lang="nb-NO" sz="1600" dirty="0" smtClean="0"/>
+          </a:p>
+          <a:p>
+            <a:pPr marL="285750" indent="-285750">
+              <a:buFontTx/>
+              <a:buChar char="-"/>
+            </a:pPr>
+            <a:endParaRPr lang="nb-NO" sz="1600" dirty="0" smtClean="0"/>
+          </a:p>
+          <a:p>
+            <a:pPr marL="285750" indent="-285750">
+              <a:buFontTx/>
+              <a:buChar char="-"/>
+            </a:pPr>
+            <a:endParaRPr lang="nb-NO" sz="1600" dirty="0" smtClean="0"/>
+          </a:p>
+        </p:txBody>
+      </p:sp>
+      <p:sp>
+        <p:nvSpPr>
+          <p:cNvPr id="20" name="TekstSylinder 9"/>
+          <p:cNvSpPr txBox="1"/>
+          <p:nvPr/>
+        </p:nvSpPr>
+        <p:spPr>
+          <a:xfrm rot="18996742">
+            <a:off x="5420137" y="1745194"/>
+            <a:ext cx="2423186" cy="707886"/>
+          </a:xfrm>
+          <a:prstGeom prst="rect">
+            <a:avLst/>
+          </a:prstGeom>
+          <a:noFill/>
+        </p:spPr>
+        <p:txBody>
+          <a:bodyPr wrap="square" rtlCol="0">
+            <a:spAutoFit/>
+          </a:bodyPr>
+          <a:lstStyle/>
+          <a:p>
+            <a:r>
+              <a:rPr lang="en-US" sz="4000" b="1" dirty="0" smtClean="0">
+                <a:solidFill>
+                  <a:srgbClr val="FF0000"/>
+                </a:solidFill>
+                <a:latin typeface="Arial Black" pitchFamily="34" charset="0"/>
+              </a:rPr>
+              <a:t>DRAFT</a:t>
+            </a:r>
+            <a:endParaRPr lang="en-US" sz="4000" b="1" dirty="0">
+              <a:solidFill>
+                <a:srgbClr val="FF0000"/>
+              </a:solidFill>
+              <a:latin typeface="Arial Black" pitchFamily="34" charset="0"/>
+            </a:endParaRPr>
           </a:p>
         </p:txBody>
       </p:sp>
